--- a/Hanium_AI_Introduction/Document/[02]_한이음 회의문서/[1차회의] 인공지능 자기소개서 분석_KickOff_20200328.pptx
+++ b/Hanium_AI_Introduction/Document/[02]_한이음 회의문서/[1차회의] 인공지능 자기소개서 분석_KickOff_20200328.pptx
@@ -193,6 +193,2940 @@
 <file path=ppt/changesInfos/changesInfo1.xml><?xml version="1.0" encoding="utf-8"?>
 <pc:chgInfo xmlns:a="http://schemas.openxmlformats.org/drawingml/2006/main" xmlns:r="http://schemas.openxmlformats.org/officeDocument/2006/relationships" xmlns:ac="http://schemas.microsoft.com/office/drawing/2013/main/command" xmlns:pc="http://schemas.microsoft.com/office/powerpoint/2013/main/command">
   <pc:docChgLst>
+    <pc:chgData name="Im JinSeop" userId="c40f7fbe82cfb90a" providerId="LiveId" clId="{84AA0560-3411-43A6-9124-2A52F4FC3884}"/>
+    <pc:docChg chg="modSld">
+      <pc:chgData name="Im JinSeop" userId="c40f7fbe82cfb90a" providerId="LiveId" clId="{84AA0560-3411-43A6-9124-2A52F4FC3884}" dt="2020-04-10T01:53:12.066" v="28" actId="113"/>
+      <pc:docMkLst>
+        <pc:docMk/>
+      </pc:docMkLst>
+      <pc:sldChg chg="modSp mod">
+        <pc:chgData name="Im JinSeop" userId="c40f7fbe82cfb90a" providerId="LiveId" clId="{84AA0560-3411-43A6-9124-2A52F4FC3884}" dt="2020-04-10T01:52:36.800" v="26" actId="113"/>
+        <pc:sldMkLst>
+          <pc:docMk/>
+          <pc:sldMk cId="1723337297" sldId="260"/>
+        </pc:sldMkLst>
+        <pc:spChg chg="mod">
+          <ac:chgData name="Im JinSeop" userId="c40f7fbe82cfb90a" providerId="LiveId" clId="{84AA0560-3411-43A6-9124-2A52F4FC3884}" dt="2020-04-10T01:52:36.800" v="26" actId="113"/>
+          <ac:spMkLst>
+            <pc:docMk/>
+            <pc:sldMk cId="1723337297" sldId="260"/>
+            <ac:spMk id="5" creationId="{00000000-0000-0000-0000-000000000000}"/>
+          </ac:spMkLst>
+        </pc:spChg>
+        <pc:spChg chg="mod">
+          <ac:chgData name="Im JinSeop" userId="c40f7fbe82cfb90a" providerId="LiveId" clId="{84AA0560-3411-43A6-9124-2A52F4FC3884}" dt="2020-04-10T01:52:36.800" v="26" actId="113"/>
+          <ac:spMkLst>
+            <pc:docMk/>
+            <pc:sldMk cId="1723337297" sldId="260"/>
+            <ac:spMk id="7" creationId="{00000000-0000-0000-0000-000000000000}"/>
+          </ac:spMkLst>
+        </pc:spChg>
+        <pc:spChg chg="mod">
+          <ac:chgData name="Im JinSeop" userId="c40f7fbe82cfb90a" providerId="LiveId" clId="{84AA0560-3411-43A6-9124-2A52F4FC3884}" dt="2020-04-10T01:52:36.800" v="26" actId="113"/>
+          <ac:spMkLst>
+            <pc:docMk/>
+            <pc:sldMk cId="1723337297" sldId="260"/>
+            <ac:spMk id="9" creationId="{00000000-0000-0000-0000-000000000000}"/>
+          </ac:spMkLst>
+        </pc:spChg>
+        <pc:spChg chg="mod">
+          <ac:chgData name="Im JinSeop" userId="c40f7fbe82cfb90a" providerId="LiveId" clId="{84AA0560-3411-43A6-9124-2A52F4FC3884}" dt="2020-04-10T01:52:36.800" v="26" actId="113"/>
+          <ac:spMkLst>
+            <pc:docMk/>
+            <pc:sldMk cId="1723337297" sldId="260"/>
+            <ac:spMk id="11" creationId="{00000000-0000-0000-0000-000000000000}"/>
+          </ac:spMkLst>
+        </pc:spChg>
+      </pc:sldChg>
+      <pc:sldChg chg="modSp mod">
+        <pc:chgData name="Im JinSeop" userId="c40f7fbe82cfb90a" providerId="LiveId" clId="{84AA0560-3411-43A6-9124-2A52F4FC3884}" dt="2020-04-10T01:53:12.066" v="28" actId="113"/>
+        <pc:sldMkLst>
+          <pc:docMk/>
+          <pc:sldMk cId="2240987367" sldId="262"/>
+        </pc:sldMkLst>
+        <pc:spChg chg="mod">
+          <ac:chgData name="Im JinSeop" userId="c40f7fbe82cfb90a" providerId="LiveId" clId="{84AA0560-3411-43A6-9124-2A52F4FC3884}" dt="2020-04-10T01:53:12.066" v="28" actId="113"/>
+          <ac:spMkLst>
+            <pc:docMk/>
+            <pc:sldMk cId="2240987367" sldId="262"/>
+            <ac:spMk id="5" creationId="{00000000-0000-0000-0000-000000000000}"/>
+          </ac:spMkLst>
+        </pc:spChg>
+        <pc:spChg chg="mod">
+          <ac:chgData name="Im JinSeop" userId="c40f7fbe82cfb90a" providerId="LiveId" clId="{84AA0560-3411-43A6-9124-2A52F4FC3884}" dt="2020-04-10T01:53:12.066" v="28" actId="113"/>
+          <ac:spMkLst>
+            <pc:docMk/>
+            <pc:sldMk cId="2240987367" sldId="262"/>
+            <ac:spMk id="7" creationId="{00000000-0000-0000-0000-000000000000}"/>
+          </ac:spMkLst>
+        </pc:spChg>
+        <pc:spChg chg="mod">
+          <ac:chgData name="Im JinSeop" userId="c40f7fbe82cfb90a" providerId="LiveId" clId="{84AA0560-3411-43A6-9124-2A52F4FC3884}" dt="2020-04-10T01:53:12.066" v="28" actId="113"/>
+          <ac:spMkLst>
+            <pc:docMk/>
+            <pc:sldMk cId="2240987367" sldId="262"/>
+            <ac:spMk id="9" creationId="{00000000-0000-0000-0000-000000000000}"/>
+          </ac:spMkLst>
+        </pc:spChg>
+        <pc:spChg chg="mod">
+          <ac:chgData name="Im JinSeop" userId="c40f7fbe82cfb90a" providerId="LiveId" clId="{84AA0560-3411-43A6-9124-2A52F4FC3884}" dt="2020-04-10T01:53:12.066" v="28" actId="113"/>
+          <ac:spMkLst>
+            <pc:docMk/>
+            <pc:sldMk cId="2240987367" sldId="262"/>
+            <ac:spMk id="11" creationId="{00000000-0000-0000-0000-000000000000}"/>
+          </ac:spMkLst>
+        </pc:spChg>
+      </pc:sldChg>
+      <pc:sldChg chg="modSp mod">
+        <pc:chgData name="Im JinSeop" userId="c40f7fbe82cfb90a" providerId="LiveId" clId="{84AA0560-3411-43A6-9124-2A52F4FC3884}" dt="2020-04-08T01:54:55.371" v="24" actId="20577"/>
+        <pc:sldMkLst>
+          <pc:docMk/>
+          <pc:sldMk cId="4099301703" sldId="278"/>
+        </pc:sldMkLst>
+        <pc:graphicFrameChg chg="modGraphic">
+          <ac:chgData name="Im JinSeop" userId="c40f7fbe82cfb90a" providerId="LiveId" clId="{84AA0560-3411-43A6-9124-2A52F4FC3884}" dt="2020-04-08T01:54:55.371" v="24" actId="20577"/>
+          <ac:graphicFrameMkLst>
+            <pc:docMk/>
+            <pc:sldMk cId="4099301703" sldId="278"/>
+            <ac:graphicFrameMk id="7" creationId="{4FC74BBD-CE5A-48ED-932B-01A27290F016}"/>
+          </ac:graphicFrameMkLst>
+        </pc:graphicFrameChg>
+      </pc:sldChg>
+    </pc:docChg>
+  </pc:docChgLst>
+  <pc:docChgLst>
+    <pc:chgData name="Im JinSeop" userId="c40f7fbe82cfb90a" providerId="LiveId" clId="{BB420FD0-3EC0-4B65-81B7-3AA206F91FA5}"/>
+    <pc:docChg chg="undo custSel addSld delSld modSld sldOrd">
+      <pc:chgData name="Im JinSeop" userId="c40f7fbe82cfb90a" providerId="LiveId" clId="{BB420FD0-3EC0-4B65-81B7-3AA206F91FA5}" dt="2020-04-12T02:47:21.702" v="7136" actId="20577"/>
+      <pc:docMkLst>
+        <pc:docMk/>
+      </pc:docMkLst>
+      <pc:sldChg chg="modSp mod">
+        <pc:chgData name="Im JinSeop" userId="c40f7fbe82cfb90a" providerId="LiveId" clId="{BB420FD0-3EC0-4B65-81B7-3AA206F91FA5}" dt="2020-03-31T13:09:49.430" v="2" actId="255"/>
+        <pc:sldMkLst>
+          <pc:docMk/>
+          <pc:sldMk cId="228288368" sldId="257"/>
+        </pc:sldMkLst>
+        <pc:spChg chg="mod">
+          <ac:chgData name="Im JinSeop" userId="c40f7fbe82cfb90a" providerId="LiveId" clId="{BB420FD0-3EC0-4B65-81B7-3AA206F91FA5}" dt="2020-03-31T13:09:49.430" v="2" actId="255"/>
+          <ac:spMkLst>
+            <pc:docMk/>
+            <pc:sldMk cId="228288368" sldId="257"/>
+            <ac:spMk id="2" creationId="{00000000-0000-0000-0000-000000000000}"/>
+          </ac:spMkLst>
+        </pc:spChg>
+      </pc:sldChg>
+      <pc:sldChg chg="modSp mod">
+        <pc:chgData name="Im JinSeop" userId="c40f7fbe82cfb90a" providerId="LiveId" clId="{BB420FD0-3EC0-4B65-81B7-3AA206F91FA5}" dt="2020-04-12T01:35:21.539" v="3098"/>
+        <pc:sldMkLst>
+          <pc:docMk/>
+          <pc:sldMk cId="2825203591" sldId="264"/>
+        </pc:sldMkLst>
+        <pc:spChg chg="mod">
+          <ac:chgData name="Im JinSeop" userId="c40f7fbe82cfb90a" providerId="LiveId" clId="{BB420FD0-3EC0-4B65-81B7-3AA206F91FA5}" dt="2020-04-12T01:35:21.539" v="3098"/>
+          <ac:spMkLst>
+            <pc:docMk/>
+            <pc:sldMk cId="2825203591" sldId="264"/>
+            <ac:spMk id="12" creationId="{CD428C1B-618F-4493-A909-2C3442765402}"/>
+          </ac:spMkLst>
+        </pc:spChg>
+      </pc:sldChg>
+      <pc:sldChg chg="delSp del">
+        <pc:chgData name="Im JinSeop" userId="c40f7fbe82cfb90a" providerId="LiveId" clId="{BB420FD0-3EC0-4B65-81B7-3AA206F91FA5}" dt="2020-04-12T02:47:14.962" v="7135" actId="2696"/>
+        <pc:sldMkLst>
+          <pc:docMk/>
+          <pc:sldMk cId="4116967652" sldId="269"/>
+        </pc:sldMkLst>
+        <pc:spChg chg="del">
+          <ac:chgData name="Im JinSeop" userId="c40f7fbe82cfb90a" providerId="LiveId" clId="{BB420FD0-3EC0-4B65-81B7-3AA206F91FA5}" dt="2020-04-12T02:14:45.914" v="6233" actId="478"/>
+          <ac:spMkLst>
+            <pc:docMk/>
+            <pc:sldMk cId="4116967652" sldId="269"/>
+            <ac:spMk id="2" creationId="{00000000-0000-0000-0000-000000000000}"/>
+          </ac:spMkLst>
+        </pc:spChg>
+        <pc:spChg chg="del">
+          <ac:chgData name="Im JinSeop" userId="c40f7fbe82cfb90a" providerId="LiveId" clId="{BB420FD0-3EC0-4B65-81B7-3AA206F91FA5}" dt="2020-04-12T02:14:45.914" v="6233" actId="478"/>
+          <ac:spMkLst>
+            <pc:docMk/>
+            <pc:sldMk cId="4116967652" sldId="269"/>
+            <ac:spMk id="3" creationId="{00000000-0000-0000-0000-000000000000}"/>
+          </ac:spMkLst>
+        </pc:spChg>
+        <pc:picChg chg="del">
+          <ac:chgData name="Im JinSeop" userId="c40f7fbe82cfb90a" providerId="LiveId" clId="{BB420FD0-3EC0-4B65-81B7-3AA206F91FA5}" dt="2020-04-12T02:14:45.914" v="6233" actId="478"/>
+          <ac:picMkLst>
+            <pc:docMk/>
+            <pc:sldMk cId="4116967652" sldId="269"/>
+            <ac:picMk id="1026" creationId="{6DEC09C8-F17F-4319-8E35-0DC19A0F98EB}"/>
+          </ac:picMkLst>
+        </pc:picChg>
+      </pc:sldChg>
+      <pc:sldChg chg="delSp modSp mod">
+        <pc:chgData name="Im JinSeop" userId="c40f7fbe82cfb90a" providerId="LiveId" clId="{BB420FD0-3EC0-4B65-81B7-3AA206F91FA5}" dt="2020-04-12T01:38:40.884" v="3252"/>
+        <pc:sldMkLst>
+          <pc:docMk/>
+          <pc:sldMk cId="3448545761" sldId="271"/>
+        </pc:sldMkLst>
+        <pc:spChg chg="mod">
+          <ac:chgData name="Im JinSeop" userId="c40f7fbe82cfb90a" providerId="LiveId" clId="{BB420FD0-3EC0-4B65-81B7-3AA206F91FA5}" dt="2020-04-12T01:37:27.100" v="3132" actId="113"/>
+          <ac:spMkLst>
+            <pc:docMk/>
+            <pc:sldMk cId="3448545761" sldId="271"/>
+            <ac:spMk id="2" creationId="{EFAE3789-D8CC-460E-B7A8-35EF3C738781}"/>
+          </ac:spMkLst>
+        </pc:spChg>
+        <pc:spChg chg="mod">
+          <ac:chgData name="Im JinSeop" userId="c40f7fbe82cfb90a" providerId="LiveId" clId="{BB420FD0-3EC0-4B65-81B7-3AA206F91FA5}" dt="2020-04-05T10:45:59.394" v="773" actId="6549"/>
+          <ac:spMkLst>
+            <pc:docMk/>
+            <pc:sldMk cId="3448545761" sldId="271"/>
+            <ac:spMk id="3" creationId="{1C8399FD-8407-40F1-91D4-FF8336A03D47}"/>
+          </ac:spMkLst>
+        </pc:spChg>
+        <pc:spChg chg="mod">
+          <ac:chgData name="Im JinSeop" userId="c40f7fbe82cfb90a" providerId="LiveId" clId="{BB420FD0-3EC0-4B65-81B7-3AA206F91FA5}" dt="2020-04-05T11:10:46.595" v="883" actId="20577"/>
+          <ac:spMkLst>
+            <pc:docMk/>
+            <pc:sldMk cId="3448545761" sldId="271"/>
+            <ac:spMk id="6" creationId="{842166FA-B1C1-4262-A02E-FD7A462D2C03}"/>
+          </ac:spMkLst>
+        </pc:spChg>
+        <pc:spChg chg="mod">
+          <ac:chgData name="Im JinSeop" userId="c40f7fbe82cfb90a" providerId="LiveId" clId="{BB420FD0-3EC0-4B65-81B7-3AA206F91FA5}" dt="2020-04-12T01:37:22.457" v="3130" actId="207"/>
+          <ac:spMkLst>
+            <pc:docMk/>
+            <pc:sldMk cId="3448545761" sldId="271"/>
+            <ac:spMk id="10" creationId="{D4436C8E-321C-4B04-AC86-35AC32B2FA6A}"/>
+          </ac:spMkLst>
+        </pc:spChg>
+        <pc:spChg chg="del mod">
+          <ac:chgData name="Im JinSeop" userId="c40f7fbe82cfb90a" providerId="LiveId" clId="{BB420FD0-3EC0-4B65-81B7-3AA206F91FA5}" dt="2020-04-05T11:10:11.921" v="857" actId="478"/>
+          <ac:spMkLst>
+            <pc:docMk/>
+            <pc:sldMk cId="3448545761" sldId="271"/>
+            <ac:spMk id="13" creationId="{F3BBC177-97EA-4BBB-B73F-66DF73BEBC1B}"/>
+          </ac:spMkLst>
+        </pc:spChg>
+        <pc:spChg chg="mod">
+          <ac:chgData name="Im JinSeop" userId="c40f7fbe82cfb90a" providerId="LiveId" clId="{BB420FD0-3EC0-4B65-81B7-3AA206F91FA5}" dt="2020-04-05T11:10:48.865" v="884" actId="6549"/>
+          <ac:spMkLst>
+            <pc:docMk/>
+            <pc:sldMk cId="3448545761" sldId="271"/>
+            <ac:spMk id="14" creationId="{CBB78831-065F-4FCC-BCFE-8E0E121DBEC1}"/>
+          </ac:spMkLst>
+        </pc:spChg>
+        <pc:spChg chg="mod">
+          <ac:chgData name="Im JinSeop" userId="c40f7fbe82cfb90a" providerId="LiveId" clId="{BB420FD0-3EC0-4B65-81B7-3AA206F91FA5}" dt="2020-04-12T01:38:40.884" v="3252"/>
+          <ac:spMkLst>
+            <pc:docMk/>
+            <pc:sldMk cId="3448545761" sldId="271"/>
+            <ac:spMk id="38" creationId="{9306709A-122D-4A9C-AB1E-593280C65800}"/>
+          </ac:spMkLst>
+        </pc:spChg>
+        <pc:cxnChg chg="mod">
+          <ac:chgData name="Im JinSeop" userId="c40f7fbe82cfb90a" providerId="LiveId" clId="{BB420FD0-3EC0-4B65-81B7-3AA206F91FA5}" dt="2020-04-12T01:36:48.660" v="3105" actId="1076"/>
+          <ac:cxnSpMkLst>
+            <pc:docMk/>
+            <pc:sldMk cId="3448545761" sldId="271"/>
+            <ac:cxnSpMk id="8" creationId="{38A7135A-E541-4FF3-9ED0-074750215210}"/>
+          </ac:cxnSpMkLst>
+        </pc:cxnChg>
+        <pc:cxnChg chg="mod">
+          <ac:chgData name="Im JinSeop" userId="c40f7fbe82cfb90a" providerId="LiveId" clId="{BB420FD0-3EC0-4B65-81B7-3AA206F91FA5}" dt="2020-04-12T01:36:51.764" v="3106" actId="1076"/>
+          <ac:cxnSpMkLst>
+            <pc:docMk/>
+            <pc:sldMk cId="3448545761" sldId="271"/>
+            <ac:cxnSpMk id="19" creationId="{9AF2BA67-7C4D-4256-A00E-EC2F6B2103CF}"/>
+          </ac:cxnSpMkLst>
+        </pc:cxnChg>
+        <pc:cxnChg chg="del mod">
+          <ac:chgData name="Im JinSeop" userId="c40f7fbe82cfb90a" providerId="LiveId" clId="{BB420FD0-3EC0-4B65-81B7-3AA206F91FA5}" dt="2020-04-05T11:10:13.341" v="858" actId="478"/>
+          <ac:cxnSpMkLst>
+            <pc:docMk/>
+            <pc:sldMk cId="3448545761" sldId="271"/>
+            <ac:cxnSpMk id="20" creationId="{AC4EDDDB-6F36-412C-92B4-E5041B18D6FF}"/>
+          </ac:cxnSpMkLst>
+        </pc:cxnChg>
+      </pc:sldChg>
+      <pc:sldChg chg="addSp delSp modSp mod">
+        <pc:chgData name="Im JinSeop" userId="c40f7fbe82cfb90a" providerId="LiveId" clId="{BB420FD0-3EC0-4B65-81B7-3AA206F91FA5}" dt="2020-04-12T01:36:19.339" v="3103" actId="207"/>
+        <pc:sldMkLst>
+          <pc:docMk/>
+          <pc:sldMk cId="3630700631" sldId="272"/>
+        </pc:sldMkLst>
+        <pc:spChg chg="add del mod">
+          <ac:chgData name="Im JinSeop" userId="c40f7fbe82cfb90a" providerId="LiveId" clId="{BB420FD0-3EC0-4B65-81B7-3AA206F91FA5}" dt="2020-04-05T08:54:51.766" v="196" actId="478"/>
+          <ac:spMkLst>
+            <pc:docMk/>
+            <pc:sldMk cId="3630700631" sldId="272"/>
+            <ac:spMk id="8" creationId="{27167441-2122-499B-8067-77A1A77EAD2F}"/>
+          </ac:spMkLst>
+        </pc:spChg>
+        <pc:spChg chg="add del mod">
+          <ac:chgData name="Im JinSeop" userId="c40f7fbe82cfb90a" providerId="LiveId" clId="{BB420FD0-3EC0-4B65-81B7-3AA206F91FA5}" dt="2020-04-05T10:07:09.334" v="274" actId="478"/>
+          <ac:spMkLst>
+            <pc:docMk/>
+            <pc:sldMk cId="3630700631" sldId="272"/>
+            <ac:spMk id="9" creationId="{2ED6556D-D355-47FF-A8A7-33C774A9BD02}"/>
+          </ac:spMkLst>
+        </pc:spChg>
+        <pc:spChg chg="add del mod">
+          <ac:chgData name="Im JinSeop" userId="c40f7fbe82cfb90a" providerId="LiveId" clId="{BB420FD0-3EC0-4B65-81B7-3AA206F91FA5}" dt="2020-04-12T01:36:19.339" v="3103" actId="207"/>
+          <ac:spMkLst>
+            <pc:docMk/>
+            <pc:sldMk cId="3630700631" sldId="272"/>
+            <ac:spMk id="10" creationId="{E0281980-E5D6-40A7-B155-3C2D1B13AA53}"/>
+          </ac:spMkLst>
+        </pc:spChg>
+        <pc:spChg chg="add del mod">
+          <ac:chgData name="Im JinSeop" userId="c40f7fbe82cfb90a" providerId="LiveId" clId="{BB420FD0-3EC0-4B65-81B7-3AA206F91FA5}" dt="2020-04-05T10:07:08.425" v="273" actId="478"/>
+          <ac:spMkLst>
+            <pc:docMk/>
+            <pc:sldMk cId="3630700631" sldId="272"/>
+            <ac:spMk id="11" creationId="{5E820278-06BC-4BF0-AC4B-A14D147B05EA}"/>
+          </ac:spMkLst>
+        </pc:spChg>
+        <pc:spChg chg="add del mod">
+          <ac:chgData name="Im JinSeop" userId="c40f7fbe82cfb90a" providerId="LiveId" clId="{BB420FD0-3EC0-4B65-81B7-3AA206F91FA5}" dt="2020-04-05T08:56:59.826" v="269" actId="478"/>
+          <ac:spMkLst>
+            <pc:docMk/>
+            <pc:sldMk cId="3630700631" sldId="272"/>
+            <ac:spMk id="13" creationId="{36037D9C-F4AA-4628-BAAE-8D3755B168C8}"/>
+          </ac:spMkLst>
+        </pc:spChg>
+        <pc:spChg chg="add mod">
+          <ac:chgData name="Im JinSeop" userId="c40f7fbe82cfb90a" providerId="LiveId" clId="{BB420FD0-3EC0-4B65-81B7-3AA206F91FA5}" dt="2020-04-05T11:13:03.513" v="959" actId="1036"/>
+          <ac:spMkLst>
+            <pc:docMk/>
+            <pc:sldMk cId="3630700631" sldId="272"/>
+            <ac:spMk id="14" creationId="{4AB21B07-9CEC-4DD0-BBD4-72908D507F69}"/>
+          </ac:spMkLst>
+        </pc:spChg>
+        <pc:spChg chg="add mod">
+          <ac:chgData name="Im JinSeop" userId="c40f7fbe82cfb90a" providerId="LiveId" clId="{BB420FD0-3EC0-4B65-81B7-3AA206F91FA5}" dt="2020-04-05T11:13:03.513" v="959" actId="1036"/>
+          <ac:spMkLst>
+            <pc:docMk/>
+            <pc:sldMk cId="3630700631" sldId="272"/>
+            <ac:spMk id="15" creationId="{56518843-4519-4C5F-B2EF-2AFD3A1184A8}"/>
+          </ac:spMkLst>
+        </pc:spChg>
+        <pc:spChg chg="add mod">
+          <ac:chgData name="Im JinSeop" userId="c40f7fbe82cfb90a" providerId="LiveId" clId="{BB420FD0-3EC0-4B65-81B7-3AA206F91FA5}" dt="2020-04-05T11:13:03.513" v="959" actId="1036"/>
+          <ac:spMkLst>
+            <pc:docMk/>
+            <pc:sldMk cId="3630700631" sldId="272"/>
+            <ac:spMk id="16" creationId="{4842BEF8-308B-4034-B8DE-D0BFD0B37260}"/>
+          </ac:spMkLst>
+        </pc:spChg>
+        <pc:spChg chg="add mod">
+          <ac:chgData name="Im JinSeop" userId="c40f7fbe82cfb90a" providerId="LiveId" clId="{BB420FD0-3EC0-4B65-81B7-3AA206F91FA5}" dt="2020-04-12T01:35:35.094" v="3099" actId="1035"/>
+          <ac:spMkLst>
+            <pc:docMk/>
+            <pc:sldMk cId="3630700631" sldId="272"/>
+            <ac:spMk id="17" creationId="{13546FDA-8DB9-429B-B421-0CF18F50EFD6}"/>
+          </ac:spMkLst>
+        </pc:spChg>
+        <pc:spChg chg="mod">
+          <ac:chgData name="Im JinSeop" userId="c40f7fbe82cfb90a" providerId="LiveId" clId="{BB420FD0-3EC0-4B65-81B7-3AA206F91FA5}" dt="2020-04-05T07:52:02.204" v="97" actId="1076"/>
+          <ac:spMkLst>
+            <pc:docMk/>
+            <pc:sldMk cId="3630700631" sldId="272"/>
+            <ac:spMk id="18" creationId="{446ABC95-5C1D-4F29-B39B-389795BB8D6E}"/>
+          </ac:spMkLst>
+        </pc:spChg>
+        <pc:spChg chg="add mod">
+          <ac:chgData name="Im JinSeop" userId="c40f7fbe82cfb90a" providerId="LiveId" clId="{BB420FD0-3EC0-4B65-81B7-3AA206F91FA5}" dt="2020-04-05T11:13:03.513" v="959" actId="1036"/>
+          <ac:spMkLst>
+            <pc:docMk/>
+            <pc:sldMk cId="3630700631" sldId="272"/>
+            <ac:spMk id="19" creationId="{A7518F32-B1AF-4A78-9FF7-A9A83A82CC44}"/>
+          </ac:spMkLst>
+        </pc:spChg>
+        <pc:spChg chg="add mod">
+          <ac:chgData name="Im JinSeop" userId="c40f7fbe82cfb90a" providerId="LiveId" clId="{BB420FD0-3EC0-4B65-81B7-3AA206F91FA5}" dt="2020-04-05T11:13:03.513" v="959" actId="1036"/>
+          <ac:spMkLst>
+            <pc:docMk/>
+            <pc:sldMk cId="3630700631" sldId="272"/>
+            <ac:spMk id="20" creationId="{957C462E-3499-4A17-BD07-86E73690292A}"/>
+          </ac:spMkLst>
+        </pc:spChg>
+        <pc:spChg chg="mod">
+          <ac:chgData name="Im JinSeop" userId="c40f7fbe82cfb90a" providerId="LiveId" clId="{BB420FD0-3EC0-4B65-81B7-3AA206F91FA5}" dt="2020-04-12T01:36:07.469" v="3102" actId="1076"/>
+          <ac:spMkLst>
+            <pc:docMk/>
+            <pc:sldMk cId="3630700631" sldId="272"/>
+            <ac:spMk id="21" creationId="{D06E3C79-A98E-4A3F-8FCF-8F4CBAB64DFC}"/>
+          </ac:spMkLst>
+        </pc:spChg>
+        <pc:spChg chg="add del mod ord">
+          <ac:chgData name="Im JinSeop" userId="c40f7fbe82cfb90a" providerId="LiveId" clId="{BB420FD0-3EC0-4B65-81B7-3AA206F91FA5}" dt="2020-04-05T11:13:03.513" v="959" actId="1036"/>
+          <ac:spMkLst>
+            <pc:docMk/>
+            <pc:sldMk cId="3630700631" sldId="272"/>
+            <ac:spMk id="22" creationId="{A852CAC1-F1FB-441C-B74E-0B91B2BFD4DE}"/>
+          </ac:spMkLst>
+        </pc:spChg>
+        <pc:spChg chg="add del mod ord">
+          <ac:chgData name="Im JinSeop" userId="c40f7fbe82cfb90a" providerId="LiveId" clId="{BB420FD0-3EC0-4B65-81B7-3AA206F91FA5}" dt="2020-04-05T10:23:11.910" v="544" actId="478"/>
+          <ac:spMkLst>
+            <pc:docMk/>
+            <pc:sldMk cId="3630700631" sldId="272"/>
+            <ac:spMk id="23" creationId="{2CAF6F97-16CA-42ED-87F1-7E62DE19D24F}"/>
+          </ac:spMkLst>
+        </pc:spChg>
+        <pc:graphicFrameChg chg="del mod">
+          <ac:chgData name="Im JinSeop" userId="c40f7fbe82cfb90a" providerId="LiveId" clId="{BB420FD0-3EC0-4B65-81B7-3AA206F91FA5}" dt="2020-04-05T07:52:09.314" v="99" actId="478"/>
+          <ac:graphicFrameMkLst>
+            <pc:docMk/>
+            <pc:sldMk cId="3630700631" sldId="272"/>
+            <ac:graphicFrameMk id="7" creationId="{AAC2E724-712A-48E3-9BCB-F132E06C43C8}"/>
+          </ac:graphicFrameMkLst>
+        </pc:graphicFrameChg>
+        <pc:cxnChg chg="add mod">
+          <ac:chgData name="Im JinSeop" userId="c40f7fbe82cfb90a" providerId="LiveId" clId="{BB420FD0-3EC0-4B65-81B7-3AA206F91FA5}" dt="2020-04-05T11:13:03.513" v="959" actId="1036"/>
+          <ac:cxnSpMkLst>
+            <pc:docMk/>
+            <pc:sldMk cId="3630700631" sldId="272"/>
+            <ac:cxnSpMk id="3" creationId="{13FBD6F6-9CDC-48A6-95A2-D1BD43527073}"/>
+          </ac:cxnSpMkLst>
+        </pc:cxnChg>
+        <pc:cxnChg chg="add mod">
+          <ac:chgData name="Im JinSeop" userId="c40f7fbe82cfb90a" providerId="LiveId" clId="{BB420FD0-3EC0-4B65-81B7-3AA206F91FA5}" dt="2020-04-12T01:36:01.312" v="3101" actId="208"/>
+          <ac:cxnSpMkLst>
+            <pc:docMk/>
+            <pc:sldMk cId="3630700631" sldId="272"/>
+            <ac:cxnSpMk id="6" creationId="{BEF1A2B9-506A-40F3-B70A-665A25A12316}"/>
+          </ac:cxnSpMkLst>
+        </pc:cxnChg>
+        <pc:cxnChg chg="add del mod">
+          <ac:chgData name="Im JinSeop" userId="c40f7fbe82cfb90a" providerId="LiveId" clId="{BB420FD0-3EC0-4B65-81B7-3AA206F91FA5}" dt="2020-04-05T10:23:15.130" v="545" actId="478"/>
+          <ac:cxnSpMkLst>
+            <pc:docMk/>
+            <pc:sldMk cId="3630700631" sldId="272"/>
+            <ac:cxnSpMk id="24" creationId="{F8B0221E-A130-4E35-ABA0-815E900AD159}"/>
+          </ac:cxnSpMkLst>
+        </pc:cxnChg>
+        <pc:cxnChg chg="add mod">
+          <ac:chgData name="Im JinSeop" userId="c40f7fbe82cfb90a" providerId="LiveId" clId="{BB420FD0-3EC0-4B65-81B7-3AA206F91FA5}" dt="2020-04-05T11:13:03.513" v="959" actId="1036"/>
+          <ac:cxnSpMkLst>
+            <pc:docMk/>
+            <pc:sldMk cId="3630700631" sldId="272"/>
+            <ac:cxnSpMk id="26" creationId="{25EF46B8-9810-4CAF-A60D-49E4988827AE}"/>
+          </ac:cxnSpMkLst>
+        </pc:cxnChg>
+        <pc:cxnChg chg="add del mod">
+          <ac:chgData name="Im JinSeop" userId="c40f7fbe82cfb90a" providerId="LiveId" clId="{BB420FD0-3EC0-4B65-81B7-3AA206F91FA5}" dt="2020-04-05T10:23:16.360" v="546" actId="478"/>
+          <ac:cxnSpMkLst>
+            <pc:docMk/>
+            <pc:sldMk cId="3630700631" sldId="272"/>
+            <ac:cxnSpMk id="29" creationId="{A287FDD1-63E0-4A63-A072-F3F677C1A26E}"/>
+          </ac:cxnSpMkLst>
+        </pc:cxnChg>
+      </pc:sldChg>
+      <pc:sldChg chg="addSp delSp modSp mod">
+        <pc:chgData name="Im JinSeop" userId="c40f7fbe82cfb90a" providerId="LiveId" clId="{BB420FD0-3EC0-4B65-81B7-3AA206F91FA5}" dt="2020-04-05T11:50:11.079" v="2810"/>
+        <pc:sldMkLst>
+          <pc:docMk/>
+          <pc:sldMk cId="3422475063" sldId="273"/>
+        </pc:sldMkLst>
+        <pc:spChg chg="del">
+          <ac:chgData name="Im JinSeop" userId="c40f7fbe82cfb90a" providerId="LiveId" clId="{BB420FD0-3EC0-4B65-81B7-3AA206F91FA5}" dt="2020-04-05T11:11:24.076" v="885" actId="478"/>
+          <ac:spMkLst>
+            <pc:docMk/>
+            <pc:sldMk cId="3422475063" sldId="273"/>
+            <ac:spMk id="2" creationId="{50883E7A-393B-4191-913E-D24E73C5DA24}"/>
+          </ac:spMkLst>
+        </pc:spChg>
+        <pc:spChg chg="del">
+          <ac:chgData name="Im JinSeop" userId="c40f7fbe82cfb90a" providerId="LiveId" clId="{BB420FD0-3EC0-4B65-81B7-3AA206F91FA5}" dt="2020-04-05T11:11:24.076" v="885" actId="478"/>
+          <ac:spMkLst>
+            <pc:docMk/>
+            <pc:sldMk cId="3422475063" sldId="273"/>
+            <ac:spMk id="6" creationId="{DEE59B0C-D842-4382-9A29-29FF82573DFC}"/>
+          </ac:spMkLst>
+        </pc:spChg>
+        <pc:spChg chg="del">
+          <ac:chgData name="Im JinSeop" userId="c40f7fbe82cfb90a" providerId="LiveId" clId="{BB420FD0-3EC0-4B65-81B7-3AA206F91FA5}" dt="2020-04-05T11:11:24.076" v="885" actId="478"/>
+          <ac:spMkLst>
+            <pc:docMk/>
+            <pc:sldMk cId="3422475063" sldId="273"/>
+            <ac:spMk id="7" creationId="{AE55510D-490A-489D-88A1-51AB029ABD69}"/>
+          </ac:spMkLst>
+        </pc:spChg>
+        <pc:spChg chg="del">
+          <ac:chgData name="Im JinSeop" userId="c40f7fbe82cfb90a" providerId="LiveId" clId="{BB420FD0-3EC0-4B65-81B7-3AA206F91FA5}" dt="2020-04-05T11:11:24.076" v="885" actId="478"/>
+          <ac:spMkLst>
+            <pc:docMk/>
+            <pc:sldMk cId="3422475063" sldId="273"/>
+            <ac:spMk id="8" creationId="{F9B1C0A7-1901-49B4-B81A-D9FA474519F0}"/>
+          </ac:spMkLst>
+        </pc:spChg>
+        <pc:spChg chg="del">
+          <ac:chgData name="Im JinSeop" userId="c40f7fbe82cfb90a" providerId="LiveId" clId="{BB420FD0-3EC0-4B65-81B7-3AA206F91FA5}" dt="2020-04-05T11:11:24.076" v="885" actId="478"/>
+          <ac:spMkLst>
+            <pc:docMk/>
+            <pc:sldMk cId="3422475063" sldId="273"/>
+            <ac:spMk id="9" creationId="{762E9EA0-1DB3-4E04-B7A1-A86A68283699}"/>
+          </ac:spMkLst>
+        </pc:spChg>
+        <pc:spChg chg="del">
+          <ac:chgData name="Im JinSeop" userId="c40f7fbe82cfb90a" providerId="LiveId" clId="{BB420FD0-3EC0-4B65-81B7-3AA206F91FA5}" dt="2020-04-05T11:11:24.076" v="885" actId="478"/>
+          <ac:spMkLst>
+            <pc:docMk/>
+            <pc:sldMk cId="3422475063" sldId="273"/>
+            <ac:spMk id="10" creationId="{94ACD6E0-F806-406D-8338-62632E47EADE}"/>
+          </ac:spMkLst>
+        </pc:spChg>
+        <pc:spChg chg="del">
+          <ac:chgData name="Im JinSeop" userId="c40f7fbe82cfb90a" providerId="LiveId" clId="{BB420FD0-3EC0-4B65-81B7-3AA206F91FA5}" dt="2020-04-05T11:11:24.076" v="885" actId="478"/>
+          <ac:spMkLst>
+            <pc:docMk/>
+            <pc:sldMk cId="3422475063" sldId="273"/>
+            <ac:spMk id="11" creationId="{A8E09E3F-8249-4734-A2A3-81AF5B109838}"/>
+          </ac:spMkLst>
+        </pc:spChg>
+        <pc:spChg chg="del">
+          <ac:chgData name="Im JinSeop" userId="c40f7fbe82cfb90a" providerId="LiveId" clId="{BB420FD0-3EC0-4B65-81B7-3AA206F91FA5}" dt="2020-04-05T11:11:24.076" v="885" actId="478"/>
+          <ac:spMkLst>
+            <pc:docMk/>
+            <pc:sldMk cId="3422475063" sldId="273"/>
+            <ac:spMk id="13" creationId="{0F7CE83D-9380-4363-AACD-55CB4BCE69D5}"/>
+          </ac:spMkLst>
+        </pc:spChg>
+        <pc:spChg chg="add del mod">
+          <ac:chgData name="Im JinSeop" userId="c40f7fbe82cfb90a" providerId="LiveId" clId="{BB420FD0-3EC0-4B65-81B7-3AA206F91FA5}" dt="2020-04-05T11:40:24.517" v="1132"/>
+          <ac:spMkLst>
+            <pc:docMk/>
+            <pc:sldMk cId="3422475063" sldId="273"/>
+            <ac:spMk id="17" creationId="{D9926027-DBBF-4C00-97B2-D23BC56371AD}"/>
+          </ac:spMkLst>
+        </pc:spChg>
+        <pc:spChg chg="mod">
+          <ac:chgData name="Im JinSeop" userId="c40f7fbe82cfb90a" providerId="LiveId" clId="{BB420FD0-3EC0-4B65-81B7-3AA206F91FA5}" dt="2020-04-05T11:39:12.060" v="1129"/>
+          <ac:spMkLst>
+            <pc:docMk/>
+            <pc:sldMk cId="3422475063" sldId="273"/>
+            <ac:spMk id="18" creationId="{446ABC95-5C1D-4F29-B39B-389795BB8D6E}"/>
+          </ac:spMkLst>
+        </pc:spChg>
+        <pc:spChg chg="del">
+          <ac:chgData name="Im JinSeop" userId="c40f7fbe82cfb90a" providerId="LiveId" clId="{BB420FD0-3EC0-4B65-81B7-3AA206F91FA5}" dt="2020-04-05T11:11:24.076" v="885" actId="478"/>
+          <ac:spMkLst>
+            <pc:docMk/>
+            <pc:sldMk cId="3422475063" sldId="273"/>
+            <ac:spMk id="19" creationId="{6230AC83-976C-480C-9BF3-B9135BD50726}"/>
+          </ac:spMkLst>
+        </pc:spChg>
+        <pc:spChg chg="add mod">
+          <ac:chgData name="Im JinSeop" userId="c40f7fbe82cfb90a" providerId="LiveId" clId="{BB420FD0-3EC0-4B65-81B7-3AA206F91FA5}" dt="2020-04-05T11:40:57.364" v="1186" actId="404"/>
+          <ac:spMkLst>
+            <pc:docMk/>
+            <pc:sldMk cId="3422475063" sldId="273"/>
+            <ac:spMk id="20" creationId="{599A2911-1737-430B-ADEE-8C154F7085CF}"/>
+          </ac:spMkLst>
+        </pc:spChg>
+        <pc:spChg chg="del">
+          <ac:chgData name="Im JinSeop" userId="c40f7fbe82cfb90a" providerId="LiveId" clId="{BB420FD0-3EC0-4B65-81B7-3AA206F91FA5}" dt="2020-04-05T11:11:24.076" v="885" actId="478"/>
+          <ac:spMkLst>
+            <pc:docMk/>
+            <pc:sldMk cId="3422475063" sldId="273"/>
+            <ac:spMk id="21" creationId="{85EF5EC1-3222-44E5-BA31-0001718A29C8}"/>
+          </ac:spMkLst>
+        </pc:spChg>
+        <pc:spChg chg="del">
+          <ac:chgData name="Im JinSeop" userId="c40f7fbe82cfb90a" providerId="LiveId" clId="{BB420FD0-3EC0-4B65-81B7-3AA206F91FA5}" dt="2020-04-05T11:11:24.076" v="885" actId="478"/>
+          <ac:spMkLst>
+            <pc:docMk/>
+            <pc:sldMk cId="3422475063" sldId="273"/>
+            <ac:spMk id="22" creationId="{14A02E83-49BF-47C3-A5B8-EC65AD369144}"/>
+          </ac:spMkLst>
+        </pc:spChg>
+        <pc:spChg chg="del">
+          <ac:chgData name="Im JinSeop" userId="c40f7fbe82cfb90a" providerId="LiveId" clId="{BB420FD0-3EC0-4B65-81B7-3AA206F91FA5}" dt="2020-04-05T11:11:24.076" v="885" actId="478"/>
+          <ac:spMkLst>
+            <pc:docMk/>
+            <pc:sldMk cId="3422475063" sldId="273"/>
+            <ac:spMk id="23" creationId="{08EC005E-C3A4-46BE-8353-B1C63DE64699}"/>
+          </ac:spMkLst>
+        </pc:spChg>
+        <pc:spChg chg="add mod">
+          <ac:chgData name="Im JinSeop" userId="c40f7fbe82cfb90a" providerId="LiveId" clId="{BB420FD0-3EC0-4B65-81B7-3AA206F91FA5}" dt="2020-04-05T11:45:44.389" v="1993" actId="1035"/>
+          <ac:spMkLst>
+            <pc:docMk/>
+            <pc:sldMk cId="3422475063" sldId="273"/>
+            <ac:spMk id="24" creationId="{6B96A541-F4AC-4050-8767-AD3E6FC5C40B}"/>
+          </ac:spMkLst>
+        </pc:spChg>
+        <pc:graphicFrameChg chg="add mod modGraphic">
+          <ac:chgData name="Im JinSeop" userId="c40f7fbe82cfb90a" providerId="LiveId" clId="{BB420FD0-3EC0-4B65-81B7-3AA206F91FA5}" dt="2020-04-05T11:50:11.079" v="2810"/>
+          <ac:graphicFrameMkLst>
+            <pc:docMk/>
+            <pc:sldMk cId="3422475063" sldId="273"/>
+            <ac:graphicFrameMk id="15" creationId="{B5197EF2-EB2D-4902-983B-4B3D60EB0C1F}"/>
+          </ac:graphicFrameMkLst>
+        </pc:graphicFrameChg>
+        <pc:graphicFrameChg chg="add mod modGraphic">
+          <ac:chgData name="Im JinSeop" userId="c40f7fbe82cfb90a" providerId="LiveId" clId="{BB420FD0-3EC0-4B65-81B7-3AA206F91FA5}" dt="2020-04-05T11:45:37.244" v="1953"/>
+          <ac:graphicFrameMkLst>
+            <pc:docMk/>
+            <pc:sldMk cId="3422475063" sldId="273"/>
+            <ac:graphicFrameMk id="25" creationId="{1EB4DA31-7498-46EF-B26C-212E2E0FB4BC}"/>
+          </ac:graphicFrameMkLst>
+        </pc:graphicFrameChg>
+        <pc:cxnChg chg="del">
+          <ac:chgData name="Im JinSeop" userId="c40f7fbe82cfb90a" providerId="LiveId" clId="{BB420FD0-3EC0-4B65-81B7-3AA206F91FA5}" dt="2020-04-05T11:11:24.076" v="885" actId="478"/>
+          <ac:cxnSpMkLst>
+            <pc:docMk/>
+            <pc:sldMk cId="3422475063" sldId="273"/>
+            <ac:cxnSpMk id="3" creationId="{60DC2F82-2BBD-43DE-B7D9-06F2C05496CA}"/>
+          </ac:cxnSpMkLst>
+        </pc:cxnChg>
+        <pc:cxnChg chg="del">
+          <ac:chgData name="Im JinSeop" userId="c40f7fbe82cfb90a" providerId="LiveId" clId="{BB420FD0-3EC0-4B65-81B7-3AA206F91FA5}" dt="2020-04-05T11:11:24.076" v="885" actId="478"/>
+          <ac:cxnSpMkLst>
+            <pc:docMk/>
+            <pc:sldMk cId="3422475063" sldId="273"/>
+            <ac:cxnSpMk id="14" creationId="{39BEEB7E-B9DA-41C8-8969-F7C41B7DD0EC}"/>
+          </ac:cxnSpMkLst>
+        </pc:cxnChg>
+      </pc:sldChg>
+      <pc:sldChg chg="addSp delSp modSp mod">
+        <pc:chgData name="Im JinSeop" userId="c40f7fbe82cfb90a" providerId="LiveId" clId="{BB420FD0-3EC0-4B65-81B7-3AA206F91FA5}" dt="2020-04-12T01:45:04.662" v="3972" actId="14100"/>
+        <pc:sldMkLst>
+          <pc:docMk/>
+          <pc:sldMk cId="1988412682" sldId="275"/>
+        </pc:sldMkLst>
+        <pc:spChg chg="add del mod">
+          <ac:chgData name="Im JinSeop" userId="c40f7fbe82cfb90a" providerId="LiveId" clId="{BB420FD0-3EC0-4B65-81B7-3AA206F91FA5}" dt="2020-04-12T01:39:46.236" v="3259"/>
+          <ac:spMkLst>
+            <pc:docMk/>
+            <pc:sldMk cId="1988412682" sldId="275"/>
+            <ac:spMk id="2" creationId="{CE97F5FF-927C-402B-9C58-873D90E16E48}"/>
+          </ac:spMkLst>
+        </pc:spChg>
+        <pc:spChg chg="add mod">
+          <ac:chgData name="Im JinSeop" userId="c40f7fbe82cfb90a" providerId="LiveId" clId="{BB420FD0-3EC0-4B65-81B7-3AA206F91FA5}" dt="2020-04-12T01:45:04.662" v="3972" actId="14100"/>
+          <ac:spMkLst>
+            <pc:docMk/>
+            <pc:sldMk cId="1988412682" sldId="275"/>
+            <ac:spMk id="3" creationId="{07EF19B9-D6C8-4295-B7CE-3CEC7BC4B644}"/>
+          </ac:spMkLst>
+        </pc:spChg>
+        <pc:spChg chg="mod">
+          <ac:chgData name="Im JinSeop" userId="c40f7fbe82cfb90a" providerId="LiveId" clId="{BB420FD0-3EC0-4B65-81B7-3AA206F91FA5}" dt="2020-04-12T01:39:49.288" v="3261" actId="1076"/>
+          <ac:spMkLst>
+            <pc:docMk/>
+            <pc:sldMk cId="1988412682" sldId="275"/>
+            <ac:spMk id="5" creationId="{00000000-0000-0000-0000-000000000000}"/>
+          </ac:spMkLst>
+        </pc:spChg>
+        <pc:spChg chg="del">
+          <ac:chgData name="Im JinSeop" userId="c40f7fbe82cfb90a" providerId="LiveId" clId="{BB420FD0-3EC0-4B65-81B7-3AA206F91FA5}" dt="2020-04-05T11:51:05.964" v="2814" actId="478"/>
+          <ac:spMkLst>
+            <pc:docMk/>
+            <pc:sldMk cId="1988412682" sldId="275"/>
+            <ac:spMk id="9" creationId="{46E5DFA8-A4EC-4EFE-BF23-1646213861EB}"/>
+          </ac:spMkLst>
+        </pc:spChg>
+        <pc:picChg chg="add mod">
+          <ac:chgData name="Im JinSeop" userId="c40f7fbe82cfb90a" providerId="LiveId" clId="{BB420FD0-3EC0-4B65-81B7-3AA206F91FA5}" dt="2020-04-12T01:39:17.974" v="3255" actId="14100"/>
+          <ac:picMkLst>
+            <pc:docMk/>
+            <pc:sldMk cId="1988412682" sldId="275"/>
+            <ac:picMk id="1026" creationId="{3D05E479-F8EA-4490-9B1C-14ACDBA39C1C}"/>
+          </ac:picMkLst>
+        </pc:picChg>
+        <pc:picChg chg="add del">
+          <ac:chgData name="Im JinSeop" userId="c40f7fbe82cfb90a" providerId="LiveId" clId="{BB420FD0-3EC0-4B65-81B7-3AA206F91FA5}" dt="2020-04-05T11:51:53.768" v="2821"/>
+          <ac:picMkLst>
+            <pc:docMk/>
+            <pc:sldMk cId="1988412682" sldId="275"/>
+            <ac:picMk id="1028" creationId="{D773AC60-E6EF-4063-A8BE-4E4CE2A735FB}"/>
+          </ac:picMkLst>
+        </pc:picChg>
+        <pc:picChg chg="del mod">
+          <ac:chgData name="Im JinSeop" userId="c40f7fbe82cfb90a" providerId="LiveId" clId="{BB420FD0-3EC0-4B65-81B7-3AA206F91FA5}" dt="2020-04-12T01:39:12.267" v="3253" actId="478"/>
+          <ac:picMkLst>
+            <pc:docMk/>
+            <pc:sldMk cId="1988412682" sldId="275"/>
+            <ac:picMk id="3074" creationId="{1880FB75-C407-4095-824A-21E541968616}"/>
+          </ac:picMkLst>
+        </pc:picChg>
+        <pc:picChg chg="mod">
+          <ac:chgData name="Im JinSeop" userId="c40f7fbe82cfb90a" providerId="LiveId" clId="{BB420FD0-3EC0-4B65-81B7-3AA206F91FA5}" dt="2020-04-12T01:39:21.246" v="3256" actId="1076"/>
+          <ac:picMkLst>
+            <pc:docMk/>
+            <pc:sldMk cId="1988412682" sldId="275"/>
+            <ac:picMk id="3076" creationId="{69F014AB-1C0D-436F-907A-B3E759E2D84D}"/>
+          </ac:picMkLst>
+        </pc:picChg>
+      </pc:sldChg>
+      <pc:sldChg chg="delSp mod ord">
+        <pc:chgData name="Im JinSeop" userId="c40f7fbe82cfb90a" providerId="LiveId" clId="{BB420FD0-3EC0-4B65-81B7-3AA206F91FA5}" dt="2020-04-12T01:53:34.383" v="5401"/>
+        <pc:sldMkLst>
+          <pc:docMk/>
+          <pc:sldMk cId="3698797492" sldId="277"/>
+        </pc:sldMkLst>
+        <pc:spChg chg="del">
+          <ac:chgData name="Im JinSeop" userId="c40f7fbe82cfb90a" providerId="LiveId" clId="{BB420FD0-3EC0-4B65-81B7-3AA206F91FA5}" dt="2020-04-05T11:52:35.238" v="2827" actId="478"/>
+          <ac:spMkLst>
+            <pc:docMk/>
+            <pc:sldMk cId="3698797492" sldId="277"/>
+            <ac:spMk id="13" creationId="{8F55BB4C-A087-4B7B-8EA9-A888643CBB7D}"/>
+          </ac:spMkLst>
+        </pc:spChg>
+      </pc:sldChg>
+      <pc:sldChg chg="modSp mod">
+        <pc:chgData name="Im JinSeop" userId="c40f7fbe82cfb90a" providerId="LiveId" clId="{BB420FD0-3EC0-4B65-81B7-3AA206F91FA5}" dt="2020-04-12T02:10:43.666" v="6231" actId="207"/>
+        <pc:sldMkLst>
+          <pc:docMk/>
+          <pc:sldMk cId="4099301703" sldId="278"/>
+        </pc:sldMkLst>
+        <pc:spChg chg="mod">
+          <ac:chgData name="Im JinSeop" userId="c40f7fbe82cfb90a" providerId="LiveId" clId="{BB420FD0-3EC0-4B65-81B7-3AA206F91FA5}" dt="2020-04-12T02:02:33.165" v="5978" actId="1076"/>
+          <ac:spMkLst>
+            <pc:docMk/>
+            <pc:sldMk cId="4099301703" sldId="278"/>
+            <ac:spMk id="3" creationId="{C7C33CC9-3426-46C9-B59E-26A6B9023E88}"/>
+          </ac:spMkLst>
+        </pc:spChg>
+        <pc:graphicFrameChg chg="mod modGraphic">
+          <ac:chgData name="Im JinSeop" userId="c40f7fbe82cfb90a" providerId="LiveId" clId="{BB420FD0-3EC0-4B65-81B7-3AA206F91FA5}" dt="2020-04-12T02:10:43.666" v="6231" actId="207"/>
+          <ac:graphicFrameMkLst>
+            <pc:docMk/>
+            <pc:sldMk cId="4099301703" sldId="278"/>
+            <ac:graphicFrameMk id="7" creationId="{4FC74BBD-CE5A-48ED-932B-01A27290F016}"/>
+          </ac:graphicFrameMkLst>
+        </pc:graphicFrameChg>
+      </pc:sldChg>
+      <pc:sldChg chg="addSp modSp mod">
+        <pc:chgData name="Im JinSeop" userId="c40f7fbe82cfb90a" providerId="LiveId" clId="{BB420FD0-3EC0-4B65-81B7-3AA206F91FA5}" dt="2020-04-12T02:36:21.818" v="6612"/>
+        <pc:sldMkLst>
+          <pc:docMk/>
+          <pc:sldMk cId="1992533794" sldId="279"/>
+        </pc:sldMkLst>
+        <pc:spChg chg="add mod">
+          <ac:chgData name="Im JinSeop" userId="c40f7fbe82cfb90a" providerId="LiveId" clId="{BB420FD0-3EC0-4B65-81B7-3AA206F91FA5}" dt="2020-04-12T02:32:17.876" v="6397" actId="1076"/>
+          <ac:spMkLst>
+            <pc:docMk/>
+            <pc:sldMk cId="1992533794" sldId="279"/>
+            <ac:spMk id="8" creationId="{3FCEB361-BF54-4D14-815E-354905E59DC8}"/>
+          </ac:spMkLst>
+        </pc:spChg>
+        <pc:graphicFrameChg chg="mod modGraphic">
+          <ac:chgData name="Im JinSeop" userId="c40f7fbe82cfb90a" providerId="LiveId" clId="{BB420FD0-3EC0-4B65-81B7-3AA206F91FA5}" dt="2020-04-12T02:36:21.818" v="6612"/>
+          <ac:graphicFrameMkLst>
+            <pc:docMk/>
+            <pc:sldMk cId="1992533794" sldId="279"/>
+            <ac:graphicFrameMk id="7" creationId="{9D8CA473-AA1D-4CF9-B93A-B6F8E6A58A6C}"/>
+          </ac:graphicFrameMkLst>
+        </pc:graphicFrameChg>
+      </pc:sldChg>
+      <pc:sldChg chg="delSp modSp add del mod">
+        <pc:chgData name="Im JinSeop" userId="c40f7fbe82cfb90a" providerId="LiveId" clId="{BB420FD0-3EC0-4B65-81B7-3AA206F91FA5}" dt="2020-04-12T02:39:01.889" v="6714" actId="1076"/>
+        <pc:sldMkLst>
+          <pc:docMk/>
+          <pc:sldMk cId="689946609" sldId="280"/>
+        </pc:sldMkLst>
+        <pc:spChg chg="mod">
+          <ac:chgData name="Im JinSeop" userId="c40f7fbe82cfb90a" providerId="LiveId" clId="{BB420FD0-3EC0-4B65-81B7-3AA206F91FA5}" dt="2020-04-12T02:37:13.227" v="6672" actId="20577"/>
+          <ac:spMkLst>
+            <pc:docMk/>
+            <pc:sldMk cId="689946609" sldId="280"/>
+            <ac:spMk id="33" creationId="{99ED45B1-8A7A-423F-9A86-FF3DC2030927}"/>
+          </ac:spMkLst>
+        </pc:spChg>
+        <pc:spChg chg="del">
+          <ac:chgData name="Im JinSeop" userId="c40f7fbe82cfb90a" providerId="LiveId" clId="{BB420FD0-3EC0-4B65-81B7-3AA206F91FA5}" dt="2020-04-12T02:38:51.786" v="6711" actId="478"/>
+          <ac:spMkLst>
+            <pc:docMk/>
+            <pc:sldMk cId="689946609" sldId="280"/>
+            <ac:spMk id="47" creationId="{1D39F769-86AC-45B4-A0F4-BD06E25F6146}"/>
+          </ac:spMkLst>
+        </pc:spChg>
+        <pc:spChg chg="del">
+          <ac:chgData name="Im JinSeop" userId="c40f7fbe82cfb90a" providerId="LiveId" clId="{BB420FD0-3EC0-4B65-81B7-3AA206F91FA5}" dt="2020-04-12T02:36:55.495" v="6614" actId="478"/>
+          <ac:spMkLst>
+            <pc:docMk/>
+            <pc:sldMk cId="689946609" sldId="280"/>
+            <ac:spMk id="56" creationId="{8DA32DFF-ACA8-4E41-94AC-194C3BA36A08}"/>
+          </ac:spMkLst>
+        </pc:spChg>
+        <pc:picChg chg="del">
+          <ac:chgData name="Im JinSeop" userId="c40f7fbe82cfb90a" providerId="LiveId" clId="{BB420FD0-3EC0-4B65-81B7-3AA206F91FA5}" dt="2020-04-12T02:38:47.903" v="6710" actId="478"/>
+          <ac:picMkLst>
+            <pc:docMk/>
+            <pc:sldMk cId="689946609" sldId="280"/>
+            <ac:picMk id="35" creationId="{DDEBEE2C-A36B-413D-85DD-FEDF5995CD9A}"/>
+          </ac:picMkLst>
+        </pc:picChg>
+        <pc:picChg chg="del">
+          <ac:chgData name="Im JinSeop" userId="c40f7fbe82cfb90a" providerId="LiveId" clId="{BB420FD0-3EC0-4B65-81B7-3AA206F91FA5}" dt="2020-04-12T02:38:43.567" v="6708" actId="478"/>
+          <ac:picMkLst>
+            <pc:docMk/>
+            <pc:sldMk cId="689946609" sldId="280"/>
+            <ac:picMk id="42" creationId="{DEA263B9-C2EA-4774-B60D-7D431A0E0ED0}"/>
+          </ac:picMkLst>
+        </pc:picChg>
+        <pc:picChg chg="mod">
+          <ac:chgData name="Im JinSeop" userId="c40f7fbe82cfb90a" providerId="LiveId" clId="{BB420FD0-3EC0-4B65-81B7-3AA206F91FA5}" dt="2020-04-12T02:39:01.889" v="6714" actId="1076"/>
+          <ac:picMkLst>
+            <pc:docMk/>
+            <pc:sldMk cId="689946609" sldId="280"/>
+            <ac:picMk id="57" creationId="{A20A56BE-781E-48F9-9A2D-6E410B0D436C}"/>
+          </ac:picMkLst>
+        </pc:picChg>
+        <pc:cxnChg chg="del mod">
+          <ac:chgData name="Im JinSeop" userId="c40f7fbe82cfb90a" providerId="LiveId" clId="{BB420FD0-3EC0-4B65-81B7-3AA206F91FA5}" dt="2020-04-12T02:38:52.594" v="6712" actId="478"/>
+          <ac:cxnSpMkLst>
+            <pc:docMk/>
+            <pc:sldMk cId="689946609" sldId="280"/>
+            <ac:cxnSpMk id="43" creationId="{3A2A15B3-FA85-41A6-9C75-611ED68BC2DC}"/>
+          </ac:cxnSpMkLst>
+        </pc:cxnChg>
+        <pc:cxnChg chg="del mod">
+          <ac:chgData name="Im JinSeop" userId="c40f7fbe82cfb90a" providerId="LiveId" clId="{BB420FD0-3EC0-4B65-81B7-3AA206F91FA5}" dt="2020-04-12T02:38:45.828" v="6709" actId="478"/>
+          <ac:cxnSpMkLst>
+            <pc:docMk/>
+            <pc:sldMk cId="689946609" sldId="280"/>
+            <ac:cxnSpMk id="46" creationId="{03288BF1-1A11-4083-B45D-B539E79333A5}"/>
+          </ac:cxnSpMkLst>
+        </pc:cxnChg>
+        <pc:cxnChg chg="del mod">
+          <ac:chgData name="Im JinSeop" userId="c40f7fbe82cfb90a" providerId="LiveId" clId="{BB420FD0-3EC0-4B65-81B7-3AA206F91FA5}" dt="2020-04-12T02:38:54.120" v="6713" actId="478"/>
+          <ac:cxnSpMkLst>
+            <pc:docMk/>
+            <pc:sldMk cId="689946609" sldId="280"/>
+            <ac:cxnSpMk id="58" creationId="{D969A6E6-F1BE-4787-BEF3-B2F68DBCB398}"/>
+          </ac:cxnSpMkLst>
+        </pc:cxnChg>
+        <pc:cxnChg chg="mod">
+          <ac:chgData name="Im JinSeop" userId="c40f7fbe82cfb90a" providerId="LiveId" clId="{BB420FD0-3EC0-4B65-81B7-3AA206F91FA5}" dt="2020-04-12T02:39:01.889" v="6714" actId="1076"/>
+          <ac:cxnSpMkLst>
+            <pc:docMk/>
+            <pc:sldMk cId="689946609" sldId="280"/>
+            <ac:cxnSpMk id="59" creationId="{50C43EC1-805D-4331-ADB3-DF44814E7A1F}"/>
+          </ac:cxnSpMkLst>
+        </pc:cxnChg>
+      </pc:sldChg>
+      <pc:sldChg chg="modSp mod">
+        <pc:chgData name="Im JinSeop" userId="c40f7fbe82cfb90a" providerId="LiveId" clId="{BB420FD0-3EC0-4B65-81B7-3AA206F91FA5}" dt="2020-04-12T02:47:21.702" v="7136" actId="20577"/>
+        <pc:sldMkLst>
+          <pc:docMk/>
+          <pc:sldMk cId="2535839192" sldId="283"/>
+        </pc:sldMkLst>
+        <pc:graphicFrameChg chg="mod modGraphic">
+          <ac:chgData name="Im JinSeop" userId="c40f7fbe82cfb90a" providerId="LiveId" clId="{BB420FD0-3EC0-4B65-81B7-3AA206F91FA5}" dt="2020-04-12T02:47:21.702" v="7136" actId="20577"/>
+          <ac:graphicFrameMkLst>
+            <pc:docMk/>
+            <pc:sldMk cId="2535839192" sldId="283"/>
+            <ac:graphicFrameMk id="3" creationId="{AE524969-6754-4E45-A1CE-9918F9DF008A}"/>
+          </ac:graphicFrameMkLst>
+        </pc:graphicFrameChg>
+      </pc:sldChg>
+      <pc:sldChg chg="delSp modSp mod">
+        <pc:chgData name="Im JinSeop" userId="c40f7fbe82cfb90a" providerId="LiveId" clId="{BB420FD0-3EC0-4B65-81B7-3AA206F91FA5}" dt="2020-04-05T11:13:26.222" v="981" actId="14100"/>
+        <pc:sldMkLst>
+          <pc:docMk/>
+          <pc:sldMk cId="2773449822" sldId="284"/>
+        </pc:sldMkLst>
+        <pc:spChg chg="mod">
+          <ac:chgData name="Im JinSeop" userId="c40f7fbe82cfb90a" providerId="LiveId" clId="{BB420FD0-3EC0-4B65-81B7-3AA206F91FA5}" dt="2020-04-05T11:13:17.553" v="979" actId="1036"/>
+          <ac:spMkLst>
+            <pc:docMk/>
+            <pc:sldMk cId="2773449822" sldId="284"/>
+            <ac:spMk id="2" creationId="{9F7DB3A1-43BB-4B31-AA91-EBBC6050F0BC}"/>
+          </ac:spMkLst>
+        </pc:spChg>
+        <pc:spChg chg="mod">
+          <ac:chgData name="Im JinSeop" userId="c40f7fbe82cfb90a" providerId="LiveId" clId="{BB420FD0-3EC0-4B65-81B7-3AA206F91FA5}" dt="2020-04-05T11:13:17.553" v="979" actId="1036"/>
+          <ac:spMkLst>
+            <pc:docMk/>
+            <pc:sldMk cId="2773449822" sldId="284"/>
+            <ac:spMk id="3" creationId="{A43AAB58-3FCB-476D-A844-DC37233CC840}"/>
+          </ac:spMkLst>
+        </pc:spChg>
+        <pc:spChg chg="mod">
+          <ac:chgData name="Im JinSeop" userId="c40f7fbe82cfb90a" providerId="LiveId" clId="{BB420FD0-3EC0-4B65-81B7-3AA206F91FA5}" dt="2020-04-05T11:13:17.553" v="979" actId="1036"/>
+          <ac:spMkLst>
+            <pc:docMk/>
+            <pc:sldMk cId="2773449822" sldId="284"/>
+            <ac:spMk id="9" creationId="{A606DE80-F965-4311-87CA-732D49EDC713}"/>
+          </ac:spMkLst>
+        </pc:spChg>
+        <pc:spChg chg="mod">
+          <ac:chgData name="Im JinSeop" userId="c40f7fbe82cfb90a" providerId="LiveId" clId="{BB420FD0-3EC0-4B65-81B7-3AA206F91FA5}" dt="2020-04-05T11:13:17.553" v="979" actId="1036"/>
+          <ac:spMkLst>
+            <pc:docMk/>
+            <pc:sldMk cId="2773449822" sldId="284"/>
+            <ac:spMk id="10" creationId="{F44A5101-DD8E-46AC-99DF-B52067E319F4}"/>
+          </ac:spMkLst>
+        </pc:spChg>
+        <pc:spChg chg="mod">
+          <ac:chgData name="Im JinSeop" userId="c40f7fbe82cfb90a" providerId="LiveId" clId="{BB420FD0-3EC0-4B65-81B7-3AA206F91FA5}" dt="2020-04-05T11:13:17.553" v="979" actId="1036"/>
+          <ac:spMkLst>
+            <pc:docMk/>
+            <pc:sldMk cId="2773449822" sldId="284"/>
+            <ac:spMk id="11" creationId="{DAB760DF-9741-4A3F-B0C7-422EEE78E64A}"/>
+          </ac:spMkLst>
+        </pc:spChg>
+        <pc:spChg chg="mod">
+          <ac:chgData name="Im JinSeop" userId="c40f7fbe82cfb90a" providerId="LiveId" clId="{BB420FD0-3EC0-4B65-81B7-3AA206F91FA5}" dt="2020-04-05T11:13:17.553" v="979" actId="1036"/>
+          <ac:spMkLst>
+            <pc:docMk/>
+            <pc:sldMk cId="2773449822" sldId="284"/>
+            <ac:spMk id="13" creationId="{208E6524-445A-40FC-975D-D096E62AB0DF}"/>
+          </ac:spMkLst>
+        </pc:spChg>
+        <pc:spChg chg="mod">
+          <ac:chgData name="Im JinSeop" userId="c40f7fbe82cfb90a" providerId="LiveId" clId="{BB420FD0-3EC0-4B65-81B7-3AA206F91FA5}" dt="2020-04-05T11:13:17.553" v="979" actId="1036"/>
+          <ac:spMkLst>
+            <pc:docMk/>
+            <pc:sldMk cId="2773449822" sldId="284"/>
+            <ac:spMk id="14" creationId="{6BF37631-CF67-4B06-9E1A-19A9D0D8360C}"/>
+          </ac:spMkLst>
+        </pc:spChg>
+        <pc:spChg chg="mod">
+          <ac:chgData name="Im JinSeop" userId="c40f7fbe82cfb90a" providerId="LiveId" clId="{BB420FD0-3EC0-4B65-81B7-3AA206F91FA5}" dt="2020-04-05T11:13:17.553" v="979" actId="1036"/>
+          <ac:spMkLst>
+            <pc:docMk/>
+            <pc:sldMk cId="2773449822" sldId="284"/>
+            <ac:spMk id="15" creationId="{483BB862-E132-451C-93BF-2D16047630B4}"/>
+          </ac:spMkLst>
+        </pc:spChg>
+        <pc:spChg chg="mod">
+          <ac:chgData name="Im JinSeop" userId="c40f7fbe82cfb90a" providerId="LiveId" clId="{BB420FD0-3EC0-4B65-81B7-3AA206F91FA5}" dt="2020-04-05T11:13:17.553" v="979" actId="1036"/>
+          <ac:spMkLst>
+            <pc:docMk/>
+            <pc:sldMk cId="2773449822" sldId="284"/>
+            <ac:spMk id="16" creationId="{EF9038D0-BCD5-4244-BFC8-4FF85B4F8B45}"/>
+          </ac:spMkLst>
+        </pc:spChg>
+        <pc:spChg chg="mod">
+          <ac:chgData name="Im JinSeop" userId="c40f7fbe82cfb90a" providerId="LiveId" clId="{BB420FD0-3EC0-4B65-81B7-3AA206F91FA5}" dt="2020-04-05T11:13:17.553" v="979" actId="1036"/>
+          <ac:spMkLst>
+            <pc:docMk/>
+            <pc:sldMk cId="2773449822" sldId="284"/>
+            <ac:spMk id="17" creationId="{CB2363EB-C453-4883-A30D-E89355A55F7E}"/>
+          </ac:spMkLst>
+        </pc:spChg>
+        <pc:spChg chg="mod">
+          <ac:chgData name="Im JinSeop" userId="c40f7fbe82cfb90a" providerId="LiveId" clId="{BB420FD0-3EC0-4B65-81B7-3AA206F91FA5}" dt="2020-04-05T11:13:26.222" v="981" actId="14100"/>
+          <ac:spMkLst>
+            <pc:docMk/>
+            <pc:sldMk cId="2773449822" sldId="284"/>
+            <ac:spMk id="19" creationId="{35401F4B-3F6D-403F-888B-E197E7A80072}"/>
+          </ac:spMkLst>
+        </pc:spChg>
+        <pc:spChg chg="mod">
+          <ac:chgData name="Im JinSeop" userId="c40f7fbe82cfb90a" providerId="LiveId" clId="{BB420FD0-3EC0-4B65-81B7-3AA206F91FA5}" dt="2020-04-05T11:13:17.553" v="979" actId="1036"/>
+          <ac:spMkLst>
+            <pc:docMk/>
+            <pc:sldMk cId="2773449822" sldId="284"/>
+            <ac:spMk id="20" creationId="{173B5BCC-B646-4122-B688-106019EAA7CD}"/>
+          </ac:spMkLst>
+        </pc:spChg>
+        <pc:spChg chg="del">
+          <ac:chgData name="Im JinSeop" userId="c40f7fbe82cfb90a" providerId="LiveId" clId="{BB420FD0-3EC0-4B65-81B7-3AA206F91FA5}" dt="2020-04-05T10:27:40.161" v="592" actId="478"/>
+          <ac:spMkLst>
+            <pc:docMk/>
+            <pc:sldMk cId="2773449822" sldId="284"/>
+            <ac:spMk id="21" creationId="{157640A7-C56D-430D-B958-EA4EC946FC88}"/>
+          </ac:spMkLst>
+        </pc:spChg>
+        <pc:spChg chg="mod">
+          <ac:chgData name="Im JinSeop" userId="c40f7fbe82cfb90a" providerId="LiveId" clId="{BB420FD0-3EC0-4B65-81B7-3AA206F91FA5}" dt="2020-04-05T11:13:17.553" v="979" actId="1036"/>
+          <ac:spMkLst>
+            <pc:docMk/>
+            <pc:sldMk cId="2773449822" sldId="284"/>
+            <ac:spMk id="22" creationId="{B880A5C6-E969-41FC-8C32-F948AA0238AC}"/>
+          </ac:spMkLst>
+        </pc:spChg>
+        <pc:spChg chg="mod">
+          <ac:chgData name="Im JinSeop" userId="c40f7fbe82cfb90a" providerId="LiveId" clId="{BB420FD0-3EC0-4B65-81B7-3AA206F91FA5}" dt="2020-04-05T11:13:17.553" v="979" actId="1036"/>
+          <ac:spMkLst>
+            <pc:docMk/>
+            <pc:sldMk cId="2773449822" sldId="284"/>
+            <ac:spMk id="24" creationId="{744227F9-00A7-4CA7-B365-2DCD79861C30}"/>
+          </ac:spMkLst>
+        </pc:spChg>
+      </pc:sldChg>
+      <pc:sldChg chg="del">
+        <pc:chgData name="Im JinSeop" userId="c40f7fbe82cfb90a" providerId="LiveId" clId="{BB420FD0-3EC0-4B65-81B7-3AA206F91FA5}" dt="2020-04-12T02:36:40.857" v="6613" actId="2696"/>
+        <pc:sldMkLst>
+          <pc:docMk/>
+          <pc:sldMk cId="1321801489" sldId="286"/>
+        </pc:sldMkLst>
+      </pc:sldChg>
+      <pc:sldChg chg="del">
+        <pc:chgData name="Im JinSeop" userId="c40f7fbe82cfb90a" providerId="LiveId" clId="{BB420FD0-3EC0-4B65-81B7-3AA206F91FA5}" dt="2020-04-12T02:36:40.857" v="6613" actId="2696"/>
+        <pc:sldMkLst>
+          <pc:docMk/>
+          <pc:sldMk cId="3574463847" sldId="290"/>
+        </pc:sldMkLst>
+      </pc:sldChg>
+      <pc:sldChg chg="addSp delSp modSp mod">
+        <pc:chgData name="Im JinSeop" userId="c40f7fbe82cfb90a" providerId="LiveId" clId="{BB420FD0-3EC0-4B65-81B7-3AA206F91FA5}" dt="2020-04-12T02:44:53.907" v="6824" actId="20577"/>
+        <pc:sldMkLst>
+          <pc:docMk/>
+          <pc:sldMk cId="4078702924" sldId="291"/>
+        </pc:sldMkLst>
+        <pc:spChg chg="mod">
+          <ac:chgData name="Im JinSeop" userId="c40f7fbe82cfb90a" providerId="LiveId" clId="{BB420FD0-3EC0-4B65-81B7-3AA206F91FA5}" dt="2020-04-12T02:41:59.819" v="6774" actId="20577"/>
+          <ac:spMkLst>
+            <pc:docMk/>
+            <pc:sldMk cId="4078702924" sldId="291"/>
+            <ac:spMk id="7" creationId="{D8C43799-51A4-416B-8D50-A206118507AF}"/>
+          </ac:spMkLst>
+        </pc:spChg>
+        <pc:spChg chg="del topLvl">
+          <ac:chgData name="Im JinSeop" userId="c40f7fbe82cfb90a" providerId="LiveId" clId="{BB420FD0-3EC0-4B65-81B7-3AA206F91FA5}" dt="2020-04-12T02:41:07.819" v="6718" actId="478"/>
+          <ac:spMkLst>
+            <pc:docMk/>
+            <pc:sldMk cId="4078702924" sldId="291"/>
+            <ac:spMk id="12" creationId="{6162B4DA-85D6-4220-B356-E10793E9AD82}"/>
+          </ac:spMkLst>
+        </pc:spChg>
+        <pc:spChg chg="del">
+          <ac:chgData name="Im JinSeop" userId="c40f7fbe82cfb90a" providerId="LiveId" clId="{BB420FD0-3EC0-4B65-81B7-3AA206F91FA5}" dt="2020-04-12T02:41:00.035" v="6716" actId="478"/>
+          <ac:spMkLst>
+            <pc:docMk/>
+            <pc:sldMk cId="4078702924" sldId="291"/>
+            <ac:spMk id="13" creationId="{B76FBAB2-76E0-4CBC-8AEF-CED0FB631D5C}"/>
+          </ac:spMkLst>
+        </pc:spChg>
+        <pc:spChg chg="del">
+          <ac:chgData name="Im JinSeop" userId="c40f7fbe82cfb90a" providerId="LiveId" clId="{BB420FD0-3EC0-4B65-81B7-3AA206F91FA5}" dt="2020-04-12T02:41:04.541" v="6717" actId="478"/>
+          <ac:spMkLst>
+            <pc:docMk/>
+            <pc:sldMk cId="4078702924" sldId="291"/>
+            <ac:spMk id="14" creationId="{27905BCF-AD2D-4345-9DA6-6E7052880959}"/>
+          </ac:spMkLst>
+        </pc:spChg>
+        <pc:spChg chg="mod topLvl">
+          <ac:chgData name="Im JinSeop" userId="c40f7fbe82cfb90a" providerId="LiveId" clId="{BB420FD0-3EC0-4B65-81B7-3AA206F91FA5}" dt="2020-04-12T02:41:50.488" v="6761" actId="20577"/>
+          <ac:spMkLst>
+            <pc:docMk/>
+            <pc:sldMk cId="4078702924" sldId="291"/>
+            <ac:spMk id="15" creationId="{047CE021-BD86-4A9B-9B04-88643D19A912}"/>
+          </ac:spMkLst>
+        </pc:spChg>
+        <pc:spChg chg="mod">
+          <ac:chgData name="Im JinSeop" userId="c40f7fbe82cfb90a" providerId="LiveId" clId="{BB420FD0-3EC0-4B65-81B7-3AA206F91FA5}" dt="2020-04-12T02:44:53.907" v="6824" actId="20577"/>
+          <ac:spMkLst>
+            <pc:docMk/>
+            <pc:sldMk cId="4078702924" sldId="291"/>
+            <ac:spMk id="33" creationId="{99ED45B1-8A7A-423F-9A86-FF3DC2030927}"/>
+          </ac:spMkLst>
+        </pc:spChg>
+        <pc:spChg chg="add del mod ord">
+          <ac:chgData name="Im JinSeop" userId="c40f7fbe82cfb90a" providerId="LiveId" clId="{BB420FD0-3EC0-4B65-81B7-3AA206F91FA5}" dt="2020-04-12T02:44:07.492" v="6786" actId="21"/>
+          <ac:spMkLst>
+            <pc:docMk/>
+            <pc:sldMk cId="4078702924" sldId="291"/>
+            <ac:spMk id="36" creationId="{504F9091-4711-4228-A8AB-95F99CC67B2F}"/>
+          </ac:spMkLst>
+        </pc:spChg>
+        <pc:spChg chg="add mod">
+          <ac:chgData name="Im JinSeop" userId="c40f7fbe82cfb90a" providerId="LiveId" clId="{BB420FD0-3EC0-4B65-81B7-3AA206F91FA5}" dt="2020-04-12T02:44:13.858" v="6788" actId="1076"/>
+          <ac:spMkLst>
+            <pc:docMk/>
+            <pc:sldMk cId="4078702924" sldId="291"/>
+            <ac:spMk id="45" creationId="{4581F1EE-A43B-4F8A-8D3B-4658262B8FB1}"/>
+          </ac:spMkLst>
+        </pc:spChg>
+        <pc:grpChg chg="del">
+          <ac:chgData name="Im JinSeop" userId="c40f7fbe82cfb90a" providerId="LiveId" clId="{BB420FD0-3EC0-4B65-81B7-3AA206F91FA5}" dt="2020-04-12T02:41:07.819" v="6718" actId="478"/>
+          <ac:grpSpMkLst>
+            <pc:docMk/>
+            <pc:sldMk cId="4078702924" sldId="291"/>
+            <ac:grpSpMk id="9" creationId="{1AAA44EA-530C-4D65-9DA9-8E48E98FC603}"/>
+          </ac:grpSpMkLst>
+        </pc:grpChg>
+        <pc:grpChg chg="del">
+          <ac:chgData name="Im JinSeop" userId="c40f7fbe82cfb90a" providerId="LiveId" clId="{BB420FD0-3EC0-4B65-81B7-3AA206F91FA5}" dt="2020-04-12T02:43:51.634" v="6782" actId="21"/>
+          <ac:grpSpMkLst>
+            <pc:docMk/>
+            <pc:sldMk cId="4078702924" sldId="291"/>
+            <ac:grpSpMk id="11" creationId="{DA11B989-F64D-4A9B-9E72-47E42FC10AC5}"/>
+          </ac:grpSpMkLst>
+        </pc:grpChg>
+        <pc:grpChg chg="add del mod">
+          <ac:chgData name="Im JinSeop" userId="c40f7fbe82cfb90a" providerId="LiveId" clId="{BB420FD0-3EC0-4B65-81B7-3AA206F91FA5}" dt="2020-04-12T02:44:07.492" v="6786" actId="21"/>
+          <ac:grpSpMkLst>
+            <pc:docMk/>
+            <pc:sldMk cId="4078702924" sldId="291"/>
+            <ac:grpSpMk id="37" creationId="{2B2E25E8-727A-4BAD-A922-65811F2576AB}"/>
+          </ac:grpSpMkLst>
+        </pc:grpChg>
+        <pc:grpChg chg="add mod">
+          <ac:chgData name="Im JinSeop" userId="c40f7fbe82cfb90a" providerId="LiveId" clId="{BB420FD0-3EC0-4B65-81B7-3AA206F91FA5}" dt="2020-04-12T02:44:13.858" v="6788" actId="1076"/>
+          <ac:grpSpMkLst>
+            <pc:docMk/>
+            <pc:sldMk cId="4078702924" sldId="291"/>
+            <ac:grpSpMk id="46" creationId="{1DB1497A-C7E4-461B-BB5E-FB5AF1870C62}"/>
+          </ac:grpSpMkLst>
+        </pc:grpChg>
+        <pc:cxnChg chg="mod">
+          <ac:chgData name="Im JinSeop" userId="c40f7fbe82cfb90a" providerId="LiveId" clId="{BB420FD0-3EC0-4B65-81B7-3AA206F91FA5}" dt="2020-04-12T02:41:10.809" v="6719" actId="14100"/>
+          <ac:cxnSpMkLst>
+            <pc:docMk/>
+            <pc:sldMk cId="4078702924" sldId="291"/>
+            <ac:cxnSpMk id="26" creationId="{843BDB77-8218-480F-8C4F-18D86AC63BF1}"/>
+          </ac:cxnSpMkLst>
+        </pc:cxnChg>
+        <pc:cxnChg chg="mod">
+          <ac:chgData name="Im JinSeop" userId="c40f7fbe82cfb90a" providerId="LiveId" clId="{BB420FD0-3EC0-4B65-81B7-3AA206F91FA5}" dt="2020-04-12T02:41:12.862" v="6720" actId="14100"/>
+          <ac:cxnSpMkLst>
+            <pc:docMk/>
+            <pc:sldMk cId="4078702924" sldId="291"/>
+            <ac:cxnSpMk id="32" creationId="{74E97817-FA8C-4CC4-A65B-CD345776265E}"/>
+          </ac:cxnSpMkLst>
+        </pc:cxnChg>
+        <pc:cxnChg chg="mod">
+          <ac:chgData name="Im JinSeop" userId="c40f7fbe82cfb90a" providerId="LiveId" clId="{BB420FD0-3EC0-4B65-81B7-3AA206F91FA5}" dt="2020-04-12T02:41:07.819" v="6718" actId="478"/>
+          <ac:cxnSpMkLst>
+            <pc:docMk/>
+            <pc:sldMk cId="4078702924" sldId="291"/>
+            <ac:cxnSpMk id="35" creationId="{720B27F7-DDF2-43B4-9544-49C9C02D4950}"/>
+          </ac:cxnSpMkLst>
+        </pc:cxnChg>
+        <pc:cxnChg chg="mod">
+          <ac:chgData name="Im JinSeop" userId="c40f7fbe82cfb90a" providerId="LiveId" clId="{BB420FD0-3EC0-4B65-81B7-3AA206F91FA5}" dt="2020-04-12T02:44:18.251" v="6789" actId="14100"/>
+          <ac:cxnSpMkLst>
+            <pc:docMk/>
+            <pc:sldMk cId="4078702924" sldId="291"/>
+            <ac:cxnSpMk id="39" creationId="{677F2BAA-D327-4842-AB8D-A199B2EDF161}"/>
+          </ac:cxnSpMkLst>
+        </pc:cxnChg>
+        <pc:cxnChg chg="mod">
+          <ac:chgData name="Im JinSeop" userId="c40f7fbe82cfb90a" providerId="LiveId" clId="{BB420FD0-3EC0-4B65-81B7-3AA206F91FA5}" dt="2020-04-12T02:44:21.860" v="6790" actId="14100"/>
+          <ac:cxnSpMkLst>
+            <pc:docMk/>
+            <pc:sldMk cId="4078702924" sldId="291"/>
+            <ac:cxnSpMk id="42" creationId="{8E778818-68D0-4F9D-8BD0-C51A43E7D419}"/>
+          </ac:cxnSpMkLst>
+        </pc:cxnChg>
+        <pc:cxnChg chg="mod">
+          <ac:chgData name="Im JinSeop" userId="c40f7fbe82cfb90a" providerId="LiveId" clId="{BB420FD0-3EC0-4B65-81B7-3AA206F91FA5}" dt="2020-04-12T02:41:04.541" v="6717" actId="478"/>
+          <ac:cxnSpMkLst>
+            <pc:docMk/>
+            <pc:sldMk cId="4078702924" sldId="291"/>
+            <ac:cxnSpMk id="49" creationId="{7CD2C57D-89E2-4EA2-871F-0AC1A9585CE6}"/>
+          </ac:cxnSpMkLst>
+        </pc:cxnChg>
+      </pc:sldChg>
+      <pc:sldChg chg="del">
+        <pc:chgData name="Im JinSeop" userId="c40f7fbe82cfb90a" providerId="LiveId" clId="{BB420FD0-3EC0-4B65-81B7-3AA206F91FA5}" dt="2020-04-12T02:44:38.385" v="6791" actId="2696"/>
+        <pc:sldMkLst>
+          <pc:docMk/>
+          <pc:sldMk cId="2858332352" sldId="292"/>
+        </pc:sldMkLst>
+      </pc:sldChg>
+      <pc:sldChg chg="addSp delSp modSp add mod">
+        <pc:chgData name="Im JinSeop" userId="c40f7fbe82cfb90a" providerId="LiveId" clId="{BB420FD0-3EC0-4B65-81B7-3AA206F91FA5}" dt="2020-04-12T02:09:41.474" v="6178" actId="14100"/>
+        <pc:sldMkLst>
+          <pc:docMk/>
+          <pc:sldMk cId="237923676" sldId="293"/>
+        </pc:sldMkLst>
+        <pc:spChg chg="del">
+          <ac:chgData name="Im JinSeop" userId="c40f7fbe82cfb90a" providerId="LiveId" clId="{BB420FD0-3EC0-4B65-81B7-3AA206F91FA5}" dt="2020-04-12T01:46:36.429" v="4057" actId="478"/>
+          <ac:spMkLst>
+            <pc:docMk/>
+            <pc:sldMk cId="237923676" sldId="293"/>
+            <ac:spMk id="3" creationId="{07EF19B9-D6C8-4295-B7CE-3CEC7BC4B644}"/>
+          </ac:spMkLst>
+        </pc:spChg>
+        <pc:spChg chg="mod">
+          <ac:chgData name="Im JinSeop" userId="c40f7fbe82cfb90a" providerId="LiveId" clId="{BB420FD0-3EC0-4B65-81B7-3AA206F91FA5}" dt="2020-04-12T01:46:22.939" v="4056"/>
+          <ac:spMkLst>
+            <pc:docMk/>
+            <pc:sldMk cId="237923676" sldId="293"/>
+            <ac:spMk id="18" creationId="{446ABC95-5C1D-4F29-B39B-389795BB8D6E}"/>
+          </ac:spMkLst>
+        </pc:spChg>
+        <pc:graphicFrameChg chg="add mod modGraphic">
+          <ac:chgData name="Im JinSeop" userId="c40f7fbe82cfb90a" providerId="LiveId" clId="{BB420FD0-3EC0-4B65-81B7-3AA206F91FA5}" dt="2020-04-12T02:09:41.474" v="6178" actId="14100"/>
+          <ac:graphicFrameMkLst>
+            <pc:docMk/>
+            <pc:sldMk cId="237923676" sldId="293"/>
+            <ac:graphicFrameMk id="9" creationId="{EDB41114-8424-4D5A-9121-3D2C721707E8}"/>
+          </ac:graphicFrameMkLst>
+        </pc:graphicFrameChg>
+        <pc:picChg chg="del">
+          <ac:chgData name="Im JinSeop" userId="c40f7fbe82cfb90a" providerId="LiveId" clId="{BB420FD0-3EC0-4B65-81B7-3AA206F91FA5}" dt="2020-04-12T01:46:36.429" v="4057" actId="478"/>
+          <ac:picMkLst>
+            <pc:docMk/>
+            <pc:sldMk cId="237923676" sldId="293"/>
+            <ac:picMk id="1026" creationId="{3D05E479-F8EA-4490-9B1C-14ACDBA39C1C}"/>
+          </ac:picMkLst>
+        </pc:picChg>
+        <pc:picChg chg="del">
+          <ac:chgData name="Im JinSeop" userId="c40f7fbe82cfb90a" providerId="LiveId" clId="{BB420FD0-3EC0-4B65-81B7-3AA206F91FA5}" dt="2020-04-12T01:46:36.429" v="4057" actId="478"/>
+          <ac:picMkLst>
+            <pc:docMk/>
+            <pc:sldMk cId="237923676" sldId="293"/>
+            <ac:picMk id="3076" creationId="{69F014AB-1C0D-436F-907A-B3E759E2D84D}"/>
+          </ac:picMkLst>
+        </pc:picChg>
+      </pc:sldChg>
+      <pc:sldChg chg="addSp delSp modSp add mod">
+        <pc:chgData name="Im JinSeop" userId="c40f7fbe82cfb90a" providerId="LiveId" clId="{BB420FD0-3EC0-4B65-81B7-3AA206F91FA5}" dt="2020-04-12T02:05:55.503" v="5992" actId="1076"/>
+        <pc:sldMkLst>
+          <pc:docMk/>
+          <pc:sldMk cId="3336643065" sldId="294"/>
+        </pc:sldMkLst>
+        <pc:picChg chg="del">
+          <ac:chgData name="Im JinSeop" userId="c40f7fbe82cfb90a" providerId="LiveId" clId="{BB420FD0-3EC0-4B65-81B7-3AA206F91FA5}" dt="2020-04-12T02:05:03.307" v="5986" actId="478"/>
+          <ac:picMkLst>
+            <pc:docMk/>
+            <pc:sldMk cId="3336643065" sldId="294"/>
+            <ac:picMk id="2" creationId="{00792A01-503B-47E4-A596-3ED0600576D8}"/>
+          </ac:picMkLst>
+        </pc:picChg>
+        <pc:picChg chg="add mod">
+          <ac:chgData name="Im JinSeop" userId="c40f7fbe82cfb90a" providerId="LiveId" clId="{BB420FD0-3EC0-4B65-81B7-3AA206F91FA5}" dt="2020-04-12T02:05:55.503" v="5992" actId="1076"/>
+          <ac:picMkLst>
+            <pc:docMk/>
+            <pc:sldMk cId="3336643065" sldId="294"/>
+            <ac:picMk id="3" creationId="{D6137C56-91CF-483D-97A1-E3B72FB6425B}"/>
+          </ac:picMkLst>
+        </pc:picChg>
+        <pc:picChg chg="del">
+          <ac:chgData name="Im JinSeop" userId="c40f7fbe82cfb90a" providerId="LiveId" clId="{BB420FD0-3EC0-4B65-81B7-3AA206F91FA5}" dt="2020-04-12T02:05:03.307" v="5986" actId="478"/>
+          <ac:picMkLst>
+            <pc:docMk/>
+            <pc:sldMk cId="3336643065" sldId="294"/>
+            <ac:picMk id="4098" creationId="{B1A00018-9BA9-4606-9F85-5C5436BEA496}"/>
+          </ac:picMkLst>
+        </pc:picChg>
+      </pc:sldChg>
+      <pc:sldChg chg="add">
+        <pc:chgData name="Im JinSeop" userId="c40f7fbe82cfb90a" providerId="LiveId" clId="{BB420FD0-3EC0-4B65-81B7-3AA206F91FA5}" dt="2020-04-12T02:13:04.777" v="6232"/>
+        <pc:sldMkLst>
+          <pc:docMk/>
+          <pc:sldMk cId="653954211" sldId="295"/>
+        </pc:sldMkLst>
+      </pc:sldChg>
+    </pc:docChg>
+  </pc:docChgLst>
+  <pc:docChgLst>
+    <pc:chgData name="JinSeop Im" userId="c40f7fbe82cfb90a" providerId="LiveId" clId="{5757E13D-CB4C-4463-B328-997DF417BC35}"/>
+    <pc:docChg chg="undo redo custSel addSld delSld modSld sldOrd">
+      <pc:chgData name="JinSeop Im" userId="c40f7fbe82cfb90a" providerId="LiveId" clId="{5757E13D-CB4C-4463-B328-997DF417BC35}" dt="2019-03-16T06:11:15.677" v="5842" actId="20577"/>
+      <pc:docMkLst>
+        <pc:docMk/>
+      </pc:docMkLst>
+      <pc:sldChg chg="modSp">
+        <pc:chgData name="JinSeop Im" userId="c40f7fbe82cfb90a" providerId="LiveId" clId="{5757E13D-CB4C-4463-B328-997DF417BC35}" dt="2019-03-15T21:30:47.943" v="82"/>
+        <pc:sldMkLst>
+          <pc:docMk/>
+          <pc:sldMk cId="228288368" sldId="257"/>
+        </pc:sldMkLst>
+        <pc:spChg chg="mod">
+          <ac:chgData name="JinSeop Im" userId="c40f7fbe82cfb90a" providerId="LiveId" clId="{5757E13D-CB4C-4463-B328-997DF417BC35}" dt="2019-03-15T21:30:38.628" v="72" actId="1076"/>
+          <ac:spMkLst>
+            <pc:docMk/>
+            <pc:sldMk cId="228288368" sldId="257"/>
+            <ac:spMk id="2" creationId="{00000000-0000-0000-0000-000000000000}"/>
+          </ac:spMkLst>
+        </pc:spChg>
+        <pc:spChg chg="mod">
+          <ac:chgData name="JinSeop Im" userId="c40f7fbe82cfb90a" providerId="LiveId" clId="{5757E13D-CB4C-4463-B328-997DF417BC35}" dt="2019-03-15T21:30:47.943" v="82"/>
+          <ac:spMkLst>
+            <pc:docMk/>
+            <pc:sldMk cId="228288368" sldId="257"/>
+            <ac:spMk id="3" creationId="{00000000-0000-0000-0000-000000000000}"/>
+          </ac:spMkLst>
+        </pc:spChg>
+      </pc:sldChg>
+      <pc:sldChg chg="addSp delSp modSp">
+        <pc:chgData name="JinSeop Im" userId="c40f7fbe82cfb90a" providerId="LiveId" clId="{5757E13D-CB4C-4463-B328-997DF417BC35}" dt="2019-03-15T22:10:56.250" v="1662" actId="20577"/>
+        <pc:sldMkLst>
+          <pc:docMk/>
+          <pc:sldMk cId="1489070648" sldId="258"/>
+        </pc:sldMkLst>
+        <pc:spChg chg="mod">
+          <ac:chgData name="JinSeop Im" userId="c40f7fbe82cfb90a" providerId="LiveId" clId="{5757E13D-CB4C-4463-B328-997DF417BC35}" dt="2019-03-15T22:08:26.799" v="1618" actId="120"/>
+          <ac:spMkLst>
+            <pc:docMk/>
+            <pc:sldMk cId="1489070648" sldId="258"/>
+            <ac:spMk id="5" creationId="{00000000-0000-0000-0000-000000000000}"/>
+          </ac:spMkLst>
+        </pc:spChg>
+        <pc:spChg chg="mod">
+          <ac:chgData name="JinSeop Im" userId="c40f7fbe82cfb90a" providerId="LiveId" clId="{5757E13D-CB4C-4463-B328-997DF417BC35}" dt="2019-03-15T22:01:33.322" v="1336" actId="1035"/>
+          <ac:spMkLst>
+            <pc:docMk/>
+            <pc:sldMk cId="1489070648" sldId="258"/>
+            <ac:spMk id="11" creationId="{00000000-0000-0000-0000-000000000000}"/>
+          </ac:spMkLst>
+        </pc:spChg>
+        <pc:spChg chg="del mod">
+          <ac:chgData name="JinSeop Im" userId="c40f7fbe82cfb90a" providerId="LiveId" clId="{5757E13D-CB4C-4463-B328-997DF417BC35}" dt="2019-03-15T22:00:25.262" v="1298" actId="478"/>
+          <ac:spMkLst>
+            <pc:docMk/>
+            <pc:sldMk cId="1489070648" sldId="258"/>
+            <ac:spMk id="13" creationId="{00000000-0000-0000-0000-000000000000}"/>
+          </ac:spMkLst>
+        </pc:spChg>
+        <pc:spChg chg="add del mod">
+          <ac:chgData name="JinSeop Im" userId="c40f7fbe82cfb90a" providerId="LiveId" clId="{5757E13D-CB4C-4463-B328-997DF417BC35}" dt="2019-03-15T21:44:38.775" v="265" actId="478"/>
+          <ac:spMkLst>
+            <pc:docMk/>
+            <pc:sldMk cId="1489070648" sldId="258"/>
+            <ac:spMk id="14" creationId="{1FF87993-EB76-471D-91B9-F0FB416539A2}"/>
+          </ac:spMkLst>
+        </pc:spChg>
+        <pc:spChg chg="add del mod">
+          <ac:chgData name="JinSeop Im" userId="c40f7fbe82cfb90a" providerId="LiveId" clId="{5757E13D-CB4C-4463-B328-997DF417BC35}" dt="2019-03-15T21:45:25.238" v="307" actId="478"/>
+          <ac:spMkLst>
+            <pc:docMk/>
+            <pc:sldMk cId="1489070648" sldId="258"/>
+            <ac:spMk id="15" creationId="{3DE3F092-F4C8-41F2-AC92-3492C2191FD8}"/>
+          </ac:spMkLst>
+        </pc:spChg>
+        <pc:spChg chg="add del">
+          <ac:chgData name="JinSeop Im" userId="c40f7fbe82cfb90a" providerId="LiveId" clId="{5757E13D-CB4C-4463-B328-997DF417BC35}" dt="2019-03-15T21:45:35.469" v="314"/>
+          <ac:spMkLst>
+            <pc:docMk/>
+            <pc:sldMk cId="1489070648" sldId="258"/>
+            <ac:spMk id="16" creationId="{F551A096-B34F-44AA-ABBB-26D79902298B}"/>
+          </ac:spMkLst>
+        </pc:spChg>
+        <pc:spChg chg="add mod">
+          <ac:chgData name="JinSeop Im" userId="c40f7fbe82cfb90a" providerId="LiveId" clId="{5757E13D-CB4C-4463-B328-997DF417BC35}" dt="2019-03-15T22:10:56.250" v="1662" actId="20577"/>
+          <ac:spMkLst>
+            <pc:docMk/>
+            <pc:sldMk cId="1489070648" sldId="258"/>
+            <ac:spMk id="17" creationId="{81B83214-2114-4CE5-91E9-3A73408C9FFD}"/>
+          </ac:spMkLst>
+        </pc:spChg>
+        <pc:spChg chg="add mod">
+          <ac:chgData name="JinSeop Im" userId="c40f7fbe82cfb90a" providerId="LiveId" clId="{5757E13D-CB4C-4463-B328-997DF417BC35}" dt="2019-03-15T22:06:27.279" v="1551"/>
+          <ac:spMkLst>
+            <pc:docMk/>
+            <pc:sldMk cId="1489070648" sldId="258"/>
+            <ac:spMk id="18" creationId="{446ABC95-5C1D-4F29-B39B-389795BB8D6E}"/>
+          </ac:spMkLst>
+        </pc:spChg>
+        <pc:cxnChg chg="del">
+          <ac:chgData name="JinSeop Im" userId="c40f7fbe82cfb90a" providerId="LiveId" clId="{5757E13D-CB4C-4463-B328-997DF417BC35}" dt="2019-03-15T22:07:09.434" v="1572" actId="478"/>
+          <ac:cxnSpMkLst>
+            <pc:docMk/>
+            <pc:sldMk cId="1489070648" sldId="258"/>
+            <ac:cxnSpMk id="7" creationId="{00000000-0000-0000-0000-000000000000}"/>
+          </ac:cxnSpMkLst>
+        </pc:cxnChg>
+        <pc:cxnChg chg="del">
+          <ac:chgData name="JinSeop Im" userId="c40f7fbe82cfb90a" providerId="LiveId" clId="{5757E13D-CB4C-4463-B328-997DF417BC35}" dt="2019-03-15T22:07:09.434" v="1572" actId="478"/>
+          <ac:cxnSpMkLst>
+            <pc:docMk/>
+            <pc:sldMk cId="1489070648" sldId="258"/>
+            <ac:cxnSpMk id="8" creationId="{00000000-0000-0000-0000-000000000000}"/>
+          </ac:cxnSpMkLst>
+        </pc:cxnChg>
+        <pc:cxnChg chg="del">
+          <ac:chgData name="JinSeop Im" userId="c40f7fbe82cfb90a" providerId="LiveId" clId="{5757E13D-CB4C-4463-B328-997DF417BC35}" dt="2019-03-15T22:07:09.434" v="1572" actId="478"/>
+          <ac:cxnSpMkLst>
+            <pc:docMk/>
+            <pc:sldMk cId="1489070648" sldId="258"/>
+            <ac:cxnSpMk id="9" creationId="{00000000-0000-0000-0000-000000000000}"/>
+          </ac:cxnSpMkLst>
+        </pc:cxnChg>
+        <pc:cxnChg chg="del">
+          <ac:chgData name="JinSeop Im" userId="c40f7fbe82cfb90a" providerId="LiveId" clId="{5757E13D-CB4C-4463-B328-997DF417BC35}" dt="2019-03-15T22:07:09.434" v="1572" actId="478"/>
+          <ac:cxnSpMkLst>
+            <pc:docMk/>
+            <pc:sldMk cId="1489070648" sldId="258"/>
+            <ac:cxnSpMk id="10" creationId="{00000000-0000-0000-0000-000000000000}"/>
+          </ac:cxnSpMkLst>
+        </pc:cxnChg>
+      </pc:sldChg>
+      <pc:sldChg chg="modSp">
+        <pc:chgData name="JinSeop Im" userId="c40f7fbe82cfb90a" providerId="LiveId" clId="{5757E13D-CB4C-4463-B328-997DF417BC35}" dt="2019-03-15T21:34:47.314" v="164"/>
+        <pc:sldMkLst>
+          <pc:docMk/>
+          <pc:sldMk cId="1723337297" sldId="260"/>
+        </pc:sldMkLst>
+        <pc:spChg chg="mod">
+          <ac:chgData name="JinSeop Im" userId="c40f7fbe82cfb90a" providerId="LiveId" clId="{5757E13D-CB4C-4463-B328-997DF417BC35}" dt="2019-03-15T21:31:09.497" v="94"/>
+          <ac:spMkLst>
+            <pc:docMk/>
+            <pc:sldMk cId="1723337297" sldId="260"/>
+            <ac:spMk id="5" creationId="{00000000-0000-0000-0000-000000000000}"/>
+          </ac:spMkLst>
+        </pc:spChg>
+        <pc:spChg chg="mod">
+          <ac:chgData name="JinSeop Im" userId="c40f7fbe82cfb90a" providerId="LiveId" clId="{5757E13D-CB4C-4463-B328-997DF417BC35}" dt="2019-03-15T21:34:30.232" v="113"/>
+          <ac:spMkLst>
+            <pc:docMk/>
+            <pc:sldMk cId="1723337297" sldId="260"/>
+            <ac:spMk id="7" creationId="{00000000-0000-0000-0000-000000000000}"/>
+          </ac:spMkLst>
+        </pc:spChg>
+        <pc:spChg chg="mod">
+          <ac:chgData name="JinSeop Im" userId="c40f7fbe82cfb90a" providerId="LiveId" clId="{5757E13D-CB4C-4463-B328-997DF417BC35}" dt="2019-03-15T21:34:38.795" v="141"/>
+          <ac:spMkLst>
+            <pc:docMk/>
+            <pc:sldMk cId="1723337297" sldId="260"/>
+            <ac:spMk id="9" creationId="{00000000-0000-0000-0000-000000000000}"/>
+          </ac:spMkLst>
+        </pc:spChg>
+        <pc:spChg chg="mod">
+          <ac:chgData name="JinSeop Im" userId="c40f7fbe82cfb90a" providerId="LiveId" clId="{5757E13D-CB4C-4463-B328-997DF417BC35}" dt="2019-03-15T21:34:47.314" v="164"/>
+          <ac:spMkLst>
+            <pc:docMk/>
+            <pc:sldMk cId="1723337297" sldId="260"/>
+            <ac:spMk id="11" creationId="{00000000-0000-0000-0000-000000000000}"/>
+          </ac:spMkLst>
+        </pc:spChg>
+      </pc:sldChg>
+      <pc:sldChg chg="modSp">
+        <pc:chgData name="JinSeop Im" userId="c40f7fbe82cfb90a" providerId="LiveId" clId="{5757E13D-CB4C-4463-B328-997DF417BC35}" dt="2019-03-15T22:06:14.990" v="1537"/>
+        <pc:sldMkLst>
+          <pc:docMk/>
+          <pc:sldMk cId="3514545922" sldId="261"/>
+        </pc:sldMkLst>
+        <pc:spChg chg="mod">
+          <ac:chgData name="JinSeop Im" userId="c40f7fbe82cfb90a" providerId="LiveId" clId="{5757E13D-CB4C-4463-B328-997DF417BC35}" dt="2019-03-15T21:59:04.438" v="1209" actId="20577"/>
+          <ac:spMkLst>
+            <pc:docMk/>
+            <pc:sldMk cId="3514545922" sldId="261"/>
+            <ac:spMk id="2" creationId="{00000000-0000-0000-0000-000000000000}"/>
+          </ac:spMkLst>
+        </pc:spChg>
+        <pc:spChg chg="mod">
+          <ac:chgData name="JinSeop Im" userId="c40f7fbe82cfb90a" providerId="LiveId" clId="{5757E13D-CB4C-4463-B328-997DF417BC35}" dt="2019-03-15T22:06:14.990" v="1537"/>
+          <ac:spMkLst>
+            <pc:docMk/>
+            <pc:sldMk cId="3514545922" sldId="261"/>
+            <ac:spMk id="3" creationId="{00000000-0000-0000-0000-000000000000}"/>
+          </ac:spMkLst>
+        </pc:spChg>
+      </pc:sldChg>
+      <pc:sldChg chg="delSp modSp">
+        <pc:chgData name="JinSeop Im" userId="c40f7fbe82cfb90a" providerId="LiveId" clId="{5757E13D-CB4C-4463-B328-997DF417BC35}" dt="2019-03-16T01:45:27.403" v="5066" actId="20577"/>
+        <pc:sldMkLst>
+          <pc:docMk/>
+          <pc:sldMk cId="2240987367" sldId="262"/>
+        </pc:sldMkLst>
+        <pc:spChg chg="mod">
+          <ac:chgData name="JinSeop Im" userId="c40f7fbe82cfb90a" providerId="LiveId" clId="{5757E13D-CB4C-4463-B328-997DF417BC35}" dt="2019-03-15T21:36:01.203" v="191" actId="20577"/>
+          <ac:spMkLst>
+            <pc:docMk/>
+            <pc:sldMk cId="2240987367" sldId="262"/>
+            <ac:spMk id="3" creationId="{00000000-0000-0000-0000-000000000000}"/>
+          </ac:spMkLst>
+        </pc:spChg>
+        <pc:spChg chg="mod">
+          <ac:chgData name="JinSeop Im" userId="c40f7fbe82cfb90a" providerId="LiveId" clId="{5757E13D-CB4C-4463-B328-997DF417BC35}" dt="2019-03-15T21:35:00.507" v="165"/>
+          <ac:spMkLst>
+            <pc:docMk/>
+            <pc:sldMk cId="2240987367" sldId="262"/>
+            <ac:spMk id="5" creationId="{00000000-0000-0000-0000-000000000000}"/>
+          </ac:spMkLst>
+        </pc:spChg>
+        <pc:spChg chg="mod">
+          <ac:chgData name="JinSeop Im" userId="c40f7fbe82cfb90a" providerId="LiveId" clId="{5757E13D-CB4C-4463-B328-997DF417BC35}" dt="2019-03-15T21:35:05.245" v="166"/>
+          <ac:spMkLst>
+            <pc:docMk/>
+            <pc:sldMk cId="2240987367" sldId="262"/>
+            <ac:spMk id="7" creationId="{00000000-0000-0000-0000-000000000000}"/>
+          </ac:spMkLst>
+        </pc:spChg>
+        <pc:spChg chg="mod">
+          <ac:chgData name="JinSeop Im" userId="c40f7fbe82cfb90a" providerId="LiveId" clId="{5757E13D-CB4C-4463-B328-997DF417BC35}" dt="2019-03-15T21:35:21.207" v="170" actId="20577"/>
+          <ac:spMkLst>
+            <pc:docMk/>
+            <pc:sldMk cId="2240987367" sldId="262"/>
+            <ac:spMk id="9" creationId="{00000000-0000-0000-0000-000000000000}"/>
+          </ac:spMkLst>
+        </pc:spChg>
+        <pc:spChg chg="mod">
+          <ac:chgData name="JinSeop Im" userId="c40f7fbe82cfb90a" providerId="LiveId" clId="{5757E13D-CB4C-4463-B328-997DF417BC35}" dt="2019-03-15T21:35:27.462" v="171"/>
+          <ac:spMkLst>
+            <pc:docMk/>
+            <pc:sldMk cId="2240987367" sldId="262"/>
+            <ac:spMk id="11" creationId="{00000000-0000-0000-0000-000000000000}"/>
+          </ac:spMkLst>
+        </pc:spChg>
+        <pc:spChg chg="mod">
+          <ac:chgData name="JinSeop Im" userId="c40f7fbe82cfb90a" providerId="LiveId" clId="{5757E13D-CB4C-4463-B328-997DF417BC35}" dt="2019-03-15T21:36:24.281" v="195" actId="120"/>
+          <ac:spMkLst>
+            <pc:docMk/>
+            <pc:sldMk cId="2240987367" sldId="262"/>
+            <ac:spMk id="14" creationId="{00000000-0000-0000-0000-000000000000}"/>
+          </ac:spMkLst>
+        </pc:spChg>
+        <pc:spChg chg="mod">
+          <ac:chgData name="JinSeop Im" userId="c40f7fbe82cfb90a" providerId="LiveId" clId="{5757E13D-CB4C-4463-B328-997DF417BC35}" dt="2019-03-16T01:45:27.403" v="5066" actId="20577"/>
+          <ac:spMkLst>
+            <pc:docMk/>
+            <pc:sldMk cId="2240987367" sldId="262"/>
+            <ac:spMk id="15" creationId="{00000000-0000-0000-0000-000000000000}"/>
+          </ac:spMkLst>
+        </pc:spChg>
+        <pc:spChg chg="mod">
+          <ac:chgData name="JinSeop Im" userId="c40f7fbe82cfb90a" providerId="LiveId" clId="{5757E13D-CB4C-4463-B328-997DF417BC35}" dt="2019-03-15T21:37:33.928" v="217" actId="120"/>
+          <ac:spMkLst>
+            <pc:docMk/>
+            <pc:sldMk cId="2240987367" sldId="262"/>
+            <ac:spMk id="16" creationId="{00000000-0000-0000-0000-000000000000}"/>
+          </ac:spMkLst>
+        </pc:spChg>
+        <pc:spChg chg="del">
+          <ac:chgData name="JinSeop Im" userId="c40f7fbe82cfb90a" providerId="LiveId" clId="{5757E13D-CB4C-4463-B328-997DF417BC35}" dt="2019-03-15T21:36:15.444" v="192" actId="478"/>
+          <ac:spMkLst>
+            <pc:docMk/>
+            <pc:sldMk cId="2240987367" sldId="262"/>
+            <ac:spMk id="17" creationId="{00000000-0000-0000-0000-000000000000}"/>
+          </ac:spMkLst>
+        </pc:spChg>
+        <pc:spChg chg="del">
+          <ac:chgData name="JinSeop Im" userId="c40f7fbe82cfb90a" providerId="LiveId" clId="{5757E13D-CB4C-4463-B328-997DF417BC35}" dt="2019-03-15T21:36:15.444" v="192" actId="478"/>
+          <ac:spMkLst>
+            <pc:docMk/>
+            <pc:sldMk cId="2240987367" sldId="262"/>
+            <ac:spMk id="18" creationId="{00000000-0000-0000-0000-000000000000}"/>
+          </ac:spMkLst>
+        </pc:spChg>
+        <pc:spChg chg="del">
+          <ac:chgData name="JinSeop Im" userId="c40f7fbe82cfb90a" providerId="LiveId" clId="{5757E13D-CB4C-4463-B328-997DF417BC35}" dt="2019-03-15T21:36:18.798" v="193" actId="478"/>
+          <ac:spMkLst>
+            <pc:docMk/>
+            <pc:sldMk cId="2240987367" sldId="262"/>
+            <ac:spMk id="19" creationId="{00000000-0000-0000-0000-000000000000}"/>
+          </ac:spMkLst>
+        </pc:spChg>
+        <pc:spChg chg="del">
+          <ac:chgData name="JinSeop Im" userId="c40f7fbe82cfb90a" providerId="LiveId" clId="{5757E13D-CB4C-4463-B328-997DF417BC35}" dt="2019-03-15T21:36:18.798" v="193" actId="478"/>
+          <ac:spMkLst>
+            <pc:docMk/>
+            <pc:sldMk cId="2240987367" sldId="262"/>
+            <ac:spMk id="20" creationId="{00000000-0000-0000-0000-000000000000}"/>
+          </ac:spMkLst>
+        </pc:spChg>
+        <pc:spChg chg="del">
+          <ac:chgData name="JinSeop Im" userId="c40f7fbe82cfb90a" providerId="LiveId" clId="{5757E13D-CB4C-4463-B328-997DF417BC35}" dt="2019-03-15T21:36:18.798" v="193" actId="478"/>
+          <ac:spMkLst>
+            <pc:docMk/>
+            <pc:sldMk cId="2240987367" sldId="262"/>
+            <ac:spMk id="21" creationId="{00000000-0000-0000-0000-000000000000}"/>
+          </ac:spMkLst>
+        </pc:spChg>
+      </pc:sldChg>
+      <pc:sldChg chg="modSp ord">
+        <pc:chgData name="JinSeop Im" userId="c40f7fbe82cfb90a" providerId="LiveId" clId="{5757E13D-CB4C-4463-B328-997DF417BC35}" dt="2019-03-15T23:23:19.296" v="3027"/>
+        <pc:sldMkLst>
+          <pc:docMk/>
+          <pc:sldMk cId="2963228856" sldId="263"/>
+        </pc:sldMkLst>
+        <pc:spChg chg="mod">
+          <ac:chgData name="JinSeop Im" userId="c40f7fbe82cfb90a" providerId="LiveId" clId="{5757E13D-CB4C-4463-B328-997DF417BC35}" dt="2019-03-15T23:23:10.032" v="2999" actId="20577"/>
+          <ac:spMkLst>
+            <pc:docMk/>
+            <pc:sldMk cId="2963228856" sldId="263"/>
+            <ac:spMk id="2" creationId="{00000000-0000-0000-0000-000000000000}"/>
+          </ac:spMkLst>
+        </pc:spChg>
+        <pc:spChg chg="mod">
+          <ac:chgData name="JinSeop Im" userId="c40f7fbe82cfb90a" providerId="LiveId" clId="{5757E13D-CB4C-4463-B328-997DF417BC35}" dt="2019-03-15T23:23:19.296" v="3027"/>
+          <ac:spMkLst>
+            <pc:docMk/>
+            <pc:sldMk cId="2963228856" sldId="263"/>
+            <ac:spMk id="3" creationId="{00000000-0000-0000-0000-000000000000}"/>
+          </ac:spMkLst>
+        </pc:spChg>
+      </pc:sldChg>
+      <pc:sldChg chg="addSp delSp modSp ord">
+        <pc:chgData name="JinSeop Im" userId="c40f7fbe82cfb90a" providerId="LiveId" clId="{5757E13D-CB4C-4463-B328-997DF417BC35}" dt="2019-03-15T22:08:37.747" v="1621" actId="120"/>
+        <pc:sldMkLst>
+          <pc:docMk/>
+          <pc:sldMk cId="2825203591" sldId="264"/>
+        </pc:sldMkLst>
+        <pc:spChg chg="del">
+          <ac:chgData name="JinSeop Im" userId="c40f7fbe82cfb90a" providerId="LiveId" clId="{5757E13D-CB4C-4463-B328-997DF417BC35}" dt="2019-03-15T22:02:28.601" v="1337" actId="478"/>
+          <ac:spMkLst>
+            <pc:docMk/>
+            <pc:sldMk cId="2825203591" sldId="264"/>
+            <ac:spMk id="11" creationId="{00000000-0000-0000-0000-000000000000}"/>
+          </ac:spMkLst>
+        </pc:spChg>
+        <pc:spChg chg="add mod">
+          <ac:chgData name="JinSeop Im" userId="c40f7fbe82cfb90a" providerId="LiveId" clId="{5757E13D-CB4C-4463-B328-997DF417BC35}" dt="2019-03-15T22:03:05.039" v="1404" actId="20577"/>
+          <ac:spMkLst>
+            <pc:docMk/>
+            <pc:sldMk cId="2825203591" sldId="264"/>
+            <ac:spMk id="12" creationId="{CD428C1B-618F-4493-A909-2C3442765402}"/>
+          </ac:spMkLst>
+        </pc:spChg>
+        <pc:spChg chg="mod">
+          <ac:chgData name="JinSeop Im" userId="c40f7fbe82cfb90a" providerId="LiveId" clId="{5757E13D-CB4C-4463-B328-997DF417BC35}" dt="2019-03-15T22:08:37.747" v="1621" actId="120"/>
+          <ac:spMkLst>
+            <pc:docMk/>
+            <pc:sldMk cId="2825203591" sldId="264"/>
+            <ac:spMk id="19" creationId="{00000000-0000-0000-0000-000000000000}"/>
+          </ac:spMkLst>
+        </pc:spChg>
+        <pc:spChg chg="mod">
+          <ac:chgData name="JinSeop Im" userId="c40f7fbe82cfb90a" providerId="LiveId" clId="{5757E13D-CB4C-4463-B328-997DF417BC35}" dt="2019-03-15T22:06:51.118" v="1553" actId="20577"/>
+          <ac:spMkLst>
+            <pc:docMk/>
+            <pc:sldMk cId="2825203591" sldId="264"/>
+            <ac:spMk id="20" creationId="{00000000-0000-0000-0000-000000000000}"/>
+          </ac:spMkLst>
+        </pc:spChg>
+        <pc:spChg chg="mod">
+          <ac:chgData name="JinSeop Im" userId="c40f7fbe82cfb90a" providerId="LiveId" clId="{5757E13D-CB4C-4463-B328-997DF417BC35}" dt="2019-03-15T22:07:00.329" v="1571"/>
+          <ac:spMkLst>
+            <pc:docMk/>
+            <pc:sldMk cId="2825203591" sldId="264"/>
+            <ac:spMk id="21" creationId="{00000000-0000-0000-0000-000000000000}"/>
+          </ac:spMkLst>
+        </pc:spChg>
+        <pc:cxnChg chg="del">
+          <ac:chgData name="JinSeop Im" userId="c40f7fbe82cfb90a" providerId="LiveId" clId="{5757E13D-CB4C-4463-B328-997DF417BC35}" dt="2019-03-15T22:07:13.408" v="1573" actId="478"/>
+          <ac:cxnSpMkLst>
+            <pc:docMk/>
+            <pc:sldMk cId="2825203591" sldId="264"/>
+            <ac:cxnSpMk id="14" creationId="{00000000-0000-0000-0000-000000000000}"/>
+          </ac:cxnSpMkLst>
+        </pc:cxnChg>
+        <pc:cxnChg chg="del">
+          <ac:chgData name="JinSeop Im" userId="c40f7fbe82cfb90a" providerId="LiveId" clId="{5757E13D-CB4C-4463-B328-997DF417BC35}" dt="2019-03-15T22:07:13.408" v="1573" actId="478"/>
+          <ac:cxnSpMkLst>
+            <pc:docMk/>
+            <pc:sldMk cId="2825203591" sldId="264"/>
+            <ac:cxnSpMk id="15" creationId="{00000000-0000-0000-0000-000000000000}"/>
+          </ac:cxnSpMkLst>
+        </pc:cxnChg>
+        <pc:cxnChg chg="del">
+          <ac:chgData name="JinSeop Im" userId="c40f7fbe82cfb90a" providerId="LiveId" clId="{5757E13D-CB4C-4463-B328-997DF417BC35}" dt="2019-03-15T22:07:13.408" v="1573" actId="478"/>
+          <ac:cxnSpMkLst>
+            <pc:docMk/>
+            <pc:sldMk cId="2825203591" sldId="264"/>
+            <ac:cxnSpMk id="16" creationId="{00000000-0000-0000-0000-000000000000}"/>
+          </ac:cxnSpMkLst>
+        </pc:cxnChg>
+        <pc:cxnChg chg="del">
+          <ac:chgData name="JinSeop Im" userId="c40f7fbe82cfb90a" providerId="LiveId" clId="{5757E13D-CB4C-4463-B328-997DF417BC35}" dt="2019-03-15T22:07:13.408" v="1573" actId="478"/>
+          <ac:cxnSpMkLst>
+            <pc:docMk/>
+            <pc:sldMk cId="2825203591" sldId="264"/>
+            <ac:cxnSpMk id="17" creationId="{00000000-0000-0000-0000-000000000000}"/>
+          </ac:cxnSpMkLst>
+        </pc:cxnChg>
+      </pc:sldChg>
+      <pc:sldChg chg="modSp">
+        <pc:chgData name="JinSeop Im" userId="c40f7fbe82cfb90a" providerId="LiveId" clId="{5757E13D-CB4C-4463-B328-997DF417BC35}" dt="2019-03-16T02:44:09.962" v="5394"/>
+        <pc:sldMkLst>
+          <pc:docMk/>
+          <pc:sldMk cId="244040977" sldId="265"/>
+        </pc:sldMkLst>
+        <pc:spChg chg="mod">
+          <ac:chgData name="JinSeop Im" userId="c40f7fbe82cfb90a" providerId="LiveId" clId="{5757E13D-CB4C-4463-B328-997DF417BC35}" dt="2019-03-16T02:43:59.738" v="5381" actId="20577"/>
+          <ac:spMkLst>
+            <pc:docMk/>
+            <pc:sldMk cId="244040977" sldId="265"/>
+            <ac:spMk id="2" creationId="{00000000-0000-0000-0000-000000000000}"/>
+          </ac:spMkLst>
+        </pc:spChg>
+        <pc:spChg chg="mod">
+          <ac:chgData name="JinSeop Im" userId="c40f7fbe82cfb90a" providerId="LiveId" clId="{5757E13D-CB4C-4463-B328-997DF417BC35}" dt="2019-03-16T02:44:09.962" v="5394"/>
+          <ac:spMkLst>
+            <pc:docMk/>
+            <pc:sldMk cId="244040977" sldId="265"/>
+            <ac:spMk id="3" creationId="{00000000-0000-0000-0000-000000000000}"/>
+          </ac:spMkLst>
+        </pc:spChg>
+      </pc:sldChg>
+      <pc:sldChg chg="modSp">
+        <pc:chgData name="JinSeop Im" userId="c40f7fbe82cfb90a" providerId="LiveId" clId="{5757E13D-CB4C-4463-B328-997DF417BC35}" dt="2019-03-16T03:57:37.662" v="5668" actId="20577"/>
+        <pc:sldMkLst>
+          <pc:docMk/>
+          <pc:sldMk cId="4116967652" sldId="269"/>
+        </pc:sldMkLst>
+        <pc:spChg chg="mod">
+          <ac:chgData name="JinSeop Im" userId="c40f7fbe82cfb90a" providerId="LiveId" clId="{5757E13D-CB4C-4463-B328-997DF417BC35}" dt="2019-03-16T03:57:37.662" v="5668" actId="20577"/>
+          <ac:spMkLst>
+            <pc:docMk/>
+            <pc:sldMk cId="4116967652" sldId="269"/>
+            <ac:spMk id="3" creationId="{00000000-0000-0000-0000-000000000000}"/>
+          </ac:spMkLst>
+        </pc:spChg>
+      </pc:sldChg>
+      <pc:sldChg chg="modSp add">
+        <pc:chgData name="JinSeop Im" userId="c40f7fbe82cfb90a" providerId="LiveId" clId="{5757E13D-CB4C-4463-B328-997DF417BC35}" dt="2019-03-15T22:07:38.928" v="1594"/>
+        <pc:sldMkLst>
+          <pc:docMk/>
+          <pc:sldMk cId="3332200097" sldId="270"/>
+        </pc:sldMkLst>
+        <pc:spChg chg="mod">
+          <ac:chgData name="JinSeop Im" userId="c40f7fbe82cfb90a" providerId="LiveId" clId="{5757E13D-CB4C-4463-B328-997DF417BC35}" dt="2019-03-15T22:07:31.924" v="1575" actId="20577"/>
+          <ac:spMkLst>
+            <pc:docMk/>
+            <pc:sldMk cId="3332200097" sldId="270"/>
+            <ac:spMk id="2" creationId="{00000000-0000-0000-0000-000000000000}"/>
+          </ac:spMkLst>
+        </pc:spChg>
+        <pc:spChg chg="mod">
+          <ac:chgData name="JinSeop Im" userId="c40f7fbe82cfb90a" providerId="LiveId" clId="{5757E13D-CB4C-4463-B328-997DF417BC35}" dt="2019-03-15T22:07:38.928" v="1594"/>
+          <ac:spMkLst>
+            <pc:docMk/>
+            <pc:sldMk cId="3332200097" sldId="270"/>
+            <ac:spMk id="3" creationId="{00000000-0000-0000-0000-000000000000}"/>
+          </ac:spMkLst>
+        </pc:spChg>
+      </pc:sldChg>
+      <pc:sldChg chg="addSp delSp modSp add">
+        <pc:chgData name="JinSeop Im" userId="c40f7fbe82cfb90a" providerId="LiveId" clId="{5757E13D-CB4C-4463-B328-997DF417BC35}" dt="2019-03-15T23:03:37.470" v="2530" actId="20577"/>
+        <pc:sldMkLst>
+          <pc:docMk/>
+          <pc:sldMk cId="3448545761" sldId="271"/>
+        </pc:sldMkLst>
+        <pc:spChg chg="add mod">
+          <ac:chgData name="JinSeop Im" userId="c40f7fbe82cfb90a" providerId="LiveId" clId="{5757E13D-CB4C-4463-B328-997DF417BC35}" dt="2019-03-15T22:57:06.384" v="2190" actId="20577"/>
+          <ac:spMkLst>
+            <pc:docMk/>
+            <pc:sldMk cId="3448545761" sldId="271"/>
+            <ac:spMk id="2" creationId="{EFAE3789-D8CC-460E-B7A8-35EF3C738781}"/>
+          </ac:spMkLst>
+        </pc:spChg>
+        <pc:spChg chg="add mod">
+          <ac:chgData name="JinSeop Im" userId="c40f7fbe82cfb90a" providerId="LiveId" clId="{5757E13D-CB4C-4463-B328-997DF417BC35}" dt="2019-03-15T22:54:25.503" v="1964" actId="1036"/>
+          <ac:spMkLst>
+            <pc:docMk/>
+            <pc:sldMk cId="3448545761" sldId="271"/>
+            <ac:spMk id="3" creationId="{1C8399FD-8407-40F1-91D4-FF8336A03D47}"/>
+          </ac:spMkLst>
+        </pc:spChg>
+        <pc:spChg chg="mod">
+          <ac:chgData name="JinSeop Im" userId="c40f7fbe82cfb90a" providerId="LiveId" clId="{5757E13D-CB4C-4463-B328-997DF417BC35}" dt="2019-03-15T22:08:54.307" v="1624" actId="120"/>
+          <ac:spMkLst>
+            <pc:docMk/>
+            <pc:sldMk cId="3448545761" sldId="271"/>
+            <ac:spMk id="5" creationId="{00000000-0000-0000-0000-000000000000}"/>
+          </ac:spMkLst>
+        </pc:spChg>
+        <pc:spChg chg="add mod">
+          <ac:chgData name="JinSeop Im" userId="c40f7fbe82cfb90a" providerId="LiveId" clId="{5757E13D-CB4C-4463-B328-997DF417BC35}" dt="2019-03-15T22:56:53.788" v="2178" actId="20577"/>
+          <ac:spMkLst>
+            <pc:docMk/>
+            <pc:sldMk cId="3448545761" sldId="271"/>
+            <ac:spMk id="6" creationId="{842166FA-B1C1-4262-A02E-FD7A462D2C03}"/>
+          </ac:spMkLst>
+        </pc:spChg>
+        <pc:spChg chg="add del mod">
+          <ac:chgData name="JinSeop Im" userId="c40f7fbe82cfb90a" providerId="LiveId" clId="{5757E13D-CB4C-4463-B328-997DF417BC35}" dt="2019-03-15T22:42:03.896" v="1684" actId="478"/>
+          <ac:spMkLst>
+            <pc:docMk/>
+            <pc:sldMk cId="3448545761" sldId="271"/>
+            <ac:spMk id="9" creationId="{2F1EC542-AC0B-4509-A9E1-6F8DD2489330}"/>
+          </ac:spMkLst>
+        </pc:spChg>
+        <pc:spChg chg="add mod">
+          <ac:chgData name="JinSeop Im" userId="c40f7fbe82cfb90a" providerId="LiveId" clId="{5757E13D-CB4C-4463-B328-997DF417BC35}" dt="2019-03-15T22:56:57.501" v="2179" actId="20577"/>
+          <ac:spMkLst>
+            <pc:docMk/>
+            <pc:sldMk cId="3448545761" sldId="271"/>
+            <ac:spMk id="10" creationId="{D4436C8E-321C-4B04-AC86-35AC32B2FA6A}"/>
+          </ac:spMkLst>
+        </pc:spChg>
+        <pc:spChg chg="del">
+          <ac:chgData name="JinSeop Im" userId="c40f7fbe82cfb90a" providerId="LiveId" clId="{5757E13D-CB4C-4463-B328-997DF417BC35}" dt="2019-03-15T22:10:07.971" v="1637" actId="478"/>
+          <ac:spMkLst>
+            <pc:docMk/>
+            <pc:sldMk cId="3448545761" sldId="271"/>
+            <ac:spMk id="11" creationId="{00000000-0000-0000-0000-000000000000}"/>
+          </ac:spMkLst>
+        </pc:spChg>
+        <pc:spChg chg="mod">
+          <ac:chgData name="JinSeop Im" userId="c40f7fbe82cfb90a" providerId="LiveId" clId="{5757E13D-CB4C-4463-B328-997DF417BC35}" dt="2019-03-15T22:07:50.368" v="1596" actId="20577"/>
+          <ac:spMkLst>
+            <pc:docMk/>
+            <pc:sldMk cId="3448545761" sldId="271"/>
+            <ac:spMk id="12" creationId="{00000000-0000-0000-0000-000000000000}"/>
+          </ac:spMkLst>
+        </pc:spChg>
+        <pc:spChg chg="add mod">
+          <ac:chgData name="JinSeop Im" userId="c40f7fbe82cfb90a" providerId="LiveId" clId="{5757E13D-CB4C-4463-B328-997DF417BC35}" dt="2019-03-15T22:54:11.213" v="1945" actId="14100"/>
+          <ac:spMkLst>
+            <pc:docMk/>
+            <pc:sldMk cId="3448545761" sldId="271"/>
+            <ac:spMk id="13" creationId="{F3BBC177-97EA-4BBB-B73F-66DF73BEBC1B}"/>
+          </ac:spMkLst>
+        </pc:spChg>
+        <pc:spChg chg="add mod">
+          <ac:chgData name="JinSeop Im" userId="c40f7fbe82cfb90a" providerId="LiveId" clId="{5757E13D-CB4C-4463-B328-997DF417BC35}" dt="2019-03-15T22:54:25.503" v="1964" actId="1036"/>
+          <ac:spMkLst>
+            <pc:docMk/>
+            <pc:sldMk cId="3448545761" sldId="271"/>
+            <ac:spMk id="14" creationId="{CBB78831-065F-4FCC-BCFE-8E0E121DBEC1}"/>
+          </ac:spMkLst>
+        </pc:spChg>
+        <pc:spChg chg="del">
+          <ac:chgData name="JinSeop Im" userId="c40f7fbe82cfb90a" providerId="LiveId" clId="{5757E13D-CB4C-4463-B328-997DF417BC35}" dt="2019-03-15T22:09:45.999" v="1636" actId="478"/>
+          <ac:spMkLst>
+            <pc:docMk/>
+            <pc:sldMk cId="3448545761" sldId="271"/>
+            <ac:spMk id="17" creationId="{81B83214-2114-4CE5-91E9-3A73408C9FFD}"/>
+          </ac:spMkLst>
+        </pc:spChg>
+        <pc:spChg chg="mod">
+          <ac:chgData name="JinSeop Im" userId="c40f7fbe82cfb90a" providerId="LiveId" clId="{5757E13D-CB4C-4463-B328-997DF417BC35}" dt="2019-03-15T22:59:02.515" v="2270"/>
+          <ac:spMkLst>
+            <pc:docMk/>
+            <pc:sldMk cId="3448545761" sldId="271"/>
+            <ac:spMk id="18" creationId="{446ABC95-5C1D-4F29-B39B-389795BB8D6E}"/>
+          </ac:spMkLst>
+        </pc:spChg>
+        <pc:spChg chg="add del mod">
+          <ac:chgData name="JinSeop Im" userId="c40f7fbe82cfb90a" providerId="LiveId" clId="{5757E13D-CB4C-4463-B328-997DF417BC35}" dt="2019-03-15T22:52:20.619" v="1880" actId="478"/>
+          <ac:spMkLst>
+            <pc:docMk/>
+            <pc:sldMk cId="3448545761" sldId="271"/>
+            <ac:spMk id="35" creationId="{D2AC1ED3-1E7E-431F-85F5-6F4C8B50E727}"/>
+          </ac:spMkLst>
+        </pc:spChg>
+        <pc:spChg chg="add mod">
+          <ac:chgData name="JinSeop Im" userId="c40f7fbe82cfb90a" providerId="LiveId" clId="{5757E13D-CB4C-4463-B328-997DF417BC35}" dt="2019-03-15T23:03:37.470" v="2530" actId="20577"/>
+          <ac:spMkLst>
+            <pc:docMk/>
+            <pc:sldMk cId="3448545761" sldId="271"/>
+            <ac:spMk id="38" creationId="{9306709A-122D-4A9C-AB1E-593280C65800}"/>
+          </ac:spMkLst>
+        </pc:spChg>
+        <pc:spChg chg="add del">
+          <ac:chgData name="JinSeop Im" userId="c40f7fbe82cfb90a" providerId="LiveId" clId="{5757E13D-CB4C-4463-B328-997DF417BC35}" dt="2019-03-15T22:57:24.652" v="2192"/>
+          <ac:spMkLst>
+            <pc:docMk/>
+            <pc:sldMk cId="3448545761" sldId="271"/>
+            <ac:spMk id="39" creationId="{EA1CA8EE-B5F0-42C4-9C7C-D9058E7A0E80}"/>
+          </ac:spMkLst>
+        </pc:spChg>
+        <pc:spChg chg="add del">
+          <ac:chgData name="JinSeop Im" userId="c40f7fbe82cfb90a" providerId="LiveId" clId="{5757E13D-CB4C-4463-B328-997DF417BC35}" dt="2019-03-15T22:57:35.146" v="2194"/>
+          <ac:spMkLst>
+            <pc:docMk/>
+            <pc:sldMk cId="3448545761" sldId="271"/>
+            <ac:spMk id="40" creationId="{6D1E7FF2-9B60-4A50-BBBB-A2D3A9B3860F}"/>
+          </ac:spMkLst>
+        </pc:spChg>
+        <pc:cxnChg chg="add mod">
+          <ac:chgData name="JinSeop Im" userId="c40f7fbe82cfb90a" providerId="LiveId" clId="{5757E13D-CB4C-4463-B328-997DF417BC35}" dt="2019-03-15T22:54:25.503" v="1964" actId="1036"/>
+          <ac:cxnSpMkLst>
+            <pc:docMk/>
+            <pc:sldMk cId="3448545761" sldId="271"/>
+            <ac:cxnSpMk id="8" creationId="{38A7135A-E541-4FF3-9ED0-074750215210}"/>
+          </ac:cxnSpMkLst>
+        </pc:cxnChg>
+        <pc:cxnChg chg="add mod">
+          <ac:chgData name="JinSeop Im" userId="c40f7fbe82cfb90a" providerId="LiveId" clId="{5757E13D-CB4C-4463-B328-997DF417BC35}" dt="2019-03-15T22:54:25.503" v="1964" actId="1036"/>
+          <ac:cxnSpMkLst>
+            <pc:docMk/>
+            <pc:sldMk cId="3448545761" sldId="271"/>
+            <ac:cxnSpMk id="19" creationId="{9AF2BA67-7C4D-4256-A00E-EC2F6B2103CF}"/>
+          </ac:cxnSpMkLst>
+        </pc:cxnChg>
+        <pc:cxnChg chg="add mod">
+          <ac:chgData name="JinSeop Im" userId="c40f7fbe82cfb90a" providerId="LiveId" clId="{5757E13D-CB4C-4463-B328-997DF417BC35}" dt="2019-03-15T22:54:25.503" v="1964" actId="1036"/>
+          <ac:cxnSpMkLst>
+            <pc:docMk/>
+            <pc:sldMk cId="3448545761" sldId="271"/>
+            <ac:cxnSpMk id="20" creationId="{AC4EDDDB-6F36-412C-92B4-E5041B18D6FF}"/>
+          </ac:cxnSpMkLst>
+        </pc:cxnChg>
+        <pc:cxnChg chg="add mod">
+          <ac:chgData name="JinSeop Im" userId="c40f7fbe82cfb90a" providerId="LiveId" clId="{5757E13D-CB4C-4463-B328-997DF417BC35}" dt="2019-03-15T22:54:25.503" v="1964" actId="1036"/>
+          <ac:cxnSpMkLst>
+            <pc:docMk/>
+            <pc:sldMk cId="3448545761" sldId="271"/>
+            <ac:cxnSpMk id="25" creationId="{67B358DF-028B-4F67-8F71-751A648A0B15}"/>
+          </ac:cxnSpMkLst>
+        </pc:cxnChg>
+        <pc:cxnChg chg="add mod">
+          <ac:chgData name="JinSeop Im" userId="c40f7fbe82cfb90a" providerId="LiveId" clId="{5757E13D-CB4C-4463-B328-997DF417BC35}" dt="2019-03-15T22:54:25.503" v="1964" actId="1036"/>
+          <ac:cxnSpMkLst>
+            <pc:docMk/>
+            <pc:sldMk cId="3448545761" sldId="271"/>
+            <ac:cxnSpMk id="28" creationId="{F8D1E97A-092F-441C-97C6-17AE11A4471F}"/>
+          </ac:cxnSpMkLst>
+        </pc:cxnChg>
+        <pc:cxnChg chg="add del mod">
+          <ac:chgData name="JinSeop Im" userId="c40f7fbe82cfb90a" providerId="LiveId" clId="{5757E13D-CB4C-4463-B328-997DF417BC35}" dt="2019-03-15T22:51:36.887" v="1864" actId="478"/>
+          <ac:cxnSpMkLst>
+            <pc:docMk/>
+            <pc:sldMk cId="3448545761" sldId="271"/>
+            <ac:cxnSpMk id="34" creationId="{5533CF53-0805-4D97-9D7B-82DAD92B9003}"/>
+          </ac:cxnSpMkLst>
+        </pc:cxnChg>
+      </pc:sldChg>
+      <pc:sldChg chg="addSp delSp modSp add ord">
+        <pc:chgData name="JinSeop Im" userId="c40f7fbe82cfb90a" providerId="LiveId" clId="{5757E13D-CB4C-4463-B328-997DF417BC35}" dt="2019-03-15T23:03:11.245" v="2527"/>
+        <pc:sldMkLst>
+          <pc:docMk/>
+          <pc:sldMk cId="3630700631" sldId="272"/>
+        </pc:sldMkLst>
+        <pc:spChg chg="del">
+          <ac:chgData name="JinSeop Im" userId="c40f7fbe82cfb90a" providerId="LiveId" clId="{5757E13D-CB4C-4463-B328-997DF417BC35}" dt="2019-03-15T22:58:21.535" v="2253" actId="478"/>
+          <ac:spMkLst>
+            <pc:docMk/>
+            <pc:sldMk cId="3630700631" sldId="272"/>
+            <ac:spMk id="2" creationId="{EFAE3789-D8CC-460E-B7A8-35EF3C738781}"/>
+          </ac:spMkLst>
+        </pc:spChg>
+        <pc:spChg chg="del">
+          <ac:chgData name="JinSeop Im" userId="c40f7fbe82cfb90a" providerId="LiveId" clId="{5757E13D-CB4C-4463-B328-997DF417BC35}" dt="2019-03-15T22:58:21.535" v="2253" actId="478"/>
+          <ac:spMkLst>
+            <pc:docMk/>
+            <pc:sldMk cId="3630700631" sldId="272"/>
+            <ac:spMk id="3" creationId="{1C8399FD-8407-40F1-91D4-FF8336A03D47}"/>
+          </ac:spMkLst>
+        </pc:spChg>
+        <pc:spChg chg="del">
+          <ac:chgData name="JinSeop Im" userId="c40f7fbe82cfb90a" providerId="LiveId" clId="{5757E13D-CB4C-4463-B328-997DF417BC35}" dt="2019-03-15T22:58:21.535" v="2253" actId="478"/>
+          <ac:spMkLst>
+            <pc:docMk/>
+            <pc:sldMk cId="3630700631" sldId="272"/>
+            <ac:spMk id="6" creationId="{842166FA-B1C1-4262-A02E-FD7A462D2C03}"/>
+          </ac:spMkLst>
+        </pc:spChg>
+        <pc:spChg chg="del">
+          <ac:chgData name="JinSeop Im" userId="c40f7fbe82cfb90a" providerId="LiveId" clId="{5757E13D-CB4C-4463-B328-997DF417BC35}" dt="2019-03-15T22:58:21.535" v="2253" actId="478"/>
+          <ac:spMkLst>
+            <pc:docMk/>
+            <pc:sldMk cId="3630700631" sldId="272"/>
+            <ac:spMk id="10" creationId="{D4436C8E-321C-4B04-AC86-35AC32B2FA6A}"/>
+          </ac:spMkLst>
+        </pc:spChg>
+        <pc:spChg chg="del">
+          <ac:chgData name="JinSeop Im" userId="c40f7fbe82cfb90a" providerId="LiveId" clId="{5757E13D-CB4C-4463-B328-997DF417BC35}" dt="2019-03-15T22:58:21.535" v="2253" actId="478"/>
+          <ac:spMkLst>
+            <pc:docMk/>
+            <pc:sldMk cId="3630700631" sldId="272"/>
+            <ac:spMk id="13" creationId="{F3BBC177-97EA-4BBB-B73F-66DF73BEBC1B}"/>
+          </ac:spMkLst>
+        </pc:spChg>
+        <pc:spChg chg="del">
+          <ac:chgData name="JinSeop Im" userId="c40f7fbe82cfb90a" providerId="LiveId" clId="{5757E13D-CB4C-4463-B328-997DF417BC35}" dt="2019-03-15T22:58:21.535" v="2253" actId="478"/>
+          <ac:spMkLst>
+            <pc:docMk/>
+            <pc:sldMk cId="3630700631" sldId="272"/>
+            <ac:spMk id="14" creationId="{CBB78831-065F-4FCC-BCFE-8E0E121DBEC1}"/>
+          </ac:spMkLst>
+        </pc:spChg>
+        <pc:spChg chg="mod">
+          <ac:chgData name="JinSeop Im" userId="c40f7fbe82cfb90a" providerId="LiveId" clId="{5757E13D-CB4C-4463-B328-997DF417BC35}" dt="2019-03-15T22:59:08.665" v="2277"/>
+          <ac:spMkLst>
+            <pc:docMk/>
+            <pc:sldMk cId="3630700631" sldId="272"/>
+            <ac:spMk id="18" creationId="{446ABC95-5C1D-4F29-B39B-389795BB8D6E}"/>
+          </ac:spMkLst>
+        </pc:spChg>
+        <pc:spChg chg="add mod">
+          <ac:chgData name="JinSeop Im" userId="c40f7fbe82cfb90a" providerId="LiveId" clId="{5757E13D-CB4C-4463-B328-997DF417BC35}" dt="2019-03-15T23:03:11.245" v="2527"/>
+          <ac:spMkLst>
+            <pc:docMk/>
+            <pc:sldMk cId="3630700631" sldId="272"/>
+            <ac:spMk id="21" creationId="{D06E3C79-A98E-4A3F-8FCF-8F4CBAB64DFC}"/>
+          </ac:spMkLst>
+        </pc:spChg>
+        <pc:spChg chg="del">
+          <ac:chgData name="JinSeop Im" userId="c40f7fbe82cfb90a" providerId="LiveId" clId="{5757E13D-CB4C-4463-B328-997DF417BC35}" dt="2019-03-15T22:58:21.535" v="2253" actId="478"/>
+          <ac:spMkLst>
+            <pc:docMk/>
+            <pc:sldMk cId="3630700631" sldId="272"/>
+            <ac:spMk id="38" creationId="{9306709A-122D-4A9C-AB1E-593280C65800}"/>
+          </ac:spMkLst>
+        </pc:spChg>
+        <pc:graphicFrameChg chg="add mod">
+          <ac:chgData name="JinSeop Im" userId="c40f7fbe82cfb90a" providerId="LiveId" clId="{5757E13D-CB4C-4463-B328-997DF417BC35}" dt="2019-03-15T23:02:03.775" v="2396"/>
+          <ac:graphicFrameMkLst>
+            <pc:docMk/>
+            <pc:sldMk cId="3630700631" sldId="272"/>
+            <ac:graphicFrameMk id="7" creationId="{AAC2E724-712A-48E3-9BCB-F132E06C43C8}"/>
+          </ac:graphicFrameMkLst>
+        </pc:graphicFrameChg>
+        <pc:cxnChg chg="del mod">
+          <ac:chgData name="JinSeop Im" userId="c40f7fbe82cfb90a" providerId="LiveId" clId="{5757E13D-CB4C-4463-B328-997DF417BC35}" dt="2019-03-15T22:58:21.535" v="2253" actId="478"/>
+          <ac:cxnSpMkLst>
+            <pc:docMk/>
+            <pc:sldMk cId="3630700631" sldId="272"/>
+            <ac:cxnSpMk id="8" creationId="{38A7135A-E541-4FF3-9ED0-074750215210}"/>
+          </ac:cxnSpMkLst>
+        </pc:cxnChg>
+        <pc:cxnChg chg="del mod">
+          <ac:chgData name="JinSeop Im" userId="c40f7fbe82cfb90a" providerId="LiveId" clId="{5757E13D-CB4C-4463-B328-997DF417BC35}" dt="2019-03-15T22:58:21.535" v="2253" actId="478"/>
+          <ac:cxnSpMkLst>
+            <pc:docMk/>
+            <pc:sldMk cId="3630700631" sldId="272"/>
+            <ac:cxnSpMk id="19" creationId="{9AF2BA67-7C4D-4256-A00E-EC2F6B2103CF}"/>
+          </ac:cxnSpMkLst>
+        </pc:cxnChg>
+        <pc:cxnChg chg="del mod">
+          <ac:chgData name="JinSeop Im" userId="c40f7fbe82cfb90a" providerId="LiveId" clId="{5757E13D-CB4C-4463-B328-997DF417BC35}" dt="2019-03-15T22:58:21.535" v="2253" actId="478"/>
+          <ac:cxnSpMkLst>
+            <pc:docMk/>
+            <pc:sldMk cId="3630700631" sldId="272"/>
+            <ac:cxnSpMk id="20" creationId="{AC4EDDDB-6F36-412C-92B4-E5041B18D6FF}"/>
+          </ac:cxnSpMkLst>
+        </pc:cxnChg>
+        <pc:cxnChg chg="del mod">
+          <ac:chgData name="JinSeop Im" userId="c40f7fbe82cfb90a" providerId="LiveId" clId="{5757E13D-CB4C-4463-B328-997DF417BC35}" dt="2019-03-15T22:58:21.535" v="2253" actId="478"/>
+          <ac:cxnSpMkLst>
+            <pc:docMk/>
+            <pc:sldMk cId="3630700631" sldId="272"/>
+            <ac:cxnSpMk id="25" creationId="{67B358DF-028B-4F67-8F71-751A648A0B15}"/>
+          </ac:cxnSpMkLst>
+        </pc:cxnChg>
+        <pc:cxnChg chg="del mod">
+          <ac:chgData name="JinSeop Im" userId="c40f7fbe82cfb90a" providerId="LiveId" clId="{5757E13D-CB4C-4463-B328-997DF417BC35}" dt="2019-03-15T22:58:21.535" v="2253" actId="478"/>
+          <ac:cxnSpMkLst>
+            <pc:docMk/>
+            <pc:sldMk cId="3630700631" sldId="272"/>
+            <ac:cxnSpMk id="28" creationId="{F8D1E97A-092F-441C-97C6-17AE11A4471F}"/>
+          </ac:cxnSpMkLst>
+        </pc:cxnChg>
+      </pc:sldChg>
+      <pc:sldChg chg="addSp delSp modSp add">
+        <pc:chgData name="JinSeop Im" userId="c40f7fbe82cfb90a" providerId="LiveId" clId="{5757E13D-CB4C-4463-B328-997DF417BC35}" dt="2019-03-15T23:25:40.886" v="3100" actId="207"/>
+        <pc:sldMkLst>
+          <pc:docMk/>
+          <pc:sldMk cId="3422475063" sldId="273"/>
+        </pc:sldMkLst>
+        <pc:spChg chg="del">
+          <ac:chgData name="JinSeop Im" userId="c40f7fbe82cfb90a" providerId="LiveId" clId="{5757E13D-CB4C-4463-B328-997DF417BC35}" dt="2019-03-15T23:04:39.999" v="2531" actId="478"/>
+          <ac:spMkLst>
+            <pc:docMk/>
+            <pc:sldMk cId="3422475063" sldId="273"/>
+            <ac:spMk id="2" creationId="{EFAE3789-D8CC-460E-B7A8-35EF3C738781}"/>
+          </ac:spMkLst>
+        </pc:spChg>
+        <pc:spChg chg="del">
+          <ac:chgData name="JinSeop Im" userId="c40f7fbe82cfb90a" providerId="LiveId" clId="{5757E13D-CB4C-4463-B328-997DF417BC35}" dt="2019-03-15T23:04:39.999" v="2531" actId="478"/>
+          <ac:spMkLst>
+            <pc:docMk/>
+            <pc:sldMk cId="3422475063" sldId="273"/>
+            <ac:spMk id="3" creationId="{1C8399FD-8407-40F1-91D4-FF8336A03D47}"/>
+          </ac:spMkLst>
+        </pc:spChg>
+        <pc:spChg chg="del">
+          <ac:chgData name="JinSeop Im" userId="c40f7fbe82cfb90a" providerId="LiveId" clId="{5757E13D-CB4C-4463-B328-997DF417BC35}" dt="2019-03-15T23:04:39.999" v="2531" actId="478"/>
+          <ac:spMkLst>
+            <pc:docMk/>
+            <pc:sldMk cId="3422475063" sldId="273"/>
+            <ac:spMk id="6" creationId="{842166FA-B1C1-4262-A02E-FD7A462D2C03}"/>
+          </ac:spMkLst>
+        </pc:spChg>
+        <pc:spChg chg="del">
+          <ac:chgData name="JinSeop Im" userId="c40f7fbe82cfb90a" providerId="LiveId" clId="{5757E13D-CB4C-4463-B328-997DF417BC35}" dt="2019-03-15T23:04:39.999" v="2531" actId="478"/>
+          <ac:spMkLst>
+            <pc:docMk/>
+            <pc:sldMk cId="3422475063" sldId="273"/>
+            <ac:spMk id="10" creationId="{D4436C8E-321C-4B04-AC86-35AC32B2FA6A}"/>
+          </ac:spMkLst>
+        </pc:spChg>
+        <pc:spChg chg="del">
+          <ac:chgData name="JinSeop Im" userId="c40f7fbe82cfb90a" providerId="LiveId" clId="{5757E13D-CB4C-4463-B328-997DF417BC35}" dt="2019-03-15T23:04:39.999" v="2531" actId="478"/>
+          <ac:spMkLst>
+            <pc:docMk/>
+            <pc:sldMk cId="3422475063" sldId="273"/>
+            <ac:spMk id="13" creationId="{F3BBC177-97EA-4BBB-B73F-66DF73BEBC1B}"/>
+          </ac:spMkLst>
+        </pc:spChg>
+        <pc:spChg chg="del">
+          <ac:chgData name="JinSeop Im" userId="c40f7fbe82cfb90a" providerId="LiveId" clId="{5757E13D-CB4C-4463-B328-997DF417BC35}" dt="2019-03-15T23:04:39.999" v="2531" actId="478"/>
+          <ac:spMkLst>
+            <pc:docMk/>
+            <pc:sldMk cId="3422475063" sldId="273"/>
+            <ac:spMk id="14" creationId="{CBB78831-065F-4FCC-BCFE-8E0E121DBEC1}"/>
+          </ac:spMkLst>
+        </pc:spChg>
+        <pc:spChg chg="mod">
+          <ac:chgData name="JinSeop Im" userId="c40f7fbe82cfb90a" providerId="LiveId" clId="{5757E13D-CB4C-4463-B328-997DF417BC35}" dt="2019-03-15T22:58:08.768" v="2239"/>
+          <ac:spMkLst>
+            <pc:docMk/>
+            <pc:sldMk cId="3422475063" sldId="273"/>
+            <ac:spMk id="18" creationId="{446ABC95-5C1D-4F29-B39B-389795BB8D6E}"/>
+          </ac:spMkLst>
+        </pc:spChg>
+        <pc:spChg chg="add del mod">
+          <ac:chgData name="JinSeop Im" userId="c40f7fbe82cfb90a" providerId="LiveId" clId="{5757E13D-CB4C-4463-B328-997DF417BC35}" dt="2019-03-15T23:14:34.760" v="2656" actId="478"/>
+          <ac:spMkLst>
+            <pc:docMk/>
+            <pc:sldMk cId="3422475063" sldId="273"/>
+            <ac:spMk id="29" creationId="{E33E8294-B37E-4702-A53B-1B8163EBA6F6}"/>
+          </ac:spMkLst>
+        </pc:spChg>
+        <pc:spChg chg="add del mod">
+          <ac:chgData name="JinSeop Im" userId="c40f7fbe82cfb90a" providerId="LiveId" clId="{5757E13D-CB4C-4463-B328-997DF417BC35}" dt="2019-03-15T23:14:34.760" v="2656" actId="478"/>
+          <ac:spMkLst>
+            <pc:docMk/>
+            <pc:sldMk cId="3422475063" sldId="273"/>
+            <ac:spMk id="31" creationId="{5F3885ED-0563-4B4C-B52D-78CC98513563}"/>
+          </ac:spMkLst>
+        </pc:spChg>
+        <pc:spChg chg="add del mod">
+          <ac:chgData name="JinSeop Im" userId="c40f7fbe82cfb90a" providerId="LiveId" clId="{5757E13D-CB4C-4463-B328-997DF417BC35}" dt="2019-03-15T23:14:34.760" v="2656" actId="478"/>
+          <ac:spMkLst>
+            <pc:docMk/>
+            <pc:sldMk cId="3422475063" sldId="273"/>
+            <ac:spMk id="32" creationId="{756A8B0E-5B86-4DB1-A4D1-DD0E88C89082}"/>
+          </ac:spMkLst>
+        </pc:spChg>
+        <pc:spChg chg="add del mod">
+          <ac:chgData name="JinSeop Im" userId="c40f7fbe82cfb90a" providerId="LiveId" clId="{5757E13D-CB4C-4463-B328-997DF417BC35}" dt="2019-03-15T23:14:34.760" v="2656" actId="478"/>
+          <ac:spMkLst>
+            <pc:docMk/>
+            <pc:sldMk cId="3422475063" sldId="273"/>
+            <ac:spMk id="33" creationId="{1F376041-53C5-4D12-B9FE-BBF896FB07D3}"/>
+          </ac:spMkLst>
+        </pc:spChg>
+        <pc:spChg chg="del">
+          <ac:chgData name="JinSeop Im" userId="c40f7fbe82cfb90a" providerId="LiveId" clId="{5757E13D-CB4C-4463-B328-997DF417BC35}" dt="2019-03-15T23:04:39.999" v="2531" actId="478"/>
+          <ac:spMkLst>
+            <pc:docMk/>
+            <pc:sldMk cId="3422475063" sldId="273"/>
+            <ac:spMk id="38" creationId="{9306709A-122D-4A9C-AB1E-593280C65800}"/>
+          </ac:spMkLst>
+        </pc:spChg>
+        <pc:spChg chg="add mod">
+          <ac:chgData name="JinSeop Im" userId="c40f7fbe82cfb90a" providerId="LiveId" clId="{5757E13D-CB4C-4463-B328-997DF417BC35}" dt="2019-03-15T23:20:25.555" v="2953" actId="208"/>
+          <ac:spMkLst>
+            <pc:docMk/>
+            <pc:sldMk cId="3422475063" sldId="273"/>
+            <ac:spMk id="40" creationId="{A40DBA96-6513-4624-AF10-9106378BD091}"/>
+          </ac:spMkLst>
+        </pc:spChg>
+        <pc:spChg chg="add mod">
+          <ac:chgData name="JinSeop Im" userId="c40f7fbe82cfb90a" providerId="LiveId" clId="{5757E13D-CB4C-4463-B328-997DF417BC35}" dt="2019-03-15T23:16:33.290" v="2765" actId="14100"/>
+          <ac:spMkLst>
+            <pc:docMk/>
+            <pc:sldMk cId="3422475063" sldId="273"/>
+            <ac:spMk id="41" creationId="{AB501DF0-7D15-4ED4-BA2D-E3B118067E0F}"/>
+          </ac:spMkLst>
+        </pc:spChg>
+        <pc:spChg chg="add mod">
+          <ac:chgData name="JinSeop Im" userId="c40f7fbe82cfb90a" providerId="LiveId" clId="{5757E13D-CB4C-4463-B328-997DF417BC35}" dt="2019-03-15T23:19:02.134" v="2839" actId="20577"/>
+          <ac:spMkLst>
+            <pc:docMk/>
+            <pc:sldMk cId="3422475063" sldId="273"/>
+            <ac:spMk id="43" creationId="{A96EBAAA-62E5-49D0-A5A9-6FCCF9099E62}"/>
+          </ac:spMkLst>
+        </pc:spChg>
+        <pc:spChg chg="add mod">
+          <ac:chgData name="JinSeop Im" userId="c40f7fbe82cfb90a" providerId="LiveId" clId="{5757E13D-CB4C-4463-B328-997DF417BC35}" dt="2019-03-15T23:25:40.886" v="3100" actId="207"/>
+          <ac:spMkLst>
+            <pc:docMk/>
+            <pc:sldMk cId="3422475063" sldId="273"/>
+            <ac:spMk id="44" creationId="{3E778126-7742-4DE8-B6A3-F8E1D2950CA5}"/>
+          </ac:spMkLst>
+        </pc:spChg>
+        <pc:graphicFrameChg chg="add del mod modGraphic">
+          <ac:chgData name="JinSeop Im" userId="c40f7fbe82cfb90a" providerId="LiveId" clId="{5757E13D-CB4C-4463-B328-997DF417BC35}" dt="2019-03-15T23:12:41.119" v="2649" actId="478"/>
+          <ac:graphicFrameMkLst>
+            <pc:docMk/>
+            <pc:sldMk cId="3422475063" sldId="273"/>
+            <ac:graphicFrameMk id="27" creationId="{C7D2F7D2-EF9E-40AB-A9D8-A023049CA415}"/>
+          </ac:graphicFrameMkLst>
+        </pc:graphicFrameChg>
+        <pc:picChg chg="add mod">
+          <ac:chgData name="JinSeop Im" userId="c40f7fbe82cfb90a" providerId="LiveId" clId="{5757E13D-CB4C-4463-B328-997DF417BC35}" dt="2019-03-15T23:15:22.135" v="2660" actId="14100"/>
+          <ac:picMkLst>
+            <pc:docMk/>
+            <pc:sldMk cId="3422475063" sldId="273"/>
+            <ac:picMk id="1026" creationId="{A7905296-07B8-4064-BDB0-D1533AB4D105}"/>
+          </ac:picMkLst>
+        </pc:picChg>
+        <pc:picChg chg="add mod">
+          <ac:chgData name="JinSeop Im" userId="c40f7fbe82cfb90a" providerId="LiveId" clId="{5757E13D-CB4C-4463-B328-997DF417BC35}" dt="2019-03-15T23:18:52.119" v="2827" actId="1076"/>
+          <ac:picMkLst>
+            <pc:docMk/>
+            <pc:sldMk cId="3422475063" sldId="273"/>
+            <ac:picMk id="1028" creationId="{C466F69F-C3EA-4354-B88F-034A0B31E268}"/>
+          </ac:picMkLst>
+        </pc:picChg>
+        <pc:cxnChg chg="del mod">
+          <ac:chgData name="JinSeop Im" userId="c40f7fbe82cfb90a" providerId="LiveId" clId="{5757E13D-CB4C-4463-B328-997DF417BC35}" dt="2019-03-15T23:04:39.999" v="2531" actId="478"/>
+          <ac:cxnSpMkLst>
+            <pc:docMk/>
+            <pc:sldMk cId="3422475063" sldId="273"/>
+            <ac:cxnSpMk id="8" creationId="{38A7135A-E541-4FF3-9ED0-074750215210}"/>
+          </ac:cxnSpMkLst>
+        </pc:cxnChg>
+        <pc:cxnChg chg="add del mod">
+          <ac:chgData name="JinSeop Im" userId="c40f7fbe82cfb90a" providerId="LiveId" clId="{5757E13D-CB4C-4463-B328-997DF417BC35}" dt="2019-03-15T23:08:38.603" v="2548" actId="478"/>
+          <ac:cxnSpMkLst>
+            <pc:docMk/>
+            <pc:sldMk cId="3422475063" sldId="273"/>
+            <ac:cxnSpMk id="9" creationId="{50A44265-66C9-414D-A03E-26A054FCFE11}"/>
+          </ac:cxnSpMkLst>
+        </pc:cxnChg>
+        <pc:cxnChg chg="del mod">
+          <ac:chgData name="JinSeop Im" userId="c40f7fbe82cfb90a" providerId="LiveId" clId="{5757E13D-CB4C-4463-B328-997DF417BC35}" dt="2019-03-15T23:04:39.999" v="2531" actId="478"/>
+          <ac:cxnSpMkLst>
+            <pc:docMk/>
+            <pc:sldMk cId="3422475063" sldId="273"/>
+            <ac:cxnSpMk id="19" creationId="{9AF2BA67-7C4D-4256-A00E-EC2F6B2103CF}"/>
+          </ac:cxnSpMkLst>
+        </pc:cxnChg>
+        <pc:cxnChg chg="del mod">
+          <ac:chgData name="JinSeop Im" userId="c40f7fbe82cfb90a" providerId="LiveId" clId="{5757E13D-CB4C-4463-B328-997DF417BC35}" dt="2019-03-15T23:04:39.999" v="2531" actId="478"/>
+          <ac:cxnSpMkLst>
+            <pc:docMk/>
+            <pc:sldMk cId="3422475063" sldId="273"/>
+            <ac:cxnSpMk id="20" creationId="{AC4EDDDB-6F36-412C-92B4-E5041B18D6FF}"/>
+          </ac:cxnSpMkLst>
+        </pc:cxnChg>
+        <pc:cxnChg chg="add del mod">
+          <ac:chgData name="JinSeop Im" userId="c40f7fbe82cfb90a" providerId="LiveId" clId="{5757E13D-CB4C-4463-B328-997DF417BC35}" dt="2019-03-15T23:08:38.603" v="2548" actId="478"/>
+          <ac:cxnSpMkLst>
+            <pc:docMk/>
+            <pc:sldMk cId="3422475063" sldId="273"/>
+            <ac:cxnSpMk id="21" creationId="{31175F16-0E0D-4F98-8C42-5D5973548FE4}"/>
+          </ac:cxnSpMkLst>
+        </pc:cxnChg>
+        <pc:cxnChg chg="del mod">
+          <ac:chgData name="JinSeop Im" userId="c40f7fbe82cfb90a" providerId="LiveId" clId="{5757E13D-CB4C-4463-B328-997DF417BC35}" dt="2019-03-15T23:04:39.999" v="2531" actId="478"/>
+          <ac:cxnSpMkLst>
+            <pc:docMk/>
+            <pc:sldMk cId="3422475063" sldId="273"/>
+            <ac:cxnSpMk id="25" creationId="{67B358DF-028B-4F67-8F71-751A648A0B15}"/>
+          </ac:cxnSpMkLst>
+        </pc:cxnChg>
+        <pc:cxnChg chg="del mod">
+          <ac:chgData name="JinSeop Im" userId="c40f7fbe82cfb90a" providerId="LiveId" clId="{5757E13D-CB4C-4463-B328-997DF417BC35}" dt="2019-03-15T23:04:39.999" v="2531" actId="478"/>
+          <ac:cxnSpMkLst>
+            <pc:docMk/>
+            <pc:sldMk cId="3422475063" sldId="273"/>
+            <ac:cxnSpMk id="28" creationId="{F8D1E97A-092F-441C-97C6-17AE11A4471F}"/>
+          </ac:cxnSpMkLst>
+        </pc:cxnChg>
+        <pc:cxnChg chg="add del mod">
+          <ac:chgData name="JinSeop Im" userId="c40f7fbe82cfb90a" providerId="LiveId" clId="{5757E13D-CB4C-4463-B328-997DF417BC35}" dt="2019-03-15T23:14:34.760" v="2656" actId="478"/>
+          <ac:cxnSpMkLst>
+            <pc:docMk/>
+            <pc:sldMk cId="3422475063" sldId="273"/>
+            <ac:cxnSpMk id="34" creationId="{B1131E9F-688C-465D-A5D2-0E84716D8E99}"/>
+          </ac:cxnSpMkLst>
+        </pc:cxnChg>
+        <pc:cxnChg chg="add del mod">
+          <ac:chgData name="JinSeop Im" userId="c40f7fbe82cfb90a" providerId="LiveId" clId="{5757E13D-CB4C-4463-B328-997DF417BC35}" dt="2019-03-15T23:14:34.760" v="2656" actId="478"/>
+          <ac:cxnSpMkLst>
+            <pc:docMk/>
+            <pc:sldMk cId="3422475063" sldId="273"/>
+            <ac:cxnSpMk id="37" creationId="{088A0A67-51E1-4FF6-BEA8-DF2A0291D38B}"/>
+          </ac:cxnSpMkLst>
+        </pc:cxnChg>
+      </pc:sldChg>
+      <pc:sldChg chg="addSp delSp modSp add">
+        <pc:chgData name="JinSeop Im" userId="c40f7fbe82cfb90a" providerId="LiveId" clId="{5757E13D-CB4C-4463-B328-997DF417BC35}" dt="2019-03-15T23:22:40.040" v="2997"/>
+        <pc:sldMkLst>
+          <pc:docMk/>
+          <pc:sldMk cId="471759730" sldId="274"/>
+        </pc:sldMkLst>
+        <pc:spChg chg="del">
+          <ac:chgData name="JinSeop Im" userId="c40f7fbe82cfb90a" providerId="LiveId" clId="{5757E13D-CB4C-4463-B328-997DF417BC35}" dt="2019-03-15T23:22:01.373" v="2955" actId="478"/>
+          <ac:spMkLst>
+            <pc:docMk/>
+            <pc:sldMk cId="471759730" sldId="274"/>
+            <ac:spMk id="2" creationId="{EFAE3789-D8CC-460E-B7A8-35EF3C738781}"/>
+          </ac:spMkLst>
+        </pc:spChg>
+        <pc:spChg chg="del">
+          <ac:chgData name="JinSeop Im" userId="c40f7fbe82cfb90a" providerId="LiveId" clId="{5757E13D-CB4C-4463-B328-997DF417BC35}" dt="2019-03-15T23:22:01.373" v="2955" actId="478"/>
+          <ac:spMkLst>
+            <pc:docMk/>
+            <pc:sldMk cId="471759730" sldId="274"/>
+            <ac:spMk id="3" creationId="{1C8399FD-8407-40F1-91D4-FF8336A03D47}"/>
+          </ac:spMkLst>
+        </pc:spChg>
+        <pc:spChg chg="del">
+          <ac:chgData name="JinSeop Im" userId="c40f7fbe82cfb90a" providerId="LiveId" clId="{5757E13D-CB4C-4463-B328-997DF417BC35}" dt="2019-03-15T23:22:01.373" v="2955" actId="478"/>
+          <ac:spMkLst>
+            <pc:docMk/>
+            <pc:sldMk cId="471759730" sldId="274"/>
+            <ac:spMk id="6" creationId="{842166FA-B1C1-4262-A02E-FD7A462D2C03}"/>
+          </ac:spMkLst>
+        </pc:spChg>
+        <pc:spChg chg="del">
+          <ac:chgData name="JinSeop Im" userId="c40f7fbe82cfb90a" providerId="LiveId" clId="{5757E13D-CB4C-4463-B328-997DF417BC35}" dt="2019-03-15T23:22:01.373" v="2955" actId="478"/>
+          <ac:spMkLst>
+            <pc:docMk/>
+            <pc:sldMk cId="471759730" sldId="274"/>
+            <ac:spMk id="10" creationId="{D4436C8E-321C-4B04-AC86-35AC32B2FA6A}"/>
+          </ac:spMkLst>
+        </pc:spChg>
+        <pc:spChg chg="del">
+          <ac:chgData name="JinSeop Im" userId="c40f7fbe82cfb90a" providerId="LiveId" clId="{5757E13D-CB4C-4463-B328-997DF417BC35}" dt="2019-03-15T23:22:01.373" v="2955" actId="478"/>
+          <ac:spMkLst>
+            <pc:docMk/>
+            <pc:sldMk cId="471759730" sldId="274"/>
+            <ac:spMk id="13" creationId="{F3BBC177-97EA-4BBB-B73F-66DF73BEBC1B}"/>
+          </ac:spMkLst>
+        </pc:spChg>
+        <pc:spChg chg="del">
+          <ac:chgData name="JinSeop Im" userId="c40f7fbe82cfb90a" providerId="LiveId" clId="{5757E13D-CB4C-4463-B328-997DF417BC35}" dt="2019-03-15T23:22:01.373" v="2955" actId="478"/>
+          <ac:spMkLst>
+            <pc:docMk/>
+            <pc:sldMk cId="471759730" sldId="274"/>
+            <ac:spMk id="14" creationId="{CBB78831-065F-4FCC-BCFE-8E0E121DBEC1}"/>
+          </ac:spMkLst>
+        </pc:spChg>
+        <pc:spChg chg="mod">
+          <ac:chgData name="JinSeop Im" userId="c40f7fbe82cfb90a" providerId="LiveId" clId="{5757E13D-CB4C-4463-B328-997DF417BC35}" dt="2019-03-15T22:58:14.800" v="2252"/>
+          <ac:spMkLst>
+            <pc:docMk/>
+            <pc:sldMk cId="471759730" sldId="274"/>
+            <ac:spMk id="18" creationId="{446ABC95-5C1D-4F29-B39B-389795BB8D6E}"/>
+          </ac:spMkLst>
+        </pc:spChg>
+        <pc:spChg chg="add mod">
+          <ac:chgData name="JinSeop Im" userId="c40f7fbe82cfb90a" providerId="LiveId" clId="{5757E13D-CB4C-4463-B328-997DF417BC35}" dt="2019-03-15T23:22:40.040" v="2997"/>
+          <ac:spMkLst>
+            <pc:docMk/>
+            <pc:sldMk cId="471759730" sldId="274"/>
+            <ac:spMk id="21" creationId="{EFCFF275-1479-4F3A-9F31-46399B2C80DF}"/>
+          </ac:spMkLst>
+        </pc:spChg>
+        <pc:spChg chg="del">
+          <ac:chgData name="JinSeop Im" userId="c40f7fbe82cfb90a" providerId="LiveId" clId="{5757E13D-CB4C-4463-B328-997DF417BC35}" dt="2019-03-15T23:22:01.373" v="2955" actId="478"/>
+          <ac:spMkLst>
+            <pc:docMk/>
+            <pc:sldMk cId="471759730" sldId="274"/>
+            <ac:spMk id="38" creationId="{9306709A-122D-4A9C-AB1E-593280C65800}"/>
+          </ac:spMkLst>
+        </pc:spChg>
+        <pc:picChg chg="add mod">
+          <ac:chgData name="JinSeop Im" userId="c40f7fbe82cfb90a" providerId="LiveId" clId="{5757E13D-CB4C-4463-B328-997DF417BC35}" dt="2019-03-15T23:22:18.532" v="2961" actId="1076"/>
+          <ac:picMkLst>
+            <pc:docMk/>
+            <pc:sldMk cId="471759730" sldId="274"/>
+            <ac:picMk id="2050" creationId="{60C6FC52-BA58-42A3-B07E-A8CF5D2CC30D}"/>
+          </ac:picMkLst>
+        </pc:picChg>
+        <pc:cxnChg chg="del mod">
+          <ac:chgData name="JinSeop Im" userId="c40f7fbe82cfb90a" providerId="LiveId" clId="{5757E13D-CB4C-4463-B328-997DF417BC35}" dt="2019-03-15T23:22:01.373" v="2955" actId="478"/>
+          <ac:cxnSpMkLst>
+            <pc:docMk/>
+            <pc:sldMk cId="471759730" sldId="274"/>
+            <ac:cxnSpMk id="8" creationId="{38A7135A-E541-4FF3-9ED0-074750215210}"/>
+          </ac:cxnSpMkLst>
+        </pc:cxnChg>
+        <pc:cxnChg chg="del mod">
+          <ac:chgData name="JinSeop Im" userId="c40f7fbe82cfb90a" providerId="LiveId" clId="{5757E13D-CB4C-4463-B328-997DF417BC35}" dt="2019-03-15T23:22:01.373" v="2955" actId="478"/>
+          <ac:cxnSpMkLst>
+            <pc:docMk/>
+            <pc:sldMk cId="471759730" sldId="274"/>
+            <ac:cxnSpMk id="19" creationId="{9AF2BA67-7C4D-4256-A00E-EC2F6B2103CF}"/>
+          </ac:cxnSpMkLst>
+        </pc:cxnChg>
+        <pc:cxnChg chg="del mod">
+          <ac:chgData name="JinSeop Im" userId="c40f7fbe82cfb90a" providerId="LiveId" clId="{5757E13D-CB4C-4463-B328-997DF417BC35}" dt="2019-03-15T23:22:01.373" v="2955" actId="478"/>
+          <ac:cxnSpMkLst>
+            <pc:docMk/>
+            <pc:sldMk cId="471759730" sldId="274"/>
+            <ac:cxnSpMk id="20" creationId="{AC4EDDDB-6F36-412C-92B4-E5041B18D6FF}"/>
+          </ac:cxnSpMkLst>
+        </pc:cxnChg>
+        <pc:cxnChg chg="del mod">
+          <ac:chgData name="JinSeop Im" userId="c40f7fbe82cfb90a" providerId="LiveId" clId="{5757E13D-CB4C-4463-B328-997DF417BC35}" dt="2019-03-15T23:22:01.373" v="2955" actId="478"/>
+          <ac:cxnSpMkLst>
+            <pc:docMk/>
+            <pc:sldMk cId="471759730" sldId="274"/>
+            <ac:cxnSpMk id="25" creationId="{67B358DF-028B-4F67-8F71-751A648A0B15}"/>
+          </ac:cxnSpMkLst>
+        </pc:cxnChg>
+        <pc:cxnChg chg="del mod">
+          <ac:chgData name="JinSeop Im" userId="c40f7fbe82cfb90a" providerId="LiveId" clId="{5757E13D-CB4C-4463-B328-997DF417BC35}" dt="2019-03-15T23:22:01.373" v="2955" actId="478"/>
+          <ac:cxnSpMkLst>
+            <pc:docMk/>
+            <pc:sldMk cId="471759730" sldId="274"/>
+            <ac:cxnSpMk id="28" creationId="{F8D1E97A-092F-441C-97C6-17AE11A4471F}"/>
+          </ac:cxnSpMkLst>
+        </pc:cxnChg>
+      </pc:sldChg>
+      <pc:sldChg chg="addSp delSp modSp add">
+        <pc:chgData name="JinSeop Im" userId="c40f7fbe82cfb90a" providerId="LiveId" clId="{5757E13D-CB4C-4463-B328-997DF417BC35}" dt="2019-03-16T00:59:17.537" v="3726" actId="1076"/>
+        <pc:sldMkLst>
+          <pc:docMk/>
+          <pc:sldMk cId="1988412682" sldId="275"/>
+        </pc:sldMkLst>
+        <pc:spChg chg="mod">
+          <ac:chgData name="JinSeop Im" userId="c40f7fbe82cfb90a" providerId="LiveId" clId="{5757E13D-CB4C-4463-B328-997DF417BC35}" dt="2019-03-15T23:23:39.435" v="3059"/>
+          <ac:spMkLst>
+            <pc:docMk/>
+            <pc:sldMk cId="1988412682" sldId="275"/>
+            <ac:spMk id="5" creationId="{00000000-0000-0000-0000-000000000000}"/>
+          </ac:spMkLst>
+        </pc:spChg>
+        <pc:spChg chg="add mod">
+          <ac:chgData name="JinSeop Im" userId="c40f7fbe82cfb90a" providerId="LiveId" clId="{5757E13D-CB4C-4463-B328-997DF417BC35}" dt="2019-03-16T00:59:17.537" v="3726" actId="1076"/>
+          <ac:spMkLst>
+            <pc:docMk/>
+            <pc:sldMk cId="1988412682" sldId="275"/>
+            <ac:spMk id="9" creationId="{46E5DFA8-A4EC-4EFE-BF23-1646213861EB}"/>
+          </ac:spMkLst>
+        </pc:spChg>
+        <pc:spChg chg="mod">
+          <ac:chgData name="JinSeop Im" userId="c40f7fbe82cfb90a" providerId="LiveId" clId="{5757E13D-CB4C-4463-B328-997DF417BC35}" dt="2019-03-15T23:23:28.332" v="3029" actId="20577"/>
+          <ac:spMkLst>
+            <pc:docMk/>
+            <pc:sldMk cId="1988412682" sldId="275"/>
+            <ac:spMk id="12" creationId="{00000000-0000-0000-0000-000000000000}"/>
+          </ac:spMkLst>
+        </pc:spChg>
+        <pc:spChg chg="mod">
+          <ac:chgData name="JinSeop Im" userId="c40f7fbe82cfb90a" providerId="LiveId" clId="{5757E13D-CB4C-4463-B328-997DF417BC35}" dt="2019-03-15T23:23:55.601" v="3090"/>
+          <ac:spMkLst>
+            <pc:docMk/>
+            <pc:sldMk cId="1988412682" sldId="275"/>
+            <ac:spMk id="18" creationId="{446ABC95-5C1D-4F29-B39B-389795BB8D6E}"/>
+          </ac:spMkLst>
+        </pc:spChg>
+        <pc:spChg chg="del">
+          <ac:chgData name="JinSeop Im" userId="c40f7fbe82cfb90a" providerId="LiveId" clId="{5757E13D-CB4C-4463-B328-997DF417BC35}" dt="2019-03-15T23:23:59.131" v="3092" actId="478"/>
+          <ac:spMkLst>
+            <pc:docMk/>
+            <pc:sldMk cId="1988412682" sldId="275"/>
+            <ac:spMk id="21" creationId="{EFCFF275-1479-4F3A-9F31-46399B2C80DF}"/>
+          </ac:spMkLst>
+        </pc:spChg>
+        <pc:picChg chg="del">
+          <ac:chgData name="JinSeop Im" userId="c40f7fbe82cfb90a" providerId="LiveId" clId="{5757E13D-CB4C-4463-B328-997DF417BC35}" dt="2019-03-15T23:23:56.958" v="3091" actId="478"/>
+          <ac:picMkLst>
+            <pc:docMk/>
+            <pc:sldMk cId="1988412682" sldId="275"/>
+            <ac:picMk id="2050" creationId="{60C6FC52-BA58-42A3-B07E-A8CF5D2CC30D}"/>
+          </ac:picMkLst>
+        </pc:picChg>
+        <pc:picChg chg="add mod">
+          <ac:chgData name="JinSeop Im" userId="c40f7fbe82cfb90a" providerId="LiveId" clId="{5757E13D-CB4C-4463-B328-997DF417BC35}" dt="2019-03-16T00:59:17.537" v="3726" actId="1076"/>
+          <ac:picMkLst>
+            <pc:docMk/>
+            <pc:sldMk cId="1988412682" sldId="275"/>
+            <ac:picMk id="3074" creationId="{1880FB75-C407-4095-824A-21E541968616}"/>
+          </ac:picMkLst>
+        </pc:picChg>
+        <pc:picChg chg="add mod">
+          <ac:chgData name="JinSeop Im" userId="c40f7fbe82cfb90a" providerId="LiveId" clId="{5757E13D-CB4C-4463-B328-997DF417BC35}" dt="2019-03-16T00:59:17.537" v="3726" actId="1076"/>
+          <ac:picMkLst>
+            <pc:docMk/>
+            <pc:sldMk cId="1988412682" sldId="275"/>
+            <ac:picMk id="3076" creationId="{69F014AB-1C0D-436F-907A-B3E759E2D84D}"/>
+          </ac:picMkLst>
+        </pc:picChg>
+      </pc:sldChg>
+      <pc:sldChg chg="addSp delSp modSp add">
+        <pc:chgData name="JinSeop Im" userId="c40f7fbe82cfb90a" providerId="LiveId" clId="{5757E13D-CB4C-4463-B328-997DF417BC35}" dt="2019-03-15T23:41:59.150" v="3643" actId="20577"/>
+        <pc:sldMkLst>
+          <pc:docMk/>
+          <pc:sldMk cId="3698797492" sldId="277"/>
+        </pc:sldMkLst>
+        <pc:spChg chg="del">
+          <ac:chgData name="JinSeop Im" userId="c40f7fbe82cfb90a" providerId="LiveId" clId="{5757E13D-CB4C-4463-B328-997DF417BC35}" dt="2019-03-15T23:35:11.210" v="3383" actId="478"/>
+          <ac:spMkLst>
+            <pc:docMk/>
+            <pc:sldMk cId="3698797492" sldId="277"/>
+            <ac:spMk id="9" creationId="{46E5DFA8-A4EC-4EFE-BF23-1646213861EB}"/>
+          </ac:spMkLst>
+        </pc:spChg>
+        <pc:spChg chg="add mod">
+          <ac:chgData name="JinSeop Im" userId="c40f7fbe82cfb90a" providerId="LiveId" clId="{5757E13D-CB4C-4463-B328-997DF417BC35}" dt="2019-03-15T23:41:59.150" v="3643" actId="20577"/>
+          <ac:spMkLst>
+            <pc:docMk/>
+            <pc:sldMk cId="3698797492" sldId="277"/>
+            <ac:spMk id="13" creationId="{8F55BB4C-A087-4B7B-8EA9-A888643CBB7D}"/>
+          </ac:spMkLst>
+        </pc:spChg>
+        <pc:picChg chg="add mod">
+          <ac:chgData name="JinSeop Im" userId="c40f7fbe82cfb90a" providerId="LiveId" clId="{5757E13D-CB4C-4463-B328-997DF417BC35}" dt="2019-03-15T23:38:20.260" v="3400" actId="1076"/>
+          <ac:picMkLst>
+            <pc:docMk/>
+            <pc:sldMk cId="3698797492" sldId="277"/>
+            <ac:picMk id="2" creationId="{00792A01-503B-47E4-A596-3ED0600576D8}"/>
+          </ac:picMkLst>
+        </pc:picChg>
+        <pc:picChg chg="del">
+          <ac:chgData name="JinSeop Im" userId="c40f7fbe82cfb90a" providerId="LiveId" clId="{5757E13D-CB4C-4463-B328-997DF417BC35}" dt="2019-03-15T23:35:11.210" v="3383" actId="478"/>
+          <ac:picMkLst>
+            <pc:docMk/>
+            <pc:sldMk cId="3698797492" sldId="277"/>
+            <ac:picMk id="3074" creationId="{1880FB75-C407-4095-824A-21E541968616}"/>
+          </ac:picMkLst>
+        </pc:picChg>
+        <pc:picChg chg="del">
+          <ac:chgData name="JinSeop Im" userId="c40f7fbe82cfb90a" providerId="LiveId" clId="{5757E13D-CB4C-4463-B328-997DF417BC35}" dt="2019-03-15T23:35:11.210" v="3383" actId="478"/>
+          <ac:picMkLst>
+            <pc:docMk/>
+            <pc:sldMk cId="3698797492" sldId="277"/>
+            <ac:picMk id="3076" creationId="{69F014AB-1C0D-436F-907A-B3E759E2D84D}"/>
+          </ac:picMkLst>
+        </pc:picChg>
+        <pc:picChg chg="add mod">
+          <ac:chgData name="JinSeop Im" userId="c40f7fbe82cfb90a" providerId="LiveId" clId="{5757E13D-CB4C-4463-B328-997DF417BC35}" dt="2019-03-15T23:35:47.822" v="3389" actId="14100"/>
+          <ac:picMkLst>
+            <pc:docMk/>
+            <pc:sldMk cId="3698797492" sldId="277"/>
+            <ac:picMk id="4098" creationId="{B1A00018-9BA9-4606-9F85-5C5436BEA496}"/>
+          </ac:picMkLst>
+        </pc:picChg>
+        <pc:picChg chg="add del mod">
+          <ac:chgData name="JinSeop Im" userId="c40f7fbe82cfb90a" providerId="LiveId" clId="{5757E13D-CB4C-4463-B328-997DF417BC35}" dt="2019-03-15T23:37:51.668" v="3394" actId="478"/>
+          <ac:picMkLst>
+            <pc:docMk/>
+            <pc:sldMk cId="3698797492" sldId="277"/>
+            <ac:picMk id="4100" creationId="{0F844342-8A71-417C-B8BE-AC1DF332B883}"/>
+          </ac:picMkLst>
+        </pc:picChg>
+      </pc:sldChg>
+      <pc:sldChg chg="addSp delSp modSp add">
+        <pc:chgData name="JinSeop Im" userId="c40f7fbe82cfb90a" providerId="LiveId" clId="{5757E13D-CB4C-4463-B328-997DF417BC35}" dt="2019-03-16T01:41:53.258" v="4889" actId="20577"/>
+        <pc:sldMkLst>
+          <pc:docMk/>
+          <pc:sldMk cId="4099301703" sldId="278"/>
+        </pc:sldMkLst>
+        <pc:spChg chg="add del mod">
+          <ac:chgData name="JinSeop Im" userId="c40f7fbe82cfb90a" providerId="LiveId" clId="{5757E13D-CB4C-4463-B328-997DF417BC35}" dt="2019-03-16T01:31:24.856" v="4515" actId="478"/>
+          <ac:spMkLst>
+            <pc:docMk/>
+            <pc:sldMk cId="4099301703" sldId="278"/>
+            <ac:spMk id="6" creationId="{4A14E494-2176-4EEC-9908-B635E09D4E29}"/>
+          </ac:spMkLst>
+        </pc:spChg>
+        <pc:spChg chg="del">
+          <ac:chgData name="JinSeop Im" userId="c40f7fbe82cfb90a" providerId="LiveId" clId="{5757E13D-CB4C-4463-B328-997DF417BC35}" dt="2019-03-15T23:40:57.135" v="3544" actId="478"/>
+          <ac:spMkLst>
+            <pc:docMk/>
+            <pc:sldMk cId="4099301703" sldId="278"/>
+            <ac:spMk id="13" creationId="{8F55BB4C-A087-4B7B-8EA9-A888643CBB7D}"/>
+          </ac:spMkLst>
+        </pc:spChg>
+        <pc:spChg chg="mod">
+          <ac:chgData name="JinSeop Im" userId="c40f7fbe82cfb90a" providerId="LiveId" clId="{5757E13D-CB4C-4463-B328-997DF417BC35}" dt="2019-03-16T01:31:55.494" v="4521" actId="20577"/>
+          <ac:spMkLst>
+            <pc:docMk/>
+            <pc:sldMk cId="4099301703" sldId="278"/>
+            <ac:spMk id="18" creationId="{446ABC95-5C1D-4F29-B39B-389795BB8D6E}"/>
+          </ac:spMkLst>
+        </pc:spChg>
+        <pc:graphicFrameChg chg="add del mod modGraphic">
+          <ac:chgData name="JinSeop Im" userId="c40f7fbe82cfb90a" providerId="LiveId" clId="{5757E13D-CB4C-4463-B328-997DF417BC35}" dt="2019-03-16T01:41:53.258" v="4889" actId="20577"/>
+          <ac:graphicFrameMkLst>
+            <pc:docMk/>
+            <pc:sldMk cId="4099301703" sldId="278"/>
+            <ac:graphicFrameMk id="2" creationId="{2D5932C6-2F67-4472-9130-0C80CEA8ED73}"/>
+          </ac:graphicFrameMkLst>
+        </pc:graphicFrameChg>
+        <pc:graphicFrameChg chg="add del mod modGraphic">
+          <ac:chgData name="JinSeop Im" userId="c40f7fbe82cfb90a" providerId="LiveId" clId="{5757E13D-CB4C-4463-B328-997DF417BC35}" dt="2019-03-16T01:30:51.192" v="4508" actId="478"/>
+          <ac:graphicFrameMkLst>
+            <pc:docMk/>
+            <pc:sldMk cId="4099301703" sldId="278"/>
+            <ac:graphicFrameMk id="3" creationId="{F6204DBE-C044-4B88-9650-E8A77391A21C}"/>
+          </ac:graphicFrameMkLst>
+        </pc:graphicFrameChg>
+        <pc:picChg chg="del">
+          <ac:chgData name="JinSeop Im" userId="c40f7fbe82cfb90a" providerId="LiveId" clId="{5757E13D-CB4C-4463-B328-997DF417BC35}" dt="2019-03-15T23:39:47.169" v="3542" actId="478"/>
+          <ac:picMkLst>
+            <pc:docMk/>
+            <pc:sldMk cId="4099301703" sldId="278"/>
+            <ac:picMk id="2" creationId="{00792A01-503B-47E4-A596-3ED0600576D8}"/>
+          </ac:picMkLst>
+        </pc:picChg>
+        <pc:picChg chg="del">
+          <ac:chgData name="JinSeop Im" userId="c40f7fbe82cfb90a" providerId="LiveId" clId="{5757E13D-CB4C-4463-B328-997DF417BC35}" dt="2019-03-15T23:39:44.603" v="3541" actId="478"/>
+          <ac:picMkLst>
+            <pc:docMk/>
+            <pc:sldMk cId="4099301703" sldId="278"/>
+            <ac:picMk id="4098" creationId="{B1A00018-9BA9-4606-9F85-5C5436BEA496}"/>
+          </ac:picMkLst>
+        </pc:picChg>
+      </pc:sldChg>
+      <pc:sldChg chg="modSp add">
+        <pc:chgData name="JinSeop Im" userId="c40f7fbe82cfb90a" providerId="LiveId" clId="{5757E13D-CB4C-4463-B328-997DF417BC35}" dt="2019-03-16T01:43:41.027" v="4983" actId="20577"/>
+        <pc:sldMkLst>
+          <pc:docMk/>
+          <pc:sldMk cId="1992533794" sldId="279"/>
+        </pc:sldMkLst>
+        <pc:graphicFrameChg chg="mod modGraphic">
+          <ac:chgData name="JinSeop Im" userId="c40f7fbe82cfb90a" providerId="LiveId" clId="{5757E13D-CB4C-4463-B328-997DF417BC35}" dt="2019-03-16T01:43:41.027" v="4983" actId="20577"/>
+          <ac:graphicFrameMkLst>
+            <pc:docMk/>
+            <pc:sldMk cId="1992533794" sldId="279"/>
+            <ac:graphicFrameMk id="3" creationId="{F6204DBE-C044-4B88-9650-E8A77391A21C}"/>
+          </ac:graphicFrameMkLst>
+        </pc:graphicFrameChg>
+      </pc:sldChg>
+      <pc:sldChg chg="addSp delSp modSp add ord">
+        <pc:chgData name="JinSeop Im" userId="c40f7fbe82cfb90a" providerId="LiveId" clId="{5757E13D-CB4C-4463-B328-997DF417BC35}" dt="2019-03-16T02:43:23.762" v="5380" actId="1038"/>
+        <pc:sldMkLst>
+          <pc:docMk/>
+          <pc:sldMk cId="689946609" sldId="280"/>
+        </pc:sldMkLst>
+        <pc:spChg chg="add del mod">
+          <ac:chgData name="JinSeop Im" userId="c40f7fbe82cfb90a" providerId="LiveId" clId="{5757E13D-CB4C-4463-B328-997DF417BC35}" dt="2019-03-16T02:39:07.236" v="5261" actId="478"/>
+          <ac:spMkLst>
+            <pc:docMk/>
+            <pc:sldMk cId="689946609" sldId="280"/>
+            <ac:spMk id="2" creationId="{3E6AC478-08CF-4984-ADE9-59328E7D45D8}"/>
+          </ac:spMkLst>
+        </pc:spChg>
+        <pc:spChg chg="add mod">
+          <ac:chgData name="JinSeop Im" userId="c40f7fbe82cfb90a" providerId="LiveId" clId="{5757E13D-CB4C-4463-B328-997DF417BC35}" dt="2019-03-16T02:43:23.762" v="5380" actId="1038"/>
+          <ac:spMkLst>
+            <pc:docMk/>
+            <pc:sldMk cId="689946609" sldId="280"/>
+            <ac:spMk id="7" creationId="{34BFB7A4-154C-4890-AB16-655EE40743E3}"/>
+          </ac:spMkLst>
+        </pc:spChg>
+        <pc:spChg chg="add del mod">
+          <ac:chgData name="JinSeop Im" userId="c40f7fbe82cfb90a" providerId="LiveId" clId="{5757E13D-CB4C-4463-B328-997DF417BC35}" dt="2019-03-16T02:39:03.768" v="5260" actId="478"/>
+          <ac:spMkLst>
+            <pc:docMk/>
+            <pc:sldMk cId="689946609" sldId="280"/>
+            <ac:spMk id="11" creationId="{D8DD775D-8F2C-431E-9179-C72FC0A196CF}"/>
+          </ac:spMkLst>
+        </pc:spChg>
+        <pc:spChg chg="add mod">
+          <ac:chgData name="JinSeop Im" userId="c40f7fbe82cfb90a" providerId="LiveId" clId="{5757E13D-CB4C-4463-B328-997DF417BC35}" dt="2019-03-16T02:43:23.762" v="5380" actId="1038"/>
+          <ac:spMkLst>
+            <pc:docMk/>
+            <pc:sldMk cId="689946609" sldId="280"/>
+            <ac:spMk id="13" creationId="{A0DCC5FF-4EEA-4D5D-93CD-00B3A58CEDD6}"/>
+          </ac:spMkLst>
+        </pc:spChg>
+        <pc:spChg chg="add mod">
+          <ac:chgData name="JinSeop Im" userId="c40f7fbe82cfb90a" providerId="LiveId" clId="{5757E13D-CB4C-4463-B328-997DF417BC35}" dt="2019-03-16T02:43:23.762" v="5380" actId="1038"/>
+          <ac:spMkLst>
+            <pc:docMk/>
+            <pc:sldMk cId="689946609" sldId="280"/>
+            <ac:spMk id="14" creationId="{55F76A11-7E90-4ADD-ADDA-2C79F040FD86}"/>
+          </ac:spMkLst>
+        </pc:spChg>
+        <pc:spChg chg="mod">
+          <ac:chgData name="JinSeop Im" userId="c40f7fbe82cfb90a" providerId="LiveId" clId="{5757E13D-CB4C-4463-B328-997DF417BC35}" dt="2019-03-16T01:45:10.874" v="5043"/>
+          <ac:spMkLst>
+            <pc:docMk/>
+            <pc:sldMk cId="689946609" sldId="280"/>
+            <ac:spMk id="18" creationId="{446ABC95-5C1D-4F29-B39B-389795BB8D6E}"/>
+          </ac:spMkLst>
+        </pc:spChg>
+        <pc:spChg chg="add mod">
+          <ac:chgData name="JinSeop Im" userId="c40f7fbe82cfb90a" providerId="LiveId" clId="{5757E13D-CB4C-4463-B328-997DF417BC35}" dt="2019-03-16T02:43:23.762" v="5380" actId="1038"/>
+          <ac:spMkLst>
+            <pc:docMk/>
+            <pc:sldMk cId="689946609" sldId="280"/>
+            <ac:spMk id="25" creationId="{B2C8B7C9-BB7D-49F9-961B-9C2DB9D8485C}"/>
+          </ac:spMkLst>
+        </pc:spChg>
+        <pc:spChg chg="add mod">
+          <ac:chgData name="JinSeop Im" userId="c40f7fbe82cfb90a" providerId="LiveId" clId="{5757E13D-CB4C-4463-B328-997DF417BC35}" dt="2019-03-16T02:43:23.762" v="5380" actId="1038"/>
+          <ac:spMkLst>
+            <pc:docMk/>
+            <pc:sldMk cId="689946609" sldId="280"/>
+            <ac:spMk id="26" creationId="{78AA6A03-B4E1-420F-9FFC-4C7036934CC6}"/>
+          </ac:spMkLst>
+        </pc:spChg>
+        <pc:picChg chg="add mod">
+          <ac:chgData name="JinSeop Im" userId="c40f7fbe82cfb90a" providerId="LiveId" clId="{5757E13D-CB4C-4463-B328-997DF417BC35}" dt="2019-03-16T02:43:23.762" v="5380" actId="1038"/>
+          <ac:picMkLst>
+            <pc:docMk/>
+            <pc:sldMk cId="689946609" sldId="280"/>
+            <ac:picMk id="1026" creationId="{4D06D18F-5547-40DE-81AE-97B0AC1DB221}"/>
+          </ac:picMkLst>
+        </pc:picChg>
+        <pc:picChg chg="add del mod">
+          <ac:chgData name="JinSeop Im" userId="c40f7fbe82cfb90a" providerId="LiveId" clId="{5757E13D-CB4C-4463-B328-997DF417BC35}" dt="2019-03-16T01:48:36.545" v="5071" actId="478"/>
+          <ac:picMkLst>
+            <pc:docMk/>
+            <pc:sldMk cId="689946609" sldId="280"/>
+            <ac:picMk id="2050" creationId="{64ED0508-541E-439A-97AE-42122A078A8F}"/>
+          </ac:picMkLst>
+        </pc:picChg>
+        <pc:picChg chg="add mod">
+          <ac:chgData name="JinSeop Im" userId="c40f7fbe82cfb90a" providerId="LiveId" clId="{5757E13D-CB4C-4463-B328-997DF417BC35}" dt="2019-03-16T02:43:23.762" v="5380" actId="1038"/>
+          <ac:picMkLst>
+            <pc:docMk/>
+            <pc:sldMk cId="689946609" sldId="280"/>
+            <ac:picMk id="2052" creationId="{0EBFE822-6DEE-4206-BB77-EEDF36C91A7F}"/>
+          </ac:picMkLst>
+        </pc:picChg>
+        <pc:picChg chg="add mod">
+          <ac:chgData name="JinSeop Im" userId="c40f7fbe82cfb90a" providerId="LiveId" clId="{5757E13D-CB4C-4463-B328-997DF417BC35}" dt="2019-03-16T02:43:23.762" v="5380" actId="1038"/>
+          <ac:picMkLst>
+            <pc:docMk/>
+            <pc:sldMk cId="689946609" sldId="280"/>
+            <ac:picMk id="2054" creationId="{C024E12C-E47F-4E05-AEC8-052650702954}"/>
+          </ac:picMkLst>
+        </pc:picChg>
+        <pc:picChg chg="add mod">
+          <ac:chgData name="JinSeop Im" userId="c40f7fbe82cfb90a" providerId="LiveId" clId="{5757E13D-CB4C-4463-B328-997DF417BC35}" dt="2019-03-16T02:43:23.762" v="5380" actId="1038"/>
+          <ac:picMkLst>
+            <pc:docMk/>
+            <pc:sldMk cId="689946609" sldId="280"/>
+            <ac:picMk id="2056" creationId="{A4C46681-FD0C-4FD3-AA5F-08FC0D191600}"/>
+          </ac:picMkLst>
+        </pc:picChg>
+        <pc:cxnChg chg="add mod">
+          <ac:chgData name="JinSeop Im" userId="c40f7fbe82cfb90a" providerId="LiveId" clId="{5757E13D-CB4C-4463-B328-997DF417BC35}" dt="2019-03-16T02:43:23.762" v="5380" actId="1038"/>
+          <ac:cxnSpMkLst>
+            <pc:docMk/>
+            <pc:sldMk cId="689946609" sldId="280"/>
+            <ac:cxnSpMk id="6" creationId="{D336C13A-343E-4FA8-96FF-82FD4C44ED4C}"/>
+          </ac:cxnSpMkLst>
+        </pc:cxnChg>
+        <pc:cxnChg chg="add mod">
+          <ac:chgData name="JinSeop Im" userId="c40f7fbe82cfb90a" providerId="LiveId" clId="{5757E13D-CB4C-4463-B328-997DF417BC35}" dt="2019-03-16T02:43:23.762" v="5380" actId="1038"/>
+          <ac:cxnSpMkLst>
+            <pc:docMk/>
+            <pc:sldMk cId="689946609" sldId="280"/>
+            <ac:cxnSpMk id="19" creationId="{77A0A840-AF61-45FB-AE7D-E454E6CAAAFC}"/>
+          </ac:cxnSpMkLst>
+        </pc:cxnChg>
+        <pc:cxnChg chg="add mod">
+          <ac:chgData name="JinSeop Im" userId="c40f7fbe82cfb90a" providerId="LiveId" clId="{5757E13D-CB4C-4463-B328-997DF417BC35}" dt="2019-03-16T02:43:23.762" v="5380" actId="1038"/>
+          <ac:cxnSpMkLst>
+            <pc:docMk/>
+            <pc:sldMk cId="689946609" sldId="280"/>
+            <ac:cxnSpMk id="22" creationId="{2EA42FCC-79CF-4094-9729-4B712097B41D}"/>
+          </ac:cxnSpMkLst>
+        </pc:cxnChg>
+      </pc:sldChg>
+      <pc:sldChg chg="addSp delSp modSp add">
+        <pc:chgData name="JinSeop Im" userId="c40f7fbe82cfb90a" providerId="LiveId" clId="{5757E13D-CB4C-4463-B328-997DF417BC35}" dt="2019-03-16T02:53:43.800" v="5538" actId="207"/>
+        <pc:sldMkLst>
+          <pc:docMk/>
+          <pc:sldMk cId="3402574683" sldId="281"/>
+        </pc:sldMkLst>
+        <pc:spChg chg="mod">
+          <ac:chgData name="JinSeop Im" userId="c40f7fbe82cfb90a" providerId="LiveId" clId="{5757E13D-CB4C-4463-B328-997DF417BC35}" dt="2019-03-16T02:44:24.277" v="5409"/>
+          <ac:spMkLst>
+            <pc:docMk/>
+            <pc:sldMk cId="3402574683" sldId="281"/>
+            <ac:spMk id="5" creationId="{00000000-0000-0000-0000-000000000000}"/>
+          </ac:spMkLst>
+        </pc:spChg>
+        <pc:spChg chg="del">
+          <ac:chgData name="JinSeop Im" userId="c40f7fbe82cfb90a" providerId="LiveId" clId="{5757E13D-CB4C-4463-B328-997DF417BC35}" dt="2019-03-16T02:45:42.830" v="5420" actId="478"/>
+          <ac:spMkLst>
+            <pc:docMk/>
+            <pc:sldMk cId="3402574683" sldId="281"/>
+            <ac:spMk id="7" creationId="{34BFB7A4-154C-4890-AB16-655EE40743E3}"/>
+          </ac:spMkLst>
+        </pc:spChg>
+        <pc:spChg chg="mod">
+          <ac:chgData name="JinSeop Im" userId="c40f7fbe82cfb90a" providerId="LiveId" clId="{5757E13D-CB4C-4463-B328-997DF417BC35}" dt="2019-03-16T02:44:17.331" v="5396" actId="20577"/>
+          <ac:spMkLst>
+            <pc:docMk/>
+            <pc:sldMk cId="3402574683" sldId="281"/>
+            <ac:spMk id="12" creationId="{00000000-0000-0000-0000-000000000000}"/>
+          </ac:spMkLst>
+        </pc:spChg>
+        <pc:spChg chg="del">
+          <ac:chgData name="JinSeop Im" userId="c40f7fbe82cfb90a" providerId="LiveId" clId="{5757E13D-CB4C-4463-B328-997DF417BC35}" dt="2019-03-16T02:45:42.830" v="5420" actId="478"/>
+          <ac:spMkLst>
+            <pc:docMk/>
+            <pc:sldMk cId="3402574683" sldId="281"/>
+            <ac:spMk id="13" creationId="{A0DCC5FF-4EEA-4D5D-93CD-00B3A58CEDD6}"/>
+          </ac:spMkLst>
+        </pc:spChg>
+        <pc:spChg chg="del">
+          <ac:chgData name="JinSeop Im" userId="c40f7fbe82cfb90a" providerId="LiveId" clId="{5757E13D-CB4C-4463-B328-997DF417BC35}" dt="2019-03-16T02:45:42.830" v="5420" actId="478"/>
+          <ac:spMkLst>
+            <pc:docMk/>
+            <pc:sldMk cId="3402574683" sldId="281"/>
+            <ac:spMk id="14" creationId="{55F76A11-7E90-4ADD-ADDA-2C79F040FD86}"/>
+          </ac:spMkLst>
+        </pc:spChg>
+        <pc:spChg chg="mod">
+          <ac:chgData name="JinSeop Im" userId="c40f7fbe82cfb90a" providerId="LiveId" clId="{5757E13D-CB4C-4463-B328-997DF417BC35}" dt="2019-03-16T02:44:37.063" v="5419"/>
+          <ac:spMkLst>
+            <pc:docMk/>
+            <pc:sldMk cId="3402574683" sldId="281"/>
+            <ac:spMk id="18" creationId="{446ABC95-5C1D-4F29-B39B-389795BB8D6E}"/>
+          </ac:spMkLst>
+        </pc:spChg>
+        <pc:spChg chg="add mod">
+          <ac:chgData name="JinSeop Im" userId="c40f7fbe82cfb90a" providerId="LiveId" clId="{5757E13D-CB4C-4463-B328-997DF417BC35}" dt="2019-03-16T02:53:43.800" v="5538" actId="207"/>
+          <ac:spMkLst>
+            <pc:docMk/>
+            <pc:sldMk cId="3402574683" sldId="281"/>
+            <ac:spMk id="23" creationId="{EBA5D9ED-3B41-4973-8C54-F957373BE763}"/>
+          </ac:spMkLst>
+        </pc:spChg>
+        <pc:spChg chg="add mod">
+          <ac:chgData name="JinSeop Im" userId="c40f7fbe82cfb90a" providerId="LiveId" clId="{5757E13D-CB4C-4463-B328-997DF417BC35}" dt="2019-03-16T02:53:43.800" v="5538" actId="207"/>
+          <ac:spMkLst>
+            <pc:docMk/>
+            <pc:sldMk cId="3402574683" sldId="281"/>
+            <ac:spMk id="24" creationId="{50B8AFBE-E727-4AAC-B569-606F4D0B690D}"/>
+          </ac:spMkLst>
+        </pc:spChg>
+        <pc:spChg chg="del">
+          <ac:chgData name="JinSeop Im" userId="c40f7fbe82cfb90a" providerId="LiveId" clId="{5757E13D-CB4C-4463-B328-997DF417BC35}" dt="2019-03-16T02:45:42.830" v="5420" actId="478"/>
+          <ac:spMkLst>
+            <pc:docMk/>
+            <pc:sldMk cId="3402574683" sldId="281"/>
+            <ac:spMk id="25" creationId="{B2C8B7C9-BB7D-49F9-961B-9C2DB9D8485C}"/>
+          </ac:spMkLst>
+        </pc:spChg>
+        <pc:spChg chg="del">
+          <ac:chgData name="JinSeop Im" userId="c40f7fbe82cfb90a" providerId="LiveId" clId="{5757E13D-CB4C-4463-B328-997DF417BC35}" dt="2019-03-16T02:45:42.830" v="5420" actId="478"/>
+          <ac:spMkLst>
+            <pc:docMk/>
+            <pc:sldMk cId="3402574683" sldId="281"/>
+            <ac:spMk id="26" creationId="{78AA6A03-B4E1-420F-9FFC-4C7036934CC6}"/>
+          </ac:spMkLst>
+        </pc:spChg>
+        <pc:spChg chg="add mod">
+          <ac:chgData name="JinSeop Im" userId="c40f7fbe82cfb90a" providerId="LiveId" clId="{5757E13D-CB4C-4463-B328-997DF417BC35}" dt="2019-03-16T02:53:43.800" v="5538" actId="207"/>
+          <ac:spMkLst>
+            <pc:docMk/>
+            <pc:sldMk cId="3402574683" sldId="281"/>
+            <ac:spMk id="27" creationId="{36A67AD9-CDAD-479B-8F88-A0AECCC12F66}"/>
+          </ac:spMkLst>
+        </pc:spChg>
+        <pc:picChg chg="add mod">
+          <ac:chgData name="JinSeop Im" userId="c40f7fbe82cfb90a" providerId="LiveId" clId="{5757E13D-CB4C-4463-B328-997DF417BC35}" dt="2019-03-16T02:53:24.796" v="5537" actId="554"/>
+          <ac:picMkLst>
+            <pc:docMk/>
+            <pc:sldMk cId="3402574683" sldId="281"/>
+            <ac:picMk id="2" creationId="{9576EF06-0BD9-4A61-9BF4-10691777B156}"/>
+          </ac:picMkLst>
+        </pc:picChg>
+        <pc:picChg chg="add mod">
+          <ac:chgData name="JinSeop Im" userId="c40f7fbe82cfb90a" providerId="LiveId" clId="{5757E13D-CB4C-4463-B328-997DF417BC35}" dt="2019-03-16T02:53:24.796" v="5537" actId="554"/>
+          <ac:picMkLst>
+            <pc:docMk/>
+            <pc:sldMk cId="3402574683" sldId="281"/>
+            <ac:picMk id="3" creationId="{FA37AADF-A331-4B4F-BB9A-78E08AF1A737}"/>
+          </ac:picMkLst>
+        </pc:picChg>
+        <pc:picChg chg="add mod">
+          <ac:chgData name="JinSeop Im" userId="c40f7fbe82cfb90a" providerId="LiveId" clId="{5757E13D-CB4C-4463-B328-997DF417BC35}" dt="2019-03-16T02:53:24.796" v="5537" actId="554"/>
+          <ac:picMkLst>
+            <pc:docMk/>
+            <pc:sldMk cId="3402574683" sldId="281"/>
+            <ac:picMk id="8" creationId="{C617F150-15E7-49A1-9CB3-635430FBF715}"/>
+          </ac:picMkLst>
+        </pc:picChg>
+        <pc:picChg chg="del">
+          <ac:chgData name="JinSeop Im" userId="c40f7fbe82cfb90a" providerId="LiveId" clId="{5757E13D-CB4C-4463-B328-997DF417BC35}" dt="2019-03-16T02:45:42.830" v="5420" actId="478"/>
+          <ac:picMkLst>
+            <pc:docMk/>
+            <pc:sldMk cId="3402574683" sldId="281"/>
+            <ac:picMk id="1026" creationId="{4D06D18F-5547-40DE-81AE-97B0AC1DB221}"/>
+          </ac:picMkLst>
+        </pc:picChg>
+        <pc:picChg chg="add del mod">
+          <ac:chgData name="JinSeop Im" userId="c40f7fbe82cfb90a" providerId="LiveId" clId="{5757E13D-CB4C-4463-B328-997DF417BC35}" dt="2019-03-16T02:47:48.581" v="5427" actId="478"/>
+          <ac:picMkLst>
+            <pc:docMk/>
+            <pc:sldMk cId="3402574683" sldId="281"/>
+            <ac:picMk id="2050" creationId="{C9FFB3F8-B49D-4202-8C9C-43A60B5B36B3}"/>
+          </ac:picMkLst>
+        </pc:picChg>
+        <pc:picChg chg="del">
+          <ac:chgData name="JinSeop Im" userId="c40f7fbe82cfb90a" providerId="LiveId" clId="{5757E13D-CB4C-4463-B328-997DF417BC35}" dt="2019-03-16T02:45:42.830" v="5420" actId="478"/>
+          <ac:picMkLst>
+            <pc:docMk/>
+            <pc:sldMk cId="3402574683" sldId="281"/>
+            <ac:picMk id="2052" creationId="{0EBFE822-6DEE-4206-BB77-EEDF36C91A7F}"/>
+          </ac:picMkLst>
+        </pc:picChg>
+        <pc:picChg chg="del">
+          <ac:chgData name="JinSeop Im" userId="c40f7fbe82cfb90a" providerId="LiveId" clId="{5757E13D-CB4C-4463-B328-997DF417BC35}" dt="2019-03-16T02:45:42.830" v="5420" actId="478"/>
+          <ac:picMkLst>
+            <pc:docMk/>
+            <pc:sldMk cId="3402574683" sldId="281"/>
+            <ac:picMk id="2054" creationId="{C024E12C-E47F-4E05-AEC8-052650702954}"/>
+          </ac:picMkLst>
+        </pc:picChg>
+        <pc:picChg chg="del">
+          <ac:chgData name="JinSeop Im" userId="c40f7fbe82cfb90a" providerId="LiveId" clId="{5757E13D-CB4C-4463-B328-997DF417BC35}" dt="2019-03-16T02:45:42.830" v="5420" actId="478"/>
+          <ac:picMkLst>
+            <pc:docMk/>
+            <pc:sldMk cId="3402574683" sldId="281"/>
+            <ac:picMk id="2056" creationId="{A4C46681-FD0C-4FD3-AA5F-08FC0D191600}"/>
+          </ac:picMkLst>
+        </pc:picChg>
+        <pc:cxnChg chg="del mod">
+          <ac:chgData name="JinSeop Im" userId="c40f7fbe82cfb90a" providerId="LiveId" clId="{5757E13D-CB4C-4463-B328-997DF417BC35}" dt="2019-03-16T02:45:42.830" v="5420" actId="478"/>
+          <ac:cxnSpMkLst>
+            <pc:docMk/>
+            <pc:sldMk cId="3402574683" sldId="281"/>
+            <ac:cxnSpMk id="6" creationId="{D336C13A-343E-4FA8-96FF-82FD4C44ED4C}"/>
+          </ac:cxnSpMkLst>
+        </pc:cxnChg>
+        <pc:cxnChg chg="del mod">
+          <ac:chgData name="JinSeop Im" userId="c40f7fbe82cfb90a" providerId="LiveId" clId="{5757E13D-CB4C-4463-B328-997DF417BC35}" dt="2019-03-16T02:45:42.830" v="5420" actId="478"/>
+          <ac:cxnSpMkLst>
+            <pc:docMk/>
+            <pc:sldMk cId="3402574683" sldId="281"/>
+            <ac:cxnSpMk id="19" creationId="{77A0A840-AF61-45FB-AE7D-E454E6CAAAFC}"/>
+          </ac:cxnSpMkLst>
+        </pc:cxnChg>
+        <pc:cxnChg chg="del mod">
+          <ac:chgData name="JinSeop Im" userId="c40f7fbe82cfb90a" providerId="LiveId" clId="{5757E13D-CB4C-4463-B328-997DF417BC35}" dt="2019-03-16T02:45:42.830" v="5420" actId="478"/>
+          <ac:cxnSpMkLst>
+            <pc:docMk/>
+            <pc:sldMk cId="3402574683" sldId="281"/>
+            <ac:cxnSpMk id="22" creationId="{2EA42FCC-79CF-4094-9729-4B712097B41D}"/>
+          </ac:cxnSpMkLst>
+        </pc:cxnChg>
+      </pc:sldChg>
+      <pc:sldChg chg="add">
+        <pc:chgData name="JinSeop Im" userId="c40f7fbe82cfb90a" providerId="LiveId" clId="{5757E13D-CB4C-4463-B328-997DF417BC35}" dt="2019-03-16T02:47:43.187" v="5426"/>
+        <pc:sldMkLst>
+          <pc:docMk/>
+          <pc:sldMk cId="2326311147" sldId="282"/>
+        </pc:sldMkLst>
+      </pc:sldChg>
+      <pc:sldChg chg="addSp delSp modSp add">
+        <pc:chgData name="JinSeop Im" userId="c40f7fbe82cfb90a" providerId="LiveId" clId="{5757E13D-CB4C-4463-B328-997DF417BC35}" dt="2019-03-16T06:11:15.677" v="5842" actId="20577"/>
+        <pc:sldMkLst>
+          <pc:docMk/>
+          <pc:sldMk cId="2535839192" sldId="283"/>
+        </pc:sldMkLst>
+        <pc:spChg chg="add del">
+          <ac:chgData name="JinSeop Im" userId="c40f7fbe82cfb90a" providerId="LiveId" clId="{5757E13D-CB4C-4463-B328-997DF417BC35}" dt="2019-03-16T02:55:54.302" v="5545" actId="478"/>
+          <ac:spMkLst>
+            <pc:docMk/>
+            <pc:sldMk cId="2535839192" sldId="283"/>
+            <ac:spMk id="3" creationId="{03A8905D-0B46-44CB-B764-DE39E559FC09}"/>
+          </ac:spMkLst>
+        </pc:spChg>
+        <pc:spChg chg="mod">
+          <ac:chgData name="JinSeop Im" userId="c40f7fbe82cfb90a" providerId="LiveId" clId="{5757E13D-CB4C-4463-B328-997DF417BC35}" dt="2019-03-16T02:54:22.861" v="5542" actId="20577"/>
+          <ac:spMkLst>
+            <pc:docMk/>
+            <pc:sldMk cId="2535839192" sldId="283"/>
+            <ac:spMk id="18" creationId="{446ABC95-5C1D-4F29-B39B-389795BB8D6E}"/>
+          </ac:spMkLst>
+        </pc:spChg>
+        <pc:graphicFrameChg chg="add mod modGraphic">
+          <ac:chgData name="JinSeop Im" userId="c40f7fbe82cfb90a" providerId="LiveId" clId="{5757E13D-CB4C-4463-B328-997DF417BC35}" dt="2019-03-16T06:11:15.677" v="5842" actId="20577"/>
+          <ac:graphicFrameMkLst>
+            <pc:docMk/>
+            <pc:sldMk cId="2535839192" sldId="283"/>
+            <ac:graphicFrameMk id="2" creationId="{3E64E90B-0EAF-4E39-9EB5-CDFB9F0DFBAD}"/>
+          </ac:graphicFrameMkLst>
+        </pc:graphicFrameChg>
+        <pc:picChg chg="del">
+          <ac:chgData name="JinSeop Im" userId="c40f7fbe82cfb90a" providerId="LiveId" clId="{5757E13D-CB4C-4463-B328-997DF417BC35}" dt="2019-03-16T02:54:26.568" v="5543" actId="478"/>
+          <ac:picMkLst>
+            <pc:docMk/>
+            <pc:sldMk cId="2535839192" sldId="283"/>
+            <ac:picMk id="2050" creationId="{C9FFB3F8-B49D-4202-8C9C-43A60B5B36B3}"/>
+          </ac:picMkLst>
+        </pc:picChg>
+      </pc:sldChg>
+    </pc:docChg>
+  </pc:docChgLst>
+  <pc:docChgLst>
     <pc:chgData name="Im JinSeop" userId="c40f7fbe82cfb90a" providerId="LiveId" clId="{ACE5579A-9233-4C9F-9B6C-C54F84410B37}"/>
     <pc:docChg chg="undo custSel modSld">
       <pc:chgData name="Im JinSeop" userId="c40f7fbe82cfb90a" providerId="LiveId" clId="{ACE5579A-9233-4C9F-9B6C-C54F84410B37}" dt="2020-04-12T03:48:09.871" v="595"/>
@@ -978,1721 +3912,6 @@
     </pc:docChg>
   </pc:docChgLst>
   <pc:docChgLst>
-    <pc:chgData name="JinSeop Im" userId="c40f7fbe82cfb90a" providerId="LiveId" clId="{5757E13D-CB4C-4463-B328-997DF417BC35}"/>
-    <pc:docChg chg="undo redo custSel addSld delSld modSld sldOrd">
-      <pc:chgData name="JinSeop Im" userId="c40f7fbe82cfb90a" providerId="LiveId" clId="{5757E13D-CB4C-4463-B328-997DF417BC35}" dt="2019-03-16T06:11:15.677" v="5842" actId="20577"/>
-      <pc:docMkLst>
-        <pc:docMk/>
-      </pc:docMkLst>
-      <pc:sldChg chg="modSp">
-        <pc:chgData name="JinSeop Im" userId="c40f7fbe82cfb90a" providerId="LiveId" clId="{5757E13D-CB4C-4463-B328-997DF417BC35}" dt="2019-03-15T21:30:47.943" v="82"/>
-        <pc:sldMkLst>
-          <pc:docMk/>
-          <pc:sldMk cId="228288368" sldId="257"/>
-        </pc:sldMkLst>
-        <pc:spChg chg="mod">
-          <ac:chgData name="JinSeop Im" userId="c40f7fbe82cfb90a" providerId="LiveId" clId="{5757E13D-CB4C-4463-B328-997DF417BC35}" dt="2019-03-15T21:30:38.628" v="72" actId="1076"/>
-          <ac:spMkLst>
-            <pc:docMk/>
-            <pc:sldMk cId="228288368" sldId="257"/>
-            <ac:spMk id="2" creationId="{00000000-0000-0000-0000-000000000000}"/>
-          </ac:spMkLst>
-        </pc:spChg>
-        <pc:spChg chg="mod">
-          <ac:chgData name="JinSeop Im" userId="c40f7fbe82cfb90a" providerId="LiveId" clId="{5757E13D-CB4C-4463-B328-997DF417BC35}" dt="2019-03-15T21:30:47.943" v="82"/>
-          <ac:spMkLst>
-            <pc:docMk/>
-            <pc:sldMk cId="228288368" sldId="257"/>
-            <ac:spMk id="3" creationId="{00000000-0000-0000-0000-000000000000}"/>
-          </ac:spMkLst>
-        </pc:spChg>
-      </pc:sldChg>
-      <pc:sldChg chg="addSp delSp modSp">
-        <pc:chgData name="JinSeop Im" userId="c40f7fbe82cfb90a" providerId="LiveId" clId="{5757E13D-CB4C-4463-B328-997DF417BC35}" dt="2019-03-15T22:10:56.250" v="1662" actId="20577"/>
-        <pc:sldMkLst>
-          <pc:docMk/>
-          <pc:sldMk cId="1489070648" sldId="258"/>
-        </pc:sldMkLst>
-        <pc:spChg chg="mod">
-          <ac:chgData name="JinSeop Im" userId="c40f7fbe82cfb90a" providerId="LiveId" clId="{5757E13D-CB4C-4463-B328-997DF417BC35}" dt="2019-03-15T22:08:26.799" v="1618" actId="120"/>
-          <ac:spMkLst>
-            <pc:docMk/>
-            <pc:sldMk cId="1489070648" sldId="258"/>
-            <ac:spMk id="5" creationId="{00000000-0000-0000-0000-000000000000}"/>
-          </ac:spMkLst>
-        </pc:spChg>
-        <pc:spChg chg="mod">
-          <ac:chgData name="JinSeop Im" userId="c40f7fbe82cfb90a" providerId="LiveId" clId="{5757E13D-CB4C-4463-B328-997DF417BC35}" dt="2019-03-15T22:01:33.322" v="1336" actId="1035"/>
-          <ac:spMkLst>
-            <pc:docMk/>
-            <pc:sldMk cId="1489070648" sldId="258"/>
-            <ac:spMk id="11" creationId="{00000000-0000-0000-0000-000000000000}"/>
-          </ac:spMkLst>
-        </pc:spChg>
-        <pc:spChg chg="del mod">
-          <ac:chgData name="JinSeop Im" userId="c40f7fbe82cfb90a" providerId="LiveId" clId="{5757E13D-CB4C-4463-B328-997DF417BC35}" dt="2019-03-15T22:00:25.262" v="1298" actId="478"/>
-          <ac:spMkLst>
-            <pc:docMk/>
-            <pc:sldMk cId="1489070648" sldId="258"/>
-            <ac:spMk id="13" creationId="{00000000-0000-0000-0000-000000000000}"/>
-          </ac:spMkLst>
-        </pc:spChg>
-        <pc:spChg chg="add del mod">
-          <ac:chgData name="JinSeop Im" userId="c40f7fbe82cfb90a" providerId="LiveId" clId="{5757E13D-CB4C-4463-B328-997DF417BC35}" dt="2019-03-15T21:44:38.775" v="265" actId="478"/>
-          <ac:spMkLst>
-            <pc:docMk/>
-            <pc:sldMk cId="1489070648" sldId="258"/>
-            <ac:spMk id="14" creationId="{1FF87993-EB76-471D-91B9-F0FB416539A2}"/>
-          </ac:spMkLst>
-        </pc:spChg>
-        <pc:spChg chg="add del mod">
-          <ac:chgData name="JinSeop Im" userId="c40f7fbe82cfb90a" providerId="LiveId" clId="{5757E13D-CB4C-4463-B328-997DF417BC35}" dt="2019-03-15T21:45:25.238" v="307" actId="478"/>
-          <ac:spMkLst>
-            <pc:docMk/>
-            <pc:sldMk cId="1489070648" sldId="258"/>
-            <ac:spMk id="15" creationId="{3DE3F092-F4C8-41F2-AC92-3492C2191FD8}"/>
-          </ac:spMkLst>
-        </pc:spChg>
-        <pc:spChg chg="add del">
-          <ac:chgData name="JinSeop Im" userId="c40f7fbe82cfb90a" providerId="LiveId" clId="{5757E13D-CB4C-4463-B328-997DF417BC35}" dt="2019-03-15T21:45:35.469" v="314"/>
-          <ac:spMkLst>
-            <pc:docMk/>
-            <pc:sldMk cId="1489070648" sldId="258"/>
-            <ac:spMk id="16" creationId="{F551A096-B34F-44AA-ABBB-26D79902298B}"/>
-          </ac:spMkLst>
-        </pc:spChg>
-        <pc:spChg chg="add mod">
-          <ac:chgData name="JinSeop Im" userId="c40f7fbe82cfb90a" providerId="LiveId" clId="{5757E13D-CB4C-4463-B328-997DF417BC35}" dt="2019-03-15T22:10:56.250" v="1662" actId="20577"/>
-          <ac:spMkLst>
-            <pc:docMk/>
-            <pc:sldMk cId="1489070648" sldId="258"/>
-            <ac:spMk id="17" creationId="{81B83214-2114-4CE5-91E9-3A73408C9FFD}"/>
-          </ac:spMkLst>
-        </pc:spChg>
-        <pc:spChg chg="add mod">
-          <ac:chgData name="JinSeop Im" userId="c40f7fbe82cfb90a" providerId="LiveId" clId="{5757E13D-CB4C-4463-B328-997DF417BC35}" dt="2019-03-15T22:06:27.279" v="1551"/>
-          <ac:spMkLst>
-            <pc:docMk/>
-            <pc:sldMk cId="1489070648" sldId="258"/>
-            <ac:spMk id="18" creationId="{446ABC95-5C1D-4F29-B39B-389795BB8D6E}"/>
-          </ac:spMkLst>
-        </pc:spChg>
-        <pc:cxnChg chg="del">
-          <ac:chgData name="JinSeop Im" userId="c40f7fbe82cfb90a" providerId="LiveId" clId="{5757E13D-CB4C-4463-B328-997DF417BC35}" dt="2019-03-15T22:07:09.434" v="1572" actId="478"/>
-          <ac:cxnSpMkLst>
-            <pc:docMk/>
-            <pc:sldMk cId="1489070648" sldId="258"/>
-            <ac:cxnSpMk id="7" creationId="{00000000-0000-0000-0000-000000000000}"/>
-          </ac:cxnSpMkLst>
-        </pc:cxnChg>
-        <pc:cxnChg chg="del">
-          <ac:chgData name="JinSeop Im" userId="c40f7fbe82cfb90a" providerId="LiveId" clId="{5757E13D-CB4C-4463-B328-997DF417BC35}" dt="2019-03-15T22:07:09.434" v="1572" actId="478"/>
-          <ac:cxnSpMkLst>
-            <pc:docMk/>
-            <pc:sldMk cId="1489070648" sldId="258"/>
-            <ac:cxnSpMk id="8" creationId="{00000000-0000-0000-0000-000000000000}"/>
-          </ac:cxnSpMkLst>
-        </pc:cxnChg>
-        <pc:cxnChg chg="del">
-          <ac:chgData name="JinSeop Im" userId="c40f7fbe82cfb90a" providerId="LiveId" clId="{5757E13D-CB4C-4463-B328-997DF417BC35}" dt="2019-03-15T22:07:09.434" v="1572" actId="478"/>
-          <ac:cxnSpMkLst>
-            <pc:docMk/>
-            <pc:sldMk cId="1489070648" sldId="258"/>
-            <ac:cxnSpMk id="9" creationId="{00000000-0000-0000-0000-000000000000}"/>
-          </ac:cxnSpMkLst>
-        </pc:cxnChg>
-        <pc:cxnChg chg="del">
-          <ac:chgData name="JinSeop Im" userId="c40f7fbe82cfb90a" providerId="LiveId" clId="{5757E13D-CB4C-4463-B328-997DF417BC35}" dt="2019-03-15T22:07:09.434" v="1572" actId="478"/>
-          <ac:cxnSpMkLst>
-            <pc:docMk/>
-            <pc:sldMk cId="1489070648" sldId="258"/>
-            <ac:cxnSpMk id="10" creationId="{00000000-0000-0000-0000-000000000000}"/>
-          </ac:cxnSpMkLst>
-        </pc:cxnChg>
-      </pc:sldChg>
-      <pc:sldChg chg="modSp">
-        <pc:chgData name="JinSeop Im" userId="c40f7fbe82cfb90a" providerId="LiveId" clId="{5757E13D-CB4C-4463-B328-997DF417BC35}" dt="2019-03-15T21:34:47.314" v="164"/>
-        <pc:sldMkLst>
-          <pc:docMk/>
-          <pc:sldMk cId="1723337297" sldId="260"/>
-        </pc:sldMkLst>
-        <pc:spChg chg="mod">
-          <ac:chgData name="JinSeop Im" userId="c40f7fbe82cfb90a" providerId="LiveId" clId="{5757E13D-CB4C-4463-B328-997DF417BC35}" dt="2019-03-15T21:31:09.497" v="94"/>
-          <ac:spMkLst>
-            <pc:docMk/>
-            <pc:sldMk cId="1723337297" sldId="260"/>
-            <ac:spMk id="5" creationId="{00000000-0000-0000-0000-000000000000}"/>
-          </ac:spMkLst>
-        </pc:spChg>
-        <pc:spChg chg="mod">
-          <ac:chgData name="JinSeop Im" userId="c40f7fbe82cfb90a" providerId="LiveId" clId="{5757E13D-CB4C-4463-B328-997DF417BC35}" dt="2019-03-15T21:34:30.232" v="113"/>
-          <ac:spMkLst>
-            <pc:docMk/>
-            <pc:sldMk cId="1723337297" sldId="260"/>
-            <ac:spMk id="7" creationId="{00000000-0000-0000-0000-000000000000}"/>
-          </ac:spMkLst>
-        </pc:spChg>
-        <pc:spChg chg="mod">
-          <ac:chgData name="JinSeop Im" userId="c40f7fbe82cfb90a" providerId="LiveId" clId="{5757E13D-CB4C-4463-B328-997DF417BC35}" dt="2019-03-15T21:34:38.795" v="141"/>
-          <ac:spMkLst>
-            <pc:docMk/>
-            <pc:sldMk cId="1723337297" sldId="260"/>
-            <ac:spMk id="9" creationId="{00000000-0000-0000-0000-000000000000}"/>
-          </ac:spMkLst>
-        </pc:spChg>
-        <pc:spChg chg="mod">
-          <ac:chgData name="JinSeop Im" userId="c40f7fbe82cfb90a" providerId="LiveId" clId="{5757E13D-CB4C-4463-B328-997DF417BC35}" dt="2019-03-15T21:34:47.314" v="164"/>
-          <ac:spMkLst>
-            <pc:docMk/>
-            <pc:sldMk cId="1723337297" sldId="260"/>
-            <ac:spMk id="11" creationId="{00000000-0000-0000-0000-000000000000}"/>
-          </ac:spMkLst>
-        </pc:spChg>
-      </pc:sldChg>
-      <pc:sldChg chg="modSp">
-        <pc:chgData name="JinSeop Im" userId="c40f7fbe82cfb90a" providerId="LiveId" clId="{5757E13D-CB4C-4463-B328-997DF417BC35}" dt="2019-03-15T22:06:14.990" v="1537"/>
-        <pc:sldMkLst>
-          <pc:docMk/>
-          <pc:sldMk cId="3514545922" sldId="261"/>
-        </pc:sldMkLst>
-        <pc:spChg chg="mod">
-          <ac:chgData name="JinSeop Im" userId="c40f7fbe82cfb90a" providerId="LiveId" clId="{5757E13D-CB4C-4463-B328-997DF417BC35}" dt="2019-03-15T21:59:04.438" v="1209" actId="20577"/>
-          <ac:spMkLst>
-            <pc:docMk/>
-            <pc:sldMk cId="3514545922" sldId="261"/>
-            <ac:spMk id="2" creationId="{00000000-0000-0000-0000-000000000000}"/>
-          </ac:spMkLst>
-        </pc:spChg>
-        <pc:spChg chg="mod">
-          <ac:chgData name="JinSeop Im" userId="c40f7fbe82cfb90a" providerId="LiveId" clId="{5757E13D-CB4C-4463-B328-997DF417BC35}" dt="2019-03-15T22:06:14.990" v="1537"/>
-          <ac:spMkLst>
-            <pc:docMk/>
-            <pc:sldMk cId="3514545922" sldId="261"/>
-            <ac:spMk id="3" creationId="{00000000-0000-0000-0000-000000000000}"/>
-          </ac:spMkLst>
-        </pc:spChg>
-      </pc:sldChg>
-      <pc:sldChg chg="delSp modSp">
-        <pc:chgData name="JinSeop Im" userId="c40f7fbe82cfb90a" providerId="LiveId" clId="{5757E13D-CB4C-4463-B328-997DF417BC35}" dt="2019-03-16T01:45:27.403" v="5066" actId="20577"/>
-        <pc:sldMkLst>
-          <pc:docMk/>
-          <pc:sldMk cId="2240987367" sldId="262"/>
-        </pc:sldMkLst>
-        <pc:spChg chg="mod">
-          <ac:chgData name="JinSeop Im" userId="c40f7fbe82cfb90a" providerId="LiveId" clId="{5757E13D-CB4C-4463-B328-997DF417BC35}" dt="2019-03-15T21:36:01.203" v="191" actId="20577"/>
-          <ac:spMkLst>
-            <pc:docMk/>
-            <pc:sldMk cId="2240987367" sldId="262"/>
-            <ac:spMk id="3" creationId="{00000000-0000-0000-0000-000000000000}"/>
-          </ac:spMkLst>
-        </pc:spChg>
-        <pc:spChg chg="mod">
-          <ac:chgData name="JinSeop Im" userId="c40f7fbe82cfb90a" providerId="LiveId" clId="{5757E13D-CB4C-4463-B328-997DF417BC35}" dt="2019-03-15T21:35:00.507" v="165"/>
-          <ac:spMkLst>
-            <pc:docMk/>
-            <pc:sldMk cId="2240987367" sldId="262"/>
-            <ac:spMk id="5" creationId="{00000000-0000-0000-0000-000000000000}"/>
-          </ac:spMkLst>
-        </pc:spChg>
-        <pc:spChg chg="mod">
-          <ac:chgData name="JinSeop Im" userId="c40f7fbe82cfb90a" providerId="LiveId" clId="{5757E13D-CB4C-4463-B328-997DF417BC35}" dt="2019-03-15T21:35:05.245" v="166"/>
-          <ac:spMkLst>
-            <pc:docMk/>
-            <pc:sldMk cId="2240987367" sldId="262"/>
-            <ac:spMk id="7" creationId="{00000000-0000-0000-0000-000000000000}"/>
-          </ac:spMkLst>
-        </pc:spChg>
-        <pc:spChg chg="mod">
-          <ac:chgData name="JinSeop Im" userId="c40f7fbe82cfb90a" providerId="LiveId" clId="{5757E13D-CB4C-4463-B328-997DF417BC35}" dt="2019-03-15T21:35:21.207" v="170" actId="20577"/>
-          <ac:spMkLst>
-            <pc:docMk/>
-            <pc:sldMk cId="2240987367" sldId="262"/>
-            <ac:spMk id="9" creationId="{00000000-0000-0000-0000-000000000000}"/>
-          </ac:spMkLst>
-        </pc:spChg>
-        <pc:spChg chg="mod">
-          <ac:chgData name="JinSeop Im" userId="c40f7fbe82cfb90a" providerId="LiveId" clId="{5757E13D-CB4C-4463-B328-997DF417BC35}" dt="2019-03-15T21:35:27.462" v="171"/>
-          <ac:spMkLst>
-            <pc:docMk/>
-            <pc:sldMk cId="2240987367" sldId="262"/>
-            <ac:spMk id="11" creationId="{00000000-0000-0000-0000-000000000000}"/>
-          </ac:spMkLst>
-        </pc:spChg>
-        <pc:spChg chg="mod">
-          <ac:chgData name="JinSeop Im" userId="c40f7fbe82cfb90a" providerId="LiveId" clId="{5757E13D-CB4C-4463-B328-997DF417BC35}" dt="2019-03-15T21:36:24.281" v="195" actId="120"/>
-          <ac:spMkLst>
-            <pc:docMk/>
-            <pc:sldMk cId="2240987367" sldId="262"/>
-            <ac:spMk id="14" creationId="{00000000-0000-0000-0000-000000000000}"/>
-          </ac:spMkLst>
-        </pc:spChg>
-        <pc:spChg chg="mod">
-          <ac:chgData name="JinSeop Im" userId="c40f7fbe82cfb90a" providerId="LiveId" clId="{5757E13D-CB4C-4463-B328-997DF417BC35}" dt="2019-03-16T01:45:27.403" v="5066" actId="20577"/>
-          <ac:spMkLst>
-            <pc:docMk/>
-            <pc:sldMk cId="2240987367" sldId="262"/>
-            <ac:spMk id="15" creationId="{00000000-0000-0000-0000-000000000000}"/>
-          </ac:spMkLst>
-        </pc:spChg>
-        <pc:spChg chg="mod">
-          <ac:chgData name="JinSeop Im" userId="c40f7fbe82cfb90a" providerId="LiveId" clId="{5757E13D-CB4C-4463-B328-997DF417BC35}" dt="2019-03-15T21:37:33.928" v="217" actId="120"/>
-          <ac:spMkLst>
-            <pc:docMk/>
-            <pc:sldMk cId="2240987367" sldId="262"/>
-            <ac:spMk id="16" creationId="{00000000-0000-0000-0000-000000000000}"/>
-          </ac:spMkLst>
-        </pc:spChg>
-        <pc:spChg chg="del">
-          <ac:chgData name="JinSeop Im" userId="c40f7fbe82cfb90a" providerId="LiveId" clId="{5757E13D-CB4C-4463-B328-997DF417BC35}" dt="2019-03-15T21:36:15.444" v="192" actId="478"/>
-          <ac:spMkLst>
-            <pc:docMk/>
-            <pc:sldMk cId="2240987367" sldId="262"/>
-            <ac:spMk id="17" creationId="{00000000-0000-0000-0000-000000000000}"/>
-          </ac:spMkLst>
-        </pc:spChg>
-        <pc:spChg chg="del">
-          <ac:chgData name="JinSeop Im" userId="c40f7fbe82cfb90a" providerId="LiveId" clId="{5757E13D-CB4C-4463-B328-997DF417BC35}" dt="2019-03-15T21:36:15.444" v="192" actId="478"/>
-          <ac:spMkLst>
-            <pc:docMk/>
-            <pc:sldMk cId="2240987367" sldId="262"/>
-            <ac:spMk id="18" creationId="{00000000-0000-0000-0000-000000000000}"/>
-          </ac:spMkLst>
-        </pc:spChg>
-        <pc:spChg chg="del">
-          <ac:chgData name="JinSeop Im" userId="c40f7fbe82cfb90a" providerId="LiveId" clId="{5757E13D-CB4C-4463-B328-997DF417BC35}" dt="2019-03-15T21:36:18.798" v="193" actId="478"/>
-          <ac:spMkLst>
-            <pc:docMk/>
-            <pc:sldMk cId="2240987367" sldId="262"/>
-            <ac:spMk id="19" creationId="{00000000-0000-0000-0000-000000000000}"/>
-          </ac:spMkLst>
-        </pc:spChg>
-        <pc:spChg chg="del">
-          <ac:chgData name="JinSeop Im" userId="c40f7fbe82cfb90a" providerId="LiveId" clId="{5757E13D-CB4C-4463-B328-997DF417BC35}" dt="2019-03-15T21:36:18.798" v="193" actId="478"/>
-          <ac:spMkLst>
-            <pc:docMk/>
-            <pc:sldMk cId="2240987367" sldId="262"/>
-            <ac:spMk id="20" creationId="{00000000-0000-0000-0000-000000000000}"/>
-          </ac:spMkLst>
-        </pc:spChg>
-        <pc:spChg chg="del">
-          <ac:chgData name="JinSeop Im" userId="c40f7fbe82cfb90a" providerId="LiveId" clId="{5757E13D-CB4C-4463-B328-997DF417BC35}" dt="2019-03-15T21:36:18.798" v="193" actId="478"/>
-          <ac:spMkLst>
-            <pc:docMk/>
-            <pc:sldMk cId="2240987367" sldId="262"/>
-            <ac:spMk id="21" creationId="{00000000-0000-0000-0000-000000000000}"/>
-          </ac:spMkLst>
-        </pc:spChg>
-      </pc:sldChg>
-      <pc:sldChg chg="modSp ord">
-        <pc:chgData name="JinSeop Im" userId="c40f7fbe82cfb90a" providerId="LiveId" clId="{5757E13D-CB4C-4463-B328-997DF417BC35}" dt="2019-03-15T23:23:19.296" v="3027"/>
-        <pc:sldMkLst>
-          <pc:docMk/>
-          <pc:sldMk cId="2963228856" sldId="263"/>
-        </pc:sldMkLst>
-        <pc:spChg chg="mod">
-          <ac:chgData name="JinSeop Im" userId="c40f7fbe82cfb90a" providerId="LiveId" clId="{5757E13D-CB4C-4463-B328-997DF417BC35}" dt="2019-03-15T23:23:10.032" v="2999" actId="20577"/>
-          <ac:spMkLst>
-            <pc:docMk/>
-            <pc:sldMk cId="2963228856" sldId="263"/>
-            <ac:spMk id="2" creationId="{00000000-0000-0000-0000-000000000000}"/>
-          </ac:spMkLst>
-        </pc:spChg>
-        <pc:spChg chg="mod">
-          <ac:chgData name="JinSeop Im" userId="c40f7fbe82cfb90a" providerId="LiveId" clId="{5757E13D-CB4C-4463-B328-997DF417BC35}" dt="2019-03-15T23:23:19.296" v="3027"/>
-          <ac:spMkLst>
-            <pc:docMk/>
-            <pc:sldMk cId="2963228856" sldId="263"/>
-            <ac:spMk id="3" creationId="{00000000-0000-0000-0000-000000000000}"/>
-          </ac:spMkLst>
-        </pc:spChg>
-      </pc:sldChg>
-      <pc:sldChg chg="addSp delSp modSp ord">
-        <pc:chgData name="JinSeop Im" userId="c40f7fbe82cfb90a" providerId="LiveId" clId="{5757E13D-CB4C-4463-B328-997DF417BC35}" dt="2019-03-15T22:08:37.747" v="1621" actId="120"/>
-        <pc:sldMkLst>
-          <pc:docMk/>
-          <pc:sldMk cId="2825203591" sldId="264"/>
-        </pc:sldMkLst>
-        <pc:spChg chg="del">
-          <ac:chgData name="JinSeop Im" userId="c40f7fbe82cfb90a" providerId="LiveId" clId="{5757E13D-CB4C-4463-B328-997DF417BC35}" dt="2019-03-15T22:02:28.601" v="1337" actId="478"/>
-          <ac:spMkLst>
-            <pc:docMk/>
-            <pc:sldMk cId="2825203591" sldId="264"/>
-            <ac:spMk id="11" creationId="{00000000-0000-0000-0000-000000000000}"/>
-          </ac:spMkLst>
-        </pc:spChg>
-        <pc:spChg chg="add mod">
-          <ac:chgData name="JinSeop Im" userId="c40f7fbe82cfb90a" providerId="LiveId" clId="{5757E13D-CB4C-4463-B328-997DF417BC35}" dt="2019-03-15T22:03:05.039" v="1404" actId="20577"/>
-          <ac:spMkLst>
-            <pc:docMk/>
-            <pc:sldMk cId="2825203591" sldId="264"/>
-            <ac:spMk id="12" creationId="{CD428C1B-618F-4493-A909-2C3442765402}"/>
-          </ac:spMkLst>
-        </pc:spChg>
-        <pc:spChg chg="mod">
-          <ac:chgData name="JinSeop Im" userId="c40f7fbe82cfb90a" providerId="LiveId" clId="{5757E13D-CB4C-4463-B328-997DF417BC35}" dt="2019-03-15T22:08:37.747" v="1621" actId="120"/>
-          <ac:spMkLst>
-            <pc:docMk/>
-            <pc:sldMk cId="2825203591" sldId="264"/>
-            <ac:spMk id="19" creationId="{00000000-0000-0000-0000-000000000000}"/>
-          </ac:spMkLst>
-        </pc:spChg>
-        <pc:spChg chg="mod">
-          <ac:chgData name="JinSeop Im" userId="c40f7fbe82cfb90a" providerId="LiveId" clId="{5757E13D-CB4C-4463-B328-997DF417BC35}" dt="2019-03-15T22:06:51.118" v="1553" actId="20577"/>
-          <ac:spMkLst>
-            <pc:docMk/>
-            <pc:sldMk cId="2825203591" sldId="264"/>
-            <ac:spMk id="20" creationId="{00000000-0000-0000-0000-000000000000}"/>
-          </ac:spMkLst>
-        </pc:spChg>
-        <pc:spChg chg="mod">
-          <ac:chgData name="JinSeop Im" userId="c40f7fbe82cfb90a" providerId="LiveId" clId="{5757E13D-CB4C-4463-B328-997DF417BC35}" dt="2019-03-15T22:07:00.329" v="1571"/>
-          <ac:spMkLst>
-            <pc:docMk/>
-            <pc:sldMk cId="2825203591" sldId="264"/>
-            <ac:spMk id="21" creationId="{00000000-0000-0000-0000-000000000000}"/>
-          </ac:spMkLst>
-        </pc:spChg>
-        <pc:cxnChg chg="del">
-          <ac:chgData name="JinSeop Im" userId="c40f7fbe82cfb90a" providerId="LiveId" clId="{5757E13D-CB4C-4463-B328-997DF417BC35}" dt="2019-03-15T22:07:13.408" v="1573" actId="478"/>
-          <ac:cxnSpMkLst>
-            <pc:docMk/>
-            <pc:sldMk cId="2825203591" sldId="264"/>
-            <ac:cxnSpMk id="14" creationId="{00000000-0000-0000-0000-000000000000}"/>
-          </ac:cxnSpMkLst>
-        </pc:cxnChg>
-        <pc:cxnChg chg="del">
-          <ac:chgData name="JinSeop Im" userId="c40f7fbe82cfb90a" providerId="LiveId" clId="{5757E13D-CB4C-4463-B328-997DF417BC35}" dt="2019-03-15T22:07:13.408" v="1573" actId="478"/>
-          <ac:cxnSpMkLst>
-            <pc:docMk/>
-            <pc:sldMk cId="2825203591" sldId="264"/>
-            <ac:cxnSpMk id="15" creationId="{00000000-0000-0000-0000-000000000000}"/>
-          </ac:cxnSpMkLst>
-        </pc:cxnChg>
-        <pc:cxnChg chg="del">
-          <ac:chgData name="JinSeop Im" userId="c40f7fbe82cfb90a" providerId="LiveId" clId="{5757E13D-CB4C-4463-B328-997DF417BC35}" dt="2019-03-15T22:07:13.408" v="1573" actId="478"/>
-          <ac:cxnSpMkLst>
-            <pc:docMk/>
-            <pc:sldMk cId="2825203591" sldId="264"/>
-            <ac:cxnSpMk id="16" creationId="{00000000-0000-0000-0000-000000000000}"/>
-          </ac:cxnSpMkLst>
-        </pc:cxnChg>
-        <pc:cxnChg chg="del">
-          <ac:chgData name="JinSeop Im" userId="c40f7fbe82cfb90a" providerId="LiveId" clId="{5757E13D-CB4C-4463-B328-997DF417BC35}" dt="2019-03-15T22:07:13.408" v="1573" actId="478"/>
-          <ac:cxnSpMkLst>
-            <pc:docMk/>
-            <pc:sldMk cId="2825203591" sldId="264"/>
-            <ac:cxnSpMk id="17" creationId="{00000000-0000-0000-0000-000000000000}"/>
-          </ac:cxnSpMkLst>
-        </pc:cxnChg>
-      </pc:sldChg>
-      <pc:sldChg chg="modSp">
-        <pc:chgData name="JinSeop Im" userId="c40f7fbe82cfb90a" providerId="LiveId" clId="{5757E13D-CB4C-4463-B328-997DF417BC35}" dt="2019-03-16T02:44:09.962" v="5394"/>
-        <pc:sldMkLst>
-          <pc:docMk/>
-          <pc:sldMk cId="244040977" sldId="265"/>
-        </pc:sldMkLst>
-        <pc:spChg chg="mod">
-          <ac:chgData name="JinSeop Im" userId="c40f7fbe82cfb90a" providerId="LiveId" clId="{5757E13D-CB4C-4463-B328-997DF417BC35}" dt="2019-03-16T02:43:59.738" v="5381" actId="20577"/>
-          <ac:spMkLst>
-            <pc:docMk/>
-            <pc:sldMk cId="244040977" sldId="265"/>
-            <ac:spMk id="2" creationId="{00000000-0000-0000-0000-000000000000}"/>
-          </ac:spMkLst>
-        </pc:spChg>
-        <pc:spChg chg="mod">
-          <ac:chgData name="JinSeop Im" userId="c40f7fbe82cfb90a" providerId="LiveId" clId="{5757E13D-CB4C-4463-B328-997DF417BC35}" dt="2019-03-16T02:44:09.962" v="5394"/>
-          <ac:spMkLst>
-            <pc:docMk/>
-            <pc:sldMk cId="244040977" sldId="265"/>
-            <ac:spMk id="3" creationId="{00000000-0000-0000-0000-000000000000}"/>
-          </ac:spMkLst>
-        </pc:spChg>
-      </pc:sldChg>
-      <pc:sldChg chg="modSp">
-        <pc:chgData name="JinSeop Im" userId="c40f7fbe82cfb90a" providerId="LiveId" clId="{5757E13D-CB4C-4463-B328-997DF417BC35}" dt="2019-03-16T03:57:37.662" v="5668" actId="20577"/>
-        <pc:sldMkLst>
-          <pc:docMk/>
-          <pc:sldMk cId="4116967652" sldId="269"/>
-        </pc:sldMkLst>
-        <pc:spChg chg="mod">
-          <ac:chgData name="JinSeop Im" userId="c40f7fbe82cfb90a" providerId="LiveId" clId="{5757E13D-CB4C-4463-B328-997DF417BC35}" dt="2019-03-16T03:57:37.662" v="5668" actId="20577"/>
-          <ac:spMkLst>
-            <pc:docMk/>
-            <pc:sldMk cId="4116967652" sldId="269"/>
-            <ac:spMk id="3" creationId="{00000000-0000-0000-0000-000000000000}"/>
-          </ac:spMkLst>
-        </pc:spChg>
-      </pc:sldChg>
-      <pc:sldChg chg="modSp add">
-        <pc:chgData name="JinSeop Im" userId="c40f7fbe82cfb90a" providerId="LiveId" clId="{5757E13D-CB4C-4463-B328-997DF417BC35}" dt="2019-03-15T22:07:38.928" v="1594"/>
-        <pc:sldMkLst>
-          <pc:docMk/>
-          <pc:sldMk cId="3332200097" sldId="270"/>
-        </pc:sldMkLst>
-        <pc:spChg chg="mod">
-          <ac:chgData name="JinSeop Im" userId="c40f7fbe82cfb90a" providerId="LiveId" clId="{5757E13D-CB4C-4463-B328-997DF417BC35}" dt="2019-03-15T22:07:31.924" v="1575" actId="20577"/>
-          <ac:spMkLst>
-            <pc:docMk/>
-            <pc:sldMk cId="3332200097" sldId="270"/>
-            <ac:spMk id="2" creationId="{00000000-0000-0000-0000-000000000000}"/>
-          </ac:spMkLst>
-        </pc:spChg>
-        <pc:spChg chg="mod">
-          <ac:chgData name="JinSeop Im" userId="c40f7fbe82cfb90a" providerId="LiveId" clId="{5757E13D-CB4C-4463-B328-997DF417BC35}" dt="2019-03-15T22:07:38.928" v="1594"/>
-          <ac:spMkLst>
-            <pc:docMk/>
-            <pc:sldMk cId="3332200097" sldId="270"/>
-            <ac:spMk id="3" creationId="{00000000-0000-0000-0000-000000000000}"/>
-          </ac:spMkLst>
-        </pc:spChg>
-      </pc:sldChg>
-      <pc:sldChg chg="addSp delSp modSp add">
-        <pc:chgData name="JinSeop Im" userId="c40f7fbe82cfb90a" providerId="LiveId" clId="{5757E13D-CB4C-4463-B328-997DF417BC35}" dt="2019-03-15T23:03:37.470" v="2530" actId="20577"/>
-        <pc:sldMkLst>
-          <pc:docMk/>
-          <pc:sldMk cId="3448545761" sldId="271"/>
-        </pc:sldMkLst>
-        <pc:spChg chg="add mod">
-          <ac:chgData name="JinSeop Im" userId="c40f7fbe82cfb90a" providerId="LiveId" clId="{5757E13D-CB4C-4463-B328-997DF417BC35}" dt="2019-03-15T22:57:06.384" v="2190" actId="20577"/>
-          <ac:spMkLst>
-            <pc:docMk/>
-            <pc:sldMk cId="3448545761" sldId="271"/>
-            <ac:spMk id="2" creationId="{EFAE3789-D8CC-460E-B7A8-35EF3C738781}"/>
-          </ac:spMkLst>
-        </pc:spChg>
-        <pc:spChg chg="add mod">
-          <ac:chgData name="JinSeop Im" userId="c40f7fbe82cfb90a" providerId="LiveId" clId="{5757E13D-CB4C-4463-B328-997DF417BC35}" dt="2019-03-15T22:54:25.503" v="1964" actId="1036"/>
-          <ac:spMkLst>
-            <pc:docMk/>
-            <pc:sldMk cId="3448545761" sldId="271"/>
-            <ac:spMk id="3" creationId="{1C8399FD-8407-40F1-91D4-FF8336A03D47}"/>
-          </ac:spMkLst>
-        </pc:spChg>
-        <pc:spChg chg="mod">
-          <ac:chgData name="JinSeop Im" userId="c40f7fbe82cfb90a" providerId="LiveId" clId="{5757E13D-CB4C-4463-B328-997DF417BC35}" dt="2019-03-15T22:08:54.307" v="1624" actId="120"/>
-          <ac:spMkLst>
-            <pc:docMk/>
-            <pc:sldMk cId="3448545761" sldId="271"/>
-            <ac:spMk id="5" creationId="{00000000-0000-0000-0000-000000000000}"/>
-          </ac:spMkLst>
-        </pc:spChg>
-        <pc:spChg chg="add mod">
-          <ac:chgData name="JinSeop Im" userId="c40f7fbe82cfb90a" providerId="LiveId" clId="{5757E13D-CB4C-4463-B328-997DF417BC35}" dt="2019-03-15T22:56:53.788" v="2178" actId="20577"/>
-          <ac:spMkLst>
-            <pc:docMk/>
-            <pc:sldMk cId="3448545761" sldId="271"/>
-            <ac:spMk id="6" creationId="{842166FA-B1C1-4262-A02E-FD7A462D2C03}"/>
-          </ac:spMkLst>
-        </pc:spChg>
-        <pc:spChg chg="add del mod">
-          <ac:chgData name="JinSeop Im" userId="c40f7fbe82cfb90a" providerId="LiveId" clId="{5757E13D-CB4C-4463-B328-997DF417BC35}" dt="2019-03-15T22:42:03.896" v="1684" actId="478"/>
-          <ac:spMkLst>
-            <pc:docMk/>
-            <pc:sldMk cId="3448545761" sldId="271"/>
-            <ac:spMk id="9" creationId="{2F1EC542-AC0B-4509-A9E1-6F8DD2489330}"/>
-          </ac:spMkLst>
-        </pc:spChg>
-        <pc:spChg chg="add mod">
-          <ac:chgData name="JinSeop Im" userId="c40f7fbe82cfb90a" providerId="LiveId" clId="{5757E13D-CB4C-4463-B328-997DF417BC35}" dt="2019-03-15T22:56:57.501" v="2179" actId="20577"/>
-          <ac:spMkLst>
-            <pc:docMk/>
-            <pc:sldMk cId="3448545761" sldId="271"/>
-            <ac:spMk id="10" creationId="{D4436C8E-321C-4B04-AC86-35AC32B2FA6A}"/>
-          </ac:spMkLst>
-        </pc:spChg>
-        <pc:spChg chg="del">
-          <ac:chgData name="JinSeop Im" userId="c40f7fbe82cfb90a" providerId="LiveId" clId="{5757E13D-CB4C-4463-B328-997DF417BC35}" dt="2019-03-15T22:10:07.971" v="1637" actId="478"/>
-          <ac:spMkLst>
-            <pc:docMk/>
-            <pc:sldMk cId="3448545761" sldId="271"/>
-            <ac:spMk id="11" creationId="{00000000-0000-0000-0000-000000000000}"/>
-          </ac:spMkLst>
-        </pc:spChg>
-        <pc:spChg chg="mod">
-          <ac:chgData name="JinSeop Im" userId="c40f7fbe82cfb90a" providerId="LiveId" clId="{5757E13D-CB4C-4463-B328-997DF417BC35}" dt="2019-03-15T22:07:50.368" v="1596" actId="20577"/>
-          <ac:spMkLst>
-            <pc:docMk/>
-            <pc:sldMk cId="3448545761" sldId="271"/>
-            <ac:spMk id="12" creationId="{00000000-0000-0000-0000-000000000000}"/>
-          </ac:spMkLst>
-        </pc:spChg>
-        <pc:spChg chg="add mod">
-          <ac:chgData name="JinSeop Im" userId="c40f7fbe82cfb90a" providerId="LiveId" clId="{5757E13D-CB4C-4463-B328-997DF417BC35}" dt="2019-03-15T22:54:11.213" v="1945" actId="14100"/>
-          <ac:spMkLst>
-            <pc:docMk/>
-            <pc:sldMk cId="3448545761" sldId="271"/>
-            <ac:spMk id="13" creationId="{F3BBC177-97EA-4BBB-B73F-66DF73BEBC1B}"/>
-          </ac:spMkLst>
-        </pc:spChg>
-        <pc:spChg chg="add mod">
-          <ac:chgData name="JinSeop Im" userId="c40f7fbe82cfb90a" providerId="LiveId" clId="{5757E13D-CB4C-4463-B328-997DF417BC35}" dt="2019-03-15T22:54:25.503" v="1964" actId="1036"/>
-          <ac:spMkLst>
-            <pc:docMk/>
-            <pc:sldMk cId="3448545761" sldId="271"/>
-            <ac:spMk id="14" creationId="{CBB78831-065F-4FCC-BCFE-8E0E121DBEC1}"/>
-          </ac:spMkLst>
-        </pc:spChg>
-        <pc:spChg chg="del">
-          <ac:chgData name="JinSeop Im" userId="c40f7fbe82cfb90a" providerId="LiveId" clId="{5757E13D-CB4C-4463-B328-997DF417BC35}" dt="2019-03-15T22:09:45.999" v="1636" actId="478"/>
-          <ac:spMkLst>
-            <pc:docMk/>
-            <pc:sldMk cId="3448545761" sldId="271"/>
-            <ac:spMk id="17" creationId="{81B83214-2114-4CE5-91E9-3A73408C9FFD}"/>
-          </ac:spMkLst>
-        </pc:spChg>
-        <pc:spChg chg="mod">
-          <ac:chgData name="JinSeop Im" userId="c40f7fbe82cfb90a" providerId="LiveId" clId="{5757E13D-CB4C-4463-B328-997DF417BC35}" dt="2019-03-15T22:59:02.515" v="2270"/>
-          <ac:spMkLst>
-            <pc:docMk/>
-            <pc:sldMk cId="3448545761" sldId="271"/>
-            <ac:spMk id="18" creationId="{446ABC95-5C1D-4F29-B39B-389795BB8D6E}"/>
-          </ac:spMkLst>
-        </pc:spChg>
-        <pc:spChg chg="add del mod">
-          <ac:chgData name="JinSeop Im" userId="c40f7fbe82cfb90a" providerId="LiveId" clId="{5757E13D-CB4C-4463-B328-997DF417BC35}" dt="2019-03-15T22:52:20.619" v="1880" actId="478"/>
-          <ac:spMkLst>
-            <pc:docMk/>
-            <pc:sldMk cId="3448545761" sldId="271"/>
-            <ac:spMk id="35" creationId="{D2AC1ED3-1E7E-431F-85F5-6F4C8B50E727}"/>
-          </ac:spMkLst>
-        </pc:spChg>
-        <pc:spChg chg="add mod">
-          <ac:chgData name="JinSeop Im" userId="c40f7fbe82cfb90a" providerId="LiveId" clId="{5757E13D-CB4C-4463-B328-997DF417BC35}" dt="2019-03-15T23:03:37.470" v="2530" actId="20577"/>
-          <ac:spMkLst>
-            <pc:docMk/>
-            <pc:sldMk cId="3448545761" sldId="271"/>
-            <ac:spMk id="38" creationId="{9306709A-122D-4A9C-AB1E-593280C65800}"/>
-          </ac:spMkLst>
-        </pc:spChg>
-        <pc:spChg chg="add del">
-          <ac:chgData name="JinSeop Im" userId="c40f7fbe82cfb90a" providerId="LiveId" clId="{5757E13D-CB4C-4463-B328-997DF417BC35}" dt="2019-03-15T22:57:24.652" v="2192"/>
-          <ac:spMkLst>
-            <pc:docMk/>
-            <pc:sldMk cId="3448545761" sldId="271"/>
-            <ac:spMk id="39" creationId="{EA1CA8EE-B5F0-42C4-9C7C-D9058E7A0E80}"/>
-          </ac:spMkLst>
-        </pc:spChg>
-        <pc:spChg chg="add del">
-          <ac:chgData name="JinSeop Im" userId="c40f7fbe82cfb90a" providerId="LiveId" clId="{5757E13D-CB4C-4463-B328-997DF417BC35}" dt="2019-03-15T22:57:35.146" v="2194"/>
-          <ac:spMkLst>
-            <pc:docMk/>
-            <pc:sldMk cId="3448545761" sldId="271"/>
-            <ac:spMk id="40" creationId="{6D1E7FF2-9B60-4A50-BBBB-A2D3A9B3860F}"/>
-          </ac:spMkLst>
-        </pc:spChg>
-        <pc:cxnChg chg="add mod">
-          <ac:chgData name="JinSeop Im" userId="c40f7fbe82cfb90a" providerId="LiveId" clId="{5757E13D-CB4C-4463-B328-997DF417BC35}" dt="2019-03-15T22:54:25.503" v="1964" actId="1036"/>
-          <ac:cxnSpMkLst>
-            <pc:docMk/>
-            <pc:sldMk cId="3448545761" sldId="271"/>
-            <ac:cxnSpMk id="8" creationId="{38A7135A-E541-4FF3-9ED0-074750215210}"/>
-          </ac:cxnSpMkLst>
-        </pc:cxnChg>
-        <pc:cxnChg chg="add mod">
-          <ac:chgData name="JinSeop Im" userId="c40f7fbe82cfb90a" providerId="LiveId" clId="{5757E13D-CB4C-4463-B328-997DF417BC35}" dt="2019-03-15T22:54:25.503" v="1964" actId="1036"/>
-          <ac:cxnSpMkLst>
-            <pc:docMk/>
-            <pc:sldMk cId="3448545761" sldId="271"/>
-            <ac:cxnSpMk id="19" creationId="{9AF2BA67-7C4D-4256-A00E-EC2F6B2103CF}"/>
-          </ac:cxnSpMkLst>
-        </pc:cxnChg>
-        <pc:cxnChg chg="add mod">
-          <ac:chgData name="JinSeop Im" userId="c40f7fbe82cfb90a" providerId="LiveId" clId="{5757E13D-CB4C-4463-B328-997DF417BC35}" dt="2019-03-15T22:54:25.503" v="1964" actId="1036"/>
-          <ac:cxnSpMkLst>
-            <pc:docMk/>
-            <pc:sldMk cId="3448545761" sldId="271"/>
-            <ac:cxnSpMk id="20" creationId="{AC4EDDDB-6F36-412C-92B4-E5041B18D6FF}"/>
-          </ac:cxnSpMkLst>
-        </pc:cxnChg>
-        <pc:cxnChg chg="add mod">
-          <ac:chgData name="JinSeop Im" userId="c40f7fbe82cfb90a" providerId="LiveId" clId="{5757E13D-CB4C-4463-B328-997DF417BC35}" dt="2019-03-15T22:54:25.503" v="1964" actId="1036"/>
-          <ac:cxnSpMkLst>
-            <pc:docMk/>
-            <pc:sldMk cId="3448545761" sldId="271"/>
-            <ac:cxnSpMk id="25" creationId="{67B358DF-028B-4F67-8F71-751A648A0B15}"/>
-          </ac:cxnSpMkLst>
-        </pc:cxnChg>
-        <pc:cxnChg chg="add mod">
-          <ac:chgData name="JinSeop Im" userId="c40f7fbe82cfb90a" providerId="LiveId" clId="{5757E13D-CB4C-4463-B328-997DF417BC35}" dt="2019-03-15T22:54:25.503" v="1964" actId="1036"/>
-          <ac:cxnSpMkLst>
-            <pc:docMk/>
-            <pc:sldMk cId="3448545761" sldId="271"/>
-            <ac:cxnSpMk id="28" creationId="{F8D1E97A-092F-441C-97C6-17AE11A4471F}"/>
-          </ac:cxnSpMkLst>
-        </pc:cxnChg>
-        <pc:cxnChg chg="add del mod">
-          <ac:chgData name="JinSeop Im" userId="c40f7fbe82cfb90a" providerId="LiveId" clId="{5757E13D-CB4C-4463-B328-997DF417BC35}" dt="2019-03-15T22:51:36.887" v="1864" actId="478"/>
-          <ac:cxnSpMkLst>
-            <pc:docMk/>
-            <pc:sldMk cId="3448545761" sldId="271"/>
-            <ac:cxnSpMk id="34" creationId="{5533CF53-0805-4D97-9D7B-82DAD92B9003}"/>
-          </ac:cxnSpMkLst>
-        </pc:cxnChg>
-      </pc:sldChg>
-      <pc:sldChg chg="addSp delSp modSp add ord">
-        <pc:chgData name="JinSeop Im" userId="c40f7fbe82cfb90a" providerId="LiveId" clId="{5757E13D-CB4C-4463-B328-997DF417BC35}" dt="2019-03-15T23:03:11.245" v="2527"/>
-        <pc:sldMkLst>
-          <pc:docMk/>
-          <pc:sldMk cId="3630700631" sldId="272"/>
-        </pc:sldMkLst>
-        <pc:spChg chg="del">
-          <ac:chgData name="JinSeop Im" userId="c40f7fbe82cfb90a" providerId="LiveId" clId="{5757E13D-CB4C-4463-B328-997DF417BC35}" dt="2019-03-15T22:58:21.535" v="2253" actId="478"/>
-          <ac:spMkLst>
-            <pc:docMk/>
-            <pc:sldMk cId="3630700631" sldId="272"/>
-            <ac:spMk id="2" creationId="{EFAE3789-D8CC-460E-B7A8-35EF3C738781}"/>
-          </ac:spMkLst>
-        </pc:spChg>
-        <pc:spChg chg="del">
-          <ac:chgData name="JinSeop Im" userId="c40f7fbe82cfb90a" providerId="LiveId" clId="{5757E13D-CB4C-4463-B328-997DF417BC35}" dt="2019-03-15T22:58:21.535" v="2253" actId="478"/>
-          <ac:spMkLst>
-            <pc:docMk/>
-            <pc:sldMk cId="3630700631" sldId="272"/>
-            <ac:spMk id="3" creationId="{1C8399FD-8407-40F1-91D4-FF8336A03D47}"/>
-          </ac:spMkLst>
-        </pc:spChg>
-        <pc:spChg chg="del">
-          <ac:chgData name="JinSeop Im" userId="c40f7fbe82cfb90a" providerId="LiveId" clId="{5757E13D-CB4C-4463-B328-997DF417BC35}" dt="2019-03-15T22:58:21.535" v="2253" actId="478"/>
-          <ac:spMkLst>
-            <pc:docMk/>
-            <pc:sldMk cId="3630700631" sldId="272"/>
-            <ac:spMk id="6" creationId="{842166FA-B1C1-4262-A02E-FD7A462D2C03}"/>
-          </ac:spMkLst>
-        </pc:spChg>
-        <pc:spChg chg="del">
-          <ac:chgData name="JinSeop Im" userId="c40f7fbe82cfb90a" providerId="LiveId" clId="{5757E13D-CB4C-4463-B328-997DF417BC35}" dt="2019-03-15T22:58:21.535" v="2253" actId="478"/>
-          <ac:spMkLst>
-            <pc:docMk/>
-            <pc:sldMk cId="3630700631" sldId="272"/>
-            <ac:spMk id="10" creationId="{D4436C8E-321C-4B04-AC86-35AC32B2FA6A}"/>
-          </ac:spMkLst>
-        </pc:spChg>
-        <pc:spChg chg="del">
-          <ac:chgData name="JinSeop Im" userId="c40f7fbe82cfb90a" providerId="LiveId" clId="{5757E13D-CB4C-4463-B328-997DF417BC35}" dt="2019-03-15T22:58:21.535" v="2253" actId="478"/>
-          <ac:spMkLst>
-            <pc:docMk/>
-            <pc:sldMk cId="3630700631" sldId="272"/>
-            <ac:spMk id="13" creationId="{F3BBC177-97EA-4BBB-B73F-66DF73BEBC1B}"/>
-          </ac:spMkLst>
-        </pc:spChg>
-        <pc:spChg chg="del">
-          <ac:chgData name="JinSeop Im" userId="c40f7fbe82cfb90a" providerId="LiveId" clId="{5757E13D-CB4C-4463-B328-997DF417BC35}" dt="2019-03-15T22:58:21.535" v="2253" actId="478"/>
-          <ac:spMkLst>
-            <pc:docMk/>
-            <pc:sldMk cId="3630700631" sldId="272"/>
-            <ac:spMk id="14" creationId="{CBB78831-065F-4FCC-BCFE-8E0E121DBEC1}"/>
-          </ac:spMkLst>
-        </pc:spChg>
-        <pc:spChg chg="mod">
-          <ac:chgData name="JinSeop Im" userId="c40f7fbe82cfb90a" providerId="LiveId" clId="{5757E13D-CB4C-4463-B328-997DF417BC35}" dt="2019-03-15T22:59:08.665" v="2277"/>
-          <ac:spMkLst>
-            <pc:docMk/>
-            <pc:sldMk cId="3630700631" sldId="272"/>
-            <ac:spMk id="18" creationId="{446ABC95-5C1D-4F29-B39B-389795BB8D6E}"/>
-          </ac:spMkLst>
-        </pc:spChg>
-        <pc:spChg chg="add mod">
-          <ac:chgData name="JinSeop Im" userId="c40f7fbe82cfb90a" providerId="LiveId" clId="{5757E13D-CB4C-4463-B328-997DF417BC35}" dt="2019-03-15T23:03:11.245" v="2527"/>
-          <ac:spMkLst>
-            <pc:docMk/>
-            <pc:sldMk cId="3630700631" sldId="272"/>
-            <ac:spMk id="21" creationId="{D06E3C79-A98E-4A3F-8FCF-8F4CBAB64DFC}"/>
-          </ac:spMkLst>
-        </pc:spChg>
-        <pc:spChg chg="del">
-          <ac:chgData name="JinSeop Im" userId="c40f7fbe82cfb90a" providerId="LiveId" clId="{5757E13D-CB4C-4463-B328-997DF417BC35}" dt="2019-03-15T22:58:21.535" v="2253" actId="478"/>
-          <ac:spMkLst>
-            <pc:docMk/>
-            <pc:sldMk cId="3630700631" sldId="272"/>
-            <ac:spMk id="38" creationId="{9306709A-122D-4A9C-AB1E-593280C65800}"/>
-          </ac:spMkLst>
-        </pc:spChg>
-        <pc:graphicFrameChg chg="add mod">
-          <ac:chgData name="JinSeop Im" userId="c40f7fbe82cfb90a" providerId="LiveId" clId="{5757E13D-CB4C-4463-B328-997DF417BC35}" dt="2019-03-15T23:02:03.775" v="2396"/>
-          <ac:graphicFrameMkLst>
-            <pc:docMk/>
-            <pc:sldMk cId="3630700631" sldId="272"/>
-            <ac:graphicFrameMk id="7" creationId="{AAC2E724-712A-48E3-9BCB-F132E06C43C8}"/>
-          </ac:graphicFrameMkLst>
-        </pc:graphicFrameChg>
-        <pc:cxnChg chg="del mod">
-          <ac:chgData name="JinSeop Im" userId="c40f7fbe82cfb90a" providerId="LiveId" clId="{5757E13D-CB4C-4463-B328-997DF417BC35}" dt="2019-03-15T22:58:21.535" v="2253" actId="478"/>
-          <ac:cxnSpMkLst>
-            <pc:docMk/>
-            <pc:sldMk cId="3630700631" sldId="272"/>
-            <ac:cxnSpMk id="8" creationId="{38A7135A-E541-4FF3-9ED0-074750215210}"/>
-          </ac:cxnSpMkLst>
-        </pc:cxnChg>
-        <pc:cxnChg chg="del mod">
-          <ac:chgData name="JinSeop Im" userId="c40f7fbe82cfb90a" providerId="LiveId" clId="{5757E13D-CB4C-4463-B328-997DF417BC35}" dt="2019-03-15T22:58:21.535" v="2253" actId="478"/>
-          <ac:cxnSpMkLst>
-            <pc:docMk/>
-            <pc:sldMk cId="3630700631" sldId="272"/>
-            <ac:cxnSpMk id="19" creationId="{9AF2BA67-7C4D-4256-A00E-EC2F6B2103CF}"/>
-          </ac:cxnSpMkLst>
-        </pc:cxnChg>
-        <pc:cxnChg chg="del mod">
-          <ac:chgData name="JinSeop Im" userId="c40f7fbe82cfb90a" providerId="LiveId" clId="{5757E13D-CB4C-4463-B328-997DF417BC35}" dt="2019-03-15T22:58:21.535" v="2253" actId="478"/>
-          <ac:cxnSpMkLst>
-            <pc:docMk/>
-            <pc:sldMk cId="3630700631" sldId="272"/>
-            <ac:cxnSpMk id="20" creationId="{AC4EDDDB-6F36-412C-92B4-E5041B18D6FF}"/>
-          </ac:cxnSpMkLst>
-        </pc:cxnChg>
-        <pc:cxnChg chg="del mod">
-          <ac:chgData name="JinSeop Im" userId="c40f7fbe82cfb90a" providerId="LiveId" clId="{5757E13D-CB4C-4463-B328-997DF417BC35}" dt="2019-03-15T22:58:21.535" v="2253" actId="478"/>
-          <ac:cxnSpMkLst>
-            <pc:docMk/>
-            <pc:sldMk cId="3630700631" sldId="272"/>
-            <ac:cxnSpMk id="25" creationId="{67B358DF-028B-4F67-8F71-751A648A0B15}"/>
-          </ac:cxnSpMkLst>
-        </pc:cxnChg>
-        <pc:cxnChg chg="del mod">
-          <ac:chgData name="JinSeop Im" userId="c40f7fbe82cfb90a" providerId="LiveId" clId="{5757E13D-CB4C-4463-B328-997DF417BC35}" dt="2019-03-15T22:58:21.535" v="2253" actId="478"/>
-          <ac:cxnSpMkLst>
-            <pc:docMk/>
-            <pc:sldMk cId="3630700631" sldId="272"/>
-            <ac:cxnSpMk id="28" creationId="{F8D1E97A-092F-441C-97C6-17AE11A4471F}"/>
-          </ac:cxnSpMkLst>
-        </pc:cxnChg>
-      </pc:sldChg>
-      <pc:sldChg chg="addSp delSp modSp add">
-        <pc:chgData name="JinSeop Im" userId="c40f7fbe82cfb90a" providerId="LiveId" clId="{5757E13D-CB4C-4463-B328-997DF417BC35}" dt="2019-03-15T23:25:40.886" v="3100" actId="207"/>
-        <pc:sldMkLst>
-          <pc:docMk/>
-          <pc:sldMk cId="3422475063" sldId="273"/>
-        </pc:sldMkLst>
-        <pc:spChg chg="del">
-          <ac:chgData name="JinSeop Im" userId="c40f7fbe82cfb90a" providerId="LiveId" clId="{5757E13D-CB4C-4463-B328-997DF417BC35}" dt="2019-03-15T23:04:39.999" v="2531" actId="478"/>
-          <ac:spMkLst>
-            <pc:docMk/>
-            <pc:sldMk cId="3422475063" sldId="273"/>
-            <ac:spMk id="2" creationId="{EFAE3789-D8CC-460E-B7A8-35EF3C738781}"/>
-          </ac:spMkLst>
-        </pc:spChg>
-        <pc:spChg chg="del">
-          <ac:chgData name="JinSeop Im" userId="c40f7fbe82cfb90a" providerId="LiveId" clId="{5757E13D-CB4C-4463-B328-997DF417BC35}" dt="2019-03-15T23:04:39.999" v="2531" actId="478"/>
-          <ac:spMkLst>
-            <pc:docMk/>
-            <pc:sldMk cId="3422475063" sldId="273"/>
-            <ac:spMk id="3" creationId="{1C8399FD-8407-40F1-91D4-FF8336A03D47}"/>
-          </ac:spMkLst>
-        </pc:spChg>
-        <pc:spChg chg="del">
-          <ac:chgData name="JinSeop Im" userId="c40f7fbe82cfb90a" providerId="LiveId" clId="{5757E13D-CB4C-4463-B328-997DF417BC35}" dt="2019-03-15T23:04:39.999" v="2531" actId="478"/>
-          <ac:spMkLst>
-            <pc:docMk/>
-            <pc:sldMk cId="3422475063" sldId="273"/>
-            <ac:spMk id="6" creationId="{842166FA-B1C1-4262-A02E-FD7A462D2C03}"/>
-          </ac:spMkLst>
-        </pc:spChg>
-        <pc:spChg chg="del">
-          <ac:chgData name="JinSeop Im" userId="c40f7fbe82cfb90a" providerId="LiveId" clId="{5757E13D-CB4C-4463-B328-997DF417BC35}" dt="2019-03-15T23:04:39.999" v="2531" actId="478"/>
-          <ac:spMkLst>
-            <pc:docMk/>
-            <pc:sldMk cId="3422475063" sldId="273"/>
-            <ac:spMk id="10" creationId="{D4436C8E-321C-4B04-AC86-35AC32B2FA6A}"/>
-          </ac:spMkLst>
-        </pc:spChg>
-        <pc:spChg chg="del">
-          <ac:chgData name="JinSeop Im" userId="c40f7fbe82cfb90a" providerId="LiveId" clId="{5757E13D-CB4C-4463-B328-997DF417BC35}" dt="2019-03-15T23:04:39.999" v="2531" actId="478"/>
-          <ac:spMkLst>
-            <pc:docMk/>
-            <pc:sldMk cId="3422475063" sldId="273"/>
-            <ac:spMk id="13" creationId="{F3BBC177-97EA-4BBB-B73F-66DF73BEBC1B}"/>
-          </ac:spMkLst>
-        </pc:spChg>
-        <pc:spChg chg="del">
-          <ac:chgData name="JinSeop Im" userId="c40f7fbe82cfb90a" providerId="LiveId" clId="{5757E13D-CB4C-4463-B328-997DF417BC35}" dt="2019-03-15T23:04:39.999" v="2531" actId="478"/>
-          <ac:spMkLst>
-            <pc:docMk/>
-            <pc:sldMk cId="3422475063" sldId="273"/>
-            <ac:spMk id="14" creationId="{CBB78831-065F-4FCC-BCFE-8E0E121DBEC1}"/>
-          </ac:spMkLst>
-        </pc:spChg>
-        <pc:spChg chg="mod">
-          <ac:chgData name="JinSeop Im" userId="c40f7fbe82cfb90a" providerId="LiveId" clId="{5757E13D-CB4C-4463-B328-997DF417BC35}" dt="2019-03-15T22:58:08.768" v="2239"/>
-          <ac:spMkLst>
-            <pc:docMk/>
-            <pc:sldMk cId="3422475063" sldId="273"/>
-            <ac:spMk id="18" creationId="{446ABC95-5C1D-4F29-B39B-389795BB8D6E}"/>
-          </ac:spMkLst>
-        </pc:spChg>
-        <pc:spChg chg="add del mod">
-          <ac:chgData name="JinSeop Im" userId="c40f7fbe82cfb90a" providerId="LiveId" clId="{5757E13D-CB4C-4463-B328-997DF417BC35}" dt="2019-03-15T23:14:34.760" v="2656" actId="478"/>
-          <ac:spMkLst>
-            <pc:docMk/>
-            <pc:sldMk cId="3422475063" sldId="273"/>
-            <ac:spMk id="29" creationId="{E33E8294-B37E-4702-A53B-1B8163EBA6F6}"/>
-          </ac:spMkLst>
-        </pc:spChg>
-        <pc:spChg chg="add del mod">
-          <ac:chgData name="JinSeop Im" userId="c40f7fbe82cfb90a" providerId="LiveId" clId="{5757E13D-CB4C-4463-B328-997DF417BC35}" dt="2019-03-15T23:14:34.760" v="2656" actId="478"/>
-          <ac:spMkLst>
-            <pc:docMk/>
-            <pc:sldMk cId="3422475063" sldId="273"/>
-            <ac:spMk id="31" creationId="{5F3885ED-0563-4B4C-B52D-78CC98513563}"/>
-          </ac:spMkLst>
-        </pc:spChg>
-        <pc:spChg chg="add del mod">
-          <ac:chgData name="JinSeop Im" userId="c40f7fbe82cfb90a" providerId="LiveId" clId="{5757E13D-CB4C-4463-B328-997DF417BC35}" dt="2019-03-15T23:14:34.760" v="2656" actId="478"/>
-          <ac:spMkLst>
-            <pc:docMk/>
-            <pc:sldMk cId="3422475063" sldId="273"/>
-            <ac:spMk id="32" creationId="{756A8B0E-5B86-4DB1-A4D1-DD0E88C89082}"/>
-          </ac:spMkLst>
-        </pc:spChg>
-        <pc:spChg chg="add del mod">
-          <ac:chgData name="JinSeop Im" userId="c40f7fbe82cfb90a" providerId="LiveId" clId="{5757E13D-CB4C-4463-B328-997DF417BC35}" dt="2019-03-15T23:14:34.760" v="2656" actId="478"/>
-          <ac:spMkLst>
-            <pc:docMk/>
-            <pc:sldMk cId="3422475063" sldId="273"/>
-            <ac:spMk id="33" creationId="{1F376041-53C5-4D12-B9FE-BBF896FB07D3}"/>
-          </ac:spMkLst>
-        </pc:spChg>
-        <pc:spChg chg="del">
-          <ac:chgData name="JinSeop Im" userId="c40f7fbe82cfb90a" providerId="LiveId" clId="{5757E13D-CB4C-4463-B328-997DF417BC35}" dt="2019-03-15T23:04:39.999" v="2531" actId="478"/>
-          <ac:spMkLst>
-            <pc:docMk/>
-            <pc:sldMk cId="3422475063" sldId="273"/>
-            <ac:spMk id="38" creationId="{9306709A-122D-4A9C-AB1E-593280C65800}"/>
-          </ac:spMkLst>
-        </pc:spChg>
-        <pc:spChg chg="add mod">
-          <ac:chgData name="JinSeop Im" userId="c40f7fbe82cfb90a" providerId="LiveId" clId="{5757E13D-CB4C-4463-B328-997DF417BC35}" dt="2019-03-15T23:20:25.555" v="2953" actId="208"/>
-          <ac:spMkLst>
-            <pc:docMk/>
-            <pc:sldMk cId="3422475063" sldId="273"/>
-            <ac:spMk id="40" creationId="{A40DBA96-6513-4624-AF10-9106378BD091}"/>
-          </ac:spMkLst>
-        </pc:spChg>
-        <pc:spChg chg="add mod">
-          <ac:chgData name="JinSeop Im" userId="c40f7fbe82cfb90a" providerId="LiveId" clId="{5757E13D-CB4C-4463-B328-997DF417BC35}" dt="2019-03-15T23:16:33.290" v="2765" actId="14100"/>
-          <ac:spMkLst>
-            <pc:docMk/>
-            <pc:sldMk cId="3422475063" sldId="273"/>
-            <ac:spMk id="41" creationId="{AB501DF0-7D15-4ED4-BA2D-E3B118067E0F}"/>
-          </ac:spMkLst>
-        </pc:spChg>
-        <pc:spChg chg="add mod">
-          <ac:chgData name="JinSeop Im" userId="c40f7fbe82cfb90a" providerId="LiveId" clId="{5757E13D-CB4C-4463-B328-997DF417BC35}" dt="2019-03-15T23:19:02.134" v="2839" actId="20577"/>
-          <ac:spMkLst>
-            <pc:docMk/>
-            <pc:sldMk cId="3422475063" sldId="273"/>
-            <ac:spMk id="43" creationId="{A96EBAAA-62E5-49D0-A5A9-6FCCF9099E62}"/>
-          </ac:spMkLst>
-        </pc:spChg>
-        <pc:spChg chg="add mod">
-          <ac:chgData name="JinSeop Im" userId="c40f7fbe82cfb90a" providerId="LiveId" clId="{5757E13D-CB4C-4463-B328-997DF417BC35}" dt="2019-03-15T23:25:40.886" v="3100" actId="207"/>
-          <ac:spMkLst>
-            <pc:docMk/>
-            <pc:sldMk cId="3422475063" sldId="273"/>
-            <ac:spMk id="44" creationId="{3E778126-7742-4DE8-B6A3-F8E1D2950CA5}"/>
-          </ac:spMkLst>
-        </pc:spChg>
-        <pc:graphicFrameChg chg="add del mod modGraphic">
-          <ac:chgData name="JinSeop Im" userId="c40f7fbe82cfb90a" providerId="LiveId" clId="{5757E13D-CB4C-4463-B328-997DF417BC35}" dt="2019-03-15T23:12:41.119" v="2649" actId="478"/>
-          <ac:graphicFrameMkLst>
-            <pc:docMk/>
-            <pc:sldMk cId="3422475063" sldId="273"/>
-            <ac:graphicFrameMk id="27" creationId="{C7D2F7D2-EF9E-40AB-A9D8-A023049CA415}"/>
-          </ac:graphicFrameMkLst>
-        </pc:graphicFrameChg>
-        <pc:picChg chg="add mod">
-          <ac:chgData name="JinSeop Im" userId="c40f7fbe82cfb90a" providerId="LiveId" clId="{5757E13D-CB4C-4463-B328-997DF417BC35}" dt="2019-03-15T23:15:22.135" v="2660" actId="14100"/>
-          <ac:picMkLst>
-            <pc:docMk/>
-            <pc:sldMk cId="3422475063" sldId="273"/>
-            <ac:picMk id="1026" creationId="{A7905296-07B8-4064-BDB0-D1533AB4D105}"/>
-          </ac:picMkLst>
-        </pc:picChg>
-        <pc:picChg chg="add mod">
-          <ac:chgData name="JinSeop Im" userId="c40f7fbe82cfb90a" providerId="LiveId" clId="{5757E13D-CB4C-4463-B328-997DF417BC35}" dt="2019-03-15T23:18:52.119" v="2827" actId="1076"/>
-          <ac:picMkLst>
-            <pc:docMk/>
-            <pc:sldMk cId="3422475063" sldId="273"/>
-            <ac:picMk id="1028" creationId="{C466F69F-C3EA-4354-B88F-034A0B31E268}"/>
-          </ac:picMkLst>
-        </pc:picChg>
-        <pc:cxnChg chg="del mod">
-          <ac:chgData name="JinSeop Im" userId="c40f7fbe82cfb90a" providerId="LiveId" clId="{5757E13D-CB4C-4463-B328-997DF417BC35}" dt="2019-03-15T23:04:39.999" v="2531" actId="478"/>
-          <ac:cxnSpMkLst>
-            <pc:docMk/>
-            <pc:sldMk cId="3422475063" sldId="273"/>
-            <ac:cxnSpMk id="8" creationId="{38A7135A-E541-4FF3-9ED0-074750215210}"/>
-          </ac:cxnSpMkLst>
-        </pc:cxnChg>
-        <pc:cxnChg chg="add del mod">
-          <ac:chgData name="JinSeop Im" userId="c40f7fbe82cfb90a" providerId="LiveId" clId="{5757E13D-CB4C-4463-B328-997DF417BC35}" dt="2019-03-15T23:08:38.603" v="2548" actId="478"/>
-          <ac:cxnSpMkLst>
-            <pc:docMk/>
-            <pc:sldMk cId="3422475063" sldId="273"/>
-            <ac:cxnSpMk id="9" creationId="{50A44265-66C9-414D-A03E-26A054FCFE11}"/>
-          </ac:cxnSpMkLst>
-        </pc:cxnChg>
-        <pc:cxnChg chg="del mod">
-          <ac:chgData name="JinSeop Im" userId="c40f7fbe82cfb90a" providerId="LiveId" clId="{5757E13D-CB4C-4463-B328-997DF417BC35}" dt="2019-03-15T23:04:39.999" v="2531" actId="478"/>
-          <ac:cxnSpMkLst>
-            <pc:docMk/>
-            <pc:sldMk cId="3422475063" sldId="273"/>
-            <ac:cxnSpMk id="19" creationId="{9AF2BA67-7C4D-4256-A00E-EC2F6B2103CF}"/>
-          </ac:cxnSpMkLst>
-        </pc:cxnChg>
-        <pc:cxnChg chg="del mod">
-          <ac:chgData name="JinSeop Im" userId="c40f7fbe82cfb90a" providerId="LiveId" clId="{5757E13D-CB4C-4463-B328-997DF417BC35}" dt="2019-03-15T23:04:39.999" v="2531" actId="478"/>
-          <ac:cxnSpMkLst>
-            <pc:docMk/>
-            <pc:sldMk cId="3422475063" sldId="273"/>
-            <ac:cxnSpMk id="20" creationId="{AC4EDDDB-6F36-412C-92B4-E5041B18D6FF}"/>
-          </ac:cxnSpMkLst>
-        </pc:cxnChg>
-        <pc:cxnChg chg="add del mod">
-          <ac:chgData name="JinSeop Im" userId="c40f7fbe82cfb90a" providerId="LiveId" clId="{5757E13D-CB4C-4463-B328-997DF417BC35}" dt="2019-03-15T23:08:38.603" v="2548" actId="478"/>
-          <ac:cxnSpMkLst>
-            <pc:docMk/>
-            <pc:sldMk cId="3422475063" sldId="273"/>
-            <ac:cxnSpMk id="21" creationId="{31175F16-0E0D-4F98-8C42-5D5973548FE4}"/>
-          </ac:cxnSpMkLst>
-        </pc:cxnChg>
-        <pc:cxnChg chg="del mod">
-          <ac:chgData name="JinSeop Im" userId="c40f7fbe82cfb90a" providerId="LiveId" clId="{5757E13D-CB4C-4463-B328-997DF417BC35}" dt="2019-03-15T23:04:39.999" v="2531" actId="478"/>
-          <ac:cxnSpMkLst>
-            <pc:docMk/>
-            <pc:sldMk cId="3422475063" sldId="273"/>
-            <ac:cxnSpMk id="25" creationId="{67B358DF-028B-4F67-8F71-751A648A0B15}"/>
-          </ac:cxnSpMkLst>
-        </pc:cxnChg>
-        <pc:cxnChg chg="del mod">
-          <ac:chgData name="JinSeop Im" userId="c40f7fbe82cfb90a" providerId="LiveId" clId="{5757E13D-CB4C-4463-B328-997DF417BC35}" dt="2019-03-15T23:04:39.999" v="2531" actId="478"/>
-          <ac:cxnSpMkLst>
-            <pc:docMk/>
-            <pc:sldMk cId="3422475063" sldId="273"/>
-            <ac:cxnSpMk id="28" creationId="{F8D1E97A-092F-441C-97C6-17AE11A4471F}"/>
-          </ac:cxnSpMkLst>
-        </pc:cxnChg>
-        <pc:cxnChg chg="add del mod">
-          <ac:chgData name="JinSeop Im" userId="c40f7fbe82cfb90a" providerId="LiveId" clId="{5757E13D-CB4C-4463-B328-997DF417BC35}" dt="2019-03-15T23:14:34.760" v="2656" actId="478"/>
-          <ac:cxnSpMkLst>
-            <pc:docMk/>
-            <pc:sldMk cId="3422475063" sldId="273"/>
-            <ac:cxnSpMk id="34" creationId="{B1131E9F-688C-465D-A5D2-0E84716D8E99}"/>
-          </ac:cxnSpMkLst>
-        </pc:cxnChg>
-        <pc:cxnChg chg="add del mod">
-          <ac:chgData name="JinSeop Im" userId="c40f7fbe82cfb90a" providerId="LiveId" clId="{5757E13D-CB4C-4463-B328-997DF417BC35}" dt="2019-03-15T23:14:34.760" v="2656" actId="478"/>
-          <ac:cxnSpMkLst>
-            <pc:docMk/>
-            <pc:sldMk cId="3422475063" sldId="273"/>
-            <ac:cxnSpMk id="37" creationId="{088A0A67-51E1-4FF6-BEA8-DF2A0291D38B}"/>
-          </ac:cxnSpMkLst>
-        </pc:cxnChg>
-      </pc:sldChg>
-      <pc:sldChg chg="addSp delSp modSp add">
-        <pc:chgData name="JinSeop Im" userId="c40f7fbe82cfb90a" providerId="LiveId" clId="{5757E13D-CB4C-4463-B328-997DF417BC35}" dt="2019-03-15T23:22:40.040" v="2997"/>
-        <pc:sldMkLst>
-          <pc:docMk/>
-          <pc:sldMk cId="471759730" sldId="274"/>
-        </pc:sldMkLst>
-        <pc:spChg chg="del">
-          <ac:chgData name="JinSeop Im" userId="c40f7fbe82cfb90a" providerId="LiveId" clId="{5757E13D-CB4C-4463-B328-997DF417BC35}" dt="2019-03-15T23:22:01.373" v="2955" actId="478"/>
-          <ac:spMkLst>
-            <pc:docMk/>
-            <pc:sldMk cId="471759730" sldId="274"/>
-            <ac:spMk id="2" creationId="{EFAE3789-D8CC-460E-B7A8-35EF3C738781}"/>
-          </ac:spMkLst>
-        </pc:spChg>
-        <pc:spChg chg="del">
-          <ac:chgData name="JinSeop Im" userId="c40f7fbe82cfb90a" providerId="LiveId" clId="{5757E13D-CB4C-4463-B328-997DF417BC35}" dt="2019-03-15T23:22:01.373" v="2955" actId="478"/>
-          <ac:spMkLst>
-            <pc:docMk/>
-            <pc:sldMk cId="471759730" sldId="274"/>
-            <ac:spMk id="3" creationId="{1C8399FD-8407-40F1-91D4-FF8336A03D47}"/>
-          </ac:spMkLst>
-        </pc:spChg>
-        <pc:spChg chg="del">
-          <ac:chgData name="JinSeop Im" userId="c40f7fbe82cfb90a" providerId="LiveId" clId="{5757E13D-CB4C-4463-B328-997DF417BC35}" dt="2019-03-15T23:22:01.373" v="2955" actId="478"/>
-          <ac:spMkLst>
-            <pc:docMk/>
-            <pc:sldMk cId="471759730" sldId="274"/>
-            <ac:spMk id="6" creationId="{842166FA-B1C1-4262-A02E-FD7A462D2C03}"/>
-          </ac:spMkLst>
-        </pc:spChg>
-        <pc:spChg chg="del">
-          <ac:chgData name="JinSeop Im" userId="c40f7fbe82cfb90a" providerId="LiveId" clId="{5757E13D-CB4C-4463-B328-997DF417BC35}" dt="2019-03-15T23:22:01.373" v="2955" actId="478"/>
-          <ac:spMkLst>
-            <pc:docMk/>
-            <pc:sldMk cId="471759730" sldId="274"/>
-            <ac:spMk id="10" creationId="{D4436C8E-321C-4B04-AC86-35AC32B2FA6A}"/>
-          </ac:spMkLst>
-        </pc:spChg>
-        <pc:spChg chg="del">
-          <ac:chgData name="JinSeop Im" userId="c40f7fbe82cfb90a" providerId="LiveId" clId="{5757E13D-CB4C-4463-B328-997DF417BC35}" dt="2019-03-15T23:22:01.373" v="2955" actId="478"/>
-          <ac:spMkLst>
-            <pc:docMk/>
-            <pc:sldMk cId="471759730" sldId="274"/>
-            <ac:spMk id="13" creationId="{F3BBC177-97EA-4BBB-B73F-66DF73BEBC1B}"/>
-          </ac:spMkLst>
-        </pc:spChg>
-        <pc:spChg chg="del">
-          <ac:chgData name="JinSeop Im" userId="c40f7fbe82cfb90a" providerId="LiveId" clId="{5757E13D-CB4C-4463-B328-997DF417BC35}" dt="2019-03-15T23:22:01.373" v="2955" actId="478"/>
-          <ac:spMkLst>
-            <pc:docMk/>
-            <pc:sldMk cId="471759730" sldId="274"/>
-            <ac:spMk id="14" creationId="{CBB78831-065F-4FCC-BCFE-8E0E121DBEC1}"/>
-          </ac:spMkLst>
-        </pc:spChg>
-        <pc:spChg chg="mod">
-          <ac:chgData name="JinSeop Im" userId="c40f7fbe82cfb90a" providerId="LiveId" clId="{5757E13D-CB4C-4463-B328-997DF417BC35}" dt="2019-03-15T22:58:14.800" v="2252"/>
-          <ac:spMkLst>
-            <pc:docMk/>
-            <pc:sldMk cId="471759730" sldId="274"/>
-            <ac:spMk id="18" creationId="{446ABC95-5C1D-4F29-B39B-389795BB8D6E}"/>
-          </ac:spMkLst>
-        </pc:spChg>
-        <pc:spChg chg="add mod">
-          <ac:chgData name="JinSeop Im" userId="c40f7fbe82cfb90a" providerId="LiveId" clId="{5757E13D-CB4C-4463-B328-997DF417BC35}" dt="2019-03-15T23:22:40.040" v="2997"/>
-          <ac:spMkLst>
-            <pc:docMk/>
-            <pc:sldMk cId="471759730" sldId="274"/>
-            <ac:spMk id="21" creationId="{EFCFF275-1479-4F3A-9F31-46399B2C80DF}"/>
-          </ac:spMkLst>
-        </pc:spChg>
-        <pc:spChg chg="del">
-          <ac:chgData name="JinSeop Im" userId="c40f7fbe82cfb90a" providerId="LiveId" clId="{5757E13D-CB4C-4463-B328-997DF417BC35}" dt="2019-03-15T23:22:01.373" v="2955" actId="478"/>
-          <ac:spMkLst>
-            <pc:docMk/>
-            <pc:sldMk cId="471759730" sldId="274"/>
-            <ac:spMk id="38" creationId="{9306709A-122D-4A9C-AB1E-593280C65800}"/>
-          </ac:spMkLst>
-        </pc:spChg>
-        <pc:picChg chg="add mod">
-          <ac:chgData name="JinSeop Im" userId="c40f7fbe82cfb90a" providerId="LiveId" clId="{5757E13D-CB4C-4463-B328-997DF417BC35}" dt="2019-03-15T23:22:18.532" v="2961" actId="1076"/>
-          <ac:picMkLst>
-            <pc:docMk/>
-            <pc:sldMk cId="471759730" sldId="274"/>
-            <ac:picMk id="2050" creationId="{60C6FC52-BA58-42A3-B07E-A8CF5D2CC30D}"/>
-          </ac:picMkLst>
-        </pc:picChg>
-        <pc:cxnChg chg="del mod">
-          <ac:chgData name="JinSeop Im" userId="c40f7fbe82cfb90a" providerId="LiveId" clId="{5757E13D-CB4C-4463-B328-997DF417BC35}" dt="2019-03-15T23:22:01.373" v="2955" actId="478"/>
-          <ac:cxnSpMkLst>
-            <pc:docMk/>
-            <pc:sldMk cId="471759730" sldId="274"/>
-            <ac:cxnSpMk id="8" creationId="{38A7135A-E541-4FF3-9ED0-074750215210}"/>
-          </ac:cxnSpMkLst>
-        </pc:cxnChg>
-        <pc:cxnChg chg="del mod">
-          <ac:chgData name="JinSeop Im" userId="c40f7fbe82cfb90a" providerId="LiveId" clId="{5757E13D-CB4C-4463-B328-997DF417BC35}" dt="2019-03-15T23:22:01.373" v="2955" actId="478"/>
-          <ac:cxnSpMkLst>
-            <pc:docMk/>
-            <pc:sldMk cId="471759730" sldId="274"/>
-            <ac:cxnSpMk id="19" creationId="{9AF2BA67-7C4D-4256-A00E-EC2F6B2103CF}"/>
-          </ac:cxnSpMkLst>
-        </pc:cxnChg>
-        <pc:cxnChg chg="del mod">
-          <ac:chgData name="JinSeop Im" userId="c40f7fbe82cfb90a" providerId="LiveId" clId="{5757E13D-CB4C-4463-B328-997DF417BC35}" dt="2019-03-15T23:22:01.373" v="2955" actId="478"/>
-          <ac:cxnSpMkLst>
-            <pc:docMk/>
-            <pc:sldMk cId="471759730" sldId="274"/>
-            <ac:cxnSpMk id="20" creationId="{AC4EDDDB-6F36-412C-92B4-E5041B18D6FF}"/>
-          </ac:cxnSpMkLst>
-        </pc:cxnChg>
-        <pc:cxnChg chg="del mod">
-          <ac:chgData name="JinSeop Im" userId="c40f7fbe82cfb90a" providerId="LiveId" clId="{5757E13D-CB4C-4463-B328-997DF417BC35}" dt="2019-03-15T23:22:01.373" v="2955" actId="478"/>
-          <ac:cxnSpMkLst>
-            <pc:docMk/>
-            <pc:sldMk cId="471759730" sldId="274"/>
-            <ac:cxnSpMk id="25" creationId="{67B358DF-028B-4F67-8F71-751A648A0B15}"/>
-          </ac:cxnSpMkLst>
-        </pc:cxnChg>
-        <pc:cxnChg chg="del mod">
-          <ac:chgData name="JinSeop Im" userId="c40f7fbe82cfb90a" providerId="LiveId" clId="{5757E13D-CB4C-4463-B328-997DF417BC35}" dt="2019-03-15T23:22:01.373" v="2955" actId="478"/>
-          <ac:cxnSpMkLst>
-            <pc:docMk/>
-            <pc:sldMk cId="471759730" sldId="274"/>
-            <ac:cxnSpMk id="28" creationId="{F8D1E97A-092F-441C-97C6-17AE11A4471F}"/>
-          </ac:cxnSpMkLst>
-        </pc:cxnChg>
-      </pc:sldChg>
-      <pc:sldChg chg="addSp delSp modSp add">
-        <pc:chgData name="JinSeop Im" userId="c40f7fbe82cfb90a" providerId="LiveId" clId="{5757E13D-CB4C-4463-B328-997DF417BC35}" dt="2019-03-16T00:59:17.537" v="3726" actId="1076"/>
-        <pc:sldMkLst>
-          <pc:docMk/>
-          <pc:sldMk cId="1988412682" sldId="275"/>
-        </pc:sldMkLst>
-        <pc:spChg chg="mod">
-          <ac:chgData name="JinSeop Im" userId="c40f7fbe82cfb90a" providerId="LiveId" clId="{5757E13D-CB4C-4463-B328-997DF417BC35}" dt="2019-03-15T23:23:39.435" v="3059"/>
-          <ac:spMkLst>
-            <pc:docMk/>
-            <pc:sldMk cId="1988412682" sldId="275"/>
-            <ac:spMk id="5" creationId="{00000000-0000-0000-0000-000000000000}"/>
-          </ac:spMkLst>
-        </pc:spChg>
-        <pc:spChg chg="add mod">
-          <ac:chgData name="JinSeop Im" userId="c40f7fbe82cfb90a" providerId="LiveId" clId="{5757E13D-CB4C-4463-B328-997DF417BC35}" dt="2019-03-16T00:59:17.537" v="3726" actId="1076"/>
-          <ac:spMkLst>
-            <pc:docMk/>
-            <pc:sldMk cId="1988412682" sldId="275"/>
-            <ac:spMk id="9" creationId="{46E5DFA8-A4EC-4EFE-BF23-1646213861EB}"/>
-          </ac:spMkLst>
-        </pc:spChg>
-        <pc:spChg chg="mod">
-          <ac:chgData name="JinSeop Im" userId="c40f7fbe82cfb90a" providerId="LiveId" clId="{5757E13D-CB4C-4463-B328-997DF417BC35}" dt="2019-03-15T23:23:28.332" v="3029" actId="20577"/>
-          <ac:spMkLst>
-            <pc:docMk/>
-            <pc:sldMk cId="1988412682" sldId="275"/>
-            <ac:spMk id="12" creationId="{00000000-0000-0000-0000-000000000000}"/>
-          </ac:spMkLst>
-        </pc:spChg>
-        <pc:spChg chg="mod">
-          <ac:chgData name="JinSeop Im" userId="c40f7fbe82cfb90a" providerId="LiveId" clId="{5757E13D-CB4C-4463-B328-997DF417BC35}" dt="2019-03-15T23:23:55.601" v="3090"/>
-          <ac:spMkLst>
-            <pc:docMk/>
-            <pc:sldMk cId="1988412682" sldId="275"/>
-            <ac:spMk id="18" creationId="{446ABC95-5C1D-4F29-B39B-389795BB8D6E}"/>
-          </ac:spMkLst>
-        </pc:spChg>
-        <pc:spChg chg="del">
-          <ac:chgData name="JinSeop Im" userId="c40f7fbe82cfb90a" providerId="LiveId" clId="{5757E13D-CB4C-4463-B328-997DF417BC35}" dt="2019-03-15T23:23:59.131" v="3092" actId="478"/>
-          <ac:spMkLst>
-            <pc:docMk/>
-            <pc:sldMk cId="1988412682" sldId="275"/>
-            <ac:spMk id="21" creationId="{EFCFF275-1479-4F3A-9F31-46399B2C80DF}"/>
-          </ac:spMkLst>
-        </pc:spChg>
-        <pc:picChg chg="del">
-          <ac:chgData name="JinSeop Im" userId="c40f7fbe82cfb90a" providerId="LiveId" clId="{5757E13D-CB4C-4463-B328-997DF417BC35}" dt="2019-03-15T23:23:56.958" v="3091" actId="478"/>
-          <ac:picMkLst>
-            <pc:docMk/>
-            <pc:sldMk cId="1988412682" sldId="275"/>
-            <ac:picMk id="2050" creationId="{60C6FC52-BA58-42A3-B07E-A8CF5D2CC30D}"/>
-          </ac:picMkLst>
-        </pc:picChg>
-        <pc:picChg chg="add mod">
-          <ac:chgData name="JinSeop Im" userId="c40f7fbe82cfb90a" providerId="LiveId" clId="{5757E13D-CB4C-4463-B328-997DF417BC35}" dt="2019-03-16T00:59:17.537" v="3726" actId="1076"/>
-          <ac:picMkLst>
-            <pc:docMk/>
-            <pc:sldMk cId="1988412682" sldId="275"/>
-            <ac:picMk id="3074" creationId="{1880FB75-C407-4095-824A-21E541968616}"/>
-          </ac:picMkLst>
-        </pc:picChg>
-        <pc:picChg chg="add mod">
-          <ac:chgData name="JinSeop Im" userId="c40f7fbe82cfb90a" providerId="LiveId" clId="{5757E13D-CB4C-4463-B328-997DF417BC35}" dt="2019-03-16T00:59:17.537" v="3726" actId="1076"/>
-          <ac:picMkLst>
-            <pc:docMk/>
-            <pc:sldMk cId="1988412682" sldId="275"/>
-            <ac:picMk id="3076" creationId="{69F014AB-1C0D-436F-907A-B3E759E2D84D}"/>
-          </ac:picMkLst>
-        </pc:picChg>
-      </pc:sldChg>
-      <pc:sldChg chg="addSp delSp modSp add">
-        <pc:chgData name="JinSeop Im" userId="c40f7fbe82cfb90a" providerId="LiveId" clId="{5757E13D-CB4C-4463-B328-997DF417BC35}" dt="2019-03-15T23:41:59.150" v="3643" actId="20577"/>
-        <pc:sldMkLst>
-          <pc:docMk/>
-          <pc:sldMk cId="3698797492" sldId="277"/>
-        </pc:sldMkLst>
-        <pc:spChg chg="del">
-          <ac:chgData name="JinSeop Im" userId="c40f7fbe82cfb90a" providerId="LiveId" clId="{5757E13D-CB4C-4463-B328-997DF417BC35}" dt="2019-03-15T23:35:11.210" v="3383" actId="478"/>
-          <ac:spMkLst>
-            <pc:docMk/>
-            <pc:sldMk cId="3698797492" sldId="277"/>
-            <ac:spMk id="9" creationId="{46E5DFA8-A4EC-4EFE-BF23-1646213861EB}"/>
-          </ac:spMkLst>
-        </pc:spChg>
-        <pc:spChg chg="add mod">
-          <ac:chgData name="JinSeop Im" userId="c40f7fbe82cfb90a" providerId="LiveId" clId="{5757E13D-CB4C-4463-B328-997DF417BC35}" dt="2019-03-15T23:41:59.150" v="3643" actId="20577"/>
-          <ac:spMkLst>
-            <pc:docMk/>
-            <pc:sldMk cId="3698797492" sldId="277"/>
-            <ac:spMk id="13" creationId="{8F55BB4C-A087-4B7B-8EA9-A888643CBB7D}"/>
-          </ac:spMkLst>
-        </pc:spChg>
-        <pc:picChg chg="add mod">
-          <ac:chgData name="JinSeop Im" userId="c40f7fbe82cfb90a" providerId="LiveId" clId="{5757E13D-CB4C-4463-B328-997DF417BC35}" dt="2019-03-15T23:38:20.260" v="3400" actId="1076"/>
-          <ac:picMkLst>
-            <pc:docMk/>
-            <pc:sldMk cId="3698797492" sldId="277"/>
-            <ac:picMk id="2" creationId="{00792A01-503B-47E4-A596-3ED0600576D8}"/>
-          </ac:picMkLst>
-        </pc:picChg>
-        <pc:picChg chg="del">
-          <ac:chgData name="JinSeop Im" userId="c40f7fbe82cfb90a" providerId="LiveId" clId="{5757E13D-CB4C-4463-B328-997DF417BC35}" dt="2019-03-15T23:35:11.210" v="3383" actId="478"/>
-          <ac:picMkLst>
-            <pc:docMk/>
-            <pc:sldMk cId="3698797492" sldId="277"/>
-            <ac:picMk id="3074" creationId="{1880FB75-C407-4095-824A-21E541968616}"/>
-          </ac:picMkLst>
-        </pc:picChg>
-        <pc:picChg chg="del">
-          <ac:chgData name="JinSeop Im" userId="c40f7fbe82cfb90a" providerId="LiveId" clId="{5757E13D-CB4C-4463-B328-997DF417BC35}" dt="2019-03-15T23:35:11.210" v="3383" actId="478"/>
-          <ac:picMkLst>
-            <pc:docMk/>
-            <pc:sldMk cId="3698797492" sldId="277"/>
-            <ac:picMk id="3076" creationId="{69F014AB-1C0D-436F-907A-B3E759E2D84D}"/>
-          </ac:picMkLst>
-        </pc:picChg>
-        <pc:picChg chg="add mod">
-          <ac:chgData name="JinSeop Im" userId="c40f7fbe82cfb90a" providerId="LiveId" clId="{5757E13D-CB4C-4463-B328-997DF417BC35}" dt="2019-03-15T23:35:47.822" v="3389" actId="14100"/>
-          <ac:picMkLst>
-            <pc:docMk/>
-            <pc:sldMk cId="3698797492" sldId="277"/>
-            <ac:picMk id="4098" creationId="{B1A00018-9BA9-4606-9F85-5C5436BEA496}"/>
-          </ac:picMkLst>
-        </pc:picChg>
-        <pc:picChg chg="add del mod">
-          <ac:chgData name="JinSeop Im" userId="c40f7fbe82cfb90a" providerId="LiveId" clId="{5757E13D-CB4C-4463-B328-997DF417BC35}" dt="2019-03-15T23:37:51.668" v="3394" actId="478"/>
-          <ac:picMkLst>
-            <pc:docMk/>
-            <pc:sldMk cId="3698797492" sldId="277"/>
-            <ac:picMk id="4100" creationId="{0F844342-8A71-417C-B8BE-AC1DF332B883}"/>
-          </ac:picMkLst>
-        </pc:picChg>
-      </pc:sldChg>
-      <pc:sldChg chg="addSp delSp modSp add">
-        <pc:chgData name="JinSeop Im" userId="c40f7fbe82cfb90a" providerId="LiveId" clId="{5757E13D-CB4C-4463-B328-997DF417BC35}" dt="2019-03-16T01:41:53.258" v="4889" actId="20577"/>
-        <pc:sldMkLst>
-          <pc:docMk/>
-          <pc:sldMk cId="4099301703" sldId="278"/>
-        </pc:sldMkLst>
-        <pc:spChg chg="add del mod">
-          <ac:chgData name="JinSeop Im" userId="c40f7fbe82cfb90a" providerId="LiveId" clId="{5757E13D-CB4C-4463-B328-997DF417BC35}" dt="2019-03-16T01:31:24.856" v="4515" actId="478"/>
-          <ac:spMkLst>
-            <pc:docMk/>
-            <pc:sldMk cId="4099301703" sldId="278"/>
-            <ac:spMk id="6" creationId="{4A14E494-2176-4EEC-9908-B635E09D4E29}"/>
-          </ac:spMkLst>
-        </pc:spChg>
-        <pc:spChg chg="del">
-          <ac:chgData name="JinSeop Im" userId="c40f7fbe82cfb90a" providerId="LiveId" clId="{5757E13D-CB4C-4463-B328-997DF417BC35}" dt="2019-03-15T23:40:57.135" v="3544" actId="478"/>
-          <ac:spMkLst>
-            <pc:docMk/>
-            <pc:sldMk cId="4099301703" sldId="278"/>
-            <ac:spMk id="13" creationId="{8F55BB4C-A087-4B7B-8EA9-A888643CBB7D}"/>
-          </ac:spMkLst>
-        </pc:spChg>
-        <pc:spChg chg="mod">
-          <ac:chgData name="JinSeop Im" userId="c40f7fbe82cfb90a" providerId="LiveId" clId="{5757E13D-CB4C-4463-B328-997DF417BC35}" dt="2019-03-16T01:31:55.494" v="4521" actId="20577"/>
-          <ac:spMkLst>
-            <pc:docMk/>
-            <pc:sldMk cId="4099301703" sldId="278"/>
-            <ac:spMk id="18" creationId="{446ABC95-5C1D-4F29-B39B-389795BB8D6E}"/>
-          </ac:spMkLst>
-        </pc:spChg>
-        <pc:graphicFrameChg chg="add del mod modGraphic">
-          <ac:chgData name="JinSeop Im" userId="c40f7fbe82cfb90a" providerId="LiveId" clId="{5757E13D-CB4C-4463-B328-997DF417BC35}" dt="2019-03-16T01:41:53.258" v="4889" actId="20577"/>
-          <ac:graphicFrameMkLst>
-            <pc:docMk/>
-            <pc:sldMk cId="4099301703" sldId="278"/>
-            <ac:graphicFrameMk id="2" creationId="{2D5932C6-2F67-4472-9130-0C80CEA8ED73}"/>
-          </ac:graphicFrameMkLst>
-        </pc:graphicFrameChg>
-        <pc:graphicFrameChg chg="add del mod modGraphic">
-          <ac:chgData name="JinSeop Im" userId="c40f7fbe82cfb90a" providerId="LiveId" clId="{5757E13D-CB4C-4463-B328-997DF417BC35}" dt="2019-03-16T01:30:51.192" v="4508" actId="478"/>
-          <ac:graphicFrameMkLst>
-            <pc:docMk/>
-            <pc:sldMk cId="4099301703" sldId="278"/>
-            <ac:graphicFrameMk id="3" creationId="{F6204DBE-C044-4B88-9650-E8A77391A21C}"/>
-          </ac:graphicFrameMkLst>
-        </pc:graphicFrameChg>
-        <pc:picChg chg="del">
-          <ac:chgData name="JinSeop Im" userId="c40f7fbe82cfb90a" providerId="LiveId" clId="{5757E13D-CB4C-4463-B328-997DF417BC35}" dt="2019-03-15T23:39:47.169" v="3542" actId="478"/>
-          <ac:picMkLst>
-            <pc:docMk/>
-            <pc:sldMk cId="4099301703" sldId="278"/>
-            <ac:picMk id="2" creationId="{00792A01-503B-47E4-A596-3ED0600576D8}"/>
-          </ac:picMkLst>
-        </pc:picChg>
-        <pc:picChg chg="del">
-          <ac:chgData name="JinSeop Im" userId="c40f7fbe82cfb90a" providerId="LiveId" clId="{5757E13D-CB4C-4463-B328-997DF417BC35}" dt="2019-03-15T23:39:44.603" v="3541" actId="478"/>
-          <ac:picMkLst>
-            <pc:docMk/>
-            <pc:sldMk cId="4099301703" sldId="278"/>
-            <ac:picMk id="4098" creationId="{B1A00018-9BA9-4606-9F85-5C5436BEA496}"/>
-          </ac:picMkLst>
-        </pc:picChg>
-      </pc:sldChg>
-      <pc:sldChg chg="modSp add">
-        <pc:chgData name="JinSeop Im" userId="c40f7fbe82cfb90a" providerId="LiveId" clId="{5757E13D-CB4C-4463-B328-997DF417BC35}" dt="2019-03-16T01:43:41.027" v="4983" actId="20577"/>
-        <pc:sldMkLst>
-          <pc:docMk/>
-          <pc:sldMk cId="1992533794" sldId="279"/>
-        </pc:sldMkLst>
-        <pc:graphicFrameChg chg="mod modGraphic">
-          <ac:chgData name="JinSeop Im" userId="c40f7fbe82cfb90a" providerId="LiveId" clId="{5757E13D-CB4C-4463-B328-997DF417BC35}" dt="2019-03-16T01:43:41.027" v="4983" actId="20577"/>
-          <ac:graphicFrameMkLst>
-            <pc:docMk/>
-            <pc:sldMk cId="1992533794" sldId="279"/>
-            <ac:graphicFrameMk id="3" creationId="{F6204DBE-C044-4B88-9650-E8A77391A21C}"/>
-          </ac:graphicFrameMkLst>
-        </pc:graphicFrameChg>
-      </pc:sldChg>
-      <pc:sldChg chg="addSp delSp modSp add ord">
-        <pc:chgData name="JinSeop Im" userId="c40f7fbe82cfb90a" providerId="LiveId" clId="{5757E13D-CB4C-4463-B328-997DF417BC35}" dt="2019-03-16T02:43:23.762" v="5380" actId="1038"/>
-        <pc:sldMkLst>
-          <pc:docMk/>
-          <pc:sldMk cId="689946609" sldId="280"/>
-        </pc:sldMkLst>
-        <pc:spChg chg="add del mod">
-          <ac:chgData name="JinSeop Im" userId="c40f7fbe82cfb90a" providerId="LiveId" clId="{5757E13D-CB4C-4463-B328-997DF417BC35}" dt="2019-03-16T02:39:07.236" v="5261" actId="478"/>
-          <ac:spMkLst>
-            <pc:docMk/>
-            <pc:sldMk cId="689946609" sldId="280"/>
-            <ac:spMk id="2" creationId="{3E6AC478-08CF-4984-ADE9-59328E7D45D8}"/>
-          </ac:spMkLst>
-        </pc:spChg>
-        <pc:spChg chg="add mod">
-          <ac:chgData name="JinSeop Im" userId="c40f7fbe82cfb90a" providerId="LiveId" clId="{5757E13D-CB4C-4463-B328-997DF417BC35}" dt="2019-03-16T02:43:23.762" v="5380" actId="1038"/>
-          <ac:spMkLst>
-            <pc:docMk/>
-            <pc:sldMk cId="689946609" sldId="280"/>
-            <ac:spMk id="7" creationId="{34BFB7A4-154C-4890-AB16-655EE40743E3}"/>
-          </ac:spMkLst>
-        </pc:spChg>
-        <pc:spChg chg="add del mod">
-          <ac:chgData name="JinSeop Im" userId="c40f7fbe82cfb90a" providerId="LiveId" clId="{5757E13D-CB4C-4463-B328-997DF417BC35}" dt="2019-03-16T02:39:03.768" v="5260" actId="478"/>
-          <ac:spMkLst>
-            <pc:docMk/>
-            <pc:sldMk cId="689946609" sldId="280"/>
-            <ac:spMk id="11" creationId="{D8DD775D-8F2C-431E-9179-C72FC0A196CF}"/>
-          </ac:spMkLst>
-        </pc:spChg>
-        <pc:spChg chg="add mod">
-          <ac:chgData name="JinSeop Im" userId="c40f7fbe82cfb90a" providerId="LiveId" clId="{5757E13D-CB4C-4463-B328-997DF417BC35}" dt="2019-03-16T02:43:23.762" v="5380" actId="1038"/>
-          <ac:spMkLst>
-            <pc:docMk/>
-            <pc:sldMk cId="689946609" sldId="280"/>
-            <ac:spMk id="13" creationId="{A0DCC5FF-4EEA-4D5D-93CD-00B3A58CEDD6}"/>
-          </ac:spMkLst>
-        </pc:spChg>
-        <pc:spChg chg="add mod">
-          <ac:chgData name="JinSeop Im" userId="c40f7fbe82cfb90a" providerId="LiveId" clId="{5757E13D-CB4C-4463-B328-997DF417BC35}" dt="2019-03-16T02:43:23.762" v="5380" actId="1038"/>
-          <ac:spMkLst>
-            <pc:docMk/>
-            <pc:sldMk cId="689946609" sldId="280"/>
-            <ac:spMk id="14" creationId="{55F76A11-7E90-4ADD-ADDA-2C79F040FD86}"/>
-          </ac:spMkLst>
-        </pc:spChg>
-        <pc:spChg chg="mod">
-          <ac:chgData name="JinSeop Im" userId="c40f7fbe82cfb90a" providerId="LiveId" clId="{5757E13D-CB4C-4463-B328-997DF417BC35}" dt="2019-03-16T01:45:10.874" v="5043"/>
-          <ac:spMkLst>
-            <pc:docMk/>
-            <pc:sldMk cId="689946609" sldId="280"/>
-            <ac:spMk id="18" creationId="{446ABC95-5C1D-4F29-B39B-389795BB8D6E}"/>
-          </ac:spMkLst>
-        </pc:spChg>
-        <pc:spChg chg="add mod">
-          <ac:chgData name="JinSeop Im" userId="c40f7fbe82cfb90a" providerId="LiveId" clId="{5757E13D-CB4C-4463-B328-997DF417BC35}" dt="2019-03-16T02:43:23.762" v="5380" actId="1038"/>
-          <ac:spMkLst>
-            <pc:docMk/>
-            <pc:sldMk cId="689946609" sldId="280"/>
-            <ac:spMk id="25" creationId="{B2C8B7C9-BB7D-49F9-961B-9C2DB9D8485C}"/>
-          </ac:spMkLst>
-        </pc:spChg>
-        <pc:spChg chg="add mod">
-          <ac:chgData name="JinSeop Im" userId="c40f7fbe82cfb90a" providerId="LiveId" clId="{5757E13D-CB4C-4463-B328-997DF417BC35}" dt="2019-03-16T02:43:23.762" v="5380" actId="1038"/>
-          <ac:spMkLst>
-            <pc:docMk/>
-            <pc:sldMk cId="689946609" sldId="280"/>
-            <ac:spMk id="26" creationId="{78AA6A03-B4E1-420F-9FFC-4C7036934CC6}"/>
-          </ac:spMkLst>
-        </pc:spChg>
-        <pc:picChg chg="add mod">
-          <ac:chgData name="JinSeop Im" userId="c40f7fbe82cfb90a" providerId="LiveId" clId="{5757E13D-CB4C-4463-B328-997DF417BC35}" dt="2019-03-16T02:43:23.762" v="5380" actId="1038"/>
-          <ac:picMkLst>
-            <pc:docMk/>
-            <pc:sldMk cId="689946609" sldId="280"/>
-            <ac:picMk id="1026" creationId="{4D06D18F-5547-40DE-81AE-97B0AC1DB221}"/>
-          </ac:picMkLst>
-        </pc:picChg>
-        <pc:picChg chg="add del mod">
-          <ac:chgData name="JinSeop Im" userId="c40f7fbe82cfb90a" providerId="LiveId" clId="{5757E13D-CB4C-4463-B328-997DF417BC35}" dt="2019-03-16T01:48:36.545" v="5071" actId="478"/>
-          <ac:picMkLst>
-            <pc:docMk/>
-            <pc:sldMk cId="689946609" sldId="280"/>
-            <ac:picMk id="2050" creationId="{64ED0508-541E-439A-97AE-42122A078A8F}"/>
-          </ac:picMkLst>
-        </pc:picChg>
-        <pc:picChg chg="add mod">
-          <ac:chgData name="JinSeop Im" userId="c40f7fbe82cfb90a" providerId="LiveId" clId="{5757E13D-CB4C-4463-B328-997DF417BC35}" dt="2019-03-16T02:43:23.762" v="5380" actId="1038"/>
-          <ac:picMkLst>
-            <pc:docMk/>
-            <pc:sldMk cId="689946609" sldId="280"/>
-            <ac:picMk id="2052" creationId="{0EBFE822-6DEE-4206-BB77-EEDF36C91A7F}"/>
-          </ac:picMkLst>
-        </pc:picChg>
-        <pc:picChg chg="add mod">
-          <ac:chgData name="JinSeop Im" userId="c40f7fbe82cfb90a" providerId="LiveId" clId="{5757E13D-CB4C-4463-B328-997DF417BC35}" dt="2019-03-16T02:43:23.762" v="5380" actId="1038"/>
-          <ac:picMkLst>
-            <pc:docMk/>
-            <pc:sldMk cId="689946609" sldId="280"/>
-            <ac:picMk id="2054" creationId="{C024E12C-E47F-4E05-AEC8-052650702954}"/>
-          </ac:picMkLst>
-        </pc:picChg>
-        <pc:picChg chg="add mod">
-          <ac:chgData name="JinSeop Im" userId="c40f7fbe82cfb90a" providerId="LiveId" clId="{5757E13D-CB4C-4463-B328-997DF417BC35}" dt="2019-03-16T02:43:23.762" v="5380" actId="1038"/>
-          <ac:picMkLst>
-            <pc:docMk/>
-            <pc:sldMk cId="689946609" sldId="280"/>
-            <ac:picMk id="2056" creationId="{A4C46681-FD0C-4FD3-AA5F-08FC0D191600}"/>
-          </ac:picMkLst>
-        </pc:picChg>
-        <pc:cxnChg chg="add mod">
-          <ac:chgData name="JinSeop Im" userId="c40f7fbe82cfb90a" providerId="LiveId" clId="{5757E13D-CB4C-4463-B328-997DF417BC35}" dt="2019-03-16T02:43:23.762" v="5380" actId="1038"/>
-          <ac:cxnSpMkLst>
-            <pc:docMk/>
-            <pc:sldMk cId="689946609" sldId="280"/>
-            <ac:cxnSpMk id="6" creationId="{D336C13A-343E-4FA8-96FF-82FD4C44ED4C}"/>
-          </ac:cxnSpMkLst>
-        </pc:cxnChg>
-        <pc:cxnChg chg="add mod">
-          <ac:chgData name="JinSeop Im" userId="c40f7fbe82cfb90a" providerId="LiveId" clId="{5757E13D-CB4C-4463-B328-997DF417BC35}" dt="2019-03-16T02:43:23.762" v="5380" actId="1038"/>
-          <ac:cxnSpMkLst>
-            <pc:docMk/>
-            <pc:sldMk cId="689946609" sldId="280"/>
-            <ac:cxnSpMk id="19" creationId="{77A0A840-AF61-45FB-AE7D-E454E6CAAAFC}"/>
-          </ac:cxnSpMkLst>
-        </pc:cxnChg>
-        <pc:cxnChg chg="add mod">
-          <ac:chgData name="JinSeop Im" userId="c40f7fbe82cfb90a" providerId="LiveId" clId="{5757E13D-CB4C-4463-B328-997DF417BC35}" dt="2019-03-16T02:43:23.762" v="5380" actId="1038"/>
-          <ac:cxnSpMkLst>
-            <pc:docMk/>
-            <pc:sldMk cId="689946609" sldId="280"/>
-            <ac:cxnSpMk id="22" creationId="{2EA42FCC-79CF-4094-9729-4B712097B41D}"/>
-          </ac:cxnSpMkLst>
-        </pc:cxnChg>
-      </pc:sldChg>
-      <pc:sldChg chg="addSp delSp modSp add">
-        <pc:chgData name="JinSeop Im" userId="c40f7fbe82cfb90a" providerId="LiveId" clId="{5757E13D-CB4C-4463-B328-997DF417BC35}" dt="2019-03-16T02:53:43.800" v="5538" actId="207"/>
-        <pc:sldMkLst>
-          <pc:docMk/>
-          <pc:sldMk cId="3402574683" sldId="281"/>
-        </pc:sldMkLst>
-        <pc:spChg chg="mod">
-          <ac:chgData name="JinSeop Im" userId="c40f7fbe82cfb90a" providerId="LiveId" clId="{5757E13D-CB4C-4463-B328-997DF417BC35}" dt="2019-03-16T02:44:24.277" v="5409"/>
-          <ac:spMkLst>
-            <pc:docMk/>
-            <pc:sldMk cId="3402574683" sldId="281"/>
-            <ac:spMk id="5" creationId="{00000000-0000-0000-0000-000000000000}"/>
-          </ac:spMkLst>
-        </pc:spChg>
-        <pc:spChg chg="del">
-          <ac:chgData name="JinSeop Im" userId="c40f7fbe82cfb90a" providerId="LiveId" clId="{5757E13D-CB4C-4463-B328-997DF417BC35}" dt="2019-03-16T02:45:42.830" v="5420" actId="478"/>
-          <ac:spMkLst>
-            <pc:docMk/>
-            <pc:sldMk cId="3402574683" sldId="281"/>
-            <ac:spMk id="7" creationId="{34BFB7A4-154C-4890-AB16-655EE40743E3}"/>
-          </ac:spMkLst>
-        </pc:spChg>
-        <pc:spChg chg="mod">
-          <ac:chgData name="JinSeop Im" userId="c40f7fbe82cfb90a" providerId="LiveId" clId="{5757E13D-CB4C-4463-B328-997DF417BC35}" dt="2019-03-16T02:44:17.331" v="5396" actId="20577"/>
-          <ac:spMkLst>
-            <pc:docMk/>
-            <pc:sldMk cId="3402574683" sldId="281"/>
-            <ac:spMk id="12" creationId="{00000000-0000-0000-0000-000000000000}"/>
-          </ac:spMkLst>
-        </pc:spChg>
-        <pc:spChg chg="del">
-          <ac:chgData name="JinSeop Im" userId="c40f7fbe82cfb90a" providerId="LiveId" clId="{5757E13D-CB4C-4463-B328-997DF417BC35}" dt="2019-03-16T02:45:42.830" v="5420" actId="478"/>
-          <ac:spMkLst>
-            <pc:docMk/>
-            <pc:sldMk cId="3402574683" sldId="281"/>
-            <ac:spMk id="13" creationId="{A0DCC5FF-4EEA-4D5D-93CD-00B3A58CEDD6}"/>
-          </ac:spMkLst>
-        </pc:spChg>
-        <pc:spChg chg="del">
-          <ac:chgData name="JinSeop Im" userId="c40f7fbe82cfb90a" providerId="LiveId" clId="{5757E13D-CB4C-4463-B328-997DF417BC35}" dt="2019-03-16T02:45:42.830" v="5420" actId="478"/>
-          <ac:spMkLst>
-            <pc:docMk/>
-            <pc:sldMk cId="3402574683" sldId="281"/>
-            <ac:spMk id="14" creationId="{55F76A11-7E90-4ADD-ADDA-2C79F040FD86}"/>
-          </ac:spMkLst>
-        </pc:spChg>
-        <pc:spChg chg="mod">
-          <ac:chgData name="JinSeop Im" userId="c40f7fbe82cfb90a" providerId="LiveId" clId="{5757E13D-CB4C-4463-B328-997DF417BC35}" dt="2019-03-16T02:44:37.063" v="5419"/>
-          <ac:spMkLst>
-            <pc:docMk/>
-            <pc:sldMk cId="3402574683" sldId="281"/>
-            <ac:spMk id="18" creationId="{446ABC95-5C1D-4F29-B39B-389795BB8D6E}"/>
-          </ac:spMkLst>
-        </pc:spChg>
-        <pc:spChg chg="add mod">
-          <ac:chgData name="JinSeop Im" userId="c40f7fbe82cfb90a" providerId="LiveId" clId="{5757E13D-CB4C-4463-B328-997DF417BC35}" dt="2019-03-16T02:53:43.800" v="5538" actId="207"/>
-          <ac:spMkLst>
-            <pc:docMk/>
-            <pc:sldMk cId="3402574683" sldId="281"/>
-            <ac:spMk id="23" creationId="{EBA5D9ED-3B41-4973-8C54-F957373BE763}"/>
-          </ac:spMkLst>
-        </pc:spChg>
-        <pc:spChg chg="add mod">
-          <ac:chgData name="JinSeop Im" userId="c40f7fbe82cfb90a" providerId="LiveId" clId="{5757E13D-CB4C-4463-B328-997DF417BC35}" dt="2019-03-16T02:53:43.800" v="5538" actId="207"/>
-          <ac:spMkLst>
-            <pc:docMk/>
-            <pc:sldMk cId="3402574683" sldId="281"/>
-            <ac:spMk id="24" creationId="{50B8AFBE-E727-4AAC-B569-606F4D0B690D}"/>
-          </ac:spMkLst>
-        </pc:spChg>
-        <pc:spChg chg="del">
-          <ac:chgData name="JinSeop Im" userId="c40f7fbe82cfb90a" providerId="LiveId" clId="{5757E13D-CB4C-4463-B328-997DF417BC35}" dt="2019-03-16T02:45:42.830" v="5420" actId="478"/>
-          <ac:spMkLst>
-            <pc:docMk/>
-            <pc:sldMk cId="3402574683" sldId="281"/>
-            <ac:spMk id="25" creationId="{B2C8B7C9-BB7D-49F9-961B-9C2DB9D8485C}"/>
-          </ac:spMkLst>
-        </pc:spChg>
-        <pc:spChg chg="del">
-          <ac:chgData name="JinSeop Im" userId="c40f7fbe82cfb90a" providerId="LiveId" clId="{5757E13D-CB4C-4463-B328-997DF417BC35}" dt="2019-03-16T02:45:42.830" v="5420" actId="478"/>
-          <ac:spMkLst>
-            <pc:docMk/>
-            <pc:sldMk cId="3402574683" sldId="281"/>
-            <ac:spMk id="26" creationId="{78AA6A03-B4E1-420F-9FFC-4C7036934CC6}"/>
-          </ac:spMkLst>
-        </pc:spChg>
-        <pc:spChg chg="add mod">
-          <ac:chgData name="JinSeop Im" userId="c40f7fbe82cfb90a" providerId="LiveId" clId="{5757E13D-CB4C-4463-B328-997DF417BC35}" dt="2019-03-16T02:53:43.800" v="5538" actId="207"/>
-          <ac:spMkLst>
-            <pc:docMk/>
-            <pc:sldMk cId="3402574683" sldId="281"/>
-            <ac:spMk id="27" creationId="{36A67AD9-CDAD-479B-8F88-A0AECCC12F66}"/>
-          </ac:spMkLst>
-        </pc:spChg>
-        <pc:picChg chg="add mod">
-          <ac:chgData name="JinSeop Im" userId="c40f7fbe82cfb90a" providerId="LiveId" clId="{5757E13D-CB4C-4463-B328-997DF417BC35}" dt="2019-03-16T02:53:24.796" v="5537" actId="554"/>
-          <ac:picMkLst>
-            <pc:docMk/>
-            <pc:sldMk cId="3402574683" sldId="281"/>
-            <ac:picMk id="2" creationId="{9576EF06-0BD9-4A61-9BF4-10691777B156}"/>
-          </ac:picMkLst>
-        </pc:picChg>
-        <pc:picChg chg="add mod">
-          <ac:chgData name="JinSeop Im" userId="c40f7fbe82cfb90a" providerId="LiveId" clId="{5757E13D-CB4C-4463-B328-997DF417BC35}" dt="2019-03-16T02:53:24.796" v="5537" actId="554"/>
-          <ac:picMkLst>
-            <pc:docMk/>
-            <pc:sldMk cId="3402574683" sldId="281"/>
-            <ac:picMk id="3" creationId="{FA37AADF-A331-4B4F-BB9A-78E08AF1A737}"/>
-          </ac:picMkLst>
-        </pc:picChg>
-        <pc:picChg chg="add mod">
-          <ac:chgData name="JinSeop Im" userId="c40f7fbe82cfb90a" providerId="LiveId" clId="{5757E13D-CB4C-4463-B328-997DF417BC35}" dt="2019-03-16T02:53:24.796" v="5537" actId="554"/>
-          <ac:picMkLst>
-            <pc:docMk/>
-            <pc:sldMk cId="3402574683" sldId="281"/>
-            <ac:picMk id="8" creationId="{C617F150-15E7-49A1-9CB3-635430FBF715}"/>
-          </ac:picMkLst>
-        </pc:picChg>
-        <pc:picChg chg="del">
-          <ac:chgData name="JinSeop Im" userId="c40f7fbe82cfb90a" providerId="LiveId" clId="{5757E13D-CB4C-4463-B328-997DF417BC35}" dt="2019-03-16T02:45:42.830" v="5420" actId="478"/>
-          <ac:picMkLst>
-            <pc:docMk/>
-            <pc:sldMk cId="3402574683" sldId="281"/>
-            <ac:picMk id="1026" creationId="{4D06D18F-5547-40DE-81AE-97B0AC1DB221}"/>
-          </ac:picMkLst>
-        </pc:picChg>
-        <pc:picChg chg="add del mod">
-          <ac:chgData name="JinSeop Im" userId="c40f7fbe82cfb90a" providerId="LiveId" clId="{5757E13D-CB4C-4463-B328-997DF417BC35}" dt="2019-03-16T02:47:48.581" v="5427" actId="478"/>
-          <ac:picMkLst>
-            <pc:docMk/>
-            <pc:sldMk cId="3402574683" sldId="281"/>
-            <ac:picMk id="2050" creationId="{C9FFB3F8-B49D-4202-8C9C-43A60B5B36B3}"/>
-          </ac:picMkLst>
-        </pc:picChg>
-        <pc:picChg chg="del">
-          <ac:chgData name="JinSeop Im" userId="c40f7fbe82cfb90a" providerId="LiveId" clId="{5757E13D-CB4C-4463-B328-997DF417BC35}" dt="2019-03-16T02:45:42.830" v="5420" actId="478"/>
-          <ac:picMkLst>
-            <pc:docMk/>
-            <pc:sldMk cId="3402574683" sldId="281"/>
-            <ac:picMk id="2052" creationId="{0EBFE822-6DEE-4206-BB77-EEDF36C91A7F}"/>
-          </ac:picMkLst>
-        </pc:picChg>
-        <pc:picChg chg="del">
-          <ac:chgData name="JinSeop Im" userId="c40f7fbe82cfb90a" providerId="LiveId" clId="{5757E13D-CB4C-4463-B328-997DF417BC35}" dt="2019-03-16T02:45:42.830" v="5420" actId="478"/>
-          <ac:picMkLst>
-            <pc:docMk/>
-            <pc:sldMk cId="3402574683" sldId="281"/>
-            <ac:picMk id="2054" creationId="{C024E12C-E47F-4E05-AEC8-052650702954}"/>
-          </ac:picMkLst>
-        </pc:picChg>
-        <pc:picChg chg="del">
-          <ac:chgData name="JinSeop Im" userId="c40f7fbe82cfb90a" providerId="LiveId" clId="{5757E13D-CB4C-4463-B328-997DF417BC35}" dt="2019-03-16T02:45:42.830" v="5420" actId="478"/>
-          <ac:picMkLst>
-            <pc:docMk/>
-            <pc:sldMk cId="3402574683" sldId="281"/>
-            <ac:picMk id="2056" creationId="{A4C46681-FD0C-4FD3-AA5F-08FC0D191600}"/>
-          </ac:picMkLst>
-        </pc:picChg>
-        <pc:cxnChg chg="del mod">
-          <ac:chgData name="JinSeop Im" userId="c40f7fbe82cfb90a" providerId="LiveId" clId="{5757E13D-CB4C-4463-B328-997DF417BC35}" dt="2019-03-16T02:45:42.830" v="5420" actId="478"/>
-          <ac:cxnSpMkLst>
-            <pc:docMk/>
-            <pc:sldMk cId="3402574683" sldId="281"/>
-            <ac:cxnSpMk id="6" creationId="{D336C13A-343E-4FA8-96FF-82FD4C44ED4C}"/>
-          </ac:cxnSpMkLst>
-        </pc:cxnChg>
-        <pc:cxnChg chg="del mod">
-          <ac:chgData name="JinSeop Im" userId="c40f7fbe82cfb90a" providerId="LiveId" clId="{5757E13D-CB4C-4463-B328-997DF417BC35}" dt="2019-03-16T02:45:42.830" v="5420" actId="478"/>
-          <ac:cxnSpMkLst>
-            <pc:docMk/>
-            <pc:sldMk cId="3402574683" sldId="281"/>
-            <ac:cxnSpMk id="19" creationId="{77A0A840-AF61-45FB-AE7D-E454E6CAAAFC}"/>
-          </ac:cxnSpMkLst>
-        </pc:cxnChg>
-        <pc:cxnChg chg="del mod">
-          <ac:chgData name="JinSeop Im" userId="c40f7fbe82cfb90a" providerId="LiveId" clId="{5757E13D-CB4C-4463-B328-997DF417BC35}" dt="2019-03-16T02:45:42.830" v="5420" actId="478"/>
-          <ac:cxnSpMkLst>
-            <pc:docMk/>
-            <pc:sldMk cId="3402574683" sldId="281"/>
-            <ac:cxnSpMk id="22" creationId="{2EA42FCC-79CF-4094-9729-4B712097B41D}"/>
-          </ac:cxnSpMkLst>
-        </pc:cxnChg>
-      </pc:sldChg>
-      <pc:sldChg chg="add">
-        <pc:chgData name="JinSeop Im" userId="c40f7fbe82cfb90a" providerId="LiveId" clId="{5757E13D-CB4C-4463-B328-997DF417BC35}" dt="2019-03-16T02:47:43.187" v="5426"/>
-        <pc:sldMkLst>
-          <pc:docMk/>
-          <pc:sldMk cId="2326311147" sldId="282"/>
-        </pc:sldMkLst>
-      </pc:sldChg>
-      <pc:sldChg chg="addSp delSp modSp add">
-        <pc:chgData name="JinSeop Im" userId="c40f7fbe82cfb90a" providerId="LiveId" clId="{5757E13D-CB4C-4463-B328-997DF417BC35}" dt="2019-03-16T06:11:15.677" v="5842" actId="20577"/>
-        <pc:sldMkLst>
-          <pc:docMk/>
-          <pc:sldMk cId="2535839192" sldId="283"/>
-        </pc:sldMkLst>
-        <pc:spChg chg="add del">
-          <ac:chgData name="JinSeop Im" userId="c40f7fbe82cfb90a" providerId="LiveId" clId="{5757E13D-CB4C-4463-B328-997DF417BC35}" dt="2019-03-16T02:55:54.302" v="5545" actId="478"/>
-          <ac:spMkLst>
-            <pc:docMk/>
-            <pc:sldMk cId="2535839192" sldId="283"/>
-            <ac:spMk id="3" creationId="{03A8905D-0B46-44CB-B764-DE39E559FC09}"/>
-          </ac:spMkLst>
-        </pc:spChg>
-        <pc:spChg chg="mod">
-          <ac:chgData name="JinSeop Im" userId="c40f7fbe82cfb90a" providerId="LiveId" clId="{5757E13D-CB4C-4463-B328-997DF417BC35}" dt="2019-03-16T02:54:22.861" v="5542" actId="20577"/>
-          <ac:spMkLst>
-            <pc:docMk/>
-            <pc:sldMk cId="2535839192" sldId="283"/>
-            <ac:spMk id="18" creationId="{446ABC95-5C1D-4F29-B39B-389795BB8D6E}"/>
-          </ac:spMkLst>
-        </pc:spChg>
-        <pc:graphicFrameChg chg="add mod modGraphic">
-          <ac:chgData name="JinSeop Im" userId="c40f7fbe82cfb90a" providerId="LiveId" clId="{5757E13D-CB4C-4463-B328-997DF417BC35}" dt="2019-03-16T06:11:15.677" v="5842" actId="20577"/>
-          <ac:graphicFrameMkLst>
-            <pc:docMk/>
-            <pc:sldMk cId="2535839192" sldId="283"/>
-            <ac:graphicFrameMk id="2" creationId="{3E64E90B-0EAF-4E39-9EB5-CDFB9F0DFBAD}"/>
-          </ac:graphicFrameMkLst>
-        </pc:graphicFrameChg>
-        <pc:picChg chg="del">
-          <ac:chgData name="JinSeop Im" userId="c40f7fbe82cfb90a" providerId="LiveId" clId="{5757E13D-CB4C-4463-B328-997DF417BC35}" dt="2019-03-16T02:54:26.568" v="5543" actId="478"/>
-          <ac:picMkLst>
-            <pc:docMk/>
-            <pc:sldMk cId="2535839192" sldId="283"/>
-            <ac:picMk id="2050" creationId="{C9FFB3F8-B49D-4202-8C9C-43A60B5B36B3}"/>
-          </ac:picMkLst>
-        </pc:picChg>
-      </pc:sldChg>
-    </pc:docChg>
-  </pc:docChgLst>
-  <pc:docChgLst>
     <pc:chgData name="Im JinSeop" userId="c40f7fbe82cfb90a" providerId="LiveId" clId="{3579E088-160D-47C7-B60C-BB0E8B54C69E}"/>
     <pc:docChg chg="modSld">
       <pc:chgData name="Im JinSeop" userId="c40f7fbe82cfb90a" providerId="LiveId" clId="{3579E088-160D-47C7-B60C-BB0E8B54C69E}" dt="2019-03-17T04:51:13.503" v="1" actId="20577"/>
@@ -2713,108 +3932,6 @@
             <ac:spMk id="2" creationId="{00000000-0000-0000-0000-000000000000}"/>
           </ac:spMkLst>
         </pc:spChg>
-      </pc:sldChg>
-    </pc:docChg>
-  </pc:docChgLst>
-  <pc:docChgLst>
-    <pc:chgData name="Im JinSeop" userId="c40f7fbe82cfb90a" providerId="LiveId" clId="{84AA0560-3411-43A6-9124-2A52F4FC3884}"/>
-    <pc:docChg chg="modSld">
-      <pc:chgData name="Im JinSeop" userId="c40f7fbe82cfb90a" providerId="LiveId" clId="{84AA0560-3411-43A6-9124-2A52F4FC3884}" dt="2020-04-10T01:53:12.066" v="28" actId="113"/>
-      <pc:docMkLst>
-        <pc:docMk/>
-      </pc:docMkLst>
-      <pc:sldChg chg="modSp mod">
-        <pc:chgData name="Im JinSeop" userId="c40f7fbe82cfb90a" providerId="LiveId" clId="{84AA0560-3411-43A6-9124-2A52F4FC3884}" dt="2020-04-10T01:52:36.800" v="26" actId="113"/>
-        <pc:sldMkLst>
-          <pc:docMk/>
-          <pc:sldMk cId="1723337297" sldId="260"/>
-        </pc:sldMkLst>
-        <pc:spChg chg="mod">
-          <ac:chgData name="Im JinSeop" userId="c40f7fbe82cfb90a" providerId="LiveId" clId="{84AA0560-3411-43A6-9124-2A52F4FC3884}" dt="2020-04-10T01:52:36.800" v="26" actId="113"/>
-          <ac:spMkLst>
-            <pc:docMk/>
-            <pc:sldMk cId="1723337297" sldId="260"/>
-            <ac:spMk id="5" creationId="{00000000-0000-0000-0000-000000000000}"/>
-          </ac:spMkLst>
-        </pc:spChg>
-        <pc:spChg chg="mod">
-          <ac:chgData name="Im JinSeop" userId="c40f7fbe82cfb90a" providerId="LiveId" clId="{84AA0560-3411-43A6-9124-2A52F4FC3884}" dt="2020-04-10T01:52:36.800" v="26" actId="113"/>
-          <ac:spMkLst>
-            <pc:docMk/>
-            <pc:sldMk cId="1723337297" sldId="260"/>
-            <ac:spMk id="7" creationId="{00000000-0000-0000-0000-000000000000}"/>
-          </ac:spMkLst>
-        </pc:spChg>
-        <pc:spChg chg="mod">
-          <ac:chgData name="Im JinSeop" userId="c40f7fbe82cfb90a" providerId="LiveId" clId="{84AA0560-3411-43A6-9124-2A52F4FC3884}" dt="2020-04-10T01:52:36.800" v="26" actId="113"/>
-          <ac:spMkLst>
-            <pc:docMk/>
-            <pc:sldMk cId="1723337297" sldId="260"/>
-            <ac:spMk id="9" creationId="{00000000-0000-0000-0000-000000000000}"/>
-          </ac:spMkLst>
-        </pc:spChg>
-        <pc:spChg chg="mod">
-          <ac:chgData name="Im JinSeop" userId="c40f7fbe82cfb90a" providerId="LiveId" clId="{84AA0560-3411-43A6-9124-2A52F4FC3884}" dt="2020-04-10T01:52:36.800" v="26" actId="113"/>
-          <ac:spMkLst>
-            <pc:docMk/>
-            <pc:sldMk cId="1723337297" sldId="260"/>
-            <ac:spMk id="11" creationId="{00000000-0000-0000-0000-000000000000}"/>
-          </ac:spMkLst>
-        </pc:spChg>
-      </pc:sldChg>
-      <pc:sldChg chg="modSp mod">
-        <pc:chgData name="Im JinSeop" userId="c40f7fbe82cfb90a" providerId="LiveId" clId="{84AA0560-3411-43A6-9124-2A52F4FC3884}" dt="2020-04-10T01:53:12.066" v="28" actId="113"/>
-        <pc:sldMkLst>
-          <pc:docMk/>
-          <pc:sldMk cId="2240987367" sldId="262"/>
-        </pc:sldMkLst>
-        <pc:spChg chg="mod">
-          <ac:chgData name="Im JinSeop" userId="c40f7fbe82cfb90a" providerId="LiveId" clId="{84AA0560-3411-43A6-9124-2A52F4FC3884}" dt="2020-04-10T01:53:12.066" v="28" actId="113"/>
-          <ac:spMkLst>
-            <pc:docMk/>
-            <pc:sldMk cId="2240987367" sldId="262"/>
-            <ac:spMk id="5" creationId="{00000000-0000-0000-0000-000000000000}"/>
-          </ac:spMkLst>
-        </pc:spChg>
-        <pc:spChg chg="mod">
-          <ac:chgData name="Im JinSeop" userId="c40f7fbe82cfb90a" providerId="LiveId" clId="{84AA0560-3411-43A6-9124-2A52F4FC3884}" dt="2020-04-10T01:53:12.066" v="28" actId="113"/>
-          <ac:spMkLst>
-            <pc:docMk/>
-            <pc:sldMk cId="2240987367" sldId="262"/>
-            <ac:spMk id="7" creationId="{00000000-0000-0000-0000-000000000000}"/>
-          </ac:spMkLst>
-        </pc:spChg>
-        <pc:spChg chg="mod">
-          <ac:chgData name="Im JinSeop" userId="c40f7fbe82cfb90a" providerId="LiveId" clId="{84AA0560-3411-43A6-9124-2A52F4FC3884}" dt="2020-04-10T01:53:12.066" v="28" actId="113"/>
-          <ac:spMkLst>
-            <pc:docMk/>
-            <pc:sldMk cId="2240987367" sldId="262"/>
-            <ac:spMk id="9" creationId="{00000000-0000-0000-0000-000000000000}"/>
-          </ac:spMkLst>
-        </pc:spChg>
-        <pc:spChg chg="mod">
-          <ac:chgData name="Im JinSeop" userId="c40f7fbe82cfb90a" providerId="LiveId" clId="{84AA0560-3411-43A6-9124-2A52F4FC3884}" dt="2020-04-10T01:53:12.066" v="28" actId="113"/>
-          <ac:spMkLst>
-            <pc:docMk/>
-            <pc:sldMk cId="2240987367" sldId="262"/>
-            <ac:spMk id="11" creationId="{00000000-0000-0000-0000-000000000000}"/>
-          </ac:spMkLst>
-        </pc:spChg>
-      </pc:sldChg>
-      <pc:sldChg chg="modSp mod">
-        <pc:chgData name="Im JinSeop" userId="c40f7fbe82cfb90a" providerId="LiveId" clId="{84AA0560-3411-43A6-9124-2A52F4FC3884}" dt="2020-04-08T01:54:55.371" v="24" actId="20577"/>
-        <pc:sldMkLst>
-          <pc:docMk/>
-          <pc:sldMk cId="4099301703" sldId="278"/>
-        </pc:sldMkLst>
-        <pc:graphicFrameChg chg="modGraphic">
-          <ac:chgData name="Im JinSeop" userId="c40f7fbe82cfb90a" providerId="LiveId" clId="{84AA0560-3411-43A6-9124-2A52F4FC3884}" dt="2020-04-08T01:54:55.371" v="24" actId="20577"/>
-          <ac:graphicFrameMkLst>
-            <pc:docMk/>
-            <pc:sldMk cId="4099301703" sldId="278"/>
-            <ac:graphicFrameMk id="7" creationId="{4FC74BBD-CE5A-48ED-932B-01A27290F016}"/>
-          </ac:graphicFrameMkLst>
-        </pc:graphicFrameChg>
       </pc:sldChg>
     </pc:docChg>
   </pc:docChgLst>
@@ -5227,1123 +6344,6 @@
             <ac:graphicFrameMk id="9" creationId="{EDB41114-8424-4D5A-9121-3D2C721707E8}"/>
           </ac:graphicFrameMkLst>
         </pc:graphicFrameChg>
-      </pc:sldChg>
-    </pc:docChg>
-  </pc:docChgLst>
-  <pc:docChgLst>
-    <pc:chgData name="Im JinSeop" userId="c40f7fbe82cfb90a" providerId="LiveId" clId="{BB420FD0-3EC0-4B65-81B7-3AA206F91FA5}"/>
-    <pc:docChg chg="undo custSel addSld delSld modSld sldOrd">
-      <pc:chgData name="Im JinSeop" userId="c40f7fbe82cfb90a" providerId="LiveId" clId="{BB420FD0-3EC0-4B65-81B7-3AA206F91FA5}" dt="2020-04-12T02:47:21.702" v="7136" actId="20577"/>
-      <pc:docMkLst>
-        <pc:docMk/>
-      </pc:docMkLst>
-      <pc:sldChg chg="modSp mod">
-        <pc:chgData name="Im JinSeop" userId="c40f7fbe82cfb90a" providerId="LiveId" clId="{BB420FD0-3EC0-4B65-81B7-3AA206F91FA5}" dt="2020-03-31T13:09:49.430" v="2" actId="255"/>
-        <pc:sldMkLst>
-          <pc:docMk/>
-          <pc:sldMk cId="228288368" sldId="257"/>
-        </pc:sldMkLst>
-        <pc:spChg chg="mod">
-          <ac:chgData name="Im JinSeop" userId="c40f7fbe82cfb90a" providerId="LiveId" clId="{BB420FD0-3EC0-4B65-81B7-3AA206F91FA5}" dt="2020-03-31T13:09:49.430" v="2" actId="255"/>
-          <ac:spMkLst>
-            <pc:docMk/>
-            <pc:sldMk cId="228288368" sldId="257"/>
-            <ac:spMk id="2" creationId="{00000000-0000-0000-0000-000000000000}"/>
-          </ac:spMkLst>
-        </pc:spChg>
-      </pc:sldChg>
-      <pc:sldChg chg="modSp mod">
-        <pc:chgData name="Im JinSeop" userId="c40f7fbe82cfb90a" providerId="LiveId" clId="{BB420FD0-3EC0-4B65-81B7-3AA206F91FA5}" dt="2020-04-12T01:35:21.539" v="3098"/>
-        <pc:sldMkLst>
-          <pc:docMk/>
-          <pc:sldMk cId="2825203591" sldId="264"/>
-        </pc:sldMkLst>
-        <pc:spChg chg="mod">
-          <ac:chgData name="Im JinSeop" userId="c40f7fbe82cfb90a" providerId="LiveId" clId="{BB420FD0-3EC0-4B65-81B7-3AA206F91FA5}" dt="2020-04-12T01:35:21.539" v="3098"/>
-          <ac:spMkLst>
-            <pc:docMk/>
-            <pc:sldMk cId="2825203591" sldId="264"/>
-            <ac:spMk id="12" creationId="{CD428C1B-618F-4493-A909-2C3442765402}"/>
-          </ac:spMkLst>
-        </pc:spChg>
-      </pc:sldChg>
-      <pc:sldChg chg="delSp del">
-        <pc:chgData name="Im JinSeop" userId="c40f7fbe82cfb90a" providerId="LiveId" clId="{BB420FD0-3EC0-4B65-81B7-3AA206F91FA5}" dt="2020-04-12T02:47:14.962" v="7135" actId="2696"/>
-        <pc:sldMkLst>
-          <pc:docMk/>
-          <pc:sldMk cId="4116967652" sldId="269"/>
-        </pc:sldMkLst>
-        <pc:spChg chg="del">
-          <ac:chgData name="Im JinSeop" userId="c40f7fbe82cfb90a" providerId="LiveId" clId="{BB420FD0-3EC0-4B65-81B7-3AA206F91FA5}" dt="2020-04-12T02:14:45.914" v="6233" actId="478"/>
-          <ac:spMkLst>
-            <pc:docMk/>
-            <pc:sldMk cId="4116967652" sldId="269"/>
-            <ac:spMk id="2" creationId="{00000000-0000-0000-0000-000000000000}"/>
-          </ac:spMkLst>
-        </pc:spChg>
-        <pc:spChg chg="del">
-          <ac:chgData name="Im JinSeop" userId="c40f7fbe82cfb90a" providerId="LiveId" clId="{BB420FD0-3EC0-4B65-81B7-3AA206F91FA5}" dt="2020-04-12T02:14:45.914" v="6233" actId="478"/>
-          <ac:spMkLst>
-            <pc:docMk/>
-            <pc:sldMk cId="4116967652" sldId="269"/>
-            <ac:spMk id="3" creationId="{00000000-0000-0000-0000-000000000000}"/>
-          </ac:spMkLst>
-        </pc:spChg>
-        <pc:picChg chg="del">
-          <ac:chgData name="Im JinSeop" userId="c40f7fbe82cfb90a" providerId="LiveId" clId="{BB420FD0-3EC0-4B65-81B7-3AA206F91FA5}" dt="2020-04-12T02:14:45.914" v="6233" actId="478"/>
-          <ac:picMkLst>
-            <pc:docMk/>
-            <pc:sldMk cId="4116967652" sldId="269"/>
-            <ac:picMk id="1026" creationId="{6DEC09C8-F17F-4319-8E35-0DC19A0F98EB}"/>
-          </ac:picMkLst>
-        </pc:picChg>
-      </pc:sldChg>
-      <pc:sldChg chg="delSp modSp mod">
-        <pc:chgData name="Im JinSeop" userId="c40f7fbe82cfb90a" providerId="LiveId" clId="{BB420FD0-3EC0-4B65-81B7-3AA206F91FA5}" dt="2020-04-12T01:38:40.884" v="3252"/>
-        <pc:sldMkLst>
-          <pc:docMk/>
-          <pc:sldMk cId="3448545761" sldId="271"/>
-        </pc:sldMkLst>
-        <pc:spChg chg="mod">
-          <ac:chgData name="Im JinSeop" userId="c40f7fbe82cfb90a" providerId="LiveId" clId="{BB420FD0-3EC0-4B65-81B7-3AA206F91FA5}" dt="2020-04-12T01:37:27.100" v="3132" actId="113"/>
-          <ac:spMkLst>
-            <pc:docMk/>
-            <pc:sldMk cId="3448545761" sldId="271"/>
-            <ac:spMk id="2" creationId="{EFAE3789-D8CC-460E-B7A8-35EF3C738781}"/>
-          </ac:spMkLst>
-        </pc:spChg>
-        <pc:spChg chg="mod">
-          <ac:chgData name="Im JinSeop" userId="c40f7fbe82cfb90a" providerId="LiveId" clId="{BB420FD0-3EC0-4B65-81B7-3AA206F91FA5}" dt="2020-04-05T10:45:59.394" v="773" actId="6549"/>
-          <ac:spMkLst>
-            <pc:docMk/>
-            <pc:sldMk cId="3448545761" sldId="271"/>
-            <ac:spMk id="3" creationId="{1C8399FD-8407-40F1-91D4-FF8336A03D47}"/>
-          </ac:spMkLst>
-        </pc:spChg>
-        <pc:spChg chg="mod">
-          <ac:chgData name="Im JinSeop" userId="c40f7fbe82cfb90a" providerId="LiveId" clId="{BB420FD0-3EC0-4B65-81B7-3AA206F91FA5}" dt="2020-04-05T11:10:46.595" v="883" actId="20577"/>
-          <ac:spMkLst>
-            <pc:docMk/>
-            <pc:sldMk cId="3448545761" sldId="271"/>
-            <ac:spMk id="6" creationId="{842166FA-B1C1-4262-A02E-FD7A462D2C03}"/>
-          </ac:spMkLst>
-        </pc:spChg>
-        <pc:spChg chg="mod">
-          <ac:chgData name="Im JinSeop" userId="c40f7fbe82cfb90a" providerId="LiveId" clId="{BB420FD0-3EC0-4B65-81B7-3AA206F91FA5}" dt="2020-04-12T01:37:22.457" v="3130" actId="207"/>
-          <ac:spMkLst>
-            <pc:docMk/>
-            <pc:sldMk cId="3448545761" sldId="271"/>
-            <ac:spMk id="10" creationId="{D4436C8E-321C-4B04-AC86-35AC32B2FA6A}"/>
-          </ac:spMkLst>
-        </pc:spChg>
-        <pc:spChg chg="del mod">
-          <ac:chgData name="Im JinSeop" userId="c40f7fbe82cfb90a" providerId="LiveId" clId="{BB420FD0-3EC0-4B65-81B7-3AA206F91FA5}" dt="2020-04-05T11:10:11.921" v="857" actId="478"/>
-          <ac:spMkLst>
-            <pc:docMk/>
-            <pc:sldMk cId="3448545761" sldId="271"/>
-            <ac:spMk id="13" creationId="{F3BBC177-97EA-4BBB-B73F-66DF73BEBC1B}"/>
-          </ac:spMkLst>
-        </pc:spChg>
-        <pc:spChg chg="mod">
-          <ac:chgData name="Im JinSeop" userId="c40f7fbe82cfb90a" providerId="LiveId" clId="{BB420FD0-3EC0-4B65-81B7-3AA206F91FA5}" dt="2020-04-05T11:10:48.865" v="884" actId="6549"/>
-          <ac:spMkLst>
-            <pc:docMk/>
-            <pc:sldMk cId="3448545761" sldId="271"/>
-            <ac:spMk id="14" creationId="{CBB78831-065F-4FCC-BCFE-8E0E121DBEC1}"/>
-          </ac:spMkLst>
-        </pc:spChg>
-        <pc:spChg chg="mod">
-          <ac:chgData name="Im JinSeop" userId="c40f7fbe82cfb90a" providerId="LiveId" clId="{BB420FD0-3EC0-4B65-81B7-3AA206F91FA5}" dt="2020-04-12T01:38:40.884" v="3252"/>
-          <ac:spMkLst>
-            <pc:docMk/>
-            <pc:sldMk cId="3448545761" sldId="271"/>
-            <ac:spMk id="38" creationId="{9306709A-122D-4A9C-AB1E-593280C65800}"/>
-          </ac:spMkLst>
-        </pc:spChg>
-        <pc:cxnChg chg="mod">
-          <ac:chgData name="Im JinSeop" userId="c40f7fbe82cfb90a" providerId="LiveId" clId="{BB420FD0-3EC0-4B65-81B7-3AA206F91FA5}" dt="2020-04-12T01:36:48.660" v="3105" actId="1076"/>
-          <ac:cxnSpMkLst>
-            <pc:docMk/>
-            <pc:sldMk cId="3448545761" sldId="271"/>
-            <ac:cxnSpMk id="8" creationId="{38A7135A-E541-4FF3-9ED0-074750215210}"/>
-          </ac:cxnSpMkLst>
-        </pc:cxnChg>
-        <pc:cxnChg chg="mod">
-          <ac:chgData name="Im JinSeop" userId="c40f7fbe82cfb90a" providerId="LiveId" clId="{BB420FD0-3EC0-4B65-81B7-3AA206F91FA5}" dt="2020-04-12T01:36:51.764" v="3106" actId="1076"/>
-          <ac:cxnSpMkLst>
-            <pc:docMk/>
-            <pc:sldMk cId="3448545761" sldId="271"/>
-            <ac:cxnSpMk id="19" creationId="{9AF2BA67-7C4D-4256-A00E-EC2F6B2103CF}"/>
-          </ac:cxnSpMkLst>
-        </pc:cxnChg>
-        <pc:cxnChg chg="del mod">
-          <ac:chgData name="Im JinSeop" userId="c40f7fbe82cfb90a" providerId="LiveId" clId="{BB420FD0-3EC0-4B65-81B7-3AA206F91FA5}" dt="2020-04-05T11:10:13.341" v="858" actId="478"/>
-          <ac:cxnSpMkLst>
-            <pc:docMk/>
-            <pc:sldMk cId="3448545761" sldId="271"/>
-            <ac:cxnSpMk id="20" creationId="{AC4EDDDB-6F36-412C-92B4-E5041B18D6FF}"/>
-          </ac:cxnSpMkLst>
-        </pc:cxnChg>
-      </pc:sldChg>
-      <pc:sldChg chg="addSp delSp modSp mod">
-        <pc:chgData name="Im JinSeop" userId="c40f7fbe82cfb90a" providerId="LiveId" clId="{BB420FD0-3EC0-4B65-81B7-3AA206F91FA5}" dt="2020-04-12T01:36:19.339" v="3103" actId="207"/>
-        <pc:sldMkLst>
-          <pc:docMk/>
-          <pc:sldMk cId="3630700631" sldId="272"/>
-        </pc:sldMkLst>
-        <pc:spChg chg="add del mod">
-          <ac:chgData name="Im JinSeop" userId="c40f7fbe82cfb90a" providerId="LiveId" clId="{BB420FD0-3EC0-4B65-81B7-3AA206F91FA5}" dt="2020-04-05T08:54:51.766" v="196" actId="478"/>
-          <ac:spMkLst>
-            <pc:docMk/>
-            <pc:sldMk cId="3630700631" sldId="272"/>
-            <ac:spMk id="8" creationId="{27167441-2122-499B-8067-77A1A77EAD2F}"/>
-          </ac:spMkLst>
-        </pc:spChg>
-        <pc:spChg chg="add del mod">
-          <ac:chgData name="Im JinSeop" userId="c40f7fbe82cfb90a" providerId="LiveId" clId="{BB420FD0-3EC0-4B65-81B7-3AA206F91FA5}" dt="2020-04-05T10:07:09.334" v="274" actId="478"/>
-          <ac:spMkLst>
-            <pc:docMk/>
-            <pc:sldMk cId="3630700631" sldId="272"/>
-            <ac:spMk id="9" creationId="{2ED6556D-D355-47FF-A8A7-33C774A9BD02}"/>
-          </ac:spMkLst>
-        </pc:spChg>
-        <pc:spChg chg="add del mod">
-          <ac:chgData name="Im JinSeop" userId="c40f7fbe82cfb90a" providerId="LiveId" clId="{BB420FD0-3EC0-4B65-81B7-3AA206F91FA5}" dt="2020-04-12T01:36:19.339" v="3103" actId="207"/>
-          <ac:spMkLst>
-            <pc:docMk/>
-            <pc:sldMk cId="3630700631" sldId="272"/>
-            <ac:spMk id="10" creationId="{E0281980-E5D6-40A7-B155-3C2D1B13AA53}"/>
-          </ac:spMkLst>
-        </pc:spChg>
-        <pc:spChg chg="add del mod">
-          <ac:chgData name="Im JinSeop" userId="c40f7fbe82cfb90a" providerId="LiveId" clId="{BB420FD0-3EC0-4B65-81B7-3AA206F91FA5}" dt="2020-04-05T10:07:08.425" v="273" actId="478"/>
-          <ac:spMkLst>
-            <pc:docMk/>
-            <pc:sldMk cId="3630700631" sldId="272"/>
-            <ac:spMk id="11" creationId="{5E820278-06BC-4BF0-AC4B-A14D147B05EA}"/>
-          </ac:spMkLst>
-        </pc:spChg>
-        <pc:spChg chg="add del mod">
-          <ac:chgData name="Im JinSeop" userId="c40f7fbe82cfb90a" providerId="LiveId" clId="{BB420FD0-3EC0-4B65-81B7-3AA206F91FA5}" dt="2020-04-05T08:56:59.826" v="269" actId="478"/>
-          <ac:spMkLst>
-            <pc:docMk/>
-            <pc:sldMk cId="3630700631" sldId="272"/>
-            <ac:spMk id="13" creationId="{36037D9C-F4AA-4628-BAAE-8D3755B168C8}"/>
-          </ac:spMkLst>
-        </pc:spChg>
-        <pc:spChg chg="add mod">
-          <ac:chgData name="Im JinSeop" userId="c40f7fbe82cfb90a" providerId="LiveId" clId="{BB420FD0-3EC0-4B65-81B7-3AA206F91FA5}" dt="2020-04-05T11:13:03.513" v="959" actId="1036"/>
-          <ac:spMkLst>
-            <pc:docMk/>
-            <pc:sldMk cId="3630700631" sldId="272"/>
-            <ac:spMk id="14" creationId="{4AB21B07-9CEC-4DD0-BBD4-72908D507F69}"/>
-          </ac:spMkLst>
-        </pc:spChg>
-        <pc:spChg chg="add mod">
-          <ac:chgData name="Im JinSeop" userId="c40f7fbe82cfb90a" providerId="LiveId" clId="{BB420FD0-3EC0-4B65-81B7-3AA206F91FA5}" dt="2020-04-05T11:13:03.513" v="959" actId="1036"/>
-          <ac:spMkLst>
-            <pc:docMk/>
-            <pc:sldMk cId="3630700631" sldId="272"/>
-            <ac:spMk id="15" creationId="{56518843-4519-4C5F-B2EF-2AFD3A1184A8}"/>
-          </ac:spMkLst>
-        </pc:spChg>
-        <pc:spChg chg="add mod">
-          <ac:chgData name="Im JinSeop" userId="c40f7fbe82cfb90a" providerId="LiveId" clId="{BB420FD0-3EC0-4B65-81B7-3AA206F91FA5}" dt="2020-04-05T11:13:03.513" v="959" actId="1036"/>
-          <ac:spMkLst>
-            <pc:docMk/>
-            <pc:sldMk cId="3630700631" sldId="272"/>
-            <ac:spMk id="16" creationId="{4842BEF8-308B-4034-B8DE-D0BFD0B37260}"/>
-          </ac:spMkLst>
-        </pc:spChg>
-        <pc:spChg chg="add mod">
-          <ac:chgData name="Im JinSeop" userId="c40f7fbe82cfb90a" providerId="LiveId" clId="{BB420FD0-3EC0-4B65-81B7-3AA206F91FA5}" dt="2020-04-12T01:35:35.094" v="3099" actId="1035"/>
-          <ac:spMkLst>
-            <pc:docMk/>
-            <pc:sldMk cId="3630700631" sldId="272"/>
-            <ac:spMk id="17" creationId="{13546FDA-8DB9-429B-B421-0CF18F50EFD6}"/>
-          </ac:spMkLst>
-        </pc:spChg>
-        <pc:spChg chg="mod">
-          <ac:chgData name="Im JinSeop" userId="c40f7fbe82cfb90a" providerId="LiveId" clId="{BB420FD0-3EC0-4B65-81B7-3AA206F91FA5}" dt="2020-04-05T07:52:02.204" v="97" actId="1076"/>
-          <ac:spMkLst>
-            <pc:docMk/>
-            <pc:sldMk cId="3630700631" sldId="272"/>
-            <ac:spMk id="18" creationId="{446ABC95-5C1D-4F29-B39B-389795BB8D6E}"/>
-          </ac:spMkLst>
-        </pc:spChg>
-        <pc:spChg chg="add mod">
-          <ac:chgData name="Im JinSeop" userId="c40f7fbe82cfb90a" providerId="LiveId" clId="{BB420FD0-3EC0-4B65-81B7-3AA206F91FA5}" dt="2020-04-05T11:13:03.513" v="959" actId="1036"/>
-          <ac:spMkLst>
-            <pc:docMk/>
-            <pc:sldMk cId="3630700631" sldId="272"/>
-            <ac:spMk id="19" creationId="{A7518F32-B1AF-4A78-9FF7-A9A83A82CC44}"/>
-          </ac:spMkLst>
-        </pc:spChg>
-        <pc:spChg chg="add mod">
-          <ac:chgData name="Im JinSeop" userId="c40f7fbe82cfb90a" providerId="LiveId" clId="{BB420FD0-3EC0-4B65-81B7-3AA206F91FA5}" dt="2020-04-05T11:13:03.513" v="959" actId="1036"/>
-          <ac:spMkLst>
-            <pc:docMk/>
-            <pc:sldMk cId="3630700631" sldId="272"/>
-            <ac:spMk id="20" creationId="{957C462E-3499-4A17-BD07-86E73690292A}"/>
-          </ac:spMkLst>
-        </pc:spChg>
-        <pc:spChg chg="mod">
-          <ac:chgData name="Im JinSeop" userId="c40f7fbe82cfb90a" providerId="LiveId" clId="{BB420FD0-3EC0-4B65-81B7-3AA206F91FA5}" dt="2020-04-12T01:36:07.469" v="3102" actId="1076"/>
-          <ac:spMkLst>
-            <pc:docMk/>
-            <pc:sldMk cId="3630700631" sldId="272"/>
-            <ac:spMk id="21" creationId="{D06E3C79-A98E-4A3F-8FCF-8F4CBAB64DFC}"/>
-          </ac:spMkLst>
-        </pc:spChg>
-        <pc:spChg chg="add del mod ord">
-          <ac:chgData name="Im JinSeop" userId="c40f7fbe82cfb90a" providerId="LiveId" clId="{BB420FD0-3EC0-4B65-81B7-3AA206F91FA5}" dt="2020-04-05T11:13:03.513" v="959" actId="1036"/>
-          <ac:spMkLst>
-            <pc:docMk/>
-            <pc:sldMk cId="3630700631" sldId="272"/>
-            <ac:spMk id="22" creationId="{A852CAC1-F1FB-441C-B74E-0B91B2BFD4DE}"/>
-          </ac:spMkLst>
-        </pc:spChg>
-        <pc:spChg chg="add del mod ord">
-          <ac:chgData name="Im JinSeop" userId="c40f7fbe82cfb90a" providerId="LiveId" clId="{BB420FD0-3EC0-4B65-81B7-3AA206F91FA5}" dt="2020-04-05T10:23:11.910" v="544" actId="478"/>
-          <ac:spMkLst>
-            <pc:docMk/>
-            <pc:sldMk cId="3630700631" sldId="272"/>
-            <ac:spMk id="23" creationId="{2CAF6F97-16CA-42ED-87F1-7E62DE19D24F}"/>
-          </ac:spMkLst>
-        </pc:spChg>
-        <pc:graphicFrameChg chg="del mod">
-          <ac:chgData name="Im JinSeop" userId="c40f7fbe82cfb90a" providerId="LiveId" clId="{BB420FD0-3EC0-4B65-81B7-3AA206F91FA5}" dt="2020-04-05T07:52:09.314" v="99" actId="478"/>
-          <ac:graphicFrameMkLst>
-            <pc:docMk/>
-            <pc:sldMk cId="3630700631" sldId="272"/>
-            <ac:graphicFrameMk id="7" creationId="{AAC2E724-712A-48E3-9BCB-F132E06C43C8}"/>
-          </ac:graphicFrameMkLst>
-        </pc:graphicFrameChg>
-        <pc:cxnChg chg="add mod">
-          <ac:chgData name="Im JinSeop" userId="c40f7fbe82cfb90a" providerId="LiveId" clId="{BB420FD0-3EC0-4B65-81B7-3AA206F91FA5}" dt="2020-04-05T11:13:03.513" v="959" actId="1036"/>
-          <ac:cxnSpMkLst>
-            <pc:docMk/>
-            <pc:sldMk cId="3630700631" sldId="272"/>
-            <ac:cxnSpMk id="3" creationId="{13FBD6F6-9CDC-48A6-95A2-D1BD43527073}"/>
-          </ac:cxnSpMkLst>
-        </pc:cxnChg>
-        <pc:cxnChg chg="add mod">
-          <ac:chgData name="Im JinSeop" userId="c40f7fbe82cfb90a" providerId="LiveId" clId="{BB420FD0-3EC0-4B65-81B7-3AA206F91FA5}" dt="2020-04-12T01:36:01.312" v="3101" actId="208"/>
-          <ac:cxnSpMkLst>
-            <pc:docMk/>
-            <pc:sldMk cId="3630700631" sldId="272"/>
-            <ac:cxnSpMk id="6" creationId="{BEF1A2B9-506A-40F3-B70A-665A25A12316}"/>
-          </ac:cxnSpMkLst>
-        </pc:cxnChg>
-        <pc:cxnChg chg="add del mod">
-          <ac:chgData name="Im JinSeop" userId="c40f7fbe82cfb90a" providerId="LiveId" clId="{BB420FD0-3EC0-4B65-81B7-3AA206F91FA5}" dt="2020-04-05T10:23:15.130" v="545" actId="478"/>
-          <ac:cxnSpMkLst>
-            <pc:docMk/>
-            <pc:sldMk cId="3630700631" sldId="272"/>
-            <ac:cxnSpMk id="24" creationId="{F8B0221E-A130-4E35-ABA0-815E900AD159}"/>
-          </ac:cxnSpMkLst>
-        </pc:cxnChg>
-        <pc:cxnChg chg="add mod">
-          <ac:chgData name="Im JinSeop" userId="c40f7fbe82cfb90a" providerId="LiveId" clId="{BB420FD0-3EC0-4B65-81B7-3AA206F91FA5}" dt="2020-04-05T11:13:03.513" v="959" actId="1036"/>
-          <ac:cxnSpMkLst>
-            <pc:docMk/>
-            <pc:sldMk cId="3630700631" sldId="272"/>
-            <ac:cxnSpMk id="26" creationId="{25EF46B8-9810-4CAF-A60D-49E4988827AE}"/>
-          </ac:cxnSpMkLst>
-        </pc:cxnChg>
-        <pc:cxnChg chg="add del mod">
-          <ac:chgData name="Im JinSeop" userId="c40f7fbe82cfb90a" providerId="LiveId" clId="{BB420FD0-3EC0-4B65-81B7-3AA206F91FA5}" dt="2020-04-05T10:23:16.360" v="546" actId="478"/>
-          <ac:cxnSpMkLst>
-            <pc:docMk/>
-            <pc:sldMk cId="3630700631" sldId="272"/>
-            <ac:cxnSpMk id="29" creationId="{A287FDD1-63E0-4A63-A072-F3F677C1A26E}"/>
-          </ac:cxnSpMkLst>
-        </pc:cxnChg>
-      </pc:sldChg>
-      <pc:sldChg chg="addSp delSp modSp mod">
-        <pc:chgData name="Im JinSeop" userId="c40f7fbe82cfb90a" providerId="LiveId" clId="{BB420FD0-3EC0-4B65-81B7-3AA206F91FA5}" dt="2020-04-05T11:50:11.079" v="2810"/>
-        <pc:sldMkLst>
-          <pc:docMk/>
-          <pc:sldMk cId="3422475063" sldId="273"/>
-        </pc:sldMkLst>
-        <pc:spChg chg="del">
-          <ac:chgData name="Im JinSeop" userId="c40f7fbe82cfb90a" providerId="LiveId" clId="{BB420FD0-3EC0-4B65-81B7-3AA206F91FA5}" dt="2020-04-05T11:11:24.076" v="885" actId="478"/>
-          <ac:spMkLst>
-            <pc:docMk/>
-            <pc:sldMk cId="3422475063" sldId="273"/>
-            <ac:spMk id="2" creationId="{50883E7A-393B-4191-913E-D24E73C5DA24}"/>
-          </ac:spMkLst>
-        </pc:spChg>
-        <pc:spChg chg="del">
-          <ac:chgData name="Im JinSeop" userId="c40f7fbe82cfb90a" providerId="LiveId" clId="{BB420FD0-3EC0-4B65-81B7-3AA206F91FA5}" dt="2020-04-05T11:11:24.076" v="885" actId="478"/>
-          <ac:spMkLst>
-            <pc:docMk/>
-            <pc:sldMk cId="3422475063" sldId="273"/>
-            <ac:spMk id="6" creationId="{DEE59B0C-D842-4382-9A29-29FF82573DFC}"/>
-          </ac:spMkLst>
-        </pc:spChg>
-        <pc:spChg chg="del">
-          <ac:chgData name="Im JinSeop" userId="c40f7fbe82cfb90a" providerId="LiveId" clId="{BB420FD0-3EC0-4B65-81B7-3AA206F91FA5}" dt="2020-04-05T11:11:24.076" v="885" actId="478"/>
-          <ac:spMkLst>
-            <pc:docMk/>
-            <pc:sldMk cId="3422475063" sldId="273"/>
-            <ac:spMk id="7" creationId="{AE55510D-490A-489D-88A1-51AB029ABD69}"/>
-          </ac:spMkLst>
-        </pc:spChg>
-        <pc:spChg chg="del">
-          <ac:chgData name="Im JinSeop" userId="c40f7fbe82cfb90a" providerId="LiveId" clId="{BB420FD0-3EC0-4B65-81B7-3AA206F91FA5}" dt="2020-04-05T11:11:24.076" v="885" actId="478"/>
-          <ac:spMkLst>
-            <pc:docMk/>
-            <pc:sldMk cId="3422475063" sldId="273"/>
-            <ac:spMk id="8" creationId="{F9B1C0A7-1901-49B4-B81A-D9FA474519F0}"/>
-          </ac:spMkLst>
-        </pc:spChg>
-        <pc:spChg chg="del">
-          <ac:chgData name="Im JinSeop" userId="c40f7fbe82cfb90a" providerId="LiveId" clId="{BB420FD0-3EC0-4B65-81B7-3AA206F91FA5}" dt="2020-04-05T11:11:24.076" v="885" actId="478"/>
-          <ac:spMkLst>
-            <pc:docMk/>
-            <pc:sldMk cId="3422475063" sldId="273"/>
-            <ac:spMk id="9" creationId="{762E9EA0-1DB3-4E04-B7A1-A86A68283699}"/>
-          </ac:spMkLst>
-        </pc:spChg>
-        <pc:spChg chg="del">
-          <ac:chgData name="Im JinSeop" userId="c40f7fbe82cfb90a" providerId="LiveId" clId="{BB420FD0-3EC0-4B65-81B7-3AA206F91FA5}" dt="2020-04-05T11:11:24.076" v="885" actId="478"/>
-          <ac:spMkLst>
-            <pc:docMk/>
-            <pc:sldMk cId="3422475063" sldId="273"/>
-            <ac:spMk id="10" creationId="{94ACD6E0-F806-406D-8338-62632E47EADE}"/>
-          </ac:spMkLst>
-        </pc:spChg>
-        <pc:spChg chg="del">
-          <ac:chgData name="Im JinSeop" userId="c40f7fbe82cfb90a" providerId="LiveId" clId="{BB420FD0-3EC0-4B65-81B7-3AA206F91FA5}" dt="2020-04-05T11:11:24.076" v="885" actId="478"/>
-          <ac:spMkLst>
-            <pc:docMk/>
-            <pc:sldMk cId="3422475063" sldId="273"/>
-            <ac:spMk id="11" creationId="{A8E09E3F-8249-4734-A2A3-81AF5B109838}"/>
-          </ac:spMkLst>
-        </pc:spChg>
-        <pc:spChg chg="del">
-          <ac:chgData name="Im JinSeop" userId="c40f7fbe82cfb90a" providerId="LiveId" clId="{BB420FD0-3EC0-4B65-81B7-3AA206F91FA5}" dt="2020-04-05T11:11:24.076" v="885" actId="478"/>
-          <ac:spMkLst>
-            <pc:docMk/>
-            <pc:sldMk cId="3422475063" sldId="273"/>
-            <ac:spMk id="13" creationId="{0F7CE83D-9380-4363-AACD-55CB4BCE69D5}"/>
-          </ac:spMkLst>
-        </pc:spChg>
-        <pc:spChg chg="add del mod">
-          <ac:chgData name="Im JinSeop" userId="c40f7fbe82cfb90a" providerId="LiveId" clId="{BB420FD0-3EC0-4B65-81B7-3AA206F91FA5}" dt="2020-04-05T11:40:24.517" v="1132"/>
-          <ac:spMkLst>
-            <pc:docMk/>
-            <pc:sldMk cId="3422475063" sldId="273"/>
-            <ac:spMk id="17" creationId="{D9926027-DBBF-4C00-97B2-D23BC56371AD}"/>
-          </ac:spMkLst>
-        </pc:spChg>
-        <pc:spChg chg="mod">
-          <ac:chgData name="Im JinSeop" userId="c40f7fbe82cfb90a" providerId="LiveId" clId="{BB420FD0-3EC0-4B65-81B7-3AA206F91FA5}" dt="2020-04-05T11:39:12.060" v="1129"/>
-          <ac:spMkLst>
-            <pc:docMk/>
-            <pc:sldMk cId="3422475063" sldId="273"/>
-            <ac:spMk id="18" creationId="{446ABC95-5C1D-4F29-B39B-389795BB8D6E}"/>
-          </ac:spMkLst>
-        </pc:spChg>
-        <pc:spChg chg="del">
-          <ac:chgData name="Im JinSeop" userId="c40f7fbe82cfb90a" providerId="LiveId" clId="{BB420FD0-3EC0-4B65-81B7-3AA206F91FA5}" dt="2020-04-05T11:11:24.076" v="885" actId="478"/>
-          <ac:spMkLst>
-            <pc:docMk/>
-            <pc:sldMk cId="3422475063" sldId="273"/>
-            <ac:spMk id="19" creationId="{6230AC83-976C-480C-9BF3-B9135BD50726}"/>
-          </ac:spMkLst>
-        </pc:spChg>
-        <pc:spChg chg="add mod">
-          <ac:chgData name="Im JinSeop" userId="c40f7fbe82cfb90a" providerId="LiveId" clId="{BB420FD0-3EC0-4B65-81B7-3AA206F91FA5}" dt="2020-04-05T11:40:57.364" v="1186" actId="404"/>
-          <ac:spMkLst>
-            <pc:docMk/>
-            <pc:sldMk cId="3422475063" sldId="273"/>
-            <ac:spMk id="20" creationId="{599A2911-1737-430B-ADEE-8C154F7085CF}"/>
-          </ac:spMkLst>
-        </pc:spChg>
-        <pc:spChg chg="del">
-          <ac:chgData name="Im JinSeop" userId="c40f7fbe82cfb90a" providerId="LiveId" clId="{BB420FD0-3EC0-4B65-81B7-3AA206F91FA5}" dt="2020-04-05T11:11:24.076" v="885" actId="478"/>
-          <ac:spMkLst>
-            <pc:docMk/>
-            <pc:sldMk cId="3422475063" sldId="273"/>
-            <ac:spMk id="21" creationId="{85EF5EC1-3222-44E5-BA31-0001718A29C8}"/>
-          </ac:spMkLst>
-        </pc:spChg>
-        <pc:spChg chg="del">
-          <ac:chgData name="Im JinSeop" userId="c40f7fbe82cfb90a" providerId="LiveId" clId="{BB420FD0-3EC0-4B65-81B7-3AA206F91FA5}" dt="2020-04-05T11:11:24.076" v="885" actId="478"/>
-          <ac:spMkLst>
-            <pc:docMk/>
-            <pc:sldMk cId="3422475063" sldId="273"/>
-            <ac:spMk id="22" creationId="{14A02E83-49BF-47C3-A5B8-EC65AD369144}"/>
-          </ac:spMkLst>
-        </pc:spChg>
-        <pc:spChg chg="del">
-          <ac:chgData name="Im JinSeop" userId="c40f7fbe82cfb90a" providerId="LiveId" clId="{BB420FD0-3EC0-4B65-81B7-3AA206F91FA5}" dt="2020-04-05T11:11:24.076" v="885" actId="478"/>
-          <ac:spMkLst>
-            <pc:docMk/>
-            <pc:sldMk cId="3422475063" sldId="273"/>
-            <ac:spMk id="23" creationId="{08EC005E-C3A4-46BE-8353-B1C63DE64699}"/>
-          </ac:spMkLst>
-        </pc:spChg>
-        <pc:spChg chg="add mod">
-          <ac:chgData name="Im JinSeop" userId="c40f7fbe82cfb90a" providerId="LiveId" clId="{BB420FD0-3EC0-4B65-81B7-3AA206F91FA5}" dt="2020-04-05T11:45:44.389" v="1993" actId="1035"/>
-          <ac:spMkLst>
-            <pc:docMk/>
-            <pc:sldMk cId="3422475063" sldId="273"/>
-            <ac:spMk id="24" creationId="{6B96A541-F4AC-4050-8767-AD3E6FC5C40B}"/>
-          </ac:spMkLst>
-        </pc:spChg>
-        <pc:graphicFrameChg chg="add mod modGraphic">
-          <ac:chgData name="Im JinSeop" userId="c40f7fbe82cfb90a" providerId="LiveId" clId="{BB420FD0-3EC0-4B65-81B7-3AA206F91FA5}" dt="2020-04-05T11:50:11.079" v="2810"/>
-          <ac:graphicFrameMkLst>
-            <pc:docMk/>
-            <pc:sldMk cId="3422475063" sldId="273"/>
-            <ac:graphicFrameMk id="15" creationId="{B5197EF2-EB2D-4902-983B-4B3D60EB0C1F}"/>
-          </ac:graphicFrameMkLst>
-        </pc:graphicFrameChg>
-        <pc:graphicFrameChg chg="add mod modGraphic">
-          <ac:chgData name="Im JinSeop" userId="c40f7fbe82cfb90a" providerId="LiveId" clId="{BB420FD0-3EC0-4B65-81B7-3AA206F91FA5}" dt="2020-04-05T11:45:37.244" v="1953"/>
-          <ac:graphicFrameMkLst>
-            <pc:docMk/>
-            <pc:sldMk cId="3422475063" sldId="273"/>
-            <ac:graphicFrameMk id="25" creationId="{1EB4DA31-7498-46EF-B26C-212E2E0FB4BC}"/>
-          </ac:graphicFrameMkLst>
-        </pc:graphicFrameChg>
-        <pc:cxnChg chg="del">
-          <ac:chgData name="Im JinSeop" userId="c40f7fbe82cfb90a" providerId="LiveId" clId="{BB420FD0-3EC0-4B65-81B7-3AA206F91FA5}" dt="2020-04-05T11:11:24.076" v="885" actId="478"/>
-          <ac:cxnSpMkLst>
-            <pc:docMk/>
-            <pc:sldMk cId="3422475063" sldId="273"/>
-            <ac:cxnSpMk id="3" creationId="{60DC2F82-2BBD-43DE-B7D9-06F2C05496CA}"/>
-          </ac:cxnSpMkLst>
-        </pc:cxnChg>
-        <pc:cxnChg chg="del">
-          <ac:chgData name="Im JinSeop" userId="c40f7fbe82cfb90a" providerId="LiveId" clId="{BB420FD0-3EC0-4B65-81B7-3AA206F91FA5}" dt="2020-04-05T11:11:24.076" v="885" actId="478"/>
-          <ac:cxnSpMkLst>
-            <pc:docMk/>
-            <pc:sldMk cId="3422475063" sldId="273"/>
-            <ac:cxnSpMk id="14" creationId="{39BEEB7E-B9DA-41C8-8969-F7C41B7DD0EC}"/>
-          </ac:cxnSpMkLst>
-        </pc:cxnChg>
-      </pc:sldChg>
-      <pc:sldChg chg="addSp delSp modSp mod">
-        <pc:chgData name="Im JinSeop" userId="c40f7fbe82cfb90a" providerId="LiveId" clId="{BB420FD0-3EC0-4B65-81B7-3AA206F91FA5}" dt="2020-04-12T01:45:04.662" v="3972" actId="14100"/>
-        <pc:sldMkLst>
-          <pc:docMk/>
-          <pc:sldMk cId="1988412682" sldId="275"/>
-        </pc:sldMkLst>
-        <pc:spChg chg="add del mod">
-          <ac:chgData name="Im JinSeop" userId="c40f7fbe82cfb90a" providerId="LiveId" clId="{BB420FD0-3EC0-4B65-81B7-3AA206F91FA5}" dt="2020-04-12T01:39:46.236" v="3259"/>
-          <ac:spMkLst>
-            <pc:docMk/>
-            <pc:sldMk cId="1988412682" sldId="275"/>
-            <ac:spMk id="2" creationId="{CE97F5FF-927C-402B-9C58-873D90E16E48}"/>
-          </ac:spMkLst>
-        </pc:spChg>
-        <pc:spChg chg="add mod">
-          <ac:chgData name="Im JinSeop" userId="c40f7fbe82cfb90a" providerId="LiveId" clId="{BB420FD0-3EC0-4B65-81B7-3AA206F91FA5}" dt="2020-04-12T01:45:04.662" v="3972" actId="14100"/>
-          <ac:spMkLst>
-            <pc:docMk/>
-            <pc:sldMk cId="1988412682" sldId="275"/>
-            <ac:spMk id="3" creationId="{07EF19B9-D6C8-4295-B7CE-3CEC7BC4B644}"/>
-          </ac:spMkLst>
-        </pc:spChg>
-        <pc:spChg chg="mod">
-          <ac:chgData name="Im JinSeop" userId="c40f7fbe82cfb90a" providerId="LiveId" clId="{BB420FD0-3EC0-4B65-81B7-3AA206F91FA5}" dt="2020-04-12T01:39:49.288" v="3261" actId="1076"/>
-          <ac:spMkLst>
-            <pc:docMk/>
-            <pc:sldMk cId="1988412682" sldId="275"/>
-            <ac:spMk id="5" creationId="{00000000-0000-0000-0000-000000000000}"/>
-          </ac:spMkLst>
-        </pc:spChg>
-        <pc:spChg chg="del">
-          <ac:chgData name="Im JinSeop" userId="c40f7fbe82cfb90a" providerId="LiveId" clId="{BB420FD0-3EC0-4B65-81B7-3AA206F91FA5}" dt="2020-04-05T11:51:05.964" v="2814" actId="478"/>
-          <ac:spMkLst>
-            <pc:docMk/>
-            <pc:sldMk cId="1988412682" sldId="275"/>
-            <ac:spMk id="9" creationId="{46E5DFA8-A4EC-4EFE-BF23-1646213861EB}"/>
-          </ac:spMkLst>
-        </pc:spChg>
-        <pc:picChg chg="add mod">
-          <ac:chgData name="Im JinSeop" userId="c40f7fbe82cfb90a" providerId="LiveId" clId="{BB420FD0-3EC0-4B65-81B7-3AA206F91FA5}" dt="2020-04-12T01:39:17.974" v="3255" actId="14100"/>
-          <ac:picMkLst>
-            <pc:docMk/>
-            <pc:sldMk cId="1988412682" sldId="275"/>
-            <ac:picMk id="1026" creationId="{3D05E479-F8EA-4490-9B1C-14ACDBA39C1C}"/>
-          </ac:picMkLst>
-        </pc:picChg>
-        <pc:picChg chg="add del">
-          <ac:chgData name="Im JinSeop" userId="c40f7fbe82cfb90a" providerId="LiveId" clId="{BB420FD0-3EC0-4B65-81B7-3AA206F91FA5}" dt="2020-04-05T11:51:53.768" v="2821"/>
-          <ac:picMkLst>
-            <pc:docMk/>
-            <pc:sldMk cId="1988412682" sldId="275"/>
-            <ac:picMk id="1028" creationId="{D773AC60-E6EF-4063-A8BE-4E4CE2A735FB}"/>
-          </ac:picMkLst>
-        </pc:picChg>
-        <pc:picChg chg="del mod">
-          <ac:chgData name="Im JinSeop" userId="c40f7fbe82cfb90a" providerId="LiveId" clId="{BB420FD0-3EC0-4B65-81B7-3AA206F91FA5}" dt="2020-04-12T01:39:12.267" v="3253" actId="478"/>
-          <ac:picMkLst>
-            <pc:docMk/>
-            <pc:sldMk cId="1988412682" sldId="275"/>
-            <ac:picMk id="3074" creationId="{1880FB75-C407-4095-824A-21E541968616}"/>
-          </ac:picMkLst>
-        </pc:picChg>
-        <pc:picChg chg="mod">
-          <ac:chgData name="Im JinSeop" userId="c40f7fbe82cfb90a" providerId="LiveId" clId="{BB420FD0-3EC0-4B65-81B7-3AA206F91FA5}" dt="2020-04-12T01:39:21.246" v="3256" actId="1076"/>
-          <ac:picMkLst>
-            <pc:docMk/>
-            <pc:sldMk cId="1988412682" sldId="275"/>
-            <ac:picMk id="3076" creationId="{69F014AB-1C0D-436F-907A-B3E759E2D84D}"/>
-          </ac:picMkLst>
-        </pc:picChg>
-      </pc:sldChg>
-      <pc:sldChg chg="delSp mod ord">
-        <pc:chgData name="Im JinSeop" userId="c40f7fbe82cfb90a" providerId="LiveId" clId="{BB420FD0-3EC0-4B65-81B7-3AA206F91FA5}" dt="2020-04-12T01:53:34.383" v="5401"/>
-        <pc:sldMkLst>
-          <pc:docMk/>
-          <pc:sldMk cId="3698797492" sldId="277"/>
-        </pc:sldMkLst>
-        <pc:spChg chg="del">
-          <ac:chgData name="Im JinSeop" userId="c40f7fbe82cfb90a" providerId="LiveId" clId="{BB420FD0-3EC0-4B65-81B7-3AA206F91FA5}" dt="2020-04-05T11:52:35.238" v="2827" actId="478"/>
-          <ac:spMkLst>
-            <pc:docMk/>
-            <pc:sldMk cId="3698797492" sldId="277"/>
-            <ac:spMk id="13" creationId="{8F55BB4C-A087-4B7B-8EA9-A888643CBB7D}"/>
-          </ac:spMkLst>
-        </pc:spChg>
-      </pc:sldChg>
-      <pc:sldChg chg="modSp mod">
-        <pc:chgData name="Im JinSeop" userId="c40f7fbe82cfb90a" providerId="LiveId" clId="{BB420FD0-3EC0-4B65-81B7-3AA206F91FA5}" dt="2020-04-12T02:10:43.666" v="6231" actId="207"/>
-        <pc:sldMkLst>
-          <pc:docMk/>
-          <pc:sldMk cId="4099301703" sldId="278"/>
-        </pc:sldMkLst>
-        <pc:spChg chg="mod">
-          <ac:chgData name="Im JinSeop" userId="c40f7fbe82cfb90a" providerId="LiveId" clId="{BB420FD0-3EC0-4B65-81B7-3AA206F91FA5}" dt="2020-04-12T02:02:33.165" v="5978" actId="1076"/>
-          <ac:spMkLst>
-            <pc:docMk/>
-            <pc:sldMk cId="4099301703" sldId="278"/>
-            <ac:spMk id="3" creationId="{C7C33CC9-3426-46C9-B59E-26A6B9023E88}"/>
-          </ac:spMkLst>
-        </pc:spChg>
-        <pc:graphicFrameChg chg="mod modGraphic">
-          <ac:chgData name="Im JinSeop" userId="c40f7fbe82cfb90a" providerId="LiveId" clId="{BB420FD0-3EC0-4B65-81B7-3AA206F91FA5}" dt="2020-04-12T02:10:43.666" v="6231" actId="207"/>
-          <ac:graphicFrameMkLst>
-            <pc:docMk/>
-            <pc:sldMk cId="4099301703" sldId="278"/>
-            <ac:graphicFrameMk id="7" creationId="{4FC74BBD-CE5A-48ED-932B-01A27290F016}"/>
-          </ac:graphicFrameMkLst>
-        </pc:graphicFrameChg>
-      </pc:sldChg>
-      <pc:sldChg chg="addSp modSp mod">
-        <pc:chgData name="Im JinSeop" userId="c40f7fbe82cfb90a" providerId="LiveId" clId="{BB420FD0-3EC0-4B65-81B7-3AA206F91FA5}" dt="2020-04-12T02:36:21.818" v="6612"/>
-        <pc:sldMkLst>
-          <pc:docMk/>
-          <pc:sldMk cId="1992533794" sldId="279"/>
-        </pc:sldMkLst>
-        <pc:spChg chg="add mod">
-          <ac:chgData name="Im JinSeop" userId="c40f7fbe82cfb90a" providerId="LiveId" clId="{BB420FD0-3EC0-4B65-81B7-3AA206F91FA5}" dt="2020-04-12T02:32:17.876" v="6397" actId="1076"/>
-          <ac:spMkLst>
-            <pc:docMk/>
-            <pc:sldMk cId="1992533794" sldId="279"/>
-            <ac:spMk id="8" creationId="{3FCEB361-BF54-4D14-815E-354905E59DC8}"/>
-          </ac:spMkLst>
-        </pc:spChg>
-        <pc:graphicFrameChg chg="mod modGraphic">
-          <ac:chgData name="Im JinSeop" userId="c40f7fbe82cfb90a" providerId="LiveId" clId="{BB420FD0-3EC0-4B65-81B7-3AA206F91FA5}" dt="2020-04-12T02:36:21.818" v="6612"/>
-          <ac:graphicFrameMkLst>
-            <pc:docMk/>
-            <pc:sldMk cId="1992533794" sldId="279"/>
-            <ac:graphicFrameMk id="7" creationId="{9D8CA473-AA1D-4CF9-B93A-B6F8E6A58A6C}"/>
-          </ac:graphicFrameMkLst>
-        </pc:graphicFrameChg>
-      </pc:sldChg>
-      <pc:sldChg chg="delSp modSp add del mod">
-        <pc:chgData name="Im JinSeop" userId="c40f7fbe82cfb90a" providerId="LiveId" clId="{BB420FD0-3EC0-4B65-81B7-3AA206F91FA5}" dt="2020-04-12T02:39:01.889" v="6714" actId="1076"/>
-        <pc:sldMkLst>
-          <pc:docMk/>
-          <pc:sldMk cId="689946609" sldId="280"/>
-        </pc:sldMkLst>
-        <pc:spChg chg="mod">
-          <ac:chgData name="Im JinSeop" userId="c40f7fbe82cfb90a" providerId="LiveId" clId="{BB420FD0-3EC0-4B65-81B7-3AA206F91FA5}" dt="2020-04-12T02:37:13.227" v="6672" actId="20577"/>
-          <ac:spMkLst>
-            <pc:docMk/>
-            <pc:sldMk cId="689946609" sldId="280"/>
-            <ac:spMk id="33" creationId="{99ED45B1-8A7A-423F-9A86-FF3DC2030927}"/>
-          </ac:spMkLst>
-        </pc:spChg>
-        <pc:spChg chg="del">
-          <ac:chgData name="Im JinSeop" userId="c40f7fbe82cfb90a" providerId="LiveId" clId="{BB420FD0-3EC0-4B65-81B7-3AA206F91FA5}" dt="2020-04-12T02:38:51.786" v="6711" actId="478"/>
-          <ac:spMkLst>
-            <pc:docMk/>
-            <pc:sldMk cId="689946609" sldId="280"/>
-            <ac:spMk id="47" creationId="{1D39F769-86AC-45B4-A0F4-BD06E25F6146}"/>
-          </ac:spMkLst>
-        </pc:spChg>
-        <pc:spChg chg="del">
-          <ac:chgData name="Im JinSeop" userId="c40f7fbe82cfb90a" providerId="LiveId" clId="{BB420FD0-3EC0-4B65-81B7-3AA206F91FA5}" dt="2020-04-12T02:36:55.495" v="6614" actId="478"/>
-          <ac:spMkLst>
-            <pc:docMk/>
-            <pc:sldMk cId="689946609" sldId="280"/>
-            <ac:spMk id="56" creationId="{8DA32DFF-ACA8-4E41-94AC-194C3BA36A08}"/>
-          </ac:spMkLst>
-        </pc:spChg>
-        <pc:picChg chg="del">
-          <ac:chgData name="Im JinSeop" userId="c40f7fbe82cfb90a" providerId="LiveId" clId="{BB420FD0-3EC0-4B65-81B7-3AA206F91FA5}" dt="2020-04-12T02:38:47.903" v="6710" actId="478"/>
-          <ac:picMkLst>
-            <pc:docMk/>
-            <pc:sldMk cId="689946609" sldId="280"/>
-            <ac:picMk id="35" creationId="{DDEBEE2C-A36B-413D-85DD-FEDF5995CD9A}"/>
-          </ac:picMkLst>
-        </pc:picChg>
-        <pc:picChg chg="del">
-          <ac:chgData name="Im JinSeop" userId="c40f7fbe82cfb90a" providerId="LiveId" clId="{BB420FD0-3EC0-4B65-81B7-3AA206F91FA5}" dt="2020-04-12T02:38:43.567" v="6708" actId="478"/>
-          <ac:picMkLst>
-            <pc:docMk/>
-            <pc:sldMk cId="689946609" sldId="280"/>
-            <ac:picMk id="42" creationId="{DEA263B9-C2EA-4774-B60D-7D431A0E0ED0}"/>
-          </ac:picMkLst>
-        </pc:picChg>
-        <pc:picChg chg="mod">
-          <ac:chgData name="Im JinSeop" userId="c40f7fbe82cfb90a" providerId="LiveId" clId="{BB420FD0-3EC0-4B65-81B7-3AA206F91FA5}" dt="2020-04-12T02:39:01.889" v="6714" actId="1076"/>
-          <ac:picMkLst>
-            <pc:docMk/>
-            <pc:sldMk cId="689946609" sldId="280"/>
-            <ac:picMk id="57" creationId="{A20A56BE-781E-48F9-9A2D-6E410B0D436C}"/>
-          </ac:picMkLst>
-        </pc:picChg>
-        <pc:cxnChg chg="del mod">
-          <ac:chgData name="Im JinSeop" userId="c40f7fbe82cfb90a" providerId="LiveId" clId="{BB420FD0-3EC0-4B65-81B7-3AA206F91FA5}" dt="2020-04-12T02:38:52.594" v="6712" actId="478"/>
-          <ac:cxnSpMkLst>
-            <pc:docMk/>
-            <pc:sldMk cId="689946609" sldId="280"/>
-            <ac:cxnSpMk id="43" creationId="{3A2A15B3-FA85-41A6-9C75-611ED68BC2DC}"/>
-          </ac:cxnSpMkLst>
-        </pc:cxnChg>
-        <pc:cxnChg chg="del mod">
-          <ac:chgData name="Im JinSeop" userId="c40f7fbe82cfb90a" providerId="LiveId" clId="{BB420FD0-3EC0-4B65-81B7-3AA206F91FA5}" dt="2020-04-12T02:38:45.828" v="6709" actId="478"/>
-          <ac:cxnSpMkLst>
-            <pc:docMk/>
-            <pc:sldMk cId="689946609" sldId="280"/>
-            <ac:cxnSpMk id="46" creationId="{03288BF1-1A11-4083-B45D-B539E79333A5}"/>
-          </ac:cxnSpMkLst>
-        </pc:cxnChg>
-        <pc:cxnChg chg="del mod">
-          <ac:chgData name="Im JinSeop" userId="c40f7fbe82cfb90a" providerId="LiveId" clId="{BB420FD0-3EC0-4B65-81B7-3AA206F91FA5}" dt="2020-04-12T02:38:54.120" v="6713" actId="478"/>
-          <ac:cxnSpMkLst>
-            <pc:docMk/>
-            <pc:sldMk cId="689946609" sldId="280"/>
-            <ac:cxnSpMk id="58" creationId="{D969A6E6-F1BE-4787-BEF3-B2F68DBCB398}"/>
-          </ac:cxnSpMkLst>
-        </pc:cxnChg>
-        <pc:cxnChg chg="mod">
-          <ac:chgData name="Im JinSeop" userId="c40f7fbe82cfb90a" providerId="LiveId" clId="{BB420FD0-3EC0-4B65-81B7-3AA206F91FA5}" dt="2020-04-12T02:39:01.889" v="6714" actId="1076"/>
-          <ac:cxnSpMkLst>
-            <pc:docMk/>
-            <pc:sldMk cId="689946609" sldId="280"/>
-            <ac:cxnSpMk id="59" creationId="{50C43EC1-805D-4331-ADB3-DF44814E7A1F}"/>
-          </ac:cxnSpMkLst>
-        </pc:cxnChg>
-      </pc:sldChg>
-      <pc:sldChg chg="modSp mod">
-        <pc:chgData name="Im JinSeop" userId="c40f7fbe82cfb90a" providerId="LiveId" clId="{BB420FD0-3EC0-4B65-81B7-3AA206F91FA5}" dt="2020-04-12T02:47:21.702" v="7136" actId="20577"/>
-        <pc:sldMkLst>
-          <pc:docMk/>
-          <pc:sldMk cId="2535839192" sldId="283"/>
-        </pc:sldMkLst>
-        <pc:graphicFrameChg chg="mod modGraphic">
-          <ac:chgData name="Im JinSeop" userId="c40f7fbe82cfb90a" providerId="LiveId" clId="{BB420FD0-3EC0-4B65-81B7-3AA206F91FA5}" dt="2020-04-12T02:47:21.702" v="7136" actId="20577"/>
-          <ac:graphicFrameMkLst>
-            <pc:docMk/>
-            <pc:sldMk cId="2535839192" sldId="283"/>
-            <ac:graphicFrameMk id="3" creationId="{AE524969-6754-4E45-A1CE-9918F9DF008A}"/>
-          </ac:graphicFrameMkLst>
-        </pc:graphicFrameChg>
-      </pc:sldChg>
-      <pc:sldChg chg="delSp modSp mod">
-        <pc:chgData name="Im JinSeop" userId="c40f7fbe82cfb90a" providerId="LiveId" clId="{BB420FD0-3EC0-4B65-81B7-3AA206F91FA5}" dt="2020-04-05T11:13:26.222" v="981" actId="14100"/>
-        <pc:sldMkLst>
-          <pc:docMk/>
-          <pc:sldMk cId="2773449822" sldId="284"/>
-        </pc:sldMkLst>
-        <pc:spChg chg="mod">
-          <ac:chgData name="Im JinSeop" userId="c40f7fbe82cfb90a" providerId="LiveId" clId="{BB420FD0-3EC0-4B65-81B7-3AA206F91FA5}" dt="2020-04-05T11:13:17.553" v="979" actId="1036"/>
-          <ac:spMkLst>
-            <pc:docMk/>
-            <pc:sldMk cId="2773449822" sldId="284"/>
-            <ac:spMk id="2" creationId="{9F7DB3A1-43BB-4B31-AA91-EBBC6050F0BC}"/>
-          </ac:spMkLst>
-        </pc:spChg>
-        <pc:spChg chg="mod">
-          <ac:chgData name="Im JinSeop" userId="c40f7fbe82cfb90a" providerId="LiveId" clId="{BB420FD0-3EC0-4B65-81B7-3AA206F91FA5}" dt="2020-04-05T11:13:17.553" v="979" actId="1036"/>
-          <ac:spMkLst>
-            <pc:docMk/>
-            <pc:sldMk cId="2773449822" sldId="284"/>
-            <ac:spMk id="3" creationId="{A43AAB58-3FCB-476D-A844-DC37233CC840}"/>
-          </ac:spMkLst>
-        </pc:spChg>
-        <pc:spChg chg="mod">
-          <ac:chgData name="Im JinSeop" userId="c40f7fbe82cfb90a" providerId="LiveId" clId="{BB420FD0-3EC0-4B65-81B7-3AA206F91FA5}" dt="2020-04-05T11:13:17.553" v="979" actId="1036"/>
-          <ac:spMkLst>
-            <pc:docMk/>
-            <pc:sldMk cId="2773449822" sldId="284"/>
-            <ac:spMk id="9" creationId="{A606DE80-F965-4311-87CA-732D49EDC713}"/>
-          </ac:spMkLst>
-        </pc:spChg>
-        <pc:spChg chg="mod">
-          <ac:chgData name="Im JinSeop" userId="c40f7fbe82cfb90a" providerId="LiveId" clId="{BB420FD0-3EC0-4B65-81B7-3AA206F91FA5}" dt="2020-04-05T11:13:17.553" v="979" actId="1036"/>
-          <ac:spMkLst>
-            <pc:docMk/>
-            <pc:sldMk cId="2773449822" sldId="284"/>
-            <ac:spMk id="10" creationId="{F44A5101-DD8E-46AC-99DF-B52067E319F4}"/>
-          </ac:spMkLst>
-        </pc:spChg>
-        <pc:spChg chg="mod">
-          <ac:chgData name="Im JinSeop" userId="c40f7fbe82cfb90a" providerId="LiveId" clId="{BB420FD0-3EC0-4B65-81B7-3AA206F91FA5}" dt="2020-04-05T11:13:17.553" v="979" actId="1036"/>
-          <ac:spMkLst>
-            <pc:docMk/>
-            <pc:sldMk cId="2773449822" sldId="284"/>
-            <ac:spMk id="11" creationId="{DAB760DF-9741-4A3F-B0C7-422EEE78E64A}"/>
-          </ac:spMkLst>
-        </pc:spChg>
-        <pc:spChg chg="mod">
-          <ac:chgData name="Im JinSeop" userId="c40f7fbe82cfb90a" providerId="LiveId" clId="{BB420FD0-3EC0-4B65-81B7-3AA206F91FA5}" dt="2020-04-05T11:13:17.553" v="979" actId="1036"/>
-          <ac:spMkLst>
-            <pc:docMk/>
-            <pc:sldMk cId="2773449822" sldId="284"/>
-            <ac:spMk id="13" creationId="{208E6524-445A-40FC-975D-D096E62AB0DF}"/>
-          </ac:spMkLst>
-        </pc:spChg>
-        <pc:spChg chg="mod">
-          <ac:chgData name="Im JinSeop" userId="c40f7fbe82cfb90a" providerId="LiveId" clId="{BB420FD0-3EC0-4B65-81B7-3AA206F91FA5}" dt="2020-04-05T11:13:17.553" v="979" actId="1036"/>
-          <ac:spMkLst>
-            <pc:docMk/>
-            <pc:sldMk cId="2773449822" sldId="284"/>
-            <ac:spMk id="14" creationId="{6BF37631-CF67-4B06-9E1A-19A9D0D8360C}"/>
-          </ac:spMkLst>
-        </pc:spChg>
-        <pc:spChg chg="mod">
-          <ac:chgData name="Im JinSeop" userId="c40f7fbe82cfb90a" providerId="LiveId" clId="{BB420FD0-3EC0-4B65-81B7-3AA206F91FA5}" dt="2020-04-05T11:13:17.553" v="979" actId="1036"/>
-          <ac:spMkLst>
-            <pc:docMk/>
-            <pc:sldMk cId="2773449822" sldId="284"/>
-            <ac:spMk id="15" creationId="{483BB862-E132-451C-93BF-2D16047630B4}"/>
-          </ac:spMkLst>
-        </pc:spChg>
-        <pc:spChg chg="mod">
-          <ac:chgData name="Im JinSeop" userId="c40f7fbe82cfb90a" providerId="LiveId" clId="{BB420FD0-3EC0-4B65-81B7-3AA206F91FA5}" dt="2020-04-05T11:13:17.553" v="979" actId="1036"/>
-          <ac:spMkLst>
-            <pc:docMk/>
-            <pc:sldMk cId="2773449822" sldId="284"/>
-            <ac:spMk id="16" creationId="{EF9038D0-BCD5-4244-BFC8-4FF85B4F8B45}"/>
-          </ac:spMkLst>
-        </pc:spChg>
-        <pc:spChg chg="mod">
-          <ac:chgData name="Im JinSeop" userId="c40f7fbe82cfb90a" providerId="LiveId" clId="{BB420FD0-3EC0-4B65-81B7-3AA206F91FA5}" dt="2020-04-05T11:13:17.553" v="979" actId="1036"/>
-          <ac:spMkLst>
-            <pc:docMk/>
-            <pc:sldMk cId="2773449822" sldId="284"/>
-            <ac:spMk id="17" creationId="{CB2363EB-C453-4883-A30D-E89355A55F7E}"/>
-          </ac:spMkLst>
-        </pc:spChg>
-        <pc:spChg chg="mod">
-          <ac:chgData name="Im JinSeop" userId="c40f7fbe82cfb90a" providerId="LiveId" clId="{BB420FD0-3EC0-4B65-81B7-3AA206F91FA5}" dt="2020-04-05T11:13:26.222" v="981" actId="14100"/>
-          <ac:spMkLst>
-            <pc:docMk/>
-            <pc:sldMk cId="2773449822" sldId="284"/>
-            <ac:spMk id="19" creationId="{35401F4B-3F6D-403F-888B-E197E7A80072}"/>
-          </ac:spMkLst>
-        </pc:spChg>
-        <pc:spChg chg="mod">
-          <ac:chgData name="Im JinSeop" userId="c40f7fbe82cfb90a" providerId="LiveId" clId="{BB420FD0-3EC0-4B65-81B7-3AA206F91FA5}" dt="2020-04-05T11:13:17.553" v="979" actId="1036"/>
-          <ac:spMkLst>
-            <pc:docMk/>
-            <pc:sldMk cId="2773449822" sldId="284"/>
-            <ac:spMk id="20" creationId="{173B5BCC-B646-4122-B688-106019EAA7CD}"/>
-          </ac:spMkLst>
-        </pc:spChg>
-        <pc:spChg chg="del">
-          <ac:chgData name="Im JinSeop" userId="c40f7fbe82cfb90a" providerId="LiveId" clId="{BB420FD0-3EC0-4B65-81B7-3AA206F91FA5}" dt="2020-04-05T10:27:40.161" v="592" actId="478"/>
-          <ac:spMkLst>
-            <pc:docMk/>
-            <pc:sldMk cId="2773449822" sldId="284"/>
-            <ac:spMk id="21" creationId="{157640A7-C56D-430D-B958-EA4EC946FC88}"/>
-          </ac:spMkLst>
-        </pc:spChg>
-        <pc:spChg chg="mod">
-          <ac:chgData name="Im JinSeop" userId="c40f7fbe82cfb90a" providerId="LiveId" clId="{BB420FD0-3EC0-4B65-81B7-3AA206F91FA5}" dt="2020-04-05T11:13:17.553" v="979" actId="1036"/>
-          <ac:spMkLst>
-            <pc:docMk/>
-            <pc:sldMk cId="2773449822" sldId="284"/>
-            <ac:spMk id="22" creationId="{B880A5C6-E969-41FC-8C32-F948AA0238AC}"/>
-          </ac:spMkLst>
-        </pc:spChg>
-        <pc:spChg chg="mod">
-          <ac:chgData name="Im JinSeop" userId="c40f7fbe82cfb90a" providerId="LiveId" clId="{BB420FD0-3EC0-4B65-81B7-3AA206F91FA5}" dt="2020-04-05T11:13:17.553" v="979" actId="1036"/>
-          <ac:spMkLst>
-            <pc:docMk/>
-            <pc:sldMk cId="2773449822" sldId="284"/>
-            <ac:spMk id="24" creationId="{744227F9-00A7-4CA7-B365-2DCD79861C30}"/>
-          </ac:spMkLst>
-        </pc:spChg>
-      </pc:sldChg>
-      <pc:sldChg chg="del">
-        <pc:chgData name="Im JinSeop" userId="c40f7fbe82cfb90a" providerId="LiveId" clId="{BB420FD0-3EC0-4B65-81B7-3AA206F91FA5}" dt="2020-04-12T02:36:40.857" v="6613" actId="2696"/>
-        <pc:sldMkLst>
-          <pc:docMk/>
-          <pc:sldMk cId="1321801489" sldId="286"/>
-        </pc:sldMkLst>
-      </pc:sldChg>
-      <pc:sldChg chg="del">
-        <pc:chgData name="Im JinSeop" userId="c40f7fbe82cfb90a" providerId="LiveId" clId="{BB420FD0-3EC0-4B65-81B7-3AA206F91FA5}" dt="2020-04-12T02:36:40.857" v="6613" actId="2696"/>
-        <pc:sldMkLst>
-          <pc:docMk/>
-          <pc:sldMk cId="3574463847" sldId="290"/>
-        </pc:sldMkLst>
-      </pc:sldChg>
-      <pc:sldChg chg="addSp delSp modSp mod">
-        <pc:chgData name="Im JinSeop" userId="c40f7fbe82cfb90a" providerId="LiveId" clId="{BB420FD0-3EC0-4B65-81B7-3AA206F91FA5}" dt="2020-04-12T02:44:53.907" v="6824" actId="20577"/>
-        <pc:sldMkLst>
-          <pc:docMk/>
-          <pc:sldMk cId="4078702924" sldId="291"/>
-        </pc:sldMkLst>
-        <pc:spChg chg="mod">
-          <ac:chgData name="Im JinSeop" userId="c40f7fbe82cfb90a" providerId="LiveId" clId="{BB420FD0-3EC0-4B65-81B7-3AA206F91FA5}" dt="2020-04-12T02:41:59.819" v="6774" actId="20577"/>
-          <ac:spMkLst>
-            <pc:docMk/>
-            <pc:sldMk cId="4078702924" sldId="291"/>
-            <ac:spMk id="7" creationId="{D8C43799-51A4-416B-8D50-A206118507AF}"/>
-          </ac:spMkLst>
-        </pc:spChg>
-        <pc:spChg chg="del topLvl">
-          <ac:chgData name="Im JinSeop" userId="c40f7fbe82cfb90a" providerId="LiveId" clId="{BB420FD0-3EC0-4B65-81B7-3AA206F91FA5}" dt="2020-04-12T02:41:07.819" v="6718" actId="478"/>
-          <ac:spMkLst>
-            <pc:docMk/>
-            <pc:sldMk cId="4078702924" sldId="291"/>
-            <ac:spMk id="12" creationId="{6162B4DA-85D6-4220-B356-E10793E9AD82}"/>
-          </ac:spMkLst>
-        </pc:spChg>
-        <pc:spChg chg="del">
-          <ac:chgData name="Im JinSeop" userId="c40f7fbe82cfb90a" providerId="LiveId" clId="{BB420FD0-3EC0-4B65-81B7-3AA206F91FA5}" dt="2020-04-12T02:41:00.035" v="6716" actId="478"/>
-          <ac:spMkLst>
-            <pc:docMk/>
-            <pc:sldMk cId="4078702924" sldId="291"/>
-            <ac:spMk id="13" creationId="{B76FBAB2-76E0-4CBC-8AEF-CED0FB631D5C}"/>
-          </ac:spMkLst>
-        </pc:spChg>
-        <pc:spChg chg="del">
-          <ac:chgData name="Im JinSeop" userId="c40f7fbe82cfb90a" providerId="LiveId" clId="{BB420FD0-3EC0-4B65-81B7-3AA206F91FA5}" dt="2020-04-12T02:41:04.541" v="6717" actId="478"/>
-          <ac:spMkLst>
-            <pc:docMk/>
-            <pc:sldMk cId="4078702924" sldId="291"/>
-            <ac:spMk id="14" creationId="{27905BCF-AD2D-4345-9DA6-6E7052880959}"/>
-          </ac:spMkLst>
-        </pc:spChg>
-        <pc:spChg chg="mod topLvl">
-          <ac:chgData name="Im JinSeop" userId="c40f7fbe82cfb90a" providerId="LiveId" clId="{BB420FD0-3EC0-4B65-81B7-3AA206F91FA5}" dt="2020-04-12T02:41:50.488" v="6761" actId="20577"/>
-          <ac:spMkLst>
-            <pc:docMk/>
-            <pc:sldMk cId="4078702924" sldId="291"/>
-            <ac:spMk id="15" creationId="{047CE021-BD86-4A9B-9B04-88643D19A912}"/>
-          </ac:spMkLst>
-        </pc:spChg>
-        <pc:spChg chg="mod">
-          <ac:chgData name="Im JinSeop" userId="c40f7fbe82cfb90a" providerId="LiveId" clId="{BB420FD0-3EC0-4B65-81B7-3AA206F91FA5}" dt="2020-04-12T02:44:53.907" v="6824" actId="20577"/>
-          <ac:spMkLst>
-            <pc:docMk/>
-            <pc:sldMk cId="4078702924" sldId="291"/>
-            <ac:spMk id="33" creationId="{99ED45B1-8A7A-423F-9A86-FF3DC2030927}"/>
-          </ac:spMkLst>
-        </pc:spChg>
-        <pc:spChg chg="add del mod ord">
-          <ac:chgData name="Im JinSeop" userId="c40f7fbe82cfb90a" providerId="LiveId" clId="{BB420FD0-3EC0-4B65-81B7-3AA206F91FA5}" dt="2020-04-12T02:44:07.492" v="6786" actId="21"/>
-          <ac:spMkLst>
-            <pc:docMk/>
-            <pc:sldMk cId="4078702924" sldId="291"/>
-            <ac:spMk id="36" creationId="{504F9091-4711-4228-A8AB-95F99CC67B2F}"/>
-          </ac:spMkLst>
-        </pc:spChg>
-        <pc:spChg chg="add mod">
-          <ac:chgData name="Im JinSeop" userId="c40f7fbe82cfb90a" providerId="LiveId" clId="{BB420FD0-3EC0-4B65-81B7-3AA206F91FA5}" dt="2020-04-12T02:44:13.858" v="6788" actId="1076"/>
-          <ac:spMkLst>
-            <pc:docMk/>
-            <pc:sldMk cId="4078702924" sldId="291"/>
-            <ac:spMk id="45" creationId="{4581F1EE-A43B-4F8A-8D3B-4658262B8FB1}"/>
-          </ac:spMkLst>
-        </pc:spChg>
-        <pc:grpChg chg="del">
-          <ac:chgData name="Im JinSeop" userId="c40f7fbe82cfb90a" providerId="LiveId" clId="{BB420FD0-3EC0-4B65-81B7-3AA206F91FA5}" dt="2020-04-12T02:41:07.819" v="6718" actId="478"/>
-          <ac:grpSpMkLst>
-            <pc:docMk/>
-            <pc:sldMk cId="4078702924" sldId="291"/>
-            <ac:grpSpMk id="9" creationId="{1AAA44EA-530C-4D65-9DA9-8E48E98FC603}"/>
-          </ac:grpSpMkLst>
-        </pc:grpChg>
-        <pc:grpChg chg="del">
-          <ac:chgData name="Im JinSeop" userId="c40f7fbe82cfb90a" providerId="LiveId" clId="{BB420FD0-3EC0-4B65-81B7-3AA206F91FA5}" dt="2020-04-12T02:43:51.634" v="6782" actId="21"/>
-          <ac:grpSpMkLst>
-            <pc:docMk/>
-            <pc:sldMk cId="4078702924" sldId="291"/>
-            <ac:grpSpMk id="11" creationId="{DA11B989-F64D-4A9B-9E72-47E42FC10AC5}"/>
-          </ac:grpSpMkLst>
-        </pc:grpChg>
-        <pc:grpChg chg="add del mod">
-          <ac:chgData name="Im JinSeop" userId="c40f7fbe82cfb90a" providerId="LiveId" clId="{BB420FD0-3EC0-4B65-81B7-3AA206F91FA5}" dt="2020-04-12T02:44:07.492" v="6786" actId="21"/>
-          <ac:grpSpMkLst>
-            <pc:docMk/>
-            <pc:sldMk cId="4078702924" sldId="291"/>
-            <ac:grpSpMk id="37" creationId="{2B2E25E8-727A-4BAD-A922-65811F2576AB}"/>
-          </ac:grpSpMkLst>
-        </pc:grpChg>
-        <pc:grpChg chg="add mod">
-          <ac:chgData name="Im JinSeop" userId="c40f7fbe82cfb90a" providerId="LiveId" clId="{BB420FD0-3EC0-4B65-81B7-3AA206F91FA5}" dt="2020-04-12T02:44:13.858" v="6788" actId="1076"/>
-          <ac:grpSpMkLst>
-            <pc:docMk/>
-            <pc:sldMk cId="4078702924" sldId="291"/>
-            <ac:grpSpMk id="46" creationId="{1DB1497A-C7E4-461B-BB5E-FB5AF1870C62}"/>
-          </ac:grpSpMkLst>
-        </pc:grpChg>
-        <pc:cxnChg chg="mod">
-          <ac:chgData name="Im JinSeop" userId="c40f7fbe82cfb90a" providerId="LiveId" clId="{BB420FD0-3EC0-4B65-81B7-3AA206F91FA5}" dt="2020-04-12T02:41:10.809" v="6719" actId="14100"/>
-          <ac:cxnSpMkLst>
-            <pc:docMk/>
-            <pc:sldMk cId="4078702924" sldId="291"/>
-            <ac:cxnSpMk id="26" creationId="{843BDB77-8218-480F-8C4F-18D86AC63BF1}"/>
-          </ac:cxnSpMkLst>
-        </pc:cxnChg>
-        <pc:cxnChg chg="mod">
-          <ac:chgData name="Im JinSeop" userId="c40f7fbe82cfb90a" providerId="LiveId" clId="{BB420FD0-3EC0-4B65-81B7-3AA206F91FA5}" dt="2020-04-12T02:41:12.862" v="6720" actId="14100"/>
-          <ac:cxnSpMkLst>
-            <pc:docMk/>
-            <pc:sldMk cId="4078702924" sldId="291"/>
-            <ac:cxnSpMk id="32" creationId="{74E97817-FA8C-4CC4-A65B-CD345776265E}"/>
-          </ac:cxnSpMkLst>
-        </pc:cxnChg>
-        <pc:cxnChg chg="mod">
-          <ac:chgData name="Im JinSeop" userId="c40f7fbe82cfb90a" providerId="LiveId" clId="{BB420FD0-3EC0-4B65-81B7-3AA206F91FA5}" dt="2020-04-12T02:41:07.819" v="6718" actId="478"/>
-          <ac:cxnSpMkLst>
-            <pc:docMk/>
-            <pc:sldMk cId="4078702924" sldId="291"/>
-            <ac:cxnSpMk id="35" creationId="{720B27F7-DDF2-43B4-9544-49C9C02D4950}"/>
-          </ac:cxnSpMkLst>
-        </pc:cxnChg>
-        <pc:cxnChg chg="mod">
-          <ac:chgData name="Im JinSeop" userId="c40f7fbe82cfb90a" providerId="LiveId" clId="{BB420FD0-3EC0-4B65-81B7-3AA206F91FA5}" dt="2020-04-12T02:44:18.251" v="6789" actId="14100"/>
-          <ac:cxnSpMkLst>
-            <pc:docMk/>
-            <pc:sldMk cId="4078702924" sldId="291"/>
-            <ac:cxnSpMk id="39" creationId="{677F2BAA-D327-4842-AB8D-A199B2EDF161}"/>
-          </ac:cxnSpMkLst>
-        </pc:cxnChg>
-        <pc:cxnChg chg="mod">
-          <ac:chgData name="Im JinSeop" userId="c40f7fbe82cfb90a" providerId="LiveId" clId="{BB420FD0-3EC0-4B65-81B7-3AA206F91FA5}" dt="2020-04-12T02:44:21.860" v="6790" actId="14100"/>
-          <ac:cxnSpMkLst>
-            <pc:docMk/>
-            <pc:sldMk cId="4078702924" sldId="291"/>
-            <ac:cxnSpMk id="42" creationId="{8E778818-68D0-4F9D-8BD0-C51A43E7D419}"/>
-          </ac:cxnSpMkLst>
-        </pc:cxnChg>
-        <pc:cxnChg chg="mod">
-          <ac:chgData name="Im JinSeop" userId="c40f7fbe82cfb90a" providerId="LiveId" clId="{BB420FD0-3EC0-4B65-81B7-3AA206F91FA5}" dt="2020-04-12T02:41:04.541" v="6717" actId="478"/>
-          <ac:cxnSpMkLst>
-            <pc:docMk/>
-            <pc:sldMk cId="4078702924" sldId="291"/>
-            <ac:cxnSpMk id="49" creationId="{7CD2C57D-89E2-4EA2-871F-0AC1A9585CE6}"/>
-          </ac:cxnSpMkLst>
-        </pc:cxnChg>
-      </pc:sldChg>
-      <pc:sldChg chg="del">
-        <pc:chgData name="Im JinSeop" userId="c40f7fbe82cfb90a" providerId="LiveId" clId="{BB420FD0-3EC0-4B65-81B7-3AA206F91FA5}" dt="2020-04-12T02:44:38.385" v="6791" actId="2696"/>
-        <pc:sldMkLst>
-          <pc:docMk/>
-          <pc:sldMk cId="2858332352" sldId="292"/>
-        </pc:sldMkLst>
-      </pc:sldChg>
-      <pc:sldChg chg="addSp delSp modSp add mod">
-        <pc:chgData name="Im JinSeop" userId="c40f7fbe82cfb90a" providerId="LiveId" clId="{BB420FD0-3EC0-4B65-81B7-3AA206F91FA5}" dt="2020-04-12T02:09:41.474" v="6178" actId="14100"/>
-        <pc:sldMkLst>
-          <pc:docMk/>
-          <pc:sldMk cId="237923676" sldId="293"/>
-        </pc:sldMkLst>
-        <pc:spChg chg="del">
-          <ac:chgData name="Im JinSeop" userId="c40f7fbe82cfb90a" providerId="LiveId" clId="{BB420FD0-3EC0-4B65-81B7-3AA206F91FA5}" dt="2020-04-12T01:46:36.429" v="4057" actId="478"/>
-          <ac:spMkLst>
-            <pc:docMk/>
-            <pc:sldMk cId="237923676" sldId="293"/>
-            <ac:spMk id="3" creationId="{07EF19B9-D6C8-4295-B7CE-3CEC7BC4B644}"/>
-          </ac:spMkLst>
-        </pc:spChg>
-        <pc:spChg chg="mod">
-          <ac:chgData name="Im JinSeop" userId="c40f7fbe82cfb90a" providerId="LiveId" clId="{BB420FD0-3EC0-4B65-81B7-3AA206F91FA5}" dt="2020-04-12T01:46:22.939" v="4056"/>
-          <ac:spMkLst>
-            <pc:docMk/>
-            <pc:sldMk cId="237923676" sldId="293"/>
-            <ac:spMk id="18" creationId="{446ABC95-5C1D-4F29-B39B-389795BB8D6E}"/>
-          </ac:spMkLst>
-        </pc:spChg>
-        <pc:graphicFrameChg chg="add mod modGraphic">
-          <ac:chgData name="Im JinSeop" userId="c40f7fbe82cfb90a" providerId="LiveId" clId="{BB420FD0-3EC0-4B65-81B7-3AA206F91FA5}" dt="2020-04-12T02:09:41.474" v="6178" actId="14100"/>
-          <ac:graphicFrameMkLst>
-            <pc:docMk/>
-            <pc:sldMk cId="237923676" sldId="293"/>
-            <ac:graphicFrameMk id="9" creationId="{EDB41114-8424-4D5A-9121-3D2C721707E8}"/>
-          </ac:graphicFrameMkLst>
-        </pc:graphicFrameChg>
-        <pc:picChg chg="del">
-          <ac:chgData name="Im JinSeop" userId="c40f7fbe82cfb90a" providerId="LiveId" clId="{BB420FD0-3EC0-4B65-81B7-3AA206F91FA5}" dt="2020-04-12T01:46:36.429" v="4057" actId="478"/>
-          <ac:picMkLst>
-            <pc:docMk/>
-            <pc:sldMk cId="237923676" sldId="293"/>
-            <ac:picMk id="1026" creationId="{3D05E479-F8EA-4490-9B1C-14ACDBA39C1C}"/>
-          </ac:picMkLst>
-        </pc:picChg>
-        <pc:picChg chg="del">
-          <ac:chgData name="Im JinSeop" userId="c40f7fbe82cfb90a" providerId="LiveId" clId="{BB420FD0-3EC0-4B65-81B7-3AA206F91FA5}" dt="2020-04-12T01:46:36.429" v="4057" actId="478"/>
-          <ac:picMkLst>
-            <pc:docMk/>
-            <pc:sldMk cId="237923676" sldId="293"/>
-            <ac:picMk id="3076" creationId="{69F014AB-1C0D-436F-907A-B3E759E2D84D}"/>
-          </ac:picMkLst>
-        </pc:picChg>
-      </pc:sldChg>
-      <pc:sldChg chg="addSp delSp modSp add mod">
-        <pc:chgData name="Im JinSeop" userId="c40f7fbe82cfb90a" providerId="LiveId" clId="{BB420FD0-3EC0-4B65-81B7-3AA206F91FA5}" dt="2020-04-12T02:05:55.503" v="5992" actId="1076"/>
-        <pc:sldMkLst>
-          <pc:docMk/>
-          <pc:sldMk cId="3336643065" sldId="294"/>
-        </pc:sldMkLst>
-        <pc:picChg chg="del">
-          <ac:chgData name="Im JinSeop" userId="c40f7fbe82cfb90a" providerId="LiveId" clId="{BB420FD0-3EC0-4B65-81B7-3AA206F91FA5}" dt="2020-04-12T02:05:03.307" v="5986" actId="478"/>
-          <ac:picMkLst>
-            <pc:docMk/>
-            <pc:sldMk cId="3336643065" sldId="294"/>
-            <ac:picMk id="2" creationId="{00792A01-503B-47E4-A596-3ED0600576D8}"/>
-          </ac:picMkLst>
-        </pc:picChg>
-        <pc:picChg chg="add mod">
-          <ac:chgData name="Im JinSeop" userId="c40f7fbe82cfb90a" providerId="LiveId" clId="{BB420FD0-3EC0-4B65-81B7-3AA206F91FA5}" dt="2020-04-12T02:05:55.503" v="5992" actId="1076"/>
-          <ac:picMkLst>
-            <pc:docMk/>
-            <pc:sldMk cId="3336643065" sldId="294"/>
-            <ac:picMk id="3" creationId="{D6137C56-91CF-483D-97A1-E3B72FB6425B}"/>
-          </ac:picMkLst>
-        </pc:picChg>
-        <pc:picChg chg="del">
-          <ac:chgData name="Im JinSeop" userId="c40f7fbe82cfb90a" providerId="LiveId" clId="{BB420FD0-3EC0-4B65-81B7-3AA206F91FA5}" dt="2020-04-12T02:05:03.307" v="5986" actId="478"/>
-          <ac:picMkLst>
-            <pc:docMk/>
-            <pc:sldMk cId="3336643065" sldId="294"/>
-            <ac:picMk id="4098" creationId="{B1A00018-9BA9-4606-9F85-5C5436BEA496}"/>
-          </ac:picMkLst>
-        </pc:picChg>
-      </pc:sldChg>
-      <pc:sldChg chg="add">
-        <pc:chgData name="Im JinSeop" userId="c40f7fbe82cfb90a" providerId="LiveId" clId="{BB420FD0-3EC0-4B65-81B7-3AA206F91FA5}" dt="2020-04-12T02:13:04.777" v="6232"/>
-        <pc:sldMkLst>
-          <pc:docMk/>
-          <pc:sldMk cId="653954211" sldId="295"/>
-        </pc:sldMkLst>
       </pc:sldChg>
     </pc:docChg>
   </pc:docChgLst>
@@ -7183,7 +7183,7 @@
           <a:p>
             <a:fld id="{17FB36FB-C10C-479A-9DFD-15DEB134881C}" type="datetimeFigureOut">
               <a:rPr lang="ko-KR" altLang="en-US" smtClean="0"/>
-              <a:t>2020-04-12</a:t>
+              <a:t>2020-09-06</a:t>
             </a:fld>
             <a:endParaRPr lang="ko-KR" altLang="en-US"/>
           </a:p>
